--- a/プレゼン/enpit_dan.pptx
+++ b/プレゼン/enpit_dan.pptx
@@ -822,7 +822,15 @@
             </a:r>
             <a:r>
               <a:rPr lang="ja-JP" altLang="en-US" dirty="0"/>
-              <a:t>段原　丞治と真鍋　樹が発表させていただきます。</a:t>
+              <a:t>段原　丞</a:t>
+            </a:r>
+            <a:r>
+              <a:rPr lang="ja-JP" altLang="en-US" dirty="0" smtClean="0"/>
+              <a:t>治が</a:t>
+            </a:r>
+            <a:r>
+              <a:rPr lang="ja-JP" altLang="en-US" dirty="0"/>
+              <a:t>発表させていただきます。</a:t>
             </a:r>
             <a:endParaRPr kumimoji="1" lang="en-US" altLang="ja-JP" dirty="0"/>
           </a:p>
@@ -1713,7 +1721,15 @@
             </a:r>
             <a:r>
               <a:rPr kumimoji="1" lang="ja-JP" altLang="en-US" dirty="0"/>
-              <a:t>回を超えたあたりで値が安定していることが確認できます。</a:t>
+              <a:t>回を超えたあたり</a:t>
+            </a:r>
+            <a:r>
+              <a:rPr kumimoji="1" lang="ja-JP" altLang="en-US" dirty="0" smtClean="0"/>
+              <a:t>で損失が</a:t>
+            </a:r>
+            <a:r>
+              <a:rPr kumimoji="1" lang="ja-JP" altLang="en-US" dirty="0"/>
+              <a:t>安定していることが確認できます。</a:t>
             </a:r>
           </a:p>
         </p:txBody>
@@ -1845,8 +1861,32 @@
           <a:p>
             <a:r>
               <a:rPr kumimoji="1" lang="ja-JP" altLang="en-US" dirty="0"/>
-              <a:t>決済は、先ほど割り出した合計金額をユーザの口座から引きます。</a:t>
-            </a:r>
+              <a:t>決済は、先ほど割り出した合計金額をユーザの</a:t>
+            </a:r>
+            <a:r>
+              <a:rPr kumimoji="1" lang="ja-JP" altLang="en-US" dirty="0" smtClean="0"/>
+              <a:t>口座管理</a:t>
+            </a:r>
+            <a:r>
+              <a:rPr kumimoji="1" lang="en-US" altLang="ja-JP" dirty="0" smtClean="0"/>
+              <a:t>DB</a:t>
+            </a:r>
+            <a:r>
+              <a:rPr kumimoji="1" lang="ja-JP" altLang="en-US" dirty="0" smtClean="0"/>
+              <a:t>から</a:t>
+            </a:r>
+            <a:r>
+              <a:rPr kumimoji="1" lang="ja-JP" altLang="en-US" dirty="0"/>
+              <a:t>引きます</a:t>
+            </a:r>
+            <a:r>
+              <a:rPr kumimoji="1" lang="ja-JP" altLang="en-US" dirty="0" smtClean="0"/>
+              <a:t>。</a:t>
+            </a:r>
+            <a:endParaRPr kumimoji="1" lang="en-US" altLang="ja-JP" dirty="0" smtClean="0"/>
+          </a:p>
+          <a:p>
+            <a:endParaRPr kumimoji="1" lang="ja-JP" altLang="en-US" dirty="0"/>
           </a:p>
         </p:txBody>
       </p:sp>
@@ -2142,7 +2182,26 @@
           <a:p>
             <a:r>
               <a:rPr kumimoji="1" lang="ja-JP" altLang="en-US" dirty="0"/>
-              <a:t>実装してテストを行った結果、要求や設計を満足したシステムを制作できました。</a:t>
+              <a:t>実装してテストを行った結果、要求や設計を満足したシステムを制作できました</a:t>
+            </a:r>
+            <a:r>
+              <a:rPr kumimoji="1" lang="ja-JP" altLang="en-US" dirty="0" smtClean="0"/>
+              <a:t>。</a:t>
+            </a:r>
+            <a:endParaRPr kumimoji="1" lang="en-US" altLang="ja-JP" dirty="0" smtClean="0"/>
+          </a:p>
+          <a:p>
+            <a:r>
+              <a:rPr lang="ja-JP" altLang="en-US" dirty="0" smtClean="0"/>
+              <a:t>グループで実装を円滑に行うために </a:t>
+            </a:r>
+            <a:r>
+              <a:rPr lang="en-US" altLang="ja-JP" dirty="0" smtClean="0"/>
+              <a:t>GitHub </a:t>
+            </a:r>
+            <a:r>
+              <a:rPr lang="ja-JP" altLang="en-US" dirty="0" smtClean="0"/>
+              <a:t>を使用して行いました。今回開発したシステムは、高い安定度を維持することができれば、既存のセルフレジと比べて極めて安価なリソースでサービスを提供することが可能であることを確認した。</a:t>
             </a:r>
             <a:endParaRPr kumimoji="1" lang="en-US" altLang="ja-JP" dirty="0"/>
           </a:p>
@@ -2400,11 +2459,55 @@
             </a:pPr>
             <a:r>
               <a:rPr kumimoji="1" lang="ja-JP" altLang="en-US" dirty="0"/>
-              <a:t>研究背景としましては、現在日本では少子高齢化が進んでおり、働き手が減少しております。</a:t>
+              <a:t>研究背景としましては、現在日本では少子高齢化が進んでおり、働き手が減少しております</a:t>
+            </a:r>
+            <a:r>
+              <a:rPr kumimoji="1" lang="ja-JP" altLang="en-US" dirty="0" smtClean="0"/>
+              <a:t>。厚生労働省の統計では、生産年齢人口が、</a:t>
+            </a:r>
+            <a:r>
+              <a:rPr kumimoji="1" lang="en-US" altLang="ja-JP" dirty="0" smtClean="0"/>
+              <a:t>2040</a:t>
+            </a:r>
+            <a:r>
+              <a:rPr kumimoji="1" lang="ja-JP" altLang="en-US" dirty="0" smtClean="0"/>
+              <a:t>年には</a:t>
+            </a:r>
+            <a:r>
+              <a:rPr kumimoji="1" lang="en-US" altLang="ja-JP" dirty="0" smtClean="0"/>
+              <a:t>5,245</a:t>
+            </a:r>
+            <a:r>
+              <a:rPr kumimoji="1" lang="ja-JP" altLang="en-US" dirty="0" smtClean="0"/>
+              <a:t>万人まで減少する見込みとなっています。</a:t>
+            </a:r>
+            <a:endParaRPr kumimoji="1" lang="en-US" altLang="ja-JP" dirty="0" smtClean="0"/>
+          </a:p>
+          <a:p>
+            <a:pPr marL="0" marR="0" lvl="0" indent="0" algn="l" defTabSz="914400" rtl="0" eaLnBrk="1" fontAlgn="auto" latinLnBrk="0" hangingPunct="1">
+              <a:lnSpc>
+                <a:spcPct val="100000"/>
+              </a:lnSpc>
+              <a:spcBef>
+                <a:spcPts val="0"/>
+              </a:spcBef>
+              <a:spcAft>
+                <a:spcPts val="0"/>
+              </a:spcAft>
+              <a:buClrTx/>
+              <a:buSzTx/>
+              <a:buFontTx/>
+              <a:buNone/>
+              <a:tabLst/>
+              <a:defRPr/>
+            </a:pPr>
+            <a:r>
+              <a:rPr lang="ja-JP" altLang="en-US" sz="1200" dirty="0" smtClean="0"/>
+              <a:t>サービス</a:t>
             </a:r>
             <a:r>
               <a:rPr lang="ja-JP" altLang="en-US" sz="1200" dirty="0"/>
-              <a:t>サービス業者にも人手不足の問題が深刻化おり、セルフレジの導入が進んでいます。しかしながら、セルフレジは導入コストが高いという問題があります。</a:t>
+              <a:t>業者にも人手不足の問題が深刻化おり、セルフレジの導入が進んでいます。しかしながら、セルフレジは導入コストが高いという問題があります。</a:t>
             </a:r>
             <a:endParaRPr lang="en-US" altLang="ja-JP" sz="1200" dirty="0"/>
           </a:p>
@@ -3169,37 +3272,52 @@
               <a:defRPr/>
             </a:pPr>
             <a:r>
-              <a:rPr kumimoji="1" lang="en-US" altLang="ja-JP"/>
+              <a:rPr kumimoji="1" lang="en-US" altLang="ja-JP" dirty="0"/>
               <a:t>【</a:t>
             </a:r>
             <a:r>
-              <a:rPr kumimoji="1" lang="ja-JP" altLang="en-US"/>
+              <a:rPr kumimoji="1" lang="ja-JP" altLang="en-US" dirty="0"/>
               <a:t>段原</a:t>
             </a:r>
             <a:r>
-              <a:rPr kumimoji="1" lang="en-US" altLang="ja-JP"/>
+              <a:rPr kumimoji="1" lang="en-US" altLang="ja-JP" dirty="0"/>
               <a:t>】</a:t>
             </a:r>
           </a:p>
           <a:p>
             <a:r>
-              <a:rPr kumimoji="1" lang="ja-JP" altLang="en-US"/>
+              <a:rPr kumimoji="1" lang="ja-JP" altLang="en-US" dirty="0"/>
               <a:t>本研究では、グループで開発を行いました。開発者同士のコミュニケーションギャップの解消のため、</a:t>
             </a:r>
             <a:r>
-              <a:rPr kumimoji="1" lang="en-US" altLang="ja-JP"/>
+              <a:rPr kumimoji="1" lang="en-US" altLang="ja-JP" dirty="0"/>
               <a:t>V</a:t>
             </a:r>
             <a:r>
-              <a:rPr kumimoji="1" lang="ja-JP" altLang="en-US"/>
-              <a:t>字モデルに従い開発・検証を行いました。設計の際には、</a:t>
-            </a:r>
-            <a:r>
-              <a:rPr kumimoji="1" lang="en-US" altLang="ja-JP"/>
+              <a:rPr kumimoji="1" lang="ja-JP" altLang="en-US" dirty="0"/>
+              <a:t>字モデルに従い開発・検証を行いました</a:t>
+            </a:r>
+            <a:r>
+              <a:rPr kumimoji="1" lang="ja-JP" altLang="en-US" dirty="0" smtClean="0"/>
+              <a:t>。</a:t>
+            </a:r>
+            <a:endParaRPr kumimoji="1" lang="en-US" altLang="ja-JP" dirty="0" smtClean="0"/>
+          </a:p>
+          <a:p>
+            <a:r>
+              <a:rPr kumimoji="1" lang="ja-JP" altLang="en-US" dirty="0" smtClean="0"/>
+              <a:t>設計</a:t>
+            </a:r>
+            <a:r>
+              <a:rPr kumimoji="1" lang="ja-JP" altLang="en-US" dirty="0"/>
+              <a:t>の際には、</a:t>
+            </a:r>
+            <a:r>
+              <a:rPr kumimoji="1" lang="en-US" altLang="ja-JP" dirty="0"/>
               <a:t>Unified Modeling Language</a:t>
             </a:r>
             <a:r>
-              <a:rPr kumimoji="1" lang="ja-JP" altLang="en-US"/>
+              <a:rPr kumimoji="1" lang="ja-JP" altLang="en-US" dirty="0"/>
               <a:t>という統一モデリング言語を用い、あいまいな定義になるのを防ぎました。</a:t>
             </a:r>
           </a:p>
@@ -11647,6 +11765,10 @@
               <a:rPr lang="ja-JP" altLang="en-US" sz="4400" dirty="0"/>
               <a:t>画像情報によるスマートセルフ</a:t>
             </a:r>
+            <a:r>
+              <a:rPr lang="en-US" altLang="ja-JP" sz="4400" dirty="0"/>
+              <a:t/>
+            </a:r>
             <a:br>
               <a:rPr lang="en-US" altLang="ja-JP" sz="4400" dirty="0"/>
             </a:br>
@@ -11671,7 +11793,7 @@
         <p:spPr>
           <a:xfrm>
             <a:off x="1124544" y="4487176"/>
-            <a:ext cx="10058400" cy="1143000"/>
+            <a:ext cx="10058400" cy="1634950"/>
           </a:xfrm>
         </p:spPr>
         <p:txBody>
@@ -11681,9 +11803,10 @@
           <a:lstStyle/>
           <a:p>
             <a:r>
-              <a:rPr kumimoji="1" lang="en-US" altLang="ja-JP" dirty="0"/>
-              <a:t>2019/02/05</a:t>
-            </a:r>
+              <a:rPr kumimoji="1" lang="en-US" altLang="ja-JP" dirty="0" smtClean="0"/>
+              <a:t>2019/02/017</a:t>
+            </a:r>
+            <a:endParaRPr kumimoji="1" lang="en-US" altLang="ja-JP" dirty="0"/>
           </a:p>
           <a:p>
             <a:r>
@@ -11741,6 +11864,13 @@
   <p:clrMapOvr>
     <a:masterClrMapping/>
   </p:clrMapOvr>
+  <p:timing>
+    <p:tnLst>
+      <p:par>
+        <p:cTn id="1" dur="indefinite" restart="never" nodeType="tmRoot"/>
+      </p:par>
+    </p:tnLst>
+  </p:timing>
 </p:sld>
 </file>
 
@@ -11836,6 +11966,13 @@
   <p:clrMapOvr>
     <a:masterClrMapping/>
   </p:clrMapOvr>
+  <p:timing>
+    <p:tnLst>
+      <p:par>
+        <p:cTn id="1" dur="indefinite" restart="never" nodeType="tmRoot"/>
+      </p:par>
+    </p:tnLst>
+  </p:timing>
 </p:sld>
 </file>
 
@@ -11982,6 +12119,13 @@
   <p:clrMapOvr>
     <a:masterClrMapping/>
   </p:clrMapOvr>
+  <p:timing>
+    <p:tnLst>
+      <p:par>
+        <p:cTn id="1" dur="indefinite" restart="never" nodeType="tmRoot"/>
+      </p:par>
+    </p:tnLst>
+  </p:timing>
 </p:sld>
 </file>
 
@@ -12092,6 +12236,13 @@
   <p:clrMapOvr>
     <a:masterClrMapping/>
   </p:clrMapOvr>
+  <p:timing>
+    <p:tnLst>
+      <p:par>
+        <p:cTn id="1" dur="indefinite" restart="never" nodeType="tmRoot"/>
+      </p:par>
+    </p:tnLst>
+  </p:timing>
 </p:sld>
 </file>
 
@@ -12585,6 +12736,13 @@
   <p:clrMapOvr>
     <a:masterClrMapping/>
   </p:clrMapOvr>
+  <p:timing>
+    <p:tnLst>
+      <p:par>
+        <p:cTn id="1" dur="indefinite" restart="never" nodeType="tmRoot"/>
+      </p:par>
+    </p:tnLst>
+  </p:timing>
 </p:sld>
 </file>
 
@@ -12621,7 +12779,7 @@
                 <a16:creationId xmlns:a16="http://schemas.microsoft.com/office/drawing/2014/main" id="{7DE3B1B8-DC38-48E8-8C31-EF790659B582}"/>
               </a:ext>
               <a:ext uri="{C183D7F6-B498-43B3-948B-1728B52AA6E4}">
-                <adec:decorative xmlns:adec="http://schemas.microsoft.com/office/drawing/2017/decorative" val="1"/>
+                <adec:decorative xmlns:adec="http://schemas.microsoft.com/office/drawing/2017/decorative" xmlns="" val="1"/>
               </a:ext>
             </a:extLst>
           </p:cNvPr>
@@ -12676,7 +12834,7 @@
                 <a16:creationId xmlns:a16="http://schemas.microsoft.com/office/drawing/2014/main" id="{9E63FFFE-1DB2-4A0F-B495-35782F162299}"/>
               </a:ext>
               <a:ext uri="{C183D7F6-B498-43B3-948B-1728B52AA6E4}">
-                <adec:decorative xmlns:adec="http://schemas.microsoft.com/office/drawing/2017/decorative" val="1"/>
+                <adec:decorative xmlns:adec="http://schemas.microsoft.com/office/drawing/2017/decorative" xmlns="" val="1"/>
               </a:ext>
             </a:extLst>
           </p:cNvPr>
@@ -12731,7 +12889,7 @@
                 <a16:creationId xmlns:a16="http://schemas.microsoft.com/office/drawing/2014/main" id="{32BB9A07-8AB8-4D82-B3BC-B500DDEC79A1}"/>
               </a:ext>
               <a:ext uri="{C183D7F6-B498-43B3-948B-1728B52AA6E4}">
-                <adec:decorative xmlns:adec="http://schemas.microsoft.com/office/drawing/2017/decorative" val="1"/>
+                <adec:decorative xmlns:adec="http://schemas.microsoft.com/office/drawing/2017/decorative" xmlns="" val="1"/>
               </a:ext>
             </a:extLst>
           </p:cNvPr>
@@ -12786,7 +12944,7 @@
                 <a16:creationId xmlns:a16="http://schemas.microsoft.com/office/drawing/2014/main" id="{08CB54FC-0B2A-4107-9A70-958B90B76585}"/>
               </a:ext>
               <a:ext uri="{C183D7F6-B498-43B3-948B-1728B52AA6E4}">
-                <adec:decorative xmlns:adec="http://schemas.microsoft.com/office/drawing/2017/decorative" val="1"/>
+                <adec:decorative xmlns:adec="http://schemas.microsoft.com/office/drawing/2017/decorative" xmlns="" val="1"/>
               </a:ext>
             </a:extLst>
           </p:cNvPr>
@@ -12923,7 +13081,7 @@
                 <a16:creationId xmlns:a16="http://schemas.microsoft.com/office/drawing/2014/main" id="{7855A9B5-1710-4B19-B0F1-CDFDD4ED5B7E}"/>
               </a:ext>
               <a:ext uri="{C183D7F6-B498-43B3-948B-1728B52AA6E4}">
-                <adec:decorative xmlns:adec="http://schemas.microsoft.com/office/drawing/2017/decorative" val="1"/>
+                <adec:decorative xmlns:adec="http://schemas.microsoft.com/office/drawing/2017/decorative" xmlns="" val="1"/>
               </a:ext>
             </a:extLst>
           </p:cNvPr>
@@ -12973,116 +13131,13 @@
       </p:cxnSp>
       <p:sp>
         <p:nvSpPr>
-          <p:cNvPr id="5" name="コンテンツ プレースホルダー 4">
-            <a:extLst>
-              <a:ext uri="{FF2B5EF4-FFF2-40B4-BE49-F238E27FC236}">
-                <a16:creationId xmlns:a16="http://schemas.microsoft.com/office/drawing/2014/main" id="{1A04B850-C862-4CA8-B9D9-27A9963AE07A}"/>
-              </a:ext>
-            </a:extLst>
-          </p:cNvPr>
-          <p:cNvSpPr>
-            <a:spLocks noGrp="1"/>
-          </p:cNvSpPr>
-          <p:nvPr>
-            <p:ph sz="half" idx="2"/>
-          </p:nvPr>
-        </p:nvSpPr>
-        <p:spPr>
-          <a:xfrm>
-            <a:off x="6411684" y="2198914"/>
-            <a:ext cx="5347178" cy="3670180"/>
-          </a:xfrm>
-        </p:spPr>
-        <p:txBody>
-          <a:bodyPr vert="horz" lIns="0" tIns="45720" rIns="0" bIns="45720" rtlCol="0">
-            <a:normAutofit/>
-          </a:bodyPr>
-          <a:lstStyle/>
-          <a:p>
-            <a:r>
-              <a:rPr kumimoji="1" lang="ja-JP" altLang="en-US" sz="2800" dirty="0"/>
-              <a:t>・学習使用した</a:t>
-            </a:r>
-            <a:r>
-              <a:rPr kumimoji="1" lang="en-US" altLang="ja-JP" sz="2800" dirty="0"/>
-              <a:t>GPU</a:t>
-            </a:r>
-          </a:p>
-          <a:p>
-            <a:pPr lvl="1"/>
-            <a:r>
-              <a:rPr lang="en-US" altLang="ja-JP" sz="2400" dirty="0"/>
-              <a:t>GTX1050Ti 4GB</a:t>
-            </a:r>
-          </a:p>
-          <a:p>
-            <a:r>
-              <a:rPr kumimoji="1" lang="ja-JP" altLang="en-US" sz="2800" dirty="0"/>
-              <a:t>・学習に使用し</a:t>
-            </a:r>
-            <a:r>
-              <a:rPr lang="ja-JP" altLang="en-US" sz="2800" dirty="0"/>
-              <a:t>た教師データ数</a:t>
-            </a:r>
-            <a:endParaRPr lang="en-US" altLang="ja-JP" sz="2800" dirty="0"/>
-          </a:p>
-          <a:p>
-            <a:pPr lvl="1"/>
-            <a:r>
-              <a:rPr lang="ja-JP" altLang="en-US" sz="2400" dirty="0"/>
-              <a:t>約</a:t>
-            </a:r>
-            <a:r>
-              <a:rPr lang="en-US" altLang="ja-JP" sz="2400" dirty="0"/>
-              <a:t>2600</a:t>
-            </a:r>
-            <a:r>
-              <a:rPr lang="ja-JP" altLang="en-US" sz="2400" dirty="0"/>
-              <a:t>枚</a:t>
-            </a:r>
-            <a:endParaRPr lang="en-US" altLang="ja-JP" sz="2400" dirty="0"/>
-          </a:p>
-          <a:p>
-            <a:pPr lvl="1"/>
-            <a:r>
-              <a:rPr lang="ja-JP" altLang="en-US" sz="2800" dirty="0"/>
-              <a:t>イテレーション回数</a:t>
-            </a:r>
-            <a:endParaRPr lang="en-US" altLang="ja-JP" sz="2800" dirty="0"/>
-          </a:p>
-          <a:p>
-            <a:pPr lvl="1"/>
-            <a:r>
-              <a:rPr lang="en-US" altLang="ja-JP" sz="2800" dirty="0"/>
-              <a:t>10000</a:t>
-            </a:r>
-            <a:r>
-              <a:rPr lang="ja-JP" altLang="en-US" sz="2800" dirty="0"/>
-              <a:t>回</a:t>
-            </a:r>
-            <a:endParaRPr lang="en-US" altLang="ja-JP" sz="2800" dirty="0"/>
-          </a:p>
-          <a:p>
-            <a:pPr lvl="1"/>
-            <a:endParaRPr lang="en-US" altLang="ja-JP" dirty="0"/>
-          </a:p>
-          <a:p>
-            <a:endParaRPr kumimoji="1" lang="en-US" altLang="ja-JP" dirty="0"/>
-          </a:p>
-          <a:p>
-            <a:endParaRPr kumimoji="1" lang="en-US" altLang="ja-JP" dirty="0"/>
-          </a:p>
-        </p:txBody>
-      </p:sp>
-      <p:sp>
-        <p:nvSpPr>
           <p:cNvPr id="22" name="Rectangle 21">
             <a:extLst>
               <a:ext uri="{FF2B5EF4-FFF2-40B4-BE49-F238E27FC236}">
                 <a16:creationId xmlns:a16="http://schemas.microsoft.com/office/drawing/2014/main" id="{6587DBF8-5C50-4034-8B79-FE54A01A8E15}"/>
               </a:ext>
               <a:ext uri="{C183D7F6-B498-43B3-948B-1728B52AA6E4}">
-                <adec:decorative xmlns:adec="http://schemas.microsoft.com/office/drawing/2017/decorative" val="1"/>
+                <adec:decorative xmlns:adec="http://schemas.microsoft.com/office/drawing/2017/decorative" xmlns="" val="1"/>
               </a:ext>
             </a:extLst>
           </p:cNvPr>
@@ -13137,7 +13192,7 @@
                 <a16:creationId xmlns:a16="http://schemas.microsoft.com/office/drawing/2014/main" id="{14720853-E885-4BE5-BFE2-24004CEF6952}"/>
               </a:ext>
               <a:ext uri="{C183D7F6-B498-43B3-948B-1728B52AA6E4}">
-                <adec:decorative xmlns:adec="http://schemas.microsoft.com/office/drawing/2017/decorative" val="1"/>
+                <adec:decorative xmlns:adec="http://schemas.microsoft.com/office/drawing/2017/decorative" xmlns="" val="1"/>
               </a:ext>
             </a:extLst>
           </p:cNvPr>
@@ -13230,6 +13285,115 @@
           </a:p>
         </p:txBody>
       </p:sp>
+      <p:sp>
+        <p:nvSpPr>
+          <p:cNvPr id="13" name="コンテンツ プレースホルダー 12"/>
+          <p:cNvSpPr txBox="1">
+            <a:spLocks noGrp="1"/>
+          </p:cNvSpPr>
+          <p:nvPr>
+            <p:ph sz="half" idx="2"/>
+          </p:nvPr>
+        </p:nvSpPr>
+        <p:spPr>
+          <a:xfrm>
+            <a:off x="6411913" y="2198688"/>
+            <a:ext cx="5346700" cy="3316805"/>
+          </a:xfrm>
+          <a:prstGeom prst="rect">
+            <a:avLst/>
+          </a:prstGeom>
+          <a:solidFill>
+            <a:schemeClr val="bg1">
+              <a:lumMod val="95000"/>
+            </a:schemeClr>
+          </a:solidFill>
+          <a:ln>
+            <a:noFill/>
+          </a:ln>
+        </p:spPr>
+        <p:style>
+          <a:lnRef idx="0">
+            <a:scrgbClr r="0" g="0" b="0"/>
+          </a:lnRef>
+          <a:fillRef idx="0">
+            <a:scrgbClr r="0" g="0" b="0"/>
+          </a:fillRef>
+          <a:effectRef idx="0">
+            <a:scrgbClr r="0" g="0" b="0"/>
+          </a:effectRef>
+          <a:fontRef idx="minor">
+            <a:schemeClr val="dk1"/>
+          </a:fontRef>
+        </p:style>
+        <p:txBody>
+          <a:bodyPr wrap="square" rtlCol="0">
+            <a:spAutoFit/>
+          </a:bodyPr>
+          <a:lstStyle/>
+          <a:p>
+            <a:r>
+              <a:rPr lang="ja-JP" altLang="en-US" sz="2800" dirty="0" smtClean="0"/>
+              <a:t>・</a:t>
+            </a:r>
+            <a:r>
+              <a:rPr lang="ja-JP" altLang="en-US" sz="2800" dirty="0"/>
+              <a:t>学習使用した</a:t>
+            </a:r>
+            <a:r>
+              <a:rPr lang="en-US" altLang="ja-JP" sz="2800" dirty="0"/>
+              <a:t>GPU</a:t>
+            </a:r>
+          </a:p>
+          <a:p>
+            <a:r>
+              <a:rPr lang="en-US" altLang="ja-JP" sz="2800" dirty="0"/>
+              <a:t>  GTX1050Ti 4GB</a:t>
+            </a:r>
+          </a:p>
+          <a:p>
+            <a:r>
+              <a:rPr lang="ja-JP" altLang="en-US" sz="2800" dirty="0"/>
+              <a:t>・学習に使用した教師データ数</a:t>
+            </a:r>
+          </a:p>
+          <a:p>
+            <a:r>
+              <a:rPr lang="ja-JP" altLang="en-US" sz="2800" dirty="0"/>
+              <a:t>  約</a:t>
+            </a:r>
+            <a:r>
+              <a:rPr lang="en-US" altLang="ja-JP" sz="2800" dirty="0"/>
+              <a:t>2600</a:t>
+            </a:r>
+            <a:r>
+              <a:rPr lang="ja-JP" altLang="en-US" sz="2800" dirty="0"/>
+              <a:t>枚</a:t>
+            </a:r>
+          </a:p>
+          <a:p>
+            <a:r>
+              <a:rPr lang="ja-JP" altLang="en-US" sz="2800" dirty="0"/>
+              <a:t>・イテレーション回数</a:t>
+            </a:r>
+          </a:p>
+          <a:p>
+            <a:r>
+              <a:rPr lang="ja-JP" altLang="en-US" sz="2800" dirty="0"/>
+              <a:t>  </a:t>
+            </a:r>
+            <a:r>
+              <a:rPr lang="en-US" altLang="ja-JP" sz="2800" dirty="0"/>
+              <a:t>10000</a:t>
+            </a:r>
+            <a:r>
+              <a:rPr lang="ja-JP" altLang="en-US" sz="2800" dirty="0"/>
+              <a:t>回</a:t>
+            </a:r>
+            <a:endParaRPr kumimoji="1" lang="ja-JP" altLang="en-US" sz="2800" dirty="0"/>
+          </a:p>
+        </p:txBody>
+      </p:sp>
     </p:spTree>
     <p:extLst>
       <p:ext uri="{BB962C8B-B14F-4D97-AF65-F5344CB8AC3E}">
@@ -13240,6 +13404,13 @@
   <p:clrMapOvr>
     <a:masterClrMapping/>
   </p:clrMapOvr>
+  <p:timing>
+    <p:tnLst>
+      <p:par>
+        <p:cTn id="1" dur="indefinite" restart="never" nodeType="tmRoot"/>
+      </p:par>
+    </p:tnLst>
+  </p:timing>
 </p:sld>
 </file>
 
@@ -13548,26 +13719,41 @@
       </p:graphicFrame>
       <p:sp>
         <p:nvSpPr>
-          <p:cNvPr id="10" name="テキスト ボックス 9">
-            <a:extLst>
-              <a:ext uri="{FF2B5EF4-FFF2-40B4-BE49-F238E27FC236}">
-                <a16:creationId xmlns:a16="http://schemas.microsoft.com/office/drawing/2014/main" id="{0FBCB646-3B33-4190-8691-6DA6881A98D7}"/>
-              </a:ext>
-            </a:extLst>
-          </p:cNvPr>
+          <p:cNvPr id="6" name="テキスト ボックス 5"/>
           <p:cNvSpPr txBox="1"/>
           <p:nvPr/>
         </p:nvSpPr>
         <p:spPr>
           <a:xfrm>
-            <a:off x="2679032" y="1507958"/>
-            <a:ext cx="7764379" cy="523220"/>
+            <a:off x="3187909" y="1200319"/>
+            <a:ext cx="6361611" cy="1200329"/>
           </a:xfrm>
           <a:prstGeom prst="rect">
             <a:avLst/>
           </a:prstGeom>
-          <a:noFill/>
+          <a:solidFill>
+            <a:schemeClr val="bg1">
+              <a:lumMod val="95000"/>
+            </a:schemeClr>
+          </a:solidFill>
+          <a:ln>
+            <a:noFill/>
+          </a:ln>
         </p:spPr>
+        <p:style>
+          <a:lnRef idx="0">
+            <a:scrgbClr r="0" g="0" b="0"/>
+          </a:lnRef>
+          <a:fillRef idx="0">
+            <a:scrgbClr r="0" g="0" b="0"/>
+          </a:fillRef>
+          <a:effectRef idx="0">
+            <a:scrgbClr r="0" g="0" b="0"/>
+          </a:effectRef>
+          <a:fontRef idx="minor">
+            <a:schemeClr val="dk1"/>
+          </a:fontRef>
+        </p:style>
         <p:txBody>
           <a:bodyPr wrap="square" rtlCol="0">
             <a:spAutoFit/>
@@ -13575,22 +13761,66 @@
           <a:lstStyle/>
           <a:p>
             <a:r>
-              <a:rPr lang="en-US" altLang="ja-JP" sz="2800" dirty="0"/>
-              <a:t> Web</a:t>
-            </a:r>
-            <a:r>
-              <a:rPr lang="ja-JP" altLang="en-US" sz="2800" dirty="0"/>
+              <a:rPr lang="en-US" altLang="ja-JP" sz="2400" dirty="0" smtClean="0"/>
+              <a:t>Web</a:t>
+            </a:r>
+            <a:r>
+              <a:rPr lang="ja-JP" altLang="en-US" sz="2400" dirty="0"/>
               <a:t>ページと</a:t>
             </a:r>
             <a:r>
-              <a:rPr lang="en-US" altLang="ja-JP" sz="2800" dirty="0"/>
+              <a:rPr lang="en-US" altLang="ja-JP" sz="2400" dirty="0"/>
               <a:t>DB</a:t>
             </a:r>
             <a:r>
-              <a:rPr lang="ja-JP" altLang="en-US" sz="2800" dirty="0"/>
+              <a:rPr lang="ja-JP" altLang="en-US" sz="2400" dirty="0"/>
               <a:t>を使用して決済システムを構築</a:t>
             </a:r>
-            <a:endParaRPr kumimoji="1" lang="en-US" altLang="ja-JP" sz="2800" dirty="0"/>
+          </a:p>
+          <a:p>
+            <a:r>
+              <a:rPr lang="en-US" altLang="ja-JP" sz="2400" dirty="0"/>
+              <a:t>Web</a:t>
+            </a:r>
+            <a:r>
+              <a:rPr lang="ja-JP" altLang="en-US" sz="2400" dirty="0"/>
+              <a:t>ページ作成には、</a:t>
+            </a:r>
+            <a:r>
+              <a:rPr lang="en-US" altLang="ja-JP" sz="2400" dirty="0"/>
+              <a:t>Apache2</a:t>
+            </a:r>
+            <a:r>
+              <a:rPr lang="ja-JP" altLang="en-US" sz="2400" dirty="0"/>
+              <a:t>と</a:t>
+            </a:r>
+            <a:r>
+              <a:rPr lang="en-US" altLang="ja-JP" sz="2400" dirty="0"/>
+              <a:t>PHP</a:t>
+            </a:r>
+            <a:r>
+              <a:rPr lang="ja-JP" altLang="en-US" sz="2400" dirty="0"/>
+              <a:t>を使用</a:t>
+            </a:r>
+          </a:p>
+          <a:p>
+            <a:r>
+              <a:rPr lang="en-US" altLang="ja-JP" sz="2400" dirty="0"/>
+              <a:t>DB</a:t>
+            </a:r>
+            <a:r>
+              <a:rPr lang="ja-JP" altLang="en-US" sz="2400" dirty="0"/>
+              <a:t>は</a:t>
+            </a:r>
+            <a:r>
+              <a:rPr lang="en-US" altLang="ja-JP" sz="2400" dirty="0" err="1"/>
+              <a:t>MariaDB</a:t>
+            </a:r>
+            <a:r>
+              <a:rPr lang="ja-JP" altLang="en-US" sz="2400" dirty="0"/>
+              <a:t>を使用</a:t>
+            </a:r>
+            <a:endParaRPr kumimoji="1" lang="ja-JP" altLang="en-US" sz="2400" dirty="0"/>
           </a:p>
         </p:txBody>
       </p:sp>
@@ -13604,6 +13834,13 @@
   <p:clrMapOvr>
     <a:masterClrMapping/>
   </p:clrMapOvr>
+  <p:timing>
+    <p:tnLst>
+      <p:par>
+        <p:cTn id="1" dur="indefinite" restart="never" nodeType="tmRoot"/>
+      </p:par>
+    </p:tnLst>
+  </p:timing>
 </p:sld>
 </file>
 
@@ -13720,51 +13957,70 @@
       </p:pic>
       <p:sp>
         <p:nvSpPr>
-          <p:cNvPr id="10" name="テキスト ボックス 9">
-            <a:extLst>
-              <a:ext uri="{FF2B5EF4-FFF2-40B4-BE49-F238E27FC236}">
-                <a16:creationId xmlns:a16="http://schemas.microsoft.com/office/drawing/2014/main" id="{E47A1B86-2DB2-4F3E-8C7D-051CB4B62296}"/>
-              </a:ext>
-            </a:extLst>
-          </p:cNvPr>
+          <p:cNvPr id="7" name="テキスト ボックス 6"/>
           <p:cNvSpPr txBox="1"/>
           <p:nvPr/>
         </p:nvSpPr>
         <p:spPr>
           <a:xfrm>
-            <a:off x="815729" y="1779320"/>
-            <a:ext cx="10306026" cy="954107"/>
+            <a:off x="1232549" y="1910911"/>
+            <a:ext cx="9787862" cy="830997"/>
           </a:xfrm>
           <a:prstGeom prst="rect">
             <a:avLst/>
           </a:prstGeom>
-          <a:noFill/>
+          <a:solidFill>
+            <a:schemeClr val="bg1">
+              <a:lumMod val="95000"/>
+            </a:schemeClr>
+          </a:solidFill>
+          <a:ln>
+            <a:noFill/>
+          </a:ln>
         </p:spPr>
-        <p:txBody>
-          <a:bodyPr wrap="none" rtlCol="0">
+        <p:style>
+          <a:lnRef idx="0">
+            <a:scrgbClr r="0" g="0" b="0"/>
+          </a:lnRef>
+          <a:fillRef idx="0">
+            <a:scrgbClr r="0" g="0" b="0"/>
+          </a:fillRef>
+          <a:effectRef idx="0">
+            <a:scrgbClr r="0" g="0" b="0"/>
+          </a:effectRef>
+          <a:fontRef idx="minor">
+            <a:schemeClr val="dk1"/>
+          </a:fontRef>
+        </p:style>
+        <p:txBody>
+          <a:bodyPr wrap="square" rtlCol="0">
             <a:spAutoFit/>
           </a:bodyPr>
           <a:lstStyle/>
           <a:p>
             <a:r>
-              <a:rPr kumimoji="1" lang="ja-JP" altLang="en-US" sz="2800" dirty="0"/>
-              <a:t>クラス内の動作項目および</a:t>
-            </a:r>
-            <a:endParaRPr kumimoji="1" lang="en-US" altLang="ja-JP" sz="2800" dirty="0"/>
-          </a:p>
-          <a:p>
-            <a:r>
-              <a:rPr kumimoji="1" lang="ja-JP" altLang="en-US" sz="2800" dirty="0"/>
+              <a:rPr lang="ja-JP" altLang="en-US" sz="2400" dirty="0" smtClean="0"/>
+              <a:t>クラス内</a:t>
+            </a:r>
+            <a:r>
+              <a:rPr lang="ja-JP" altLang="en-US" sz="2400" dirty="0"/>
+              <a:t>の動作項目および</a:t>
+            </a:r>
+          </a:p>
+          <a:p>
+            <a:r>
+              <a:rPr lang="ja-JP" altLang="en-US" sz="2400" dirty="0"/>
               <a:t>クラス間で画像データ通信や</a:t>
             </a:r>
             <a:r>
-              <a:rPr kumimoji="1" lang="en-US" altLang="ja-JP" sz="2800" dirty="0"/>
+              <a:rPr lang="en-US" altLang="ja-JP" sz="2400" dirty="0"/>
               <a:t>DB</a:t>
             </a:r>
             <a:r>
-              <a:rPr kumimoji="1" lang="ja-JP" altLang="en-US" sz="2800" dirty="0"/>
+              <a:rPr lang="ja-JP" altLang="en-US" sz="2400" dirty="0"/>
               <a:t>操作が正しく行われているかを確認</a:t>
             </a:r>
+            <a:endParaRPr kumimoji="1" lang="ja-JP" altLang="en-US" sz="2400" dirty="0"/>
           </a:p>
         </p:txBody>
       </p:sp>
@@ -13778,6 +14034,13 @@
   <p:clrMapOvr>
     <a:masterClrMapping/>
   </p:clrMapOvr>
+  <p:timing>
+    <p:tnLst>
+      <p:par>
+        <p:cTn id="1" dur="indefinite" restart="never" nodeType="tmRoot"/>
+      </p:par>
+    </p:tnLst>
+  </p:timing>
 </p:sld>
 </file>
 
@@ -13894,31 +14157,41 @@
       </p:pic>
       <p:sp>
         <p:nvSpPr>
-          <p:cNvPr id="16" name="テキスト ボックス 15">
-            <a:extLst>
-              <a:ext uri="{FF2B5EF4-FFF2-40B4-BE49-F238E27FC236}">
-                <a16:creationId xmlns:a16="http://schemas.microsoft.com/office/drawing/2014/main" id="{5B9390E2-BC5F-4476-8344-797FB0F9D0C6}"/>
-              </a:ext>
-            </a:extLst>
-          </p:cNvPr>
+          <p:cNvPr id="6" name="テキスト ボックス 5"/>
           <p:cNvSpPr txBox="1"/>
           <p:nvPr/>
         </p:nvSpPr>
         <p:spPr>
           <a:xfrm>
-            <a:off x="7315200" y="2133600"/>
-            <a:ext cx="4026568" cy="1384995"/>
+            <a:off x="7215337" y="2298079"/>
+            <a:ext cx="3487497" cy="1200329"/>
           </a:xfrm>
           <a:prstGeom prst="rect">
             <a:avLst/>
           </a:prstGeom>
-          <a:noFill/>
+          <a:solidFill>
+            <a:schemeClr val="bg1">
+              <a:lumMod val="95000"/>
+            </a:schemeClr>
+          </a:solidFill>
           <a:ln>
-            <a:solidFill>
-              <a:schemeClr val="tx1"/>
-            </a:solidFill>
+            <a:noFill/>
           </a:ln>
         </p:spPr>
+        <p:style>
+          <a:lnRef idx="0">
+            <a:scrgbClr r="0" g="0" b="0"/>
+          </a:lnRef>
+          <a:fillRef idx="0">
+            <a:scrgbClr r="0" g="0" b="0"/>
+          </a:fillRef>
+          <a:effectRef idx="0">
+            <a:scrgbClr r="0" g="0" b="0"/>
+          </a:effectRef>
+          <a:fontRef idx="minor">
+            <a:schemeClr val="dk1"/>
+          </a:fontRef>
+        </p:style>
         <p:txBody>
           <a:bodyPr wrap="square" rtlCol="0">
             <a:spAutoFit/>
@@ -13926,9 +14199,14 @@
           <a:lstStyle/>
           <a:p>
             <a:r>
-              <a:rPr kumimoji="1" lang="ja-JP" altLang="en-US" sz="2800" dirty="0"/>
-              <a:t>架空のユーザを想定して、要求を満たしているかを確認</a:t>
-            </a:r>
+              <a:rPr lang="ja-JP" altLang="en-US" sz="2400" dirty="0" smtClean="0"/>
+              <a:t>架空</a:t>
+            </a:r>
+            <a:r>
+              <a:rPr lang="ja-JP" altLang="en-US" sz="2400" dirty="0"/>
+              <a:t>のユーザを想定して、要求を満たしているかを確認</a:t>
+            </a:r>
+            <a:endParaRPr kumimoji="1" lang="ja-JP" altLang="en-US" sz="2400" dirty="0"/>
           </a:p>
         </p:txBody>
       </p:sp>
@@ -13942,6 +14220,13 @@
   <p:clrMapOvr>
     <a:masterClrMapping/>
   </p:clrMapOvr>
+  <p:timing>
+    <p:tnLst>
+      <p:par>
+        <p:cTn id="1" dur="indefinite" restart="never" nodeType="tmRoot"/>
+      </p:par>
+    </p:tnLst>
+  </p:timing>
 </p:sld>
 </file>
 
@@ -14021,309 +14306,21 @@
       </p:sp>
       <p:sp>
         <p:nvSpPr>
-          <p:cNvPr id="4" name="テキスト ボックス 3">
-            <a:extLst>
-              <a:ext uri="{FF2B5EF4-FFF2-40B4-BE49-F238E27FC236}">
-                <a16:creationId xmlns:a16="http://schemas.microsoft.com/office/drawing/2014/main" id="{890BD34A-4919-4A9B-8DF9-618164E3850B}"/>
-              </a:ext>
-            </a:extLst>
-          </p:cNvPr>
+          <p:cNvPr id="15" name="テキスト ボックス 14"/>
           <p:cNvSpPr txBox="1"/>
           <p:nvPr/>
         </p:nvSpPr>
         <p:spPr>
           <a:xfrm>
-            <a:off x="978567" y="1957137"/>
-            <a:ext cx="10233915" cy="954107"/>
+            <a:off x="2477876" y="1940355"/>
+            <a:ext cx="6822880" cy="830997"/>
           </a:xfrm>
           <a:prstGeom prst="rect">
             <a:avLst/>
           </a:prstGeom>
-          <a:noFill/>
-        </p:spPr>
-        <p:txBody>
-          <a:bodyPr wrap="square" rtlCol="0">
-            <a:spAutoFit/>
-          </a:bodyPr>
-          <a:lstStyle/>
-          <a:p>
-            <a:r>
-              <a:rPr kumimoji="1" lang="en-US" altLang="ja-JP" sz="2800" dirty="0"/>
-              <a:t>V</a:t>
-            </a:r>
-            <a:r>
-              <a:rPr kumimoji="1" lang="ja-JP" altLang="en-US" sz="2800" dirty="0"/>
-              <a:t>字モデル開発に従ったグループ開発を行うことで、</a:t>
-            </a:r>
-            <a:r>
-              <a:rPr lang="ja-JP" altLang="en-US" sz="2800" dirty="0"/>
-              <a:t>画像情報によるスマートセルフ精算システムを実現</a:t>
-            </a:r>
-            <a:endParaRPr kumimoji="1" lang="ja-JP" altLang="en-US" sz="2800" dirty="0"/>
-          </a:p>
-        </p:txBody>
-      </p:sp>
-      <p:pic>
-        <p:nvPicPr>
-          <p:cNvPr id="5" name="Picture 8" descr="立体のイラスト（四角柱・直方体）">
-            <a:extLst>
-              <a:ext uri="{FF2B5EF4-FFF2-40B4-BE49-F238E27FC236}">
-                <a16:creationId xmlns:a16="http://schemas.microsoft.com/office/drawing/2014/main" id="{A9A9E19D-ACE5-4BD4-8E24-08B2755994CF}"/>
-              </a:ext>
-            </a:extLst>
-          </p:cNvPr>
-          <p:cNvPicPr>
-            <a:picLocks noChangeAspect="1" noChangeArrowheads="1"/>
-          </p:cNvPicPr>
-          <p:nvPr/>
-        </p:nvPicPr>
-        <p:blipFill>
-          <a:blip r:embed="rId3">
-            <a:extLst>
-              <a:ext uri="{BEBA8EAE-BF5A-486C-A8C5-ECC9F3942E4B}">
-                <a14:imgProps xmlns:a14="http://schemas.microsoft.com/office/drawing/2010/main">
-                  <a14:imgLayer r:embed="rId4">
-                    <a14:imgEffect>
-                      <a14:colorTemperature colorTemp="11200"/>
-                    </a14:imgEffect>
-                    <a14:imgEffect>
-                      <a14:saturation sat="0"/>
-                    </a14:imgEffect>
-                  </a14:imgLayer>
-                </a14:imgProps>
-              </a:ext>
-              <a:ext uri="{28A0092B-C50C-407E-A947-70E740481C1C}">
-                <a14:useLocalDpi xmlns:a14="http://schemas.microsoft.com/office/drawing/2010/main" val="0"/>
-              </a:ext>
-            </a:extLst>
-          </a:blip>
-          <a:srcRect/>
-          <a:stretch>
-            <a:fillRect/>
-          </a:stretch>
-        </p:blipFill>
-        <p:spPr bwMode="auto">
-          <a:xfrm>
-            <a:off x="9300756" y="3964386"/>
-            <a:ext cx="1162050" cy="1905000"/>
-          </a:xfrm>
-          <a:prstGeom prst="rect">
-            <a:avLst/>
-          </a:prstGeom>
-          <a:noFill/>
-        </p:spPr>
-      </p:pic>
-      <p:pic>
-        <p:nvPicPr>
-          <p:cNvPr id="6" name="Picture 16" descr="ショッピングカートを押している女性のイラスト">
-            <a:extLst>
-              <a:ext uri="{FF2B5EF4-FFF2-40B4-BE49-F238E27FC236}">
-                <a16:creationId xmlns:a16="http://schemas.microsoft.com/office/drawing/2014/main" id="{C8B15A48-0666-4CF8-8A2F-2251E0B0E950}"/>
-              </a:ext>
-            </a:extLst>
-          </p:cNvPr>
-          <p:cNvPicPr>
-            <a:picLocks noChangeAspect="1" noChangeArrowheads="1"/>
-          </p:cNvPicPr>
-          <p:nvPr/>
-        </p:nvPicPr>
-        <p:blipFill>
-          <a:blip r:embed="rId5">
-            <a:extLst>
-              <a:ext uri="{28A0092B-C50C-407E-A947-70E740481C1C}">
-                <a14:useLocalDpi xmlns:a14="http://schemas.microsoft.com/office/drawing/2010/main" val="0"/>
-              </a:ext>
-            </a:extLst>
-          </a:blip>
-          <a:srcRect/>
-          <a:stretch>
-            <a:fillRect/>
-          </a:stretch>
-        </p:blipFill>
-        <p:spPr bwMode="auto">
-          <a:xfrm flipH="1">
-            <a:off x="4299469" y="3296804"/>
-            <a:ext cx="2676103" cy="2816951"/>
-          </a:xfrm>
-          <a:prstGeom prst="rect">
-            <a:avLst/>
-          </a:prstGeom>
-          <a:noFill/>
-          <a:extLst>
-            <a:ext uri="{909E8E84-426E-40DD-AFC4-6F175D3DCCD1}">
-              <a14:hiddenFill xmlns:a14="http://schemas.microsoft.com/office/drawing/2010/main">
-                <a:solidFill>
-                  <a:srgbClr val="FFFFFF"/>
-                </a:solidFill>
-              </a14:hiddenFill>
-            </a:ext>
-          </a:extLst>
-        </p:spPr>
-      </p:pic>
-      <p:pic>
-        <p:nvPicPr>
-          <p:cNvPr id="7" name="Picture 8" descr="ショッピングカートのイラスト（買い物）">
-            <a:extLst>
-              <a:ext uri="{FF2B5EF4-FFF2-40B4-BE49-F238E27FC236}">
-                <a16:creationId xmlns:a16="http://schemas.microsoft.com/office/drawing/2014/main" id="{58CB41F8-BA18-4E1B-89FB-04630105534E}"/>
-              </a:ext>
-            </a:extLst>
-          </p:cNvPr>
-          <p:cNvPicPr>
-            <a:picLocks noChangeAspect="1" noChangeArrowheads="1"/>
-          </p:cNvPicPr>
-          <p:nvPr/>
-        </p:nvPicPr>
-        <p:blipFill>
-          <a:blip r:embed="rId6">
-            <a:extLst>
-              <a:ext uri="{28A0092B-C50C-407E-A947-70E740481C1C}">
-                <a14:useLocalDpi xmlns:a14="http://schemas.microsoft.com/office/drawing/2010/main" val="0"/>
-              </a:ext>
-            </a:extLst>
-          </a:blip>
-          <a:srcRect/>
-          <a:stretch>
-            <a:fillRect/>
-          </a:stretch>
-        </p:blipFill>
-        <p:spPr bwMode="auto">
-          <a:xfrm flipH="1">
-            <a:off x="1131094" y="3839813"/>
-            <a:ext cx="2261053" cy="2176264"/>
-          </a:xfrm>
-          <a:prstGeom prst="rect">
-            <a:avLst/>
-          </a:prstGeom>
-          <a:noFill/>
-          <a:extLst>
-            <a:ext uri="{909E8E84-426E-40DD-AFC4-6F175D3DCCD1}">
-              <a14:hiddenFill xmlns:a14="http://schemas.microsoft.com/office/drawing/2010/main">
-                <a:solidFill>
-                  <a:srgbClr val="FFFFFF"/>
-                </a:solidFill>
-              </a14:hiddenFill>
-            </a:ext>
-          </a:extLst>
-        </p:spPr>
-      </p:pic>
-      <p:pic>
-        <p:nvPicPr>
-          <p:cNvPr id="8" name="Picture 10" descr="アクションカメラのイラスト">
-            <a:extLst>
-              <a:ext uri="{FF2B5EF4-FFF2-40B4-BE49-F238E27FC236}">
-                <a16:creationId xmlns:a16="http://schemas.microsoft.com/office/drawing/2014/main" id="{8DE50368-7FD2-4D71-8C36-308952F4662A}"/>
-              </a:ext>
-            </a:extLst>
-          </p:cNvPr>
-          <p:cNvPicPr>
-            <a:picLocks noChangeAspect="1" noChangeArrowheads="1"/>
-          </p:cNvPicPr>
-          <p:nvPr/>
-        </p:nvPicPr>
-        <p:blipFill>
-          <a:blip r:embed="rId7" cstate="print">
-            <a:extLst>
-              <a:ext uri="{28A0092B-C50C-407E-A947-70E740481C1C}">
-                <a14:useLocalDpi xmlns:a14="http://schemas.microsoft.com/office/drawing/2010/main" val="0"/>
-              </a:ext>
-            </a:extLst>
-          </a:blip>
-          <a:srcRect/>
-          <a:stretch>
-            <a:fillRect/>
-          </a:stretch>
-        </p:blipFill>
-        <p:spPr bwMode="auto">
-          <a:xfrm flipH="1">
-            <a:off x="5557420" y="4587631"/>
-            <a:ext cx="409091" cy="409091"/>
-          </a:xfrm>
-          <a:prstGeom prst="rect">
-            <a:avLst/>
-          </a:prstGeom>
-          <a:noFill/>
-          <a:extLst>
-            <a:ext uri="{909E8E84-426E-40DD-AFC4-6F175D3DCCD1}">
-              <a14:hiddenFill xmlns:a14="http://schemas.microsoft.com/office/drawing/2010/main">
-                <a:solidFill>
-                  <a:srgbClr val="FFFFFF"/>
-                </a:solidFill>
-              </a14:hiddenFill>
-            </a:ext>
-          </a:extLst>
-        </p:spPr>
-      </p:pic>
-      <p:pic>
-        <p:nvPicPr>
-          <p:cNvPr id="9" name="Picture 8" descr="ショッピングカートのイラスト（買い物）">
-            <a:extLst>
-              <a:ext uri="{FF2B5EF4-FFF2-40B4-BE49-F238E27FC236}">
-                <a16:creationId xmlns:a16="http://schemas.microsoft.com/office/drawing/2014/main" id="{AA7A1605-4F85-4FE0-BFA8-C7FA5CA6559E}"/>
-              </a:ext>
-            </a:extLst>
-          </p:cNvPr>
-          <p:cNvPicPr>
-            <a:picLocks noChangeAspect="1" noChangeArrowheads="1"/>
-          </p:cNvPicPr>
-          <p:nvPr/>
-        </p:nvPicPr>
-        <p:blipFill>
-          <a:blip r:embed="rId6">
-            <a:extLst>
-              <a:ext uri="{28A0092B-C50C-407E-A947-70E740481C1C}">
-                <a14:useLocalDpi xmlns:a14="http://schemas.microsoft.com/office/drawing/2010/main" val="0"/>
-              </a:ext>
-            </a:extLst>
-          </a:blip>
-          <a:srcRect/>
-          <a:stretch>
-            <a:fillRect/>
-          </a:stretch>
-        </p:blipFill>
-        <p:spPr bwMode="auto">
-          <a:xfrm flipH="1">
-            <a:off x="7812690" y="4058142"/>
-            <a:ext cx="2261053" cy="2176264"/>
-          </a:xfrm>
-          <a:prstGeom prst="rect">
-            <a:avLst/>
-          </a:prstGeom>
-          <a:noFill/>
-          <a:extLst>
-            <a:ext uri="{909E8E84-426E-40DD-AFC4-6F175D3DCCD1}">
-              <a14:hiddenFill xmlns:a14="http://schemas.microsoft.com/office/drawing/2010/main">
-                <a:solidFill>
-                  <a:srgbClr val="FFFFFF"/>
-                </a:solidFill>
-              </a14:hiddenFill>
-            </a:ext>
-          </a:extLst>
-        </p:spPr>
-      </p:pic>
-      <p:sp>
-        <p:nvSpPr>
-          <p:cNvPr id="10" name="右矢印 6">
-            <a:extLst>
-              <a:ext uri="{FF2B5EF4-FFF2-40B4-BE49-F238E27FC236}">
-                <a16:creationId xmlns:a16="http://schemas.microsoft.com/office/drawing/2014/main" id="{AF182785-03D7-47D5-9E8A-2F9DAE237505}"/>
-              </a:ext>
-            </a:extLst>
-          </p:cNvPr>
-          <p:cNvSpPr/>
-          <p:nvPr/>
-        </p:nvSpPr>
-        <p:spPr>
-          <a:xfrm>
-            <a:off x="3660483" y="4705279"/>
-            <a:ext cx="638986" cy="333103"/>
-          </a:xfrm>
-          <a:prstGeom prst="rightArrow">
-            <a:avLst/>
-          </a:prstGeom>
           <a:solidFill>
             <a:schemeClr val="bg1">
-              <a:lumMod val="50000"/>
+              <a:lumMod val="95000"/>
             </a:schemeClr>
           </a:solidFill>
           <a:ln>
@@ -14331,281 +14328,83 @@
           </a:ln>
         </p:spPr>
         <p:style>
-          <a:lnRef idx="2">
-            <a:schemeClr val="accent1">
-              <a:shade val="50000"/>
-            </a:schemeClr>
+          <a:lnRef idx="0">
+            <a:scrgbClr r="0" g="0" b="0"/>
           </a:lnRef>
-          <a:fillRef idx="1">
-            <a:schemeClr val="accent1"/>
+          <a:fillRef idx="0">
+            <a:scrgbClr r="0" g="0" b="0"/>
           </a:fillRef>
           <a:effectRef idx="0">
-            <a:schemeClr val="accent1"/>
+            <a:scrgbClr r="0" g="0" b="0"/>
           </a:effectRef>
           <a:fontRef idx="minor">
-            <a:schemeClr val="lt1"/>
+            <a:schemeClr val="dk1"/>
           </a:fontRef>
         </p:style>
         <p:txBody>
-          <a:bodyPr rtlCol="0" anchor="ctr"/>
+          <a:bodyPr wrap="square" rtlCol="0">
+            <a:spAutoFit/>
+          </a:bodyPr>
           <a:lstStyle/>
           <a:p>
-            <a:pPr marL="0" marR="0" lvl="0" indent="0" algn="ctr" defTabSz="914400" rtl="0" eaLnBrk="1" fontAlgn="auto" latinLnBrk="0" hangingPunct="1">
-              <a:lnSpc>
-                <a:spcPct val="100000"/>
-              </a:lnSpc>
-              <a:spcBef>
-                <a:spcPts val="0"/>
-              </a:spcBef>
-              <a:spcAft>
-                <a:spcPts val="0"/>
-              </a:spcAft>
-              <a:buClrTx/>
-              <a:buSzTx/>
-              <a:buFontTx/>
-              <a:buNone/>
-              <a:tabLst/>
-              <a:defRPr/>
-            </a:pPr>
-            <a:endParaRPr kumimoji="1" lang="ja-JP" altLang="en-US" sz="1800" b="0" i="0" u="none" strike="noStrike" kern="1200" cap="none" spc="0" normalizeH="0" baseline="0" noProof="0" dirty="0">
-              <a:ln>
-                <a:noFill/>
-              </a:ln>
-              <a:solidFill>
-                <a:prstClr val="white"/>
-              </a:solidFill>
-              <a:effectLst/>
-              <a:uLnTx/>
-              <a:uFillTx/>
-              <a:latin typeface="Calibri" panose="020F0502020204030204"/>
-              <a:ea typeface="ＭＳ Ｐゴシック" panose="020B0600070205080204" pitchFamily="50" charset="-128"/>
-              <a:cs typeface="+mn-cs"/>
-            </a:endParaRPr>
-          </a:p>
-        </p:txBody>
-      </p:sp>
-      <p:sp>
-        <p:nvSpPr>
-          <p:cNvPr id="11" name="右矢印 20">
-            <a:extLst>
-              <a:ext uri="{FF2B5EF4-FFF2-40B4-BE49-F238E27FC236}">
-                <a16:creationId xmlns:a16="http://schemas.microsoft.com/office/drawing/2014/main" id="{219C44A2-95E7-449E-89F6-D526B253C921}"/>
-              </a:ext>
-            </a:extLst>
-          </p:cNvPr>
-          <p:cNvSpPr/>
-          <p:nvPr/>
-        </p:nvSpPr>
-        <p:spPr>
-          <a:xfrm>
-            <a:off x="7245653" y="4705279"/>
-            <a:ext cx="638986" cy="333103"/>
-          </a:xfrm>
-          <a:prstGeom prst="rightArrow">
-            <a:avLst/>
-          </a:prstGeom>
-          <a:solidFill>
-            <a:schemeClr val="bg1">
-              <a:lumMod val="50000"/>
-            </a:schemeClr>
-          </a:solidFill>
-          <a:ln>
-            <a:noFill/>
-          </a:ln>
-        </p:spPr>
-        <p:style>
-          <a:lnRef idx="2">
-            <a:schemeClr val="accent1">
-              <a:shade val="50000"/>
-            </a:schemeClr>
-          </a:lnRef>
-          <a:fillRef idx="1">
-            <a:schemeClr val="accent1"/>
-          </a:fillRef>
-          <a:effectRef idx="0">
-            <a:schemeClr val="accent1"/>
-          </a:effectRef>
-          <a:fontRef idx="minor">
-            <a:schemeClr val="lt1"/>
-          </a:fontRef>
-        </p:style>
-        <p:txBody>
-          <a:bodyPr rtlCol="0" anchor="ctr"/>
-          <a:lstStyle/>
-          <a:p>
-            <a:pPr marL="0" marR="0" lvl="0" indent="0" algn="ctr" defTabSz="914400" rtl="0" eaLnBrk="1" fontAlgn="auto" latinLnBrk="0" hangingPunct="1">
-              <a:lnSpc>
-                <a:spcPct val="100000"/>
-              </a:lnSpc>
-              <a:spcBef>
-                <a:spcPts val="0"/>
-              </a:spcBef>
-              <a:spcAft>
-                <a:spcPts val="0"/>
-              </a:spcAft>
-              <a:buClrTx/>
-              <a:buSzTx/>
-              <a:buFontTx/>
-              <a:buNone/>
-              <a:tabLst/>
-              <a:defRPr/>
-            </a:pPr>
-            <a:endParaRPr kumimoji="1" lang="ja-JP" altLang="en-US" sz="1800" b="0" i="0" u="none" strike="noStrike" kern="1200" cap="none" spc="0" normalizeH="0" baseline="0" noProof="0" dirty="0">
-              <a:ln>
-                <a:noFill/>
-              </a:ln>
-              <a:solidFill>
-                <a:prstClr val="white"/>
-              </a:solidFill>
-              <a:effectLst/>
-              <a:uLnTx/>
-              <a:uFillTx/>
-              <a:latin typeface="Calibri" panose="020F0502020204030204"/>
-              <a:ea typeface="ＭＳ Ｐゴシック" panose="020B0600070205080204" pitchFamily="50" charset="-128"/>
-              <a:cs typeface="+mn-cs"/>
-            </a:endParaRPr>
+            <a:r>
+              <a:rPr lang="en-US" altLang="ja-JP" sz="2400" dirty="0" smtClean="0"/>
+              <a:t>V</a:t>
+            </a:r>
+            <a:r>
+              <a:rPr lang="ja-JP" altLang="en-US" sz="2400" dirty="0"/>
+              <a:t>字モデル開発に従ったグループ開発を行うことで、画像情報によるスマートセルフ精算システムを実現</a:t>
+            </a:r>
+            <a:endParaRPr kumimoji="1" lang="ja-JP" altLang="en-US" sz="2400" dirty="0"/>
           </a:p>
         </p:txBody>
       </p:sp>
       <p:pic>
         <p:nvPicPr>
-          <p:cNvPr id="12" name="Picture 10" descr="アクションカメラのイラスト">
-            <a:extLst>
-              <a:ext uri="{FF2B5EF4-FFF2-40B4-BE49-F238E27FC236}">
-                <a16:creationId xmlns:a16="http://schemas.microsoft.com/office/drawing/2014/main" id="{2158B430-1EED-46FD-BA5B-444C79B1AB6F}"/>
-              </a:ext>
-            </a:extLst>
-          </p:cNvPr>
+          <p:cNvPr id="16" name="図 15"/>
           <p:cNvPicPr>
-            <a:picLocks noChangeAspect="1" noChangeArrowheads="1"/>
+            <a:picLocks noChangeAspect="1"/>
           </p:cNvPicPr>
           <p:nvPr/>
         </p:nvPicPr>
         <p:blipFill>
-          <a:blip r:embed="rId7" cstate="print">
-            <a:extLst>
-              <a:ext uri="{28A0092B-C50C-407E-A947-70E740481C1C}">
-                <a14:useLocalDpi xmlns:a14="http://schemas.microsoft.com/office/drawing/2010/main" val="0"/>
-              </a:ext>
-            </a:extLst>
-          </a:blip>
-          <a:srcRect/>
+          <a:blip r:embed="rId3"/>
           <a:stretch>
             <a:fillRect/>
           </a:stretch>
         </p:blipFill>
-        <p:spPr bwMode="auto">
-          <a:xfrm flipH="1">
-            <a:off x="8320112" y="4408443"/>
-            <a:ext cx="409091" cy="409091"/>
+        <p:spPr>
+          <a:xfrm>
+            <a:off x="107515" y="3267733"/>
+            <a:ext cx="6983923" cy="2762189"/>
           </a:xfrm>
           <a:prstGeom prst="rect">
             <a:avLst/>
           </a:prstGeom>
-          <a:noFill/>
-          <a:extLst>
-            <a:ext uri="{909E8E84-426E-40DD-AFC4-6F175D3DCCD1}">
-              <a14:hiddenFill xmlns:a14="http://schemas.microsoft.com/office/drawing/2010/main">
-                <a:solidFill>
-                  <a:srgbClr val="FFFFFF"/>
-                </a:solidFill>
-              </a14:hiddenFill>
-            </a:ext>
-          </a:extLst>
         </p:spPr>
       </p:pic>
       <p:pic>
         <p:nvPicPr>
-          <p:cNvPr id="13" name="Picture 2" descr="電子マネー払いのイラスト">
-            <a:extLst>
-              <a:ext uri="{FF2B5EF4-FFF2-40B4-BE49-F238E27FC236}">
-                <a16:creationId xmlns:a16="http://schemas.microsoft.com/office/drawing/2014/main" id="{1CF2BC2F-07E5-4E05-BE89-8392EBF4B6C0}"/>
-              </a:ext>
-            </a:extLst>
-          </p:cNvPr>
+          <p:cNvPr id="30" name="図 29"/>
           <p:cNvPicPr>
-            <a:picLocks noChangeAspect="1" noChangeArrowheads="1"/>
+            <a:picLocks noChangeAspect="1"/>
           </p:cNvPicPr>
           <p:nvPr/>
         </p:nvPicPr>
         <p:blipFill>
-          <a:blip r:embed="rId8">
-            <a:extLst>
-              <a:ext uri="{28A0092B-C50C-407E-A947-70E740481C1C}">
-                <a14:useLocalDpi xmlns:a14="http://schemas.microsoft.com/office/drawing/2010/main" val="0"/>
-              </a:ext>
-            </a:extLst>
-          </a:blip>
-          <a:srcRect/>
+          <a:blip r:embed="rId4"/>
           <a:stretch>
             <a:fillRect/>
           </a:stretch>
         </p:blipFill>
-        <p:spPr bwMode="auto">
+        <p:spPr>
           <a:xfrm>
-            <a:off x="303437" y="3569485"/>
-            <a:ext cx="1587685" cy="1716416"/>
+            <a:off x="7378217" y="3096465"/>
+            <a:ext cx="3668962" cy="1951344"/>
           </a:xfrm>
           <a:prstGeom prst="rect">
             <a:avLst/>
           </a:prstGeom>
-          <a:noFill/>
-          <a:extLst>
-            <a:ext uri="{909E8E84-426E-40DD-AFC4-6F175D3DCCD1}">
-              <a14:hiddenFill xmlns:a14="http://schemas.microsoft.com/office/drawing/2010/main">
-                <a:solidFill>
-                  <a:srgbClr val="FFFFFF"/>
-                </a:solidFill>
-              </a14:hiddenFill>
-            </a:ext>
-          </a:extLst>
-        </p:spPr>
-      </p:pic>
-      <p:pic>
-        <p:nvPicPr>
-          <p:cNvPr id="14" name="Picture 10" descr="アクションカメラのイラスト">
-            <a:extLst>
-              <a:ext uri="{FF2B5EF4-FFF2-40B4-BE49-F238E27FC236}">
-                <a16:creationId xmlns:a16="http://schemas.microsoft.com/office/drawing/2014/main" id="{33CA6BFE-485B-4280-A0B2-ABA4D64607EC}"/>
-              </a:ext>
-            </a:extLst>
-          </p:cNvPr>
-          <p:cNvPicPr>
-            <a:picLocks noChangeAspect="1" noChangeArrowheads="1"/>
-          </p:cNvPicPr>
-          <p:nvPr/>
-        </p:nvPicPr>
-        <p:blipFill>
-          <a:blip r:embed="rId7" cstate="print">
-            <a:extLst>
-              <a:ext uri="{28A0092B-C50C-407E-A947-70E740481C1C}">
-                <a14:useLocalDpi xmlns:a14="http://schemas.microsoft.com/office/drawing/2010/main" val="0"/>
-              </a:ext>
-            </a:extLst>
-          </a:blip>
-          <a:srcRect/>
-          <a:stretch>
-            <a:fillRect/>
-          </a:stretch>
-        </p:blipFill>
-        <p:spPr bwMode="auto">
-          <a:xfrm flipH="1">
-            <a:off x="1699767" y="4214738"/>
-            <a:ext cx="409091" cy="409091"/>
-          </a:xfrm>
-          <a:prstGeom prst="rect">
-            <a:avLst/>
-          </a:prstGeom>
-          <a:noFill/>
-          <a:extLst>
-            <a:ext uri="{909E8E84-426E-40DD-AFC4-6F175D3DCCD1}">
-              <a14:hiddenFill xmlns:a14="http://schemas.microsoft.com/office/drawing/2010/main">
-                <a:solidFill>
-                  <a:srgbClr val="FFFFFF"/>
-                </a:solidFill>
-              </a14:hiddenFill>
-            </a:ext>
-          </a:extLst>
         </p:spPr>
       </p:pic>
     </p:spTree>
@@ -14618,6 +14417,13 @@
   <p:clrMapOvr>
     <a:masterClrMapping/>
   </p:clrMapOvr>
+  <p:timing>
+    <p:tnLst>
+      <p:par>
+        <p:cTn id="1" dur="indefinite" restart="never" nodeType="tmRoot"/>
+      </p:par>
+    </p:tnLst>
+  </p:timing>
 </p:sld>
 </file>
 
@@ -14778,6 +14584,13 @@
   <p:clrMapOvr>
     <a:masterClrMapping/>
   </p:clrMapOvr>
+  <p:timing>
+    <p:tnLst>
+      <p:par>
+        <p:cTn id="1" dur="indefinite" restart="never" nodeType="tmRoot"/>
+      </p:par>
+    </p:tnLst>
+  </p:timing>
 </p:sld>
 </file>
 
@@ -15205,6 +15018,13 @@
   <p:clrMapOvr>
     <a:masterClrMapping/>
   </p:clrMapOvr>
+  <p:timing>
+    <p:tnLst>
+      <p:par>
+        <p:cTn id="1" dur="indefinite" restart="never" nodeType="tmRoot"/>
+      </p:par>
+    </p:tnLst>
+  </p:timing>
 </p:sld>
 </file>
 
@@ -15368,6 +15188,13 @@
   <p:clrMapOvr>
     <a:masterClrMapping/>
   </p:clrMapOvr>
+  <p:timing>
+    <p:tnLst>
+      <p:par>
+        <p:cTn id="1" dur="indefinite" restart="never" nodeType="tmRoot"/>
+      </p:par>
+    </p:tnLst>
+  </p:timing>
 </p:sld>
 </file>
 
@@ -16251,6 +16078,13 @@
   <p:clrMapOvr>
     <a:masterClrMapping/>
   </p:clrMapOvr>
+  <p:timing>
+    <p:tnLst>
+      <p:par>
+        <p:cTn id="1" dur="indefinite" restart="never" nodeType="tmRoot"/>
+      </p:par>
+    </p:tnLst>
+  </p:timing>
 </p:sld>
 </file>
 
@@ -16273,156 +16107,6 @@
       </p:grpSpPr>
       <p:sp>
         <p:nvSpPr>
-          <p:cNvPr id="29" name="角丸四角形 28"/>
-          <p:cNvSpPr/>
-          <p:nvPr/>
-        </p:nvSpPr>
-        <p:spPr>
-          <a:xfrm>
-            <a:off x="94824" y="1758671"/>
-            <a:ext cx="6660681" cy="4568679"/>
-          </a:xfrm>
-          <a:prstGeom prst="roundRect">
-            <a:avLst/>
-          </a:prstGeom>
-          <a:noFill/>
-          <a:ln w="25400"/>
-        </p:spPr>
-        <p:style>
-          <a:lnRef idx="2">
-            <a:schemeClr val="accent1">
-              <a:shade val="50000"/>
-            </a:schemeClr>
-          </a:lnRef>
-          <a:fillRef idx="1">
-            <a:schemeClr val="accent1"/>
-          </a:fillRef>
-          <a:effectRef idx="0">
-            <a:schemeClr val="accent1"/>
-          </a:effectRef>
-          <a:fontRef idx="minor">
-            <a:schemeClr val="lt1"/>
-          </a:fontRef>
-        </p:style>
-        <p:txBody>
-          <a:bodyPr rtlCol="0" anchor="ctr"/>
-          <a:lstStyle/>
-          <a:p>
-            <a:pPr marL="0" marR="0" lvl="0" indent="0" algn="ctr" defTabSz="914400" rtl="0" eaLnBrk="1" fontAlgn="auto" latinLnBrk="0" hangingPunct="1">
-              <a:lnSpc>
-                <a:spcPct val="100000"/>
-              </a:lnSpc>
-              <a:spcBef>
-                <a:spcPts val="0"/>
-              </a:spcBef>
-              <a:spcAft>
-                <a:spcPts val="0"/>
-              </a:spcAft>
-              <a:buClrTx/>
-              <a:buSzTx/>
-              <a:buFontTx/>
-              <a:buNone/>
-              <a:tabLst/>
-              <a:defRPr/>
-            </a:pPr>
-            <a:endParaRPr kumimoji="1" lang="ja-JP" altLang="en-US" sz="1800" b="0" i="0" u="none" strike="noStrike" kern="1200" cap="none" spc="0" normalizeH="0" baseline="0" noProof="0">
-              <a:ln>
-                <a:noFill/>
-              </a:ln>
-              <a:solidFill>
-                <a:prstClr val="white"/>
-              </a:solidFill>
-              <a:effectLst/>
-              <a:uLnTx/>
-              <a:uFillTx/>
-              <a:latin typeface="Calibri" panose="020F0502020204030204"/>
-              <a:ea typeface="ＭＳ Ｐゴシック" panose="020B0600070205080204" pitchFamily="50" charset="-128"/>
-              <a:cs typeface="+mn-cs"/>
-            </a:endParaRPr>
-          </a:p>
-        </p:txBody>
-      </p:sp>
-      <p:cxnSp>
-        <p:nvCxnSpPr>
-          <p:cNvPr id="18" name="直線コネクタ 17"/>
-          <p:cNvCxnSpPr/>
-          <p:nvPr/>
-        </p:nvCxnSpPr>
-        <p:spPr>
-          <a:xfrm>
-            <a:off x="2348564" y="4564739"/>
-            <a:ext cx="4397114" cy="0"/>
-          </a:xfrm>
-          <a:prstGeom prst="line">
-            <a:avLst/>
-          </a:prstGeom>
-          <a:ln w="38100">
-            <a:solidFill>
-              <a:schemeClr val="accent2">
-                <a:lumMod val="75000"/>
-              </a:schemeClr>
-            </a:solidFill>
-            <a:prstDash val="sysDash"/>
-            <a:headEnd type="none"/>
-            <a:tailEnd type="none"/>
-          </a:ln>
-        </p:spPr>
-        <p:style>
-          <a:lnRef idx="1">
-            <a:schemeClr val="accent1"/>
-          </a:lnRef>
-          <a:fillRef idx="0">
-            <a:schemeClr val="accent1"/>
-          </a:fillRef>
-          <a:effectRef idx="0">
-            <a:schemeClr val="accent1"/>
-          </a:effectRef>
-          <a:fontRef idx="minor">
-            <a:schemeClr val="tx1"/>
-          </a:fontRef>
-        </p:style>
-      </p:cxnSp>
-      <p:pic>
-        <p:nvPicPr>
-          <p:cNvPr id="1030" name="Picture 6" descr="https://d2air1d4eqhwg2.cloudfront.net/images/3050/500x500/afb526e7-8cad-4874-a210-74aa7d09dbd4.jpg"/>
-          <p:cNvPicPr>
-            <a:picLocks noChangeAspect="1" noChangeArrowheads="1"/>
-          </p:cNvPicPr>
-          <p:nvPr/>
-        </p:nvPicPr>
-        <p:blipFill rotWithShape="1">
-          <a:blip r:embed="rId3" cstate="print">
-            <a:extLst>
-              <a:ext uri="{28A0092B-C50C-407E-A947-70E740481C1C}">
-                <a14:useLocalDpi xmlns:a14="http://schemas.microsoft.com/office/drawing/2010/main" val="0"/>
-              </a:ext>
-            </a:extLst>
-          </a:blip>
-          <a:srcRect l="10503" t="17648" r="10352" b="15675"/>
-          <a:stretch/>
-        </p:blipFill>
-        <p:spPr bwMode="auto">
-          <a:xfrm>
-            <a:off x="842224" y="2586779"/>
-            <a:ext cx="1506340" cy="1269040"/>
-          </a:xfrm>
-          <a:prstGeom prst="rect">
-            <a:avLst/>
-          </a:prstGeom>
-          <a:noFill/>
-          <a:extLst>
-            <a:ext uri="{909E8E84-426E-40DD-AFC4-6F175D3DCCD1}">
-              <a14:hiddenFill xmlns:a14="http://schemas.microsoft.com/office/drawing/2010/main">
-                <a:solidFill>
-                  <a:srgbClr val="FFFFFF"/>
-                </a:solidFill>
-              </a14:hiddenFill>
-            </a:ext>
-          </a:extLst>
-        </p:spPr>
-      </p:pic>
-      <p:sp>
-        <p:nvSpPr>
           <p:cNvPr id="2" name="タイトル 1"/>
           <p:cNvSpPr>
             <a:spLocks noGrp="1"/>
@@ -16444,1077 +16128,6 @@
             <a:r>
               <a:rPr kumimoji="1" lang="ja-JP" altLang="en-US" dirty="0"/>
               <a:t>システムの動作の概要</a:t>
-            </a:r>
-          </a:p>
-        </p:txBody>
-      </p:sp>
-      <p:pic>
-        <p:nvPicPr>
-          <p:cNvPr id="1028" name="Picture 4" descr="C615"/>
-          <p:cNvPicPr>
-            <a:picLocks noChangeAspect="1" noChangeArrowheads="1"/>
-          </p:cNvPicPr>
-          <p:nvPr/>
-        </p:nvPicPr>
-        <p:blipFill>
-          <a:blip r:embed="rId4" cstate="print">
-            <a:extLst>
-              <a:ext uri="{28A0092B-C50C-407E-A947-70E740481C1C}">
-                <a14:useLocalDpi xmlns:a14="http://schemas.microsoft.com/office/drawing/2010/main" val="0"/>
-              </a:ext>
-            </a:extLst>
-          </a:blip>
-          <a:srcRect/>
-          <a:stretch>
-            <a:fillRect/>
-          </a:stretch>
-        </p:blipFill>
-        <p:spPr bwMode="auto">
-          <a:xfrm>
-            <a:off x="3819529" y="1970802"/>
-            <a:ext cx="1250497" cy="1250497"/>
-          </a:xfrm>
-          <a:prstGeom prst="rect">
-            <a:avLst/>
-          </a:prstGeom>
-          <a:noFill/>
-          <a:extLst>
-            <a:ext uri="{909E8E84-426E-40DD-AFC4-6F175D3DCCD1}">
-              <a14:hiddenFill xmlns:a14="http://schemas.microsoft.com/office/drawing/2010/main">
-                <a:solidFill>
-                  <a:srgbClr val="FFFFFF"/>
-                </a:solidFill>
-              </a14:hiddenFill>
-            </a:ext>
-          </a:extLst>
-        </p:spPr>
-      </p:pic>
-      <p:sp>
-        <p:nvSpPr>
-          <p:cNvPr id="13" name="正方形/長方形 12"/>
-          <p:cNvSpPr/>
-          <p:nvPr/>
-        </p:nvSpPr>
-        <p:spPr>
-          <a:xfrm>
-            <a:off x="3904366" y="3918857"/>
-            <a:ext cx="1690148" cy="914238"/>
-          </a:xfrm>
-          <a:prstGeom prst="rect">
-            <a:avLst/>
-          </a:prstGeom>
-          <a:solidFill>
-            <a:srgbClr val="FFC000"/>
-          </a:solidFill>
-          <a:ln>
-            <a:noFill/>
-          </a:ln>
-        </p:spPr>
-        <p:style>
-          <a:lnRef idx="2">
-            <a:schemeClr val="accent1">
-              <a:shade val="50000"/>
-            </a:schemeClr>
-          </a:lnRef>
-          <a:fillRef idx="1">
-            <a:schemeClr val="accent1"/>
-          </a:fillRef>
-          <a:effectRef idx="0">
-            <a:schemeClr val="accent1"/>
-          </a:effectRef>
-          <a:fontRef idx="minor">
-            <a:schemeClr val="lt1"/>
-          </a:fontRef>
-        </p:style>
-        <p:txBody>
-          <a:bodyPr rtlCol="0" anchor="ctr"/>
-          <a:lstStyle/>
-          <a:p>
-            <a:pPr marL="0" marR="0" lvl="0" indent="0" algn="ctr" defTabSz="914400" rtl="0" eaLnBrk="1" fontAlgn="auto" latinLnBrk="0" hangingPunct="1">
-              <a:lnSpc>
-                <a:spcPct val="100000"/>
-              </a:lnSpc>
-              <a:spcBef>
-                <a:spcPts val="0"/>
-              </a:spcBef>
-              <a:spcAft>
-                <a:spcPts val="0"/>
-              </a:spcAft>
-              <a:buClrTx/>
-              <a:buSzTx/>
-              <a:buFontTx/>
-              <a:buNone/>
-              <a:tabLst/>
-              <a:defRPr/>
-            </a:pPr>
-            <a:r>
-              <a:rPr kumimoji="1" lang="ja-JP" altLang="en-US" sz="2800" b="0" i="0" u="none" strike="noStrike" kern="1200" cap="none" spc="0" normalizeH="0" baseline="0" noProof="0" dirty="0">
-                <a:ln>
-                  <a:noFill/>
-                </a:ln>
-                <a:solidFill>
-                  <a:prstClr val="black">
-                    <a:lumMod val="85000"/>
-                    <a:lumOff val="15000"/>
-                  </a:prstClr>
-                </a:solidFill>
-                <a:effectLst/>
-                <a:uLnTx/>
-                <a:uFillTx/>
-                <a:latin typeface="Calibri" panose="020F0502020204030204"/>
-                <a:ea typeface="ＭＳ Ｐゴシック" panose="020B0600070205080204" pitchFamily="50" charset="-128"/>
-                <a:cs typeface="+mn-cs"/>
-              </a:rPr>
-              <a:t>商品</a:t>
-            </a:r>
-          </a:p>
-        </p:txBody>
-      </p:sp>
-      <p:sp>
-        <p:nvSpPr>
-          <p:cNvPr id="14" name="テキスト ボックス 13"/>
-          <p:cNvSpPr txBox="1"/>
-          <p:nvPr/>
-        </p:nvSpPr>
-        <p:spPr>
-          <a:xfrm>
-            <a:off x="4770703" y="3558361"/>
-            <a:ext cx="2196256" cy="523220"/>
-          </a:xfrm>
-          <a:prstGeom prst="rect">
-            <a:avLst/>
-          </a:prstGeom>
-          <a:noFill/>
-        </p:spPr>
-        <p:txBody>
-          <a:bodyPr wrap="square" rtlCol="0">
-            <a:spAutoFit/>
-          </a:bodyPr>
-          <a:lstStyle/>
-          <a:p>
-            <a:pPr marL="0" marR="0" lvl="0" indent="0" algn="l" defTabSz="914400" rtl="0" eaLnBrk="1" fontAlgn="auto" latinLnBrk="0" hangingPunct="1">
-              <a:lnSpc>
-                <a:spcPct val="100000"/>
-              </a:lnSpc>
-              <a:spcBef>
-                <a:spcPts val="0"/>
-              </a:spcBef>
-              <a:spcAft>
-                <a:spcPts val="0"/>
-              </a:spcAft>
-              <a:buClrTx/>
-              <a:buSzTx/>
-              <a:buFontTx/>
-              <a:buNone/>
-              <a:tabLst/>
-              <a:defRPr/>
-            </a:pPr>
-            <a:r>
-              <a:rPr kumimoji="1" lang="ja-JP" altLang="en-US" sz="2800" b="0" i="0" u="none" strike="noStrike" kern="1200" cap="none" spc="0" normalizeH="0" baseline="0" noProof="0" dirty="0">
-                <a:ln>
-                  <a:noFill/>
-                </a:ln>
-                <a:solidFill>
-                  <a:prstClr val="black"/>
-                </a:solidFill>
-                <a:effectLst/>
-                <a:uLnTx/>
-                <a:uFillTx/>
-                <a:latin typeface="Calibri" panose="020F0502020204030204"/>
-                <a:ea typeface="ＭＳ Ｐゴシック" panose="020B0600070205080204" pitchFamily="50" charset="-128"/>
-                <a:cs typeface="+mn-cs"/>
-              </a:rPr>
-              <a:t>バーコード</a:t>
-            </a:r>
-          </a:p>
-        </p:txBody>
-      </p:sp>
-      <p:sp>
-        <p:nvSpPr>
-          <p:cNvPr id="15" name="正方形/長方形 14"/>
-          <p:cNvSpPr/>
-          <p:nvPr/>
-        </p:nvSpPr>
-        <p:spPr>
-          <a:xfrm>
-            <a:off x="4018807" y="3913729"/>
-            <a:ext cx="861332" cy="129282"/>
-          </a:xfrm>
-          <a:prstGeom prst="rect">
-            <a:avLst/>
-          </a:prstGeom>
-          <a:pattFill prst="narVert">
-            <a:fgClr>
-              <a:schemeClr val="tx1"/>
-            </a:fgClr>
-            <a:bgClr>
-              <a:schemeClr val="bg1"/>
-            </a:bgClr>
-          </a:pattFill>
-          <a:ln>
-            <a:noFill/>
-          </a:ln>
-        </p:spPr>
-        <p:style>
-          <a:lnRef idx="2">
-            <a:schemeClr val="accent1">
-              <a:shade val="50000"/>
-            </a:schemeClr>
-          </a:lnRef>
-          <a:fillRef idx="1">
-            <a:schemeClr val="accent1"/>
-          </a:fillRef>
-          <a:effectRef idx="0">
-            <a:schemeClr val="accent1"/>
-          </a:effectRef>
-          <a:fontRef idx="minor">
-            <a:schemeClr val="lt1"/>
-          </a:fontRef>
-        </p:style>
-        <p:txBody>
-          <a:bodyPr rtlCol="0" anchor="ctr"/>
-          <a:lstStyle/>
-          <a:p>
-            <a:pPr marL="0" marR="0" lvl="0" indent="0" algn="ctr" defTabSz="914400" rtl="0" eaLnBrk="1" fontAlgn="auto" latinLnBrk="0" hangingPunct="1">
-              <a:lnSpc>
-                <a:spcPct val="100000"/>
-              </a:lnSpc>
-              <a:spcBef>
-                <a:spcPts val="0"/>
-              </a:spcBef>
-              <a:spcAft>
-                <a:spcPts val="0"/>
-              </a:spcAft>
-              <a:buClrTx/>
-              <a:buSzTx/>
-              <a:buFontTx/>
-              <a:buNone/>
-              <a:tabLst/>
-              <a:defRPr/>
-            </a:pPr>
-            <a:endParaRPr kumimoji="1" lang="ja-JP" altLang="en-US" sz="1800" b="0" i="0" u="none" strike="noStrike" kern="1200" cap="none" spc="0" normalizeH="0" baseline="0" noProof="0">
-              <a:ln>
-                <a:noFill/>
-              </a:ln>
-              <a:solidFill>
-                <a:prstClr val="white"/>
-              </a:solidFill>
-              <a:effectLst/>
-              <a:uLnTx/>
-              <a:uFillTx/>
-              <a:latin typeface="Calibri" panose="020F0502020204030204"/>
-              <a:ea typeface="ＭＳ Ｐゴシック" panose="020B0600070205080204" pitchFamily="50" charset="-128"/>
-              <a:cs typeface="+mn-cs"/>
-            </a:endParaRPr>
-          </a:p>
-        </p:txBody>
-      </p:sp>
-      <p:sp>
-        <p:nvSpPr>
-          <p:cNvPr id="23" name="テキスト ボックス 22"/>
-          <p:cNvSpPr txBox="1"/>
-          <p:nvPr/>
-        </p:nvSpPr>
-        <p:spPr>
-          <a:xfrm>
-            <a:off x="533396" y="1908378"/>
-            <a:ext cx="2123996" cy="523220"/>
-          </a:xfrm>
-          <a:prstGeom prst="rect">
-            <a:avLst/>
-          </a:prstGeom>
-          <a:solidFill>
-            <a:srgbClr val="FF0066"/>
-          </a:solidFill>
-        </p:spPr>
-        <p:txBody>
-          <a:bodyPr wrap="square" rtlCol="0">
-            <a:spAutoFit/>
-          </a:bodyPr>
-          <a:lstStyle/>
-          <a:p>
-            <a:pPr marL="0" marR="0" lvl="0" indent="0" algn="l" defTabSz="914400" rtl="0" eaLnBrk="1" fontAlgn="auto" latinLnBrk="0" hangingPunct="1">
-              <a:lnSpc>
-                <a:spcPct val="100000"/>
-              </a:lnSpc>
-              <a:spcBef>
-                <a:spcPts val="0"/>
-              </a:spcBef>
-              <a:spcAft>
-                <a:spcPts val="0"/>
-              </a:spcAft>
-              <a:buClrTx/>
-              <a:buSzTx/>
-              <a:buFontTx/>
-              <a:buNone/>
-              <a:tabLst/>
-              <a:defRPr/>
-            </a:pPr>
-            <a:r>
-              <a:rPr kumimoji="1" lang="en-US" altLang="ja-JP" sz="2800" b="0" i="0" u="none" strike="noStrike" kern="1200" cap="none" spc="0" normalizeH="0" baseline="0" noProof="0">
-                <a:ln>
-                  <a:noFill/>
-                </a:ln>
-                <a:solidFill>
-                  <a:prstClr val="white"/>
-                </a:solidFill>
-                <a:effectLst/>
-                <a:uLnTx/>
-                <a:uFillTx/>
-                <a:latin typeface="Calibri" panose="020F0502020204030204"/>
-                <a:ea typeface="ＭＳ Ｐゴシック" panose="020B0600070205080204" pitchFamily="50" charset="-128"/>
-                <a:cs typeface="+mn-cs"/>
-              </a:rPr>
-              <a:t>Raspberry pi</a:t>
-            </a:r>
-            <a:endParaRPr kumimoji="1" lang="ja-JP" altLang="en-US" sz="2800" b="0" i="0" u="none" strike="noStrike" kern="1200" cap="none" spc="0" normalizeH="0" baseline="0" noProof="0">
-              <a:ln>
-                <a:noFill/>
-              </a:ln>
-              <a:solidFill>
-                <a:prstClr val="white"/>
-              </a:solidFill>
-              <a:effectLst/>
-              <a:uLnTx/>
-              <a:uFillTx/>
-              <a:latin typeface="Calibri" panose="020F0502020204030204"/>
-              <a:ea typeface="ＭＳ Ｐゴシック" panose="020B0600070205080204" pitchFamily="50" charset="-128"/>
-              <a:cs typeface="+mn-cs"/>
-            </a:endParaRPr>
-          </a:p>
-        </p:txBody>
-      </p:sp>
-      <p:cxnSp>
-        <p:nvCxnSpPr>
-          <p:cNvPr id="20" name="直線矢印コネクタ 19"/>
-          <p:cNvCxnSpPr>
-            <a:endCxn id="15" idx="0"/>
-          </p:cNvCxnSpPr>
-          <p:nvPr/>
-        </p:nvCxnSpPr>
-        <p:spPr>
-          <a:xfrm>
-            <a:off x="4444777" y="3061624"/>
-            <a:ext cx="4696" cy="852105"/>
-          </a:xfrm>
-          <a:prstGeom prst="straightConnector1">
-            <a:avLst/>
-          </a:prstGeom>
-          <a:ln w="98425">
-            <a:solidFill>
-              <a:srgbClr val="FF0000"/>
-            </a:solidFill>
-            <a:tailEnd type="triangle"/>
-          </a:ln>
-        </p:spPr>
-        <p:style>
-          <a:lnRef idx="1">
-            <a:schemeClr val="accent1"/>
-          </a:lnRef>
-          <a:fillRef idx="0">
-            <a:schemeClr val="accent1"/>
-          </a:fillRef>
-          <a:effectRef idx="0">
-            <a:schemeClr val="accent1"/>
-          </a:effectRef>
-          <a:fontRef idx="minor">
-            <a:schemeClr val="tx1"/>
-          </a:fontRef>
-        </p:style>
-      </p:cxnSp>
-      <p:sp>
-        <p:nvSpPr>
-          <p:cNvPr id="27" name="正方形/長方形 26"/>
-          <p:cNvSpPr/>
-          <p:nvPr/>
-        </p:nvSpPr>
-        <p:spPr>
-          <a:xfrm>
-            <a:off x="2875807" y="4833094"/>
-            <a:ext cx="3869871" cy="1386285"/>
-          </a:xfrm>
-          <a:prstGeom prst="rect">
-            <a:avLst/>
-          </a:prstGeom>
-          <a:noFill/>
-          <a:ln>
-            <a:noFill/>
-          </a:ln>
-        </p:spPr>
-        <p:style>
-          <a:lnRef idx="0">
-            <a:scrgbClr r="0" g="0" b="0"/>
-          </a:lnRef>
-          <a:fillRef idx="0">
-            <a:scrgbClr r="0" g="0" b="0"/>
-          </a:fillRef>
-          <a:effectRef idx="0">
-            <a:scrgbClr r="0" g="0" b="0"/>
-          </a:effectRef>
-          <a:fontRef idx="minor">
-            <a:schemeClr val="dk1"/>
-          </a:fontRef>
-        </p:style>
-        <p:txBody>
-          <a:bodyPr rtlCol="0" anchor="ctr"/>
-          <a:lstStyle/>
-          <a:p>
-            <a:pPr marL="0" marR="0" lvl="0" indent="0" algn="ctr" defTabSz="914400" rtl="0" eaLnBrk="1" fontAlgn="auto" latinLnBrk="0" hangingPunct="1">
-              <a:lnSpc>
-                <a:spcPct val="100000"/>
-              </a:lnSpc>
-              <a:spcBef>
-                <a:spcPts val="0"/>
-              </a:spcBef>
-              <a:spcAft>
-                <a:spcPts val="0"/>
-              </a:spcAft>
-              <a:buClrTx/>
-              <a:buSzTx/>
-              <a:buFontTx/>
-              <a:buNone/>
-              <a:tabLst/>
-              <a:defRPr/>
-            </a:pPr>
-            <a:endParaRPr kumimoji="1" lang="ja-JP" altLang="en-US" sz="1800" b="0" i="0" u="none" strike="noStrike" kern="1200" cap="none" spc="0" normalizeH="0" baseline="0" noProof="0">
-              <a:ln>
-                <a:noFill/>
-              </a:ln>
-              <a:solidFill>
-                <a:prstClr val="black"/>
-              </a:solidFill>
-              <a:effectLst/>
-              <a:uLnTx/>
-              <a:uFillTx/>
-              <a:latin typeface="Calibri" panose="020F0502020204030204"/>
-              <a:ea typeface="ＭＳ Ｐゴシック" panose="020B0600070205080204" pitchFamily="50" charset="-128"/>
-              <a:cs typeface="+mn-cs"/>
-            </a:endParaRPr>
-          </a:p>
-        </p:txBody>
-      </p:sp>
-      <p:pic>
-        <p:nvPicPr>
-          <p:cNvPr id="1040" name="Picture 16" descr="サーバーのイラスト（1台）"/>
-          <p:cNvPicPr>
-            <a:picLocks noChangeAspect="1" noChangeArrowheads="1"/>
-          </p:cNvPicPr>
-          <p:nvPr/>
-        </p:nvPicPr>
-        <p:blipFill>
-          <a:blip r:embed="rId5">
-            <a:extLst>
-              <a:ext uri="{28A0092B-C50C-407E-A947-70E740481C1C}">
-                <a14:useLocalDpi xmlns:a14="http://schemas.microsoft.com/office/drawing/2010/main" val="0"/>
-              </a:ext>
-            </a:extLst>
-          </a:blip>
-          <a:srcRect/>
-          <a:stretch>
-            <a:fillRect/>
-          </a:stretch>
-        </p:blipFill>
-        <p:spPr bwMode="auto">
-          <a:xfrm>
-            <a:off x="7725373" y="2956464"/>
-            <a:ext cx="2055508" cy="2432554"/>
-          </a:xfrm>
-          <a:prstGeom prst="rect">
-            <a:avLst/>
-          </a:prstGeom>
-          <a:noFill/>
-          <a:extLst>
-            <a:ext uri="{909E8E84-426E-40DD-AFC4-6F175D3DCCD1}">
-              <a14:hiddenFill xmlns:a14="http://schemas.microsoft.com/office/drawing/2010/main">
-                <a:solidFill>
-                  <a:srgbClr val="FFFFFF"/>
-                </a:solidFill>
-              </a14:hiddenFill>
-            </a:ext>
-          </a:extLst>
-        </p:spPr>
-      </p:pic>
-      <p:sp>
-        <p:nvSpPr>
-          <p:cNvPr id="43" name="角丸四角形 42"/>
-          <p:cNvSpPr/>
-          <p:nvPr/>
-        </p:nvSpPr>
-        <p:spPr>
-          <a:xfrm>
-            <a:off x="7735200" y="1735867"/>
-            <a:ext cx="4003218" cy="4568679"/>
-          </a:xfrm>
-          <a:prstGeom prst="roundRect">
-            <a:avLst/>
-          </a:prstGeom>
-          <a:noFill/>
-          <a:ln w="25400">
-            <a:solidFill>
-              <a:schemeClr val="accent5"/>
-            </a:solidFill>
-          </a:ln>
-        </p:spPr>
-        <p:style>
-          <a:lnRef idx="2">
-            <a:schemeClr val="accent1">
-              <a:shade val="50000"/>
-            </a:schemeClr>
-          </a:lnRef>
-          <a:fillRef idx="1">
-            <a:schemeClr val="accent1"/>
-          </a:fillRef>
-          <a:effectRef idx="0">
-            <a:schemeClr val="accent1"/>
-          </a:effectRef>
-          <a:fontRef idx="minor">
-            <a:schemeClr val="lt1"/>
-          </a:fontRef>
-        </p:style>
-        <p:txBody>
-          <a:bodyPr rtlCol="0" anchor="ctr"/>
-          <a:lstStyle/>
-          <a:p>
-            <a:pPr marL="0" marR="0" lvl="0" indent="0" algn="ctr" defTabSz="914400" rtl="0" eaLnBrk="1" fontAlgn="auto" latinLnBrk="0" hangingPunct="1">
-              <a:lnSpc>
-                <a:spcPct val="100000"/>
-              </a:lnSpc>
-              <a:spcBef>
-                <a:spcPts val="0"/>
-              </a:spcBef>
-              <a:spcAft>
-                <a:spcPts val="0"/>
-              </a:spcAft>
-              <a:buClrTx/>
-              <a:buSzTx/>
-              <a:buFontTx/>
-              <a:buNone/>
-              <a:tabLst/>
-              <a:defRPr/>
-            </a:pPr>
-            <a:endParaRPr kumimoji="1" lang="ja-JP" altLang="en-US" sz="1800" b="0" i="0" u="none" strike="noStrike" kern="1200" cap="none" spc="0" normalizeH="0" baseline="0" noProof="0">
-              <a:ln>
-                <a:noFill/>
-              </a:ln>
-              <a:solidFill>
-                <a:prstClr val="white"/>
-              </a:solidFill>
-              <a:effectLst/>
-              <a:uLnTx/>
-              <a:uFillTx/>
-              <a:latin typeface="Calibri" panose="020F0502020204030204"/>
-              <a:ea typeface="ＭＳ Ｐゴシック" panose="020B0600070205080204" pitchFamily="50" charset="-128"/>
-              <a:cs typeface="+mn-cs"/>
-            </a:endParaRPr>
-          </a:p>
-        </p:txBody>
-      </p:sp>
-      <p:sp>
-        <p:nvSpPr>
-          <p:cNvPr id="31" name="右矢印 30"/>
-          <p:cNvSpPr/>
-          <p:nvPr/>
-        </p:nvSpPr>
-        <p:spPr>
-          <a:xfrm>
-            <a:off x="5976200" y="2868527"/>
-            <a:ext cx="1345689" cy="926681"/>
-          </a:xfrm>
-          <a:prstGeom prst="rightArrow">
-            <a:avLst/>
-          </a:prstGeom>
-          <a:ln>
-            <a:noFill/>
-          </a:ln>
-        </p:spPr>
-        <p:style>
-          <a:lnRef idx="2">
-            <a:schemeClr val="accent1">
-              <a:shade val="50000"/>
-            </a:schemeClr>
-          </a:lnRef>
-          <a:fillRef idx="1">
-            <a:schemeClr val="accent1"/>
-          </a:fillRef>
-          <a:effectRef idx="0">
-            <a:schemeClr val="accent1"/>
-          </a:effectRef>
-          <a:fontRef idx="minor">
-            <a:schemeClr val="lt1"/>
-          </a:fontRef>
-        </p:style>
-        <p:txBody>
-          <a:bodyPr rtlCol="0" anchor="ctr"/>
-          <a:lstStyle/>
-          <a:p>
-            <a:pPr marL="0" marR="0" lvl="0" indent="0" algn="ctr" defTabSz="914400" rtl="0" eaLnBrk="1" fontAlgn="auto" latinLnBrk="0" hangingPunct="1">
-              <a:lnSpc>
-                <a:spcPct val="100000"/>
-              </a:lnSpc>
-              <a:spcBef>
-                <a:spcPts val="0"/>
-              </a:spcBef>
-              <a:spcAft>
-                <a:spcPts val="0"/>
-              </a:spcAft>
-              <a:buClrTx/>
-              <a:buSzTx/>
-              <a:buFontTx/>
-              <a:buNone/>
-              <a:tabLst/>
-              <a:defRPr/>
-            </a:pPr>
-            <a:endParaRPr kumimoji="1" lang="ja-JP" altLang="en-US" sz="1800" b="0" i="0" u="none" strike="noStrike" kern="1200" cap="none" spc="0" normalizeH="0" baseline="0" noProof="0">
-              <a:ln>
-                <a:noFill/>
-              </a:ln>
-              <a:solidFill>
-                <a:prstClr val="white"/>
-              </a:solidFill>
-              <a:effectLst/>
-              <a:uLnTx/>
-              <a:uFillTx/>
-              <a:latin typeface="Calibri" panose="020F0502020204030204"/>
-              <a:ea typeface="ＭＳ Ｐゴシック" panose="020B0600070205080204" pitchFamily="50" charset="-128"/>
-              <a:cs typeface="+mn-cs"/>
-            </a:endParaRPr>
-          </a:p>
-        </p:txBody>
-      </p:sp>
-      <p:sp>
-        <p:nvSpPr>
-          <p:cNvPr id="45" name="右矢印 44"/>
-          <p:cNvSpPr/>
-          <p:nvPr/>
-        </p:nvSpPr>
-        <p:spPr>
-          <a:xfrm flipH="1">
-            <a:off x="5978745" y="4433436"/>
-            <a:ext cx="1345689" cy="926681"/>
-          </a:xfrm>
-          <a:prstGeom prst="rightArrow">
-            <a:avLst/>
-          </a:prstGeom>
-          <a:ln>
-            <a:noFill/>
-          </a:ln>
-        </p:spPr>
-        <p:style>
-          <a:lnRef idx="2">
-            <a:schemeClr val="accent1">
-              <a:shade val="50000"/>
-            </a:schemeClr>
-          </a:lnRef>
-          <a:fillRef idx="1">
-            <a:schemeClr val="accent1"/>
-          </a:fillRef>
-          <a:effectRef idx="0">
-            <a:schemeClr val="accent1"/>
-          </a:effectRef>
-          <a:fontRef idx="minor">
-            <a:schemeClr val="lt1"/>
-          </a:fontRef>
-        </p:style>
-        <p:txBody>
-          <a:bodyPr rtlCol="0" anchor="ctr"/>
-          <a:lstStyle/>
-          <a:p>
-            <a:pPr marL="0" marR="0" lvl="0" indent="0" algn="ctr" defTabSz="914400" rtl="0" eaLnBrk="1" fontAlgn="auto" latinLnBrk="0" hangingPunct="1">
-              <a:lnSpc>
-                <a:spcPct val="100000"/>
-              </a:lnSpc>
-              <a:spcBef>
-                <a:spcPts val="0"/>
-              </a:spcBef>
-              <a:spcAft>
-                <a:spcPts val="0"/>
-              </a:spcAft>
-              <a:buClrTx/>
-              <a:buSzTx/>
-              <a:buFontTx/>
-              <a:buNone/>
-              <a:tabLst/>
-              <a:defRPr/>
-            </a:pPr>
-            <a:endParaRPr kumimoji="1" lang="ja-JP" altLang="en-US" sz="1800" b="0" i="0" u="none" strike="noStrike" kern="1200" cap="none" spc="0" normalizeH="0" baseline="0" noProof="0">
-              <a:ln>
-                <a:noFill/>
-              </a:ln>
-              <a:solidFill>
-                <a:prstClr val="white"/>
-              </a:solidFill>
-              <a:effectLst/>
-              <a:uLnTx/>
-              <a:uFillTx/>
-              <a:latin typeface="Calibri" panose="020F0502020204030204"/>
-              <a:ea typeface="ＭＳ Ｐゴシック" panose="020B0600070205080204" pitchFamily="50" charset="-128"/>
-              <a:cs typeface="+mn-cs"/>
-            </a:endParaRPr>
-          </a:p>
-        </p:txBody>
-      </p:sp>
-      <p:sp>
-        <p:nvSpPr>
-          <p:cNvPr id="46" name="テキスト ボックス 45"/>
-          <p:cNvSpPr txBox="1"/>
-          <p:nvPr/>
-        </p:nvSpPr>
-        <p:spPr>
-          <a:xfrm>
-            <a:off x="8356860" y="1904430"/>
-            <a:ext cx="1341693" cy="523220"/>
-          </a:xfrm>
-          <a:prstGeom prst="rect">
-            <a:avLst/>
-          </a:prstGeom>
-          <a:solidFill>
-            <a:schemeClr val="accent5"/>
-          </a:solidFill>
-        </p:spPr>
-        <p:txBody>
-          <a:bodyPr wrap="square" rtlCol="0">
-            <a:spAutoFit/>
-          </a:bodyPr>
-          <a:lstStyle/>
-          <a:p>
-            <a:pPr marL="0" marR="0" lvl="0" indent="0" algn="l" defTabSz="914400" rtl="0" eaLnBrk="1" fontAlgn="auto" latinLnBrk="0" hangingPunct="1">
-              <a:lnSpc>
-                <a:spcPct val="100000"/>
-              </a:lnSpc>
-              <a:spcBef>
-                <a:spcPts val="0"/>
-              </a:spcBef>
-              <a:spcAft>
-                <a:spcPts val="0"/>
-              </a:spcAft>
-              <a:buClrTx/>
-              <a:buSzTx/>
-              <a:buFontTx/>
-              <a:buNone/>
-              <a:tabLst/>
-              <a:defRPr/>
-            </a:pPr>
-            <a:r>
-              <a:rPr kumimoji="1" lang="ja-JP" altLang="en-US" sz="2800" b="0" i="0" u="none" strike="noStrike" kern="1200" cap="none" spc="0" normalizeH="0" baseline="0" noProof="0" dirty="0">
-                <a:ln>
-                  <a:noFill/>
-                </a:ln>
-                <a:solidFill>
-                  <a:prstClr val="white"/>
-                </a:solidFill>
-                <a:effectLst/>
-                <a:uLnTx/>
-                <a:uFillTx/>
-                <a:latin typeface="Calibri" panose="020F0502020204030204"/>
-                <a:ea typeface="ＭＳ Ｐゴシック" panose="020B0600070205080204" pitchFamily="50" charset="-128"/>
-                <a:cs typeface="+mn-cs"/>
-              </a:rPr>
-              <a:t>サーバ</a:t>
-            </a:r>
-          </a:p>
-        </p:txBody>
-      </p:sp>
-      <p:sp>
-        <p:nvSpPr>
-          <p:cNvPr id="47" name="テキスト ボックス 46"/>
-          <p:cNvSpPr txBox="1"/>
-          <p:nvPr/>
-        </p:nvSpPr>
-        <p:spPr>
-          <a:xfrm>
-            <a:off x="5110375" y="1880514"/>
-            <a:ext cx="3082428" cy="954107"/>
-          </a:xfrm>
-          <a:prstGeom prst="rect">
-            <a:avLst/>
-          </a:prstGeom>
-          <a:solidFill>
-            <a:schemeClr val="bg1">
-              <a:lumMod val="95000"/>
-            </a:schemeClr>
-          </a:solidFill>
-        </p:spPr>
-        <p:txBody>
-          <a:bodyPr wrap="square" rtlCol="0">
-            <a:spAutoFit/>
-          </a:bodyPr>
-          <a:lstStyle/>
-          <a:p>
-            <a:pPr marL="0" marR="0" lvl="0" indent="0" algn="l" defTabSz="914400" rtl="0" eaLnBrk="1" fontAlgn="auto" latinLnBrk="0" hangingPunct="1">
-              <a:lnSpc>
-                <a:spcPct val="100000"/>
-              </a:lnSpc>
-              <a:spcBef>
-                <a:spcPts val="0"/>
-              </a:spcBef>
-              <a:spcAft>
-                <a:spcPts val="0"/>
-              </a:spcAft>
-              <a:buClrTx/>
-              <a:buSzTx/>
-              <a:buFontTx/>
-              <a:buNone/>
-              <a:tabLst/>
-              <a:defRPr/>
-            </a:pPr>
-            <a:r>
-              <a:rPr kumimoji="1" lang="ja-JP" altLang="en-US" sz="2800" b="0" i="0" u="none" strike="noStrike" kern="1200" cap="none" spc="0" normalizeH="0" baseline="0" noProof="0" dirty="0">
-                <a:ln>
-                  <a:noFill/>
-                </a:ln>
-                <a:solidFill>
-                  <a:prstClr val="black">
-                    <a:lumMod val="85000"/>
-                    <a:lumOff val="15000"/>
-                  </a:prstClr>
-                </a:solidFill>
-                <a:effectLst/>
-                <a:uLnTx/>
-                <a:uFillTx/>
-                <a:latin typeface="Calibri" panose="020F0502020204030204"/>
-                <a:ea typeface="ＭＳ Ｐゴシック" panose="020B0600070205080204" pitchFamily="50" charset="-128"/>
-                <a:cs typeface="+mn-cs"/>
-              </a:rPr>
-              <a:t>画像データ</a:t>
-            </a:r>
-            <a:endParaRPr kumimoji="1" lang="en-US" altLang="ja-JP" sz="2800" b="0" i="0" u="none" strike="noStrike" kern="1200" cap="none" spc="0" normalizeH="0" baseline="0" noProof="0" dirty="0">
-              <a:ln>
-                <a:noFill/>
-              </a:ln>
-              <a:solidFill>
-                <a:prstClr val="black">
-                  <a:lumMod val="85000"/>
-                  <a:lumOff val="15000"/>
-                </a:prstClr>
-              </a:solidFill>
-              <a:effectLst/>
-              <a:uLnTx/>
-              <a:uFillTx/>
-              <a:latin typeface="Calibri" panose="020F0502020204030204"/>
-              <a:ea typeface="ＭＳ Ｐゴシック" panose="020B0600070205080204" pitchFamily="50" charset="-128"/>
-              <a:cs typeface="+mn-cs"/>
-            </a:endParaRPr>
-          </a:p>
-          <a:p>
-            <a:pPr marL="0" marR="0" lvl="0" indent="0" algn="l" defTabSz="914400" rtl="0" eaLnBrk="1" fontAlgn="auto" latinLnBrk="0" hangingPunct="1">
-              <a:lnSpc>
-                <a:spcPct val="100000"/>
-              </a:lnSpc>
-              <a:spcBef>
-                <a:spcPts val="0"/>
-              </a:spcBef>
-              <a:spcAft>
-                <a:spcPts val="0"/>
-              </a:spcAft>
-              <a:buClrTx/>
-              <a:buSzTx/>
-              <a:buFontTx/>
-              <a:buNone/>
-              <a:tabLst/>
-              <a:defRPr/>
-            </a:pPr>
-            <a:r>
-              <a:rPr kumimoji="1" lang="ja-JP" altLang="en-US" sz="2800" b="0" i="0" u="none" strike="noStrike" kern="1200" cap="none" spc="0" normalizeH="0" baseline="0" noProof="0" dirty="0">
-                <a:ln>
-                  <a:noFill/>
-                </a:ln>
-                <a:solidFill>
-                  <a:prstClr val="black">
-                    <a:lumMod val="85000"/>
-                    <a:lumOff val="15000"/>
-                  </a:prstClr>
-                </a:solidFill>
-                <a:effectLst/>
-                <a:uLnTx/>
-                <a:uFillTx/>
-                <a:latin typeface="Calibri" panose="020F0502020204030204"/>
-                <a:ea typeface="ＭＳ Ｐゴシック" panose="020B0600070205080204" pitchFamily="50" charset="-128"/>
-                <a:cs typeface="+mn-cs"/>
-              </a:rPr>
-              <a:t>フラグ</a:t>
-            </a:r>
-            <a:r>
-              <a:rPr kumimoji="1" lang="en-US" altLang="ja-JP" sz="2800" b="0" i="0" u="none" strike="noStrike" kern="1200" cap="none" spc="0" normalizeH="0" baseline="0" noProof="0" dirty="0">
-                <a:ln>
-                  <a:noFill/>
-                </a:ln>
-                <a:solidFill>
-                  <a:prstClr val="black">
-                    <a:lumMod val="85000"/>
-                    <a:lumOff val="15000"/>
-                  </a:prstClr>
-                </a:solidFill>
-                <a:effectLst/>
-                <a:uLnTx/>
-                <a:uFillTx/>
-                <a:latin typeface="Calibri" panose="020F0502020204030204"/>
-                <a:ea typeface="ＭＳ Ｐゴシック" panose="020B0600070205080204" pitchFamily="50" charset="-128"/>
-                <a:cs typeface="+mn-cs"/>
-              </a:rPr>
-              <a:t>(</a:t>
-            </a:r>
-            <a:r>
-              <a:rPr kumimoji="1" lang="ja-JP" altLang="en-US" sz="2800" b="0" i="0" u="none" strike="noStrike" kern="1200" cap="none" spc="0" normalizeH="0" baseline="0" noProof="0" dirty="0">
-                <a:ln>
-                  <a:noFill/>
-                </a:ln>
-                <a:solidFill>
-                  <a:prstClr val="black">
-                    <a:lumMod val="85000"/>
-                    <a:lumOff val="15000"/>
-                  </a:prstClr>
-                </a:solidFill>
-                <a:effectLst/>
-                <a:uLnTx/>
-                <a:uFillTx/>
-                <a:latin typeface="Calibri" panose="020F0502020204030204"/>
-                <a:ea typeface="ＭＳ Ｐゴシック" panose="020B0600070205080204" pitchFamily="50" charset="-128"/>
-                <a:cs typeface="+mn-cs"/>
-              </a:rPr>
-              <a:t>追加</a:t>
-            </a:r>
-            <a:r>
-              <a:rPr kumimoji="1" lang="en-US" altLang="ja-JP" sz="2800" b="0" i="0" u="none" strike="noStrike" kern="1200" cap="none" spc="0" normalizeH="0" baseline="0" noProof="0" dirty="0">
-                <a:ln>
-                  <a:noFill/>
-                </a:ln>
-                <a:solidFill>
-                  <a:prstClr val="black">
-                    <a:lumMod val="85000"/>
-                    <a:lumOff val="15000"/>
-                  </a:prstClr>
-                </a:solidFill>
-                <a:effectLst/>
-                <a:uLnTx/>
-                <a:uFillTx/>
-                <a:latin typeface="Calibri" panose="020F0502020204030204"/>
-                <a:ea typeface="ＭＳ Ｐゴシック" panose="020B0600070205080204" pitchFamily="50" charset="-128"/>
-                <a:cs typeface="+mn-cs"/>
-              </a:rPr>
-              <a:t>or</a:t>
-            </a:r>
-            <a:r>
-              <a:rPr kumimoji="1" lang="ja-JP" altLang="en-US" sz="2800" b="0" i="0" u="none" strike="noStrike" kern="1200" cap="none" spc="0" normalizeH="0" baseline="0" noProof="0" dirty="0">
-                <a:ln>
-                  <a:noFill/>
-                </a:ln>
-                <a:solidFill>
-                  <a:prstClr val="black">
-                    <a:lumMod val="85000"/>
-                    <a:lumOff val="15000"/>
-                  </a:prstClr>
-                </a:solidFill>
-                <a:effectLst/>
-                <a:uLnTx/>
-                <a:uFillTx/>
-                <a:latin typeface="Calibri" panose="020F0502020204030204"/>
-                <a:ea typeface="ＭＳ Ｐゴシック" panose="020B0600070205080204" pitchFamily="50" charset="-128"/>
-                <a:cs typeface="+mn-cs"/>
-              </a:rPr>
-              <a:t>削除</a:t>
-            </a:r>
-            <a:r>
-              <a:rPr kumimoji="1" lang="en-US" altLang="ja-JP" sz="2800" b="0" i="0" u="none" strike="noStrike" kern="1200" cap="none" spc="0" normalizeH="0" baseline="0" noProof="0" dirty="0">
-                <a:ln>
-                  <a:noFill/>
-                </a:ln>
-                <a:solidFill>
-                  <a:prstClr val="black">
-                    <a:lumMod val="85000"/>
-                    <a:lumOff val="15000"/>
-                  </a:prstClr>
-                </a:solidFill>
-                <a:effectLst/>
-                <a:uLnTx/>
-                <a:uFillTx/>
-                <a:latin typeface="Calibri" panose="020F0502020204030204"/>
-                <a:ea typeface="ＭＳ Ｐゴシック" panose="020B0600070205080204" pitchFamily="50" charset="-128"/>
-                <a:cs typeface="+mn-cs"/>
-              </a:rPr>
-              <a:t>)</a:t>
-            </a:r>
-            <a:endParaRPr kumimoji="1" lang="ja-JP" altLang="en-US" sz="2800" b="0" i="0" u="none" strike="noStrike" kern="1200" cap="none" spc="0" normalizeH="0" baseline="0" noProof="0" dirty="0">
-              <a:ln>
-                <a:noFill/>
-              </a:ln>
-              <a:solidFill>
-                <a:prstClr val="black">
-                  <a:lumMod val="85000"/>
-                  <a:lumOff val="15000"/>
-                </a:prstClr>
-              </a:solidFill>
-              <a:effectLst/>
-              <a:uLnTx/>
-              <a:uFillTx/>
-              <a:latin typeface="Calibri" panose="020F0502020204030204"/>
-              <a:ea typeface="ＭＳ Ｐゴシック" panose="020B0600070205080204" pitchFamily="50" charset="-128"/>
-              <a:cs typeface="+mn-cs"/>
-            </a:endParaRPr>
-          </a:p>
-        </p:txBody>
-      </p:sp>
-      <p:sp>
-        <p:nvSpPr>
-          <p:cNvPr id="48" name="テキスト ボックス 47"/>
-          <p:cNvSpPr txBox="1"/>
-          <p:nvPr/>
-        </p:nvSpPr>
-        <p:spPr>
-          <a:xfrm>
-            <a:off x="5848765" y="5428062"/>
-            <a:ext cx="1663387" cy="523220"/>
-          </a:xfrm>
-          <a:prstGeom prst="rect">
-            <a:avLst/>
-          </a:prstGeom>
-          <a:solidFill>
-            <a:schemeClr val="bg1">
-              <a:lumMod val="95000"/>
-            </a:schemeClr>
-          </a:solidFill>
-        </p:spPr>
-        <p:txBody>
-          <a:bodyPr wrap="square" rtlCol="0">
-            <a:spAutoFit/>
-          </a:bodyPr>
-          <a:lstStyle/>
-          <a:p>
-            <a:pPr marL="0" marR="0" lvl="0" indent="0" algn="l" defTabSz="914400" rtl="0" eaLnBrk="1" fontAlgn="auto" latinLnBrk="0" hangingPunct="1">
-              <a:lnSpc>
-                <a:spcPct val="100000"/>
-              </a:lnSpc>
-              <a:spcBef>
-                <a:spcPts val="0"/>
-              </a:spcBef>
-              <a:spcAft>
-                <a:spcPts val="0"/>
-              </a:spcAft>
-              <a:buClrTx/>
-              <a:buSzTx/>
-              <a:buFontTx/>
-              <a:buNone/>
-              <a:tabLst/>
-              <a:defRPr/>
-            </a:pPr>
-            <a:r>
-              <a:rPr kumimoji="1" lang="ja-JP" altLang="en-US" sz="2800" b="0" i="0" u="none" strike="noStrike" kern="1200" cap="none" spc="0" normalizeH="0" baseline="0" noProof="0" dirty="0">
-                <a:ln>
-                  <a:noFill/>
-                </a:ln>
-                <a:solidFill>
-                  <a:prstClr val="black">
-                    <a:lumMod val="85000"/>
-                    <a:lumOff val="15000"/>
-                  </a:prstClr>
-                </a:solidFill>
-                <a:effectLst/>
-                <a:uLnTx/>
-                <a:uFillTx/>
-                <a:latin typeface="Calibri" panose="020F0502020204030204"/>
-                <a:ea typeface="ＭＳ Ｐゴシック" panose="020B0600070205080204" pitchFamily="50" charset="-128"/>
-                <a:cs typeface="+mn-cs"/>
-              </a:rPr>
-              <a:t>識別結果</a:t>
             </a:r>
           </a:p>
         </p:txBody>
@@ -17602,58 +16215,599 @@
           </a:p>
         </p:txBody>
       </p:sp>
-      <p:sp>
-        <p:nvSpPr>
-          <p:cNvPr id="5" name="楕円 4"/>
-          <p:cNvSpPr/>
+      <p:grpSp>
+        <p:nvGrpSpPr>
+          <p:cNvPr id="4" name="グループ化 3"/>
+          <p:cNvGrpSpPr/>
           <p:nvPr/>
-        </p:nvSpPr>
-        <p:spPr>
+        </p:nvGrpSpPr>
+        <p:grpSpPr>
           <a:xfrm>
-            <a:off x="689812" y="4328719"/>
-            <a:ext cx="2457908" cy="1579141"/>
+            <a:off x="94824" y="1735867"/>
+            <a:ext cx="11643594" cy="4591483"/>
+            <a:chOff x="94824" y="1735867"/>
+            <a:chExt cx="11643594" cy="4591483"/>
           </a:xfrm>
-          <a:prstGeom prst="ellipse">
-            <a:avLst/>
-          </a:prstGeom>
-        </p:spPr>
-        <p:style>
-          <a:lnRef idx="2">
-            <a:schemeClr val="accent1"/>
-          </a:lnRef>
-          <a:fillRef idx="1">
-            <a:schemeClr val="lt1"/>
-          </a:fillRef>
-          <a:effectRef idx="0">
-            <a:schemeClr val="accent1"/>
-          </a:effectRef>
-          <a:fontRef idx="minor">
-            <a:schemeClr val="dk1"/>
-          </a:fontRef>
-        </p:style>
-        <p:txBody>
-          <a:bodyPr rtlCol="0" anchor="ctr"/>
-          <a:lstStyle/>
-          <a:p>
-            <a:pPr marL="0" marR="0" lvl="0" indent="0" algn="ctr" defTabSz="914400" rtl="0" eaLnBrk="1" fontAlgn="auto" latinLnBrk="0" hangingPunct="1">
-              <a:lnSpc>
-                <a:spcPct val="100000"/>
-              </a:lnSpc>
-              <a:spcBef>
-                <a:spcPts val="0"/>
-              </a:spcBef>
-              <a:spcAft>
-                <a:spcPts val="0"/>
-              </a:spcAft>
-              <a:buClrTx/>
-              <a:buSzTx/>
-              <a:buFontTx/>
-              <a:buNone/>
-              <a:tabLst/>
-              <a:defRPr/>
-            </a:pPr>
-            <a:r>
-              <a:rPr kumimoji="1" lang="ja-JP" altLang="en-US" sz="2800" b="0" i="0" u="none" strike="noStrike" kern="1200" cap="none" spc="0" normalizeH="0" baseline="0" noProof="0" dirty="0">
+        </p:grpSpPr>
+        <p:sp>
+          <p:nvSpPr>
+            <p:cNvPr id="29" name="角丸四角形 28"/>
+            <p:cNvSpPr/>
+            <p:nvPr/>
+          </p:nvSpPr>
+          <p:spPr>
+            <a:xfrm>
+              <a:off x="94824" y="1758671"/>
+              <a:ext cx="6660681" cy="4568679"/>
+            </a:xfrm>
+            <a:prstGeom prst="roundRect">
+              <a:avLst/>
+            </a:prstGeom>
+            <a:noFill/>
+            <a:ln w="25400"/>
+          </p:spPr>
+          <p:style>
+            <a:lnRef idx="2">
+              <a:schemeClr val="accent1">
+                <a:shade val="50000"/>
+              </a:schemeClr>
+            </a:lnRef>
+            <a:fillRef idx="1">
+              <a:schemeClr val="accent1"/>
+            </a:fillRef>
+            <a:effectRef idx="0">
+              <a:schemeClr val="accent1"/>
+            </a:effectRef>
+            <a:fontRef idx="minor">
+              <a:schemeClr val="lt1"/>
+            </a:fontRef>
+          </p:style>
+          <p:txBody>
+            <a:bodyPr rtlCol="0" anchor="ctr"/>
+            <a:lstStyle/>
+            <a:p>
+              <a:pPr marL="0" marR="0" lvl="0" indent="0" algn="ctr" defTabSz="914400" rtl="0" eaLnBrk="1" fontAlgn="auto" latinLnBrk="0" hangingPunct="1">
+                <a:lnSpc>
+                  <a:spcPct val="100000"/>
+                </a:lnSpc>
+                <a:spcBef>
+                  <a:spcPts val="0"/>
+                </a:spcBef>
+                <a:spcAft>
+                  <a:spcPts val="0"/>
+                </a:spcAft>
+                <a:buClrTx/>
+                <a:buSzTx/>
+                <a:buFontTx/>
+                <a:buNone/>
+                <a:tabLst/>
+                <a:defRPr/>
+              </a:pPr>
+              <a:endParaRPr kumimoji="1" lang="ja-JP" altLang="en-US" sz="1800" b="0" i="0" u="none" strike="noStrike" kern="1200" cap="none" spc="0" normalizeH="0" baseline="0" noProof="0">
+                <a:ln>
+                  <a:noFill/>
+                </a:ln>
+                <a:solidFill>
+                  <a:prstClr val="white"/>
+                </a:solidFill>
+                <a:effectLst/>
+                <a:uLnTx/>
+                <a:uFillTx/>
+                <a:latin typeface="Calibri" panose="020F0502020204030204"/>
+                <a:ea typeface="ＭＳ Ｐゴシック" panose="020B0600070205080204" pitchFamily="50" charset="-128"/>
+                <a:cs typeface="+mn-cs"/>
+              </a:endParaRPr>
+            </a:p>
+          </p:txBody>
+        </p:sp>
+        <p:cxnSp>
+          <p:nvCxnSpPr>
+            <p:cNvPr id="18" name="直線コネクタ 17"/>
+            <p:cNvCxnSpPr/>
+            <p:nvPr/>
+          </p:nvCxnSpPr>
+          <p:spPr>
+            <a:xfrm>
+              <a:off x="2348564" y="4564739"/>
+              <a:ext cx="4397114" cy="0"/>
+            </a:xfrm>
+            <a:prstGeom prst="line">
+              <a:avLst/>
+            </a:prstGeom>
+            <a:ln w="38100">
+              <a:solidFill>
+                <a:schemeClr val="accent2">
+                  <a:lumMod val="75000"/>
+                </a:schemeClr>
+              </a:solidFill>
+              <a:prstDash val="sysDash"/>
+              <a:headEnd type="none"/>
+              <a:tailEnd type="none"/>
+            </a:ln>
+          </p:spPr>
+          <p:style>
+            <a:lnRef idx="1">
+              <a:schemeClr val="accent1"/>
+            </a:lnRef>
+            <a:fillRef idx="0">
+              <a:schemeClr val="accent1"/>
+            </a:fillRef>
+            <a:effectRef idx="0">
+              <a:schemeClr val="accent1"/>
+            </a:effectRef>
+            <a:fontRef idx="minor">
+              <a:schemeClr val="tx1"/>
+            </a:fontRef>
+          </p:style>
+        </p:cxnSp>
+        <p:pic>
+          <p:nvPicPr>
+            <p:cNvPr id="1030" name="Picture 6" descr="https://d2air1d4eqhwg2.cloudfront.net/images/3050/500x500/afb526e7-8cad-4874-a210-74aa7d09dbd4.jpg"/>
+            <p:cNvPicPr>
+              <a:picLocks noChangeAspect="1" noChangeArrowheads="1"/>
+            </p:cNvPicPr>
+            <p:nvPr/>
+          </p:nvPicPr>
+          <p:blipFill rotWithShape="1">
+            <a:blip r:embed="rId3" cstate="print">
+              <a:extLst>
+                <a:ext uri="{28A0092B-C50C-407E-A947-70E740481C1C}">
+                  <a14:useLocalDpi xmlns:a14="http://schemas.microsoft.com/office/drawing/2010/main" val="0"/>
+                </a:ext>
+              </a:extLst>
+            </a:blip>
+            <a:srcRect l="10503" t="17648" r="10352" b="15675"/>
+            <a:stretch/>
+          </p:blipFill>
+          <p:spPr bwMode="auto">
+            <a:xfrm>
+              <a:off x="842224" y="2586779"/>
+              <a:ext cx="1506340" cy="1269040"/>
+            </a:xfrm>
+            <a:prstGeom prst="rect">
+              <a:avLst/>
+            </a:prstGeom>
+            <a:noFill/>
+            <a:extLst>
+              <a:ext uri="{909E8E84-426E-40DD-AFC4-6F175D3DCCD1}">
+                <a14:hiddenFill xmlns:a14="http://schemas.microsoft.com/office/drawing/2010/main">
+                  <a:solidFill>
+                    <a:srgbClr val="FFFFFF"/>
+                  </a:solidFill>
+                </a14:hiddenFill>
+              </a:ext>
+            </a:extLst>
+          </p:spPr>
+        </p:pic>
+        <p:pic>
+          <p:nvPicPr>
+            <p:cNvPr id="1028" name="Picture 4" descr="C615"/>
+            <p:cNvPicPr>
+              <a:picLocks noChangeAspect="1" noChangeArrowheads="1"/>
+            </p:cNvPicPr>
+            <p:nvPr/>
+          </p:nvPicPr>
+          <p:blipFill>
+            <a:blip r:embed="rId4" cstate="print">
+              <a:extLst>
+                <a:ext uri="{28A0092B-C50C-407E-A947-70E740481C1C}">
+                  <a14:useLocalDpi xmlns:a14="http://schemas.microsoft.com/office/drawing/2010/main" val="0"/>
+                </a:ext>
+              </a:extLst>
+            </a:blip>
+            <a:srcRect/>
+            <a:stretch>
+              <a:fillRect/>
+            </a:stretch>
+          </p:blipFill>
+          <p:spPr bwMode="auto">
+            <a:xfrm>
+              <a:off x="3819529" y="1970802"/>
+              <a:ext cx="1250497" cy="1250497"/>
+            </a:xfrm>
+            <a:prstGeom prst="rect">
+              <a:avLst/>
+            </a:prstGeom>
+            <a:noFill/>
+            <a:extLst>
+              <a:ext uri="{909E8E84-426E-40DD-AFC4-6F175D3DCCD1}">
+                <a14:hiddenFill xmlns:a14="http://schemas.microsoft.com/office/drawing/2010/main">
+                  <a:solidFill>
+                    <a:srgbClr val="FFFFFF"/>
+                  </a:solidFill>
+                </a14:hiddenFill>
+              </a:ext>
+            </a:extLst>
+          </p:spPr>
+        </p:pic>
+        <p:sp>
+          <p:nvSpPr>
+            <p:cNvPr id="13" name="正方形/長方形 12"/>
+            <p:cNvSpPr/>
+            <p:nvPr/>
+          </p:nvSpPr>
+          <p:spPr>
+            <a:xfrm>
+              <a:off x="3904366" y="3918857"/>
+              <a:ext cx="1690148" cy="914238"/>
+            </a:xfrm>
+            <a:prstGeom prst="rect">
+              <a:avLst/>
+            </a:prstGeom>
+            <a:solidFill>
+              <a:srgbClr val="FFC000"/>
+            </a:solidFill>
+            <a:ln>
+              <a:noFill/>
+            </a:ln>
+          </p:spPr>
+          <p:style>
+            <a:lnRef idx="2">
+              <a:schemeClr val="accent1">
+                <a:shade val="50000"/>
+              </a:schemeClr>
+            </a:lnRef>
+            <a:fillRef idx="1">
+              <a:schemeClr val="accent1"/>
+            </a:fillRef>
+            <a:effectRef idx="0">
+              <a:schemeClr val="accent1"/>
+            </a:effectRef>
+            <a:fontRef idx="minor">
+              <a:schemeClr val="lt1"/>
+            </a:fontRef>
+          </p:style>
+          <p:txBody>
+            <a:bodyPr rtlCol="0" anchor="ctr"/>
+            <a:lstStyle/>
+            <a:p>
+              <a:pPr marL="0" marR="0" lvl="0" indent="0" algn="ctr" defTabSz="914400" rtl="0" eaLnBrk="1" fontAlgn="auto" latinLnBrk="0" hangingPunct="1">
+                <a:lnSpc>
+                  <a:spcPct val="100000"/>
+                </a:lnSpc>
+                <a:spcBef>
+                  <a:spcPts val="0"/>
+                </a:spcBef>
+                <a:spcAft>
+                  <a:spcPts val="0"/>
+                </a:spcAft>
+                <a:buClrTx/>
+                <a:buSzTx/>
+                <a:buFontTx/>
+                <a:buNone/>
+                <a:tabLst/>
+                <a:defRPr/>
+              </a:pPr>
+              <a:r>
+                <a:rPr kumimoji="1" lang="ja-JP" altLang="en-US" sz="2800" b="0" i="0" u="none" strike="noStrike" kern="1200" cap="none" spc="0" normalizeH="0" baseline="0" noProof="0" dirty="0">
+                  <a:ln>
+                    <a:noFill/>
+                  </a:ln>
+                  <a:solidFill>
+                    <a:prstClr val="black">
+                      <a:lumMod val="85000"/>
+                      <a:lumOff val="15000"/>
+                    </a:prstClr>
+                  </a:solidFill>
+                  <a:effectLst/>
+                  <a:uLnTx/>
+                  <a:uFillTx/>
+                  <a:latin typeface="Calibri" panose="020F0502020204030204"/>
+                  <a:ea typeface="ＭＳ Ｐゴシック" panose="020B0600070205080204" pitchFamily="50" charset="-128"/>
+                  <a:cs typeface="+mn-cs"/>
+                </a:rPr>
+                <a:t>商品</a:t>
+              </a:r>
+            </a:p>
+          </p:txBody>
+        </p:sp>
+        <p:sp>
+          <p:nvSpPr>
+            <p:cNvPr id="14" name="テキスト ボックス 13"/>
+            <p:cNvSpPr txBox="1"/>
+            <p:nvPr/>
+          </p:nvSpPr>
+          <p:spPr>
+            <a:xfrm>
+              <a:off x="4770703" y="3558361"/>
+              <a:ext cx="2196256" cy="523220"/>
+            </a:xfrm>
+            <a:prstGeom prst="rect">
+              <a:avLst/>
+            </a:prstGeom>
+            <a:noFill/>
+          </p:spPr>
+          <p:txBody>
+            <a:bodyPr wrap="square" rtlCol="0">
+              <a:spAutoFit/>
+            </a:bodyPr>
+            <a:lstStyle/>
+            <a:p>
+              <a:pPr marL="0" marR="0" lvl="0" indent="0" algn="l" defTabSz="914400" rtl="0" eaLnBrk="1" fontAlgn="auto" latinLnBrk="0" hangingPunct="1">
+                <a:lnSpc>
+                  <a:spcPct val="100000"/>
+                </a:lnSpc>
+                <a:spcBef>
+                  <a:spcPts val="0"/>
+                </a:spcBef>
+                <a:spcAft>
+                  <a:spcPts val="0"/>
+                </a:spcAft>
+                <a:buClrTx/>
+                <a:buSzTx/>
+                <a:buFontTx/>
+                <a:buNone/>
+                <a:tabLst/>
+                <a:defRPr/>
+              </a:pPr>
+              <a:r>
+                <a:rPr kumimoji="1" lang="ja-JP" altLang="en-US" sz="2800" b="0" i="0" u="none" strike="noStrike" kern="1200" cap="none" spc="0" normalizeH="0" baseline="0" noProof="0" dirty="0">
+                  <a:ln>
+                    <a:noFill/>
+                  </a:ln>
+                  <a:solidFill>
+                    <a:prstClr val="black"/>
+                  </a:solidFill>
+                  <a:effectLst/>
+                  <a:uLnTx/>
+                  <a:uFillTx/>
+                  <a:latin typeface="Calibri" panose="020F0502020204030204"/>
+                  <a:ea typeface="ＭＳ Ｐゴシック" panose="020B0600070205080204" pitchFamily="50" charset="-128"/>
+                  <a:cs typeface="+mn-cs"/>
+                </a:rPr>
+                <a:t>バーコード</a:t>
+              </a:r>
+            </a:p>
+          </p:txBody>
+        </p:sp>
+        <p:sp>
+          <p:nvSpPr>
+            <p:cNvPr id="15" name="正方形/長方形 14"/>
+            <p:cNvSpPr/>
+            <p:nvPr/>
+          </p:nvSpPr>
+          <p:spPr>
+            <a:xfrm>
+              <a:off x="4018807" y="3913729"/>
+              <a:ext cx="861332" cy="129282"/>
+            </a:xfrm>
+            <a:prstGeom prst="rect">
+              <a:avLst/>
+            </a:prstGeom>
+            <a:pattFill prst="narVert">
+              <a:fgClr>
+                <a:schemeClr val="tx1"/>
+              </a:fgClr>
+              <a:bgClr>
+                <a:schemeClr val="bg1"/>
+              </a:bgClr>
+            </a:pattFill>
+            <a:ln>
+              <a:noFill/>
+            </a:ln>
+          </p:spPr>
+          <p:style>
+            <a:lnRef idx="2">
+              <a:schemeClr val="accent1">
+                <a:shade val="50000"/>
+              </a:schemeClr>
+            </a:lnRef>
+            <a:fillRef idx="1">
+              <a:schemeClr val="accent1"/>
+            </a:fillRef>
+            <a:effectRef idx="0">
+              <a:schemeClr val="accent1"/>
+            </a:effectRef>
+            <a:fontRef idx="minor">
+              <a:schemeClr val="lt1"/>
+            </a:fontRef>
+          </p:style>
+          <p:txBody>
+            <a:bodyPr rtlCol="0" anchor="ctr"/>
+            <a:lstStyle/>
+            <a:p>
+              <a:pPr marL="0" marR="0" lvl="0" indent="0" algn="ctr" defTabSz="914400" rtl="0" eaLnBrk="1" fontAlgn="auto" latinLnBrk="0" hangingPunct="1">
+                <a:lnSpc>
+                  <a:spcPct val="100000"/>
+                </a:lnSpc>
+                <a:spcBef>
+                  <a:spcPts val="0"/>
+                </a:spcBef>
+                <a:spcAft>
+                  <a:spcPts val="0"/>
+                </a:spcAft>
+                <a:buClrTx/>
+                <a:buSzTx/>
+                <a:buFontTx/>
+                <a:buNone/>
+                <a:tabLst/>
+                <a:defRPr/>
+              </a:pPr>
+              <a:endParaRPr kumimoji="1" lang="ja-JP" altLang="en-US" sz="1800" b="0" i="0" u="none" strike="noStrike" kern="1200" cap="none" spc="0" normalizeH="0" baseline="0" noProof="0">
+                <a:ln>
+                  <a:noFill/>
+                </a:ln>
+                <a:solidFill>
+                  <a:prstClr val="white"/>
+                </a:solidFill>
+                <a:effectLst/>
+                <a:uLnTx/>
+                <a:uFillTx/>
+                <a:latin typeface="Calibri" panose="020F0502020204030204"/>
+                <a:ea typeface="ＭＳ Ｐゴシック" panose="020B0600070205080204" pitchFamily="50" charset="-128"/>
+                <a:cs typeface="+mn-cs"/>
+              </a:endParaRPr>
+            </a:p>
+          </p:txBody>
+        </p:sp>
+        <p:sp>
+          <p:nvSpPr>
+            <p:cNvPr id="23" name="テキスト ボックス 22"/>
+            <p:cNvSpPr txBox="1"/>
+            <p:nvPr/>
+          </p:nvSpPr>
+          <p:spPr>
+            <a:xfrm>
+              <a:off x="533396" y="1908378"/>
+              <a:ext cx="2123996" cy="523220"/>
+            </a:xfrm>
+            <a:prstGeom prst="rect">
+              <a:avLst/>
+            </a:prstGeom>
+            <a:solidFill>
+              <a:srgbClr val="FF0066"/>
+            </a:solidFill>
+          </p:spPr>
+          <p:txBody>
+            <a:bodyPr wrap="square" rtlCol="0">
+              <a:spAutoFit/>
+            </a:bodyPr>
+            <a:lstStyle/>
+            <a:p>
+              <a:pPr marL="0" marR="0" lvl="0" indent="0" algn="l" defTabSz="914400" rtl="0" eaLnBrk="1" fontAlgn="auto" latinLnBrk="0" hangingPunct="1">
+                <a:lnSpc>
+                  <a:spcPct val="100000"/>
+                </a:lnSpc>
+                <a:spcBef>
+                  <a:spcPts val="0"/>
+                </a:spcBef>
+                <a:spcAft>
+                  <a:spcPts val="0"/>
+                </a:spcAft>
+                <a:buClrTx/>
+                <a:buSzTx/>
+                <a:buFontTx/>
+                <a:buNone/>
+                <a:tabLst/>
+                <a:defRPr/>
+              </a:pPr>
+              <a:r>
+                <a:rPr kumimoji="1" lang="en-US" altLang="ja-JP" sz="2800" b="0" i="0" u="none" strike="noStrike" kern="1200" cap="none" spc="0" normalizeH="0" baseline="0" noProof="0">
+                  <a:ln>
+                    <a:noFill/>
+                  </a:ln>
+                  <a:solidFill>
+                    <a:prstClr val="white"/>
+                  </a:solidFill>
+                  <a:effectLst/>
+                  <a:uLnTx/>
+                  <a:uFillTx/>
+                  <a:latin typeface="Calibri" panose="020F0502020204030204"/>
+                  <a:ea typeface="ＭＳ Ｐゴシック" panose="020B0600070205080204" pitchFamily="50" charset="-128"/>
+                  <a:cs typeface="+mn-cs"/>
+                </a:rPr>
+                <a:t>Raspberry pi</a:t>
+              </a:r>
+              <a:endParaRPr kumimoji="1" lang="ja-JP" altLang="en-US" sz="2800" b="0" i="0" u="none" strike="noStrike" kern="1200" cap="none" spc="0" normalizeH="0" baseline="0" noProof="0">
+                <a:ln>
+                  <a:noFill/>
+                </a:ln>
+                <a:solidFill>
+                  <a:prstClr val="white"/>
+                </a:solidFill>
+                <a:effectLst/>
+                <a:uLnTx/>
+                <a:uFillTx/>
+                <a:latin typeface="Calibri" panose="020F0502020204030204"/>
+                <a:ea typeface="ＭＳ Ｐゴシック" panose="020B0600070205080204" pitchFamily="50" charset="-128"/>
+                <a:cs typeface="+mn-cs"/>
+              </a:endParaRPr>
+            </a:p>
+          </p:txBody>
+        </p:sp>
+        <p:cxnSp>
+          <p:nvCxnSpPr>
+            <p:cNvPr id="20" name="直線矢印コネクタ 19"/>
+            <p:cNvCxnSpPr>
+              <a:endCxn id="15" idx="0"/>
+            </p:cNvCxnSpPr>
+            <p:nvPr/>
+          </p:nvCxnSpPr>
+          <p:spPr>
+            <a:xfrm>
+              <a:off x="4444777" y="3061624"/>
+              <a:ext cx="4696" cy="852105"/>
+            </a:xfrm>
+            <a:prstGeom prst="straightConnector1">
+              <a:avLst/>
+            </a:prstGeom>
+            <a:ln w="98425">
+              <a:solidFill>
+                <a:srgbClr val="FF0000"/>
+              </a:solidFill>
+              <a:tailEnd type="triangle"/>
+            </a:ln>
+          </p:spPr>
+          <p:style>
+            <a:lnRef idx="1">
+              <a:schemeClr val="accent1"/>
+            </a:lnRef>
+            <a:fillRef idx="0">
+              <a:schemeClr val="accent1"/>
+            </a:fillRef>
+            <a:effectRef idx="0">
+              <a:schemeClr val="accent1"/>
+            </a:effectRef>
+            <a:fontRef idx="minor">
+              <a:schemeClr val="tx1"/>
+            </a:fontRef>
+          </p:style>
+        </p:cxnSp>
+        <p:sp>
+          <p:nvSpPr>
+            <p:cNvPr id="27" name="正方形/長方形 26"/>
+            <p:cNvSpPr/>
+            <p:nvPr/>
+          </p:nvSpPr>
+          <p:spPr>
+            <a:xfrm>
+              <a:off x="2875807" y="4833094"/>
+              <a:ext cx="3869871" cy="1386285"/>
+            </a:xfrm>
+            <a:prstGeom prst="rect">
+              <a:avLst/>
+            </a:prstGeom>
+            <a:noFill/>
+            <a:ln>
+              <a:noFill/>
+            </a:ln>
+          </p:spPr>
+          <p:style>
+            <a:lnRef idx="0">
+              <a:scrgbClr r="0" g="0" b="0"/>
+            </a:lnRef>
+            <a:fillRef idx="0">
+              <a:scrgbClr r="0" g="0" b="0"/>
+            </a:fillRef>
+            <a:effectRef idx="0">
+              <a:scrgbClr r="0" g="0" b="0"/>
+            </a:effectRef>
+            <a:fontRef idx="minor">
+              <a:schemeClr val="dk1"/>
+            </a:fontRef>
+          </p:style>
+          <p:txBody>
+            <a:bodyPr rtlCol="0" anchor="ctr"/>
+            <a:lstStyle/>
+            <a:p>
+              <a:pPr marL="0" marR="0" lvl="0" indent="0" algn="ctr" defTabSz="914400" rtl="0" eaLnBrk="1" fontAlgn="auto" latinLnBrk="0" hangingPunct="1">
+                <a:lnSpc>
+                  <a:spcPct val="100000"/>
+                </a:lnSpc>
+                <a:spcBef>
+                  <a:spcPts val="0"/>
+                </a:spcBef>
+                <a:spcAft>
+                  <a:spcPts val="0"/>
+                </a:spcAft>
+                <a:buClrTx/>
+                <a:buSzTx/>
+                <a:buFontTx/>
+                <a:buNone/>
+                <a:tabLst/>
+                <a:defRPr/>
+              </a:pPr>
+              <a:endParaRPr kumimoji="1" lang="ja-JP" altLang="en-US" sz="1800" b="0" i="0" u="none" strike="noStrike" kern="1200" cap="none" spc="0" normalizeH="0" baseline="0" noProof="0">
                 <a:ln>
                   <a:noFill/>
                 </a:ln>
@@ -17666,49 +16820,115 @@
                 <a:latin typeface="Calibri" panose="020F0502020204030204"/>
                 <a:ea typeface="ＭＳ Ｐゴシック" panose="020B0600070205080204" pitchFamily="50" charset="-128"/>
                 <a:cs typeface="+mn-cs"/>
-              </a:rPr>
-              <a:t>各種</a:t>
-            </a:r>
-            <a:endParaRPr kumimoji="1" lang="en-US" altLang="ja-JP" sz="2800" b="0" i="0" u="none" strike="noStrike" kern="1200" cap="none" spc="0" normalizeH="0" baseline="0" noProof="0" dirty="0">
-              <a:ln>
-                <a:noFill/>
-              </a:ln>
+              </a:endParaRPr>
+            </a:p>
+          </p:txBody>
+        </p:sp>
+        <p:pic>
+          <p:nvPicPr>
+            <p:cNvPr id="1040" name="Picture 16" descr="サーバーのイラスト（1台）"/>
+            <p:cNvPicPr>
+              <a:picLocks noChangeAspect="1" noChangeArrowheads="1"/>
+            </p:cNvPicPr>
+            <p:nvPr/>
+          </p:nvPicPr>
+          <p:blipFill>
+            <a:blip r:embed="rId5">
+              <a:extLst>
+                <a:ext uri="{28A0092B-C50C-407E-A947-70E740481C1C}">
+                  <a14:useLocalDpi xmlns:a14="http://schemas.microsoft.com/office/drawing/2010/main" val="0"/>
+                </a:ext>
+              </a:extLst>
+            </a:blip>
+            <a:srcRect/>
+            <a:stretch>
+              <a:fillRect/>
+            </a:stretch>
+          </p:blipFill>
+          <p:spPr bwMode="auto">
+            <a:xfrm>
+              <a:off x="7725373" y="2956464"/>
+              <a:ext cx="2055508" cy="2432554"/>
+            </a:xfrm>
+            <a:prstGeom prst="rect">
+              <a:avLst/>
+            </a:prstGeom>
+            <a:noFill/>
+            <a:extLst>
+              <a:ext uri="{909E8E84-426E-40DD-AFC4-6F175D3DCCD1}">
+                <a14:hiddenFill xmlns:a14="http://schemas.microsoft.com/office/drawing/2010/main">
+                  <a:solidFill>
+                    <a:srgbClr val="FFFFFF"/>
+                  </a:solidFill>
+                </a14:hiddenFill>
+              </a:ext>
+            </a:extLst>
+          </p:spPr>
+        </p:pic>
+        <p:sp>
+          <p:nvSpPr>
+            <p:cNvPr id="43" name="角丸四角形 42"/>
+            <p:cNvSpPr/>
+            <p:nvPr/>
+          </p:nvSpPr>
+          <p:spPr>
+            <a:xfrm>
+              <a:off x="7735200" y="1735867"/>
+              <a:ext cx="4003218" cy="4568679"/>
+            </a:xfrm>
+            <a:prstGeom prst="roundRect">
+              <a:avLst/>
+            </a:prstGeom>
+            <a:noFill/>
+            <a:ln w="25400">
               <a:solidFill>
-                <a:prstClr val="black"/>
+                <a:schemeClr val="accent5"/>
               </a:solidFill>
-              <a:effectLst/>
-              <a:uLnTx/>
-              <a:uFillTx/>
-              <a:latin typeface="Calibri" panose="020F0502020204030204"/>
-              <a:ea typeface="ＭＳ Ｐゴシック" panose="020B0600070205080204" pitchFamily="50" charset="-128"/>
-              <a:cs typeface="+mn-cs"/>
-            </a:endParaRPr>
-          </a:p>
-          <a:p>
-            <a:pPr marL="0" marR="0" lvl="0" indent="0" algn="ctr" defTabSz="914400" rtl="0" eaLnBrk="1" fontAlgn="auto" latinLnBrk="0" hangingPunct="1">
-              <a:lnSpc>
-                <a:spcPct val="100000"/>
-              </a:lnSpc>
-              <a:spcBef>
-                <a:spcPts val="0"/>
-              </a:spcBef>
-              <a:spcAft>
-                <a:spcPts val="0"/>
-              </a:spcAft>
-              <a:buClrTx/>
-              <a:buSzTx/>
-              <a:buFontTx/>
-              <a:buNone/>
-              <a:tabLst/>
-              <a:defRPr/>
-            </a:pPr>
-            <a:r>
-              <a:rPr kumimoji="1" lang="ja-JP" altLang="en-US" sz="2800" b="0" i="0" u="none" strike="noStrike" kern="1200" cap="none" spc="0" normalizeH="0" baseline="0" noProof="0" dirty="0">
+            </a:ln>
+          </p:spPr>
+          <p:style>
+            <a:lnRef idx="2">
+              <a:schemeClr val="accent1">
+                <a:shade val="50000"/>
+              </a:schemeClr>
+            </a:lnRef>
+            <a:fillRef idx="1">
+              <a:schemeClr val="accent1"/>
+            </a:fillRef>
+            <a:effectRef idx="0">
+              <a:schemeClr val="accent1"/>
+            </a:effectRef>
+            <a:fontRef idx="minor">
+              <a:schemeClr val="lt1"/>
+            </a:fontRef>
+          </p:style>
+          <p:txBody>
+            <a:bodyPr rtlCol="0" anchor="ctr"/>
+            <a:lstStyle/>
+            <a:p>
+              <a:pPr marL="0" marR="0" lvl="0" indent="0" algn="ctr" defTabSz="914400" rtl="0" eaLnBrk="1" fontAlgn="auto" latinLnBrk="0" hangingPunct="1">
+                <a:lnSpc>
+                  <a:spcPct val="100000"/>
+                </a:lnSpc>
+                <a:spcBef>
+                  <a:spcPts val="0"/>
+                </a:spcBef>
+                <a:spcAft>
+                  <a:spcPts val="0"/>
+                </a:spcAft>
+                <a:buClrTx/>
+                <a:buSzTx/>
+                <a:buFontTx/>
+                <a:buNone/>
+                <a:tabLst/>
+                <a:defRPr/>
+              </a:pPr>
+              <a:endParaRPr kumimoji="1" lang="ja-JP" altLang="en-US" sz="1800" b="0" i="0" u="none" strike="noStrike" kern="1200" cap="none" spc="0" normalizeH="0" baseline="0" noProof="0">
                 <a:ln>
                   <a:noFill/>
                 </a:ln>
                 <a:solidFill>
-                  <a:prstClr val="black"/>
+                  <a:prstClr val="white"/>
                 </a:solidFill>
                 <a:effectLst/>
                 <a:uLnTx/>
@@ -17716,63 +16936,279 @@
                 <a:latin typeface="Calibri" panose="020F0502020204030204"/>
                 <a:ea typeface="ＭＳ Ｐゴシック" panose="020B0600070205080204" pitchFamily="50" charset="-128"/>
                 <a:cs typeface="+mn-cs"/>
-              </a:rPr>
-              <a:t>センサ</a:t>
-            </a:r>
-          </a:p>
-        </p:txBody>
-      </p:sp>
-      <p:sp>
-        <p:nvSpPr>
-          <p:cNvPr id="24" name="テキスト ボックス 23">
-            <a:extLst>
-              <a:ext uri="{FF2B5EF4-FFF2-40B4-BE49-F238E27FC236}">
-                <a16:creationId xmlns:a16="http://schemas.microsoft.com/office/drawing/2014/main" id="{D3408DF2-F7B9-468D-9F2B-AE54E3F60D96}"/>
-              </a:ext>
-            </a:extLst>
-          </p:cNvPr>
-          <p:cNvSpPr txBox="1"/>
-          <p:nvPr/>
-        </p:nvSpPr>
-        <p:spPr>
-          <a:xfrm>
-            <a:off x="9349225" y="2582889"/>
-            <a:ext cx="2389193" cy="954107"/>
-          </a:xfrm>
-          <a:prstGeom prst="rect">
-            <a:avLst/>
-          </a:prstGeom>
-          <a:solidFill>
-            <a:schemeClr val="bg1">
-              <a:lumMod val="95000"/>
-            </a:schemeClr>
-          </a:solidFill>
-        </p:spPr>
-        <p:txBody>
-          <a:bodyPr wrap="square" rtlCol="0">
-            <a:spAutoFit/>
-          </a:bodyPr>
-          <a:lstStyle/>
-          <a:p>
-            <a:pPr marL="0" marR="0" lvl="0" indent="0" algn="l" defTabSz="914400" rtl="0" eaLnBrk="1" fontAlgn="auto" latinLnBrk="0" hangingPunct="1">
-              <a:lnSpc>
-                <a:spcPct val="100000"/>
-              </a:lnSpc>
-              <a:spcBef>
-                <a:spcPts val="0"/>
-              </a:spcBef>
-              <a:spcAft>
-                <a:spcPts val="0"/>
-              </a:spcAft>
-              <a:buClrTx/>
-              <a:buSzTx/>
-              <a:buFontTx/>
-              <a:buNone/>
-              <a:tabLst/>
-              <a:defRPr/>
-            </a:pPr>
-            <a:r>
-              <a:rPr kumimoji="1" lang="ja-JP" altLang="en-US" sz="2800" b="0" i="0" u="none" strike="noStrike" kern="1200" cap="none" spc="0" normalizeH="0" baseline="0" noProof="0" dirty="0">
+              </a:endParaRPr>
+            </a:p>
+          </p:txBody>
+        </p:sp>
+        <p:sp>
+          <p:nvSpPr>
+            <p:cNvPr id="31" name="右矢印 30"/>
+            <p:cNvSpPr/>
+            <p:nvPr/>
+          </p:nvSpPr>
+          <p:spPr>
+            <a:xfrm>
+              <a:off x="5976200" y="2868527"/>
+              <a:ext cx="1345689" cy="926681"/>
+            </a:xfrm>
+            <a:prstGeom prst="rightArrow">
+              <a:avLst/>
+            </a:prstGeom>
+            <a:ln>
+              <a:noFill/>
+            </a:ln>
+          </p:spPr>
+          <p:style>
+            <a:lnRef idx="2">
+              <a:schemeClr val="accent1">
+                <a:shade val="50000"/>
+              </a:schemeClr>
+            </a:lnRef>
+            <a:fillRef idx="1">
+              <a:schemeClr val="accent1"/>
+            </a:fillRef>
+            <a:effectRef idx="0">
+              <a:schemeClr val="accent1"/>
+            </a:effectRef>
+            <a:fontRef idx="minor">
+              <a:schemeClr val="lt1"/>
+            </a:fontRef>
+          </p:style>
+          <p:txBody>
+            <a:bodyPr rtlCol="0" anchor="ctr"/>
+            <a:lstStyle/>
+            <a:p>
+              <a:pPr marL="0" marR="0" lvl="0" indent="0" algn="ctr" defTabSz="914400" rtl="0" eaLnBrk="1" fontAlgn="auto" latinLnBrk="0" hangingPunct="1">
+                <a:lnSpc>
+                  <a:spcPct val="100000"/>
+                </a:lnSpc>
+                <a:spcBef>
+                  <a:spcPts val="0"/>
+                </a:spcBef>
+                <a:spcAft>
+                  <a:spcPts val="0"/>
+                </a:spcAft>
+                <a:buClrTx/>
+                <a:buSzTx/>
+                <a:buFontTx/>
+                <a:buNone/>
+                <a:tabLst/>
+                <a:defRPr/>
+              </a:pPr>
+              <a:endParaRPr kumimoji="1" lang="ja-JP" altLang="en-US" sz="1800" b="0" i="0" u="none" strike="noStrike" kern="1200" cap="none" spc="0" normalizeH="0" baseline="0" noProof="0">
+                <a:ln>
+                  <a:noFill/>
+                </a:ln>
+                <a:solidFill>
+                  <a:prstClr val="white"/>
+                </a:solidFill>
+                <a:effectLst/>
+                <a:uLnTx/>
+                <a:uFillTx/>
+                <a:latin typeface="Calibri" panose="020F0502020204030204"/>
+                <a:ea typeface="ＭＳ Ｐゴシック" panose="020B0600070205080204" pitchFamily="50" charset="-128"/>
+                <a:cs typeface="+mn-cs"/>
+              </a:endParaRPr>
+            </a:p>
+          </p:txBody>
+        </p:sp>
+        <p:sp>
+          <p:nvSpPr>
+            <p:cNvPr id="45" name="右矢印 44"/>
+            <p:cNvSpPr/>
+            <p:nvPr/>
+          </p:nvSpPr>
+          <p:spPr>
+            <a:xfrm flipH="1">
+              <a:off x="5978745" y="4433436"/>
+              <a:ext cx="1345689" cy="926681"/>
+            </a:xfrm>
+            <a:prstGeom prst="rightArrow">
+              <a:avLst/>
+            </a:prstGeom>
+            <a:ln>
+              <a:noFill/>
+            </a:ln>
+          </p:spPr>
+          <p:style>
+            <a:lnRef idx="2">
+              <a:schemeClr val="accent1">
+                <a:shade val="50000"/>
+              </a:schemeClr>
+            </a:lnRef>
+            <a:fillRef idx="1">
+              <a:schemeClr val="accent1"/>
+            </a:fillRef>
+            <a:effectRef idx="0">
+              <a:schemeClr val="accent1"/>
+            </a:effectRef>
+            <a:fontRef idx="minor">
+              <a:schemeClr val="lt1"/>
+            </a:fontRef>
+          </p:style>
+          <p:txBody>
+            <a:bodyPr rtlCol="0" anchor="ctr"/>
+            <a:lstStyle/>
+            <a:p>
+              <a:pPr marL="0" marR="0" lvl="0" indent="0" algn="ctr" defTabSz="914400" rtl="0" eaLnBrk="1" fontAlgn="auto" latinLnBrk="0" hangingPunct="1">
+                <a:lnSpc>
+                  <a:spcPct val="100000"/>
+                </a:lnSpc>
+                <a:spcBef>
+                  <a:spcPts val="0"/>
+                </a:spcBef>
+                <a:spcAft>
+                  <a:spcPts val="0"/>
+                </a:spcAft>
+                <a:buClrTx/>
+                <a:buSzTx/>
+                <a:buFontTx/>
+                <a:buNone/>
+                <a:tabLst/>
+                <a:defRPr/>
+              </a:pPr>
+              <a:endParaRPr kumimoji="1" lang="ja-JP" altLang="en-US" sz="1800" b="0" i="0" u="none" strike="noStrike" kern="1200" cap="none" spc="0" normalizeH="0" baseline="0" noProof="0">
+                <a:ln>
+                  <a:noFill/>
+                </a:ln>
+                <a:solidFill>
+                  <a:prstClr val="white"/>
+                </a:solidFill>
+                <a:effectLst/>
+                <a:uLnTx/>
+                <a:uFillTx/>
+                <a:latin typeface="Calibri" panose="020F0502020204030204"/>
+                <a:ea typeface="ＭＳ Ｐゴシック" panose="020B0600070205080204" pitchFamily="50" charset="-128"/>
+                <a:cs typeface="+mn-cs"/>
+              </a:endParaRPr>
+            </a:p>
+          </p:txBody>
+        </p:sp>
+        <p:sp>
+          <p:nvSpPr>
+            <p:cNvPr id="46" name="テキスト ボックス 45"/>
+            <p:cNvSpPr txBox="1"/>
+            <p:nvPr/>
+          </p:nvSpPr>
+          <p:spPr>
+            <a:xfrm>
+              <a:off x="8356860" y="1904430"/>
+              <a:ext cx="1341693" cy="523220"/>
+            </a:xfrm>
+            <a:prstGeom prst="rect">
+              <a:avLst/>
+            </a:prstGeom>
+            <a:solidFill>
+              <a:schemeClr val="accent5"/>
+            </a:solidFill>
+          </p:spPr>
+          <p:txBody>
+            <a:bodyPr wrap="square" rtlCol="0">
+              <a:spAutoFit/>
+            </a:bodyPr>
+            <a:lstStyle/>
+            <a:p>
+              <a:pPr marL="0" marR="0" lvl="0" indent="0" algn="l" defTabSz="914400" rtl="0" eaLnBrk="1" fontAlgn="auto" latinLnBrk="0" hangingPunct="1">
+                <a:lnSpc>
+                  <a:spcPct val="100000"/>
+                </a:lnSpc>
+                <a:spcBef>
+                  <a:spcPts val="0"/>
+                </a:spcBef>
+                <a:spcAft>
+                  <a:spcPts val="0"/>
+                </a:spcAft>
+                <a:buClrTx/>
+                <a:buSzTx/>
+                <a:buFontTx/>
+                <a:buNone/>
+                <a:tabLst/>
+                <a:defRPr/>
+              </a:pPr>
+              <a:r>
+                <a:rPr kumimoji="1" lang="ja-JP" altLang="en-US" sz="2800" b="0" i="0" u="none" strike="noStrike" kern="1200" cap="none" spc="0" normalizeH="0" baseline="0" noProof="0" dirty="0">
+                  <a:ln>
+                    <a:noFill/>
+                  </a:ln>
+                  <a:solidFill>
+                    <a:prstClr val="white"/>
+                  </a:solidFill>
+                  <a:effectLst/>
+                  <a:uLnTx/>
+                  <a:uFillTx/>
+                  <a:latin typeface="Calibri" panose="020F0502020204030204"/>
+                  <a:ea typeface="ＭＳ Ｐゴシック" panose="020B0600070205080204" pitchFamily="50" charset="-128"/>
+                  <a:cs typeface="+mn-cs"/>
+                </a:rPr>
+                <a:t>サーバ</a:t>
+              </a:r>
+            </a:p>
+          </p:txBody>
+        </p:sp>
+        <p:sp>
+          <p:nvSpPr>
+            <p:cNvPr id="47" name="テキスト ボックス 46"/>
+            <p:cNvSpPr txBox="1"/>
+            <p:nvPr/>
+          </p:nvSpPr>
+          <p:spPr>
+            <a:xfrm>
+              <a:off x="5110375" y="1880514"/>
+              <a:ext cx="3082428" cy="954107"/>
+            </a:xfrm>
+            <a:prstGeom prst="rect">
+              <a:avLst/>
+            </a:prstGeom>
+            <a:solidFill>
+              <a:schemeClr val="bg1">
+                <a:lumMod val="95000"/>
+              </a:schemeClr>
+            </a:solidFill>
+          </p:spPr>
+          <p:txBody>
+            <a:bodyPr wrap="square" rtlCol="0">
+              <a:spAutoFit/>
+            </a:bodyPr>
+            <a:lstStyle/>
+            <a:p>
+              <a:pPr marL="0" marR="0" lvl="0" indent="0" algn="l" defTabSz="914400" rtl="0" eaLnBrk="1" fontAlgn="auto" latinLnBrk="0" hangingPunct="1">
+                <a:lnSpc>
+                  <a:spcPct val="100000"/>
+                </a:lnSpc>
+                <a:spcBef>
+                  <a:spcPts val="0"/>
+                </a:spcBef>
+                <a:spcAft>
+                  <a:spcPts val="0"/>
+                </a:spcAft>
+                <a:buClrTx/>
+                <a:buSzTx/>
+                <a:buFontTx/>
+                <a:buNone/>
+                <a:tabLst/>
+                <a:defRPr/>
+              </a:pPr>
+              <a:r>
+                <a:rPr kumimoji="1" lang="ja-JP" altLang="en-US" sz="2800" b="0" i="0" u="none" strike="noStrike" kern="1200" cap="none" spc="0" normalizeH="0" baseline="0" noProof="0" dirty="0">
+                  <a:ln>
+                    <a:noFill/>
+                  </a:ln>
+                  <a:solidFill>
+                    <a:prstClr val="black">
+                      <a:lumMod val="85000"/>
+                      <a:lumOff val="15000"/>
+                    </a:prstClr>
+                  </a:solidFill>
+                  <a:effectLst/>
+                  <a:uLnTx/>
+                  <a:uFillTx/>
+                  <a:latin typeface="Calibri" panose="020F0502020204030204"/>
+                  <a:ea typeface="ＭＳ Ｐゴシック" panose="020B0600070205080204" pitchFamily="50" charset="-128"/>
+                  <a:cs typeface="+mn-cs"/>
+                </a:rPr>
+                <a:t>画像データ</a:t>
+              </a:r>
+              <a:endParaRPr kumimoji="1" lang="en-US" altLang="ja-JP" sz="2800" b="0" i="0" u="none" strike="noStrike" kern="1200" cap="none" spc="0" normalizeH="0" baseline="0" noProof="0" dirty="0">
                 <a:ln>
                   <a:noFill/>
                 </a:ln>
@@ -17788,91 +17224,504 @@
                 <a:latin typeface="Calibri" panose="020F0502020204030204"/>
                 <a:ea typeface="ＭＳ Ｐゴシック" panose="020B0600070205080204" pitchFamily="50" charset="-128"/>
                 <a:cs typeface="+mn-cs"/>
-              </a:rPr>
-              <a:t>決済システム</a:t>
-            </a:r>
-            <a:endParaRPr kumimoji="1" lang="en-US" altLang="ja-JP" sz="2800" b="0" i="0" u="none" strike="noStrike" kern="1200" cap="none" spc="0" normalizeH="0" baseline="0" noProof="0" dirty="0">
-              <a:ln>
-                <a:noFill/>
-              </a:ln>
-              <a:solidFill>
-                <a:prstClr val="black">
-                  <a:lumMod val="85000"/>
-                  <a:lumOff val="15000"/>
-                </a:prstClr>
-              </a:solidFill>
-              <a:effectLst/>
-              <a:uLnTx/>
-              <a:uFillTx/>
-              <a:latin typeface="Calibri" panose="020F0502020204030204"/>
-              <a:ea typeface="ＭＳ Ｐゴシック" panose="020B0600070205080204" pitchFamily="50" charset="-128"/>
-              <a:cs typeface="+mn-cs"/>
-            </a:endParaRPr>
-          </a:p>
-          <a:p>
-            <a:pPr marL="0" marR="0" lvl="0" indent="0" algn="l" defTabSz="914400" rtl="0" eaLnBrk="1" fontAlgn="auto" latinLnBrk="0" hangingPunct="1">
-              <a:lnSpc>
-                <a:spcPct val="100000"/>
-              </a:lnSpc>
-              <a:spcBef>
-                <a:spcPts val="0"/>
-              </a:spcBef>
-              <a:spcAft>
-                <a:spcPts val="0"/>
-              </a:spcAft>
-              <a:buClrTx/>
-              <a:buSzTx/>
-              <a:buFontTx/>
-              <a:buNone/>
-              <a:tabLst/>
-              <a:defRPr/>
-            </a:pPr>
-            <a:r>
-              <a:rPr lang="ja-JP" altLang="en-US" sz="2800" dirty="0">
+              </a:endParaRPr>
+            </a:p>
+            <a:p>
+              <a:pPr marL="0" marR="0" lvl="0" indent="0" algn="l" defTabSz="914400" rtl="0" eaLnBrk="1" fontAlgn="auto" latinLnBrk="0" hangingPunct="1">
+                <a:lnSpc>
+                  <a:spcPct val="100000"/>
+                </a:lnSpc>
+                <a:spcBef>
+                  <a:spcPts val="0"/>
+                </a:spcBef>
+                <a:spcAft>
+                  <a:spcPts val="0"/>
+                </a:spcAft>
+                <a:buClrTx/>
+                <a:buSzTx/>
+                <a:buFontTx/>
+                <a:buNone/>
+                <a:tabLst/>
+                <a:defRPr/>
+              </a:pPr>
+              <a:r>
+                <a:rPr kumimoji="1" lang="ja-JP" altLang="en-US" sz="2800" b="0" i="0" u="none" strike="noStrike" kern="1200" cap="none" spc="0" normalizeH="0" baseline="0" noProof="0" dirty="0">
+                  <a:ln>
+                    <a:noFill/>
+                  </a:ln>
+                  <a:solidFill>
+                    <a:prstClr val="black">
+                      <a:lumMod val="85000"/>
+                      <a:lumOff val="15000"/>
+                    </a:prstClr>
+                  </a:solidFill>
+                  <a:effectLst/>
+                  <a:uLnTx/>
+                  <a:uFillTx/>
+                  <a:latin typeface="Calibri" panose="020F0502020204030204"/>
+                  <a:ea typeface="ＭＳ Ｐゴシック" panose="020B0600070205080204" pitchFamily="50" charset="-128"/>
+                  <a:cs typeface="+mn-cs"/>
+                </a:rPr>
+                <a:t>フラグ</a:t>
+              </a:r>
+              <a:r>
+                <a:rPr kumimoji="1" lang="en-US" altLang="ja-JP" sz="2800" b="0" i="0" u="none" strike="noStrike" kern="1200" cap="none" spc="0" normalizeH="0" baseline="0" noProof="0" dirty="0">
+                  <a:ln>
+                    <a:noFill/>
+                  </a:ln>
+                  <a:solidFill>
+                    <a:prstClr val="black">
+                      <a:lumMod val="85000"/>
+                      <a:lumOff val="15000"/>
+                    </a:prstClr>
+                  </a:solidFill>
+                  <a:effectLst/>
+                  <a:uLnTx/>
+                  <a:uFillTx/>
+                  <a:latin typeface="Calibri" panose="020F0502020204030204"/>
+                  <a:ea typeface="ＭＳ Ｐゴシック" panose="020B0600070205080204" pitchFamily="50" charset="-128"/>
+                  <a:cs typeface="+mn-cs"/>
+                </a:rPr>
+                <a:t>(</a:t>
+              </a:r>
+              <a:r>
+                <a:rPr kumimoji="1" lang="ja-JP" altLang="en-US" sz="2800" b="0" i="0" u="none" strike="noStrike" kern="1200" cap="none" spc="0" normalizeH="0" baseline="0" noProof="0" dirty="0">
+                  <a:ln>
+                    <a:noFill/>
+                  </a:ln>
+                  <a:solidFill>
+                    <a:prstClr val="black">
+                      <a:lumMod val="85000"/>
+                      <a:lumOff val="15000"/>
+                    </a:prstClr>
+                  </a:solidFill>
+                  <a:effectLst/>
+                  <a:uLnTx/>
+                  <a:uFillTx/>
+                  <a:latin typeface="Calibri" panose="020F0502020204030204"/>
+                  <a:ea typeface="ＭＳ Ｐゴシック" panose="020B0600070205080204" pitchFamily="50" charset="-128"/>
+                  <a:cs typeface="+mn-cs"/>
+                </a:rPr>
+                <a:t>追加</a:t>
+              </a:r>
+              <a:r>
+                <a:rPr kumimoji="1" lang="en-US" altLang="ja-JP" sz="2800" b="0" i="0" u="none" strike="noStrike" kern="1200" cap="none" spc="0" normalizeH="0" baseline="0" noProof="0" dirty="0">
+                  <a:ln>
+                    <a:noFill/>
+                  </a:ln>
+                  <a:solidFill>
+                    <a:prstClr val="black">
+                      <a:lumMod val="85000"/>
+                      <a:lumOff val="15000"/>
+                    </a:prstClr>
+                  </a:solidFill>
+                  <a:effectLst/>
+                  <a:uLnTx/>
+                  <a:uFillTx/>
+                  <a:latin typeface="Calibri" panose="020F0502020204030204"/>
+                  <a:ea typeface="ＭＳ Ｐゴシック" panose="020B0600070205080204" pitchFamily="50" charset="-128"/>
+                  <a:cs typeface="+mn-cs"/>
+                </a:rPr>
+                <a:t>or</a:t>
+              </a:r>
+              <a:r>
+                <a:rPr kumimoji="1" lang="ja-JP" altLang="en-US" sz="2800" b="0" i="0" u="none" strike="noStrike" kern="1200" cap="none" spc="0" normalizeH="0" baseline="0" noProof="0" dirty="0">
+                  <a:ln>
+                    <a:noFill/>
+                  </a:ln>
+                  <a:solidFill>
+                    <a:prstClr val="black">
+                      <a:lumMod val="85000"/>
+                      <a:lumOff val="15000"/>
+                    </a:prstClr>
+                  </a:solidFill>
+                  <a:effectLst/>
+                  <a:uLnTx/>
+                  <a:uFillTx/>
+                  <a:latin typeface="Calibri" panose="020F0502020204030204"/>
+                  <a:ea typeface="ＭＳ Ｐゴシック" panose="020B0600070205080204" pitchFamily="50" charset="-128"/>
+                  <a:cs typeface="+mn-cs"/>
+                </a:rPr>
+                <a:t>削除</a:t>
+              </a:r>
+              <a:r>
+                <a:rPr kumimoji="1" lang="en-US" altLang="ja-JP" sz="2800" b="0" i="0" u="none" strike="noStrike" kern="1200" cap="none" spc="0" normalizeH="0" baseline="0" noProof="0" dirty="0">
+                  <a:ln>
+                    <a:noFill/>
+                  </a:ln>
+                  <a:solidFill>
+                    <a:prstClr val="black">
+                      <a:lumMod val="85000"/>
+                      <a:lumOff val="15000"/>
+                    </a:prstClr>
+                  </a:solidFill>
+                  <a:effectLst/>
+                  <a:uLnTx/>
+                  <a:uFillTx/>
+                  <a:latin typeface="Calibri" panose="020F0502020204030204"/>
+                  <a:ea typeface="ＭＳ Ｐゴシック" panose="020B0600070205080204" pitchFamily="50" charset="-128"/>
+                  <a:cs typeface="+mn-cs"/>
+                </a:rPr>
+                <a:t>)</a:t>
+              </a:r>
+              <a:endParaRPr kumimoji="1" lang="ja-JP" altLang="en-US" sz="2800" b="0" i="0" u="none" strike="noStrike" kern="1200" cap="none" spc="0" normalizeH="0" baseline="0" noProof="0" dirty="0">
+                <a:ln>
+                  <a:noFill/>
+                </a:ln>
                 <a:solidFill>
                   <a:prstClr val="black">
                     <a:lumMod val="85000"/>
                     <a:lumOff val="15000"/>
                   </a:prstClr>
                 </a:solidFill>
+                <a:effectLst/>
+                <a:uLnTx/>
+                <a:uFillTx/>
                 <a:latin typeface="Calibri" panose="020F0502020204030204"/>
                 <a:ea typeface="ＭＳ Ｐゴシック" panose="020B0600070205080204" pitchFamily="50" charset="-128"/>
-              </a:rPr>
-              <a:t>商品管理</a:t>
-            </a:r>
-            <a:r>
-              <a:rPr lang="en-US" altLang="ja-JP" sz="2800" dirty="0">
+                <a:cs typeface="+mn-cs"/>
+              </a:endParaRPr>
+            </a:p>
+          </p:txBody>
+        </p:sp>
+        <p:sp>
+          <p:nvSpPr>
+            <p:cNvPr id="48" name="テキスト ボックス 47"/>
+            <p:cNvSpPr txBox="1"/>
+            <p:nvPr/>
+          </p:nvSpPr>
+          <p:spPr>
+            <a:xfrm>
+              <a:off x="5848765" y="5428062"/>
+              <a:ext cx="1663387" cy="523220"/>
+            </a:xfrm>
+            <a:prstGeom prst="rect">
+              <a:avLst/>
+            </a:prstGeom>
+            <a:solidFill>
+              <a:schemeClr val="bg1">
+                <a:lumMod val="95000"/>
+              </a:schemeClr>
+            </a:solidFill>
+          </p:spPr>
+          <p:txBody>
+            <a:bodyPr wrap="square" rtlCol="0">
+              <a:spAutoFit/>
+            </a:bodyPr>
+            <a:lstStyle/>
+            <a:p>
+              <a:pPr marL="0" marR="0" lvl="0" indent="0" algn="l" defTabSz="914400" rtl="0" eaLnBrk="1" fontAlgn="auto" latinLnBrk="0" hangingPunct="1">
+                <a:lnSpc>
+                  <a:spcPct val="100000"/>
+                </a:lnSpc>
+                <a:spcBef>
+                  <a:spcPts val="0"/>
+                </a:spcBef>
+                <a:spcAft>
+                  <a:spcPts val="0"/>
+                </a:spcAft>
+                <a:buClrTx/>
+                <a:buSzTx/>
+                <a:buFontTx/>
+                <a:buNone/>
+                <a:tabLst/>
+                <a:defRPr/>
+              </a:pPr>
+              <a:r>
+                <a:rPr kumimoji="1" lang="ja-JP" altLang="en-US" sz="2800" b="0" i="0" u="none" strike="noStrike" kern="1200" cap="none" spc="0" normalizeH="0" baseline="0" noProof="0" dirty="0">
+                  <a:ln>
+                    <a:noFill/>
+                  </a:ln>
+                  <a:solidFill>
+                    <a:prstClr val="black">
+                      <a:lumMod val="85000"/>
+                      <a:lumOff val="15000"/>
+                    </a:prstClr>
+                  </a:solidFill>
+                  <a:effectLst/>
+                  <a:uLnTx/>
+                  <a:uFillTx/>
+                  <a:latin typeface="Calibri" panose="020F0502020204030204"/>
+                  <a:ea typeface="ＭＳ Ｐゴシック" panose="020B0600070205080204" pitchFamily="50" charset="-128"/>
+                  <a:cs typeface="+mn-cs"/>
+                </a:rPr>
+                <a:t>識別結果</a:t>
+              </a:r>
+            </a:p>
+          </p:txBody>
+        </p:sp>
+        <p:sp>
+          <p:nvSpPr>
+            <p:cNvPr id="5" name="楕円 4"/>
+            <p:cNvSpPr/>
+            <p:nvPr/>
+          </p:nvSpPr>
+          <p:spPr>
+            <a:xfrm>
+              <a:off x="689812" y="4328719"/>
+              <a:ext cx="2457908" cy="1579141"/>
+            </a:xfrm>
+            <a:prstGeom prst="ellipse">
+              <a:avLst/>
+            </a:prstGeom>
+          </p:spPr>
+          <p:style>
+            <a:lnRef idx="2">
+              <a:schemeClr val="accent1"/>
+            </a:lnRef>
+            <a:fillRef idx="1">
+              <a:schemeClr val="lt1"/>
+            </a:fillRef>
+            <a:effectRef idx="0">
+              <a:schemeClr val="accent1"/>
+            </a:effectRef>
+            <a:fontRef idx="minor">
+              <a:schemeClr val="dk1"/>
+            </a:fontRef>
+          </p:style>
+          <p:txBody>
+            <a:bodyPr rtlCol="0" anchor="ctr"/>
+            <a:lstStyle/>
+            <a:p>
+              <a:pPr marL="0" marR="0" lvl="0" indent="0" algn="ctr" defTabSz="914400" rtl="0" eaLnBrk="1" fontAlgn="auto" latinLnBrk="0" hangingPunct="1">
+                <a:lnSpc>
+                  <a:spcPct val="100000"/>
+                </a:lnSpc>
+                <a:spcBef>
+                  <a:spcPts val="0"/>
+                </a:spcBef>
+                <a:spcAft>
+                  <a:spcPts val="0"/>
+                </a:spcAft>
+                <a:buClrTx/>
+                <a:buSzTx/>
+                <a:buFontTx/>
+                <a:buNone/>
+                <a:tabLst/>
+                <a:defRPr/>
+              </a:pPr>
+              <a:r>
+                <a:rPr kumimoji="1" lang="ja-JP" altLang="en-US" sz="2800" b="0" i="0" u="none" strike="noStrike" kern="1200" cap="none" spc="0" normalizeH="0" baseline="0" noProof="0" dirty="0">
+                  <a:ln>
+                    <a:noFill/>
+                  </a:ln>
+                  <a:solidFill>
+                    <a:prstClr val="black"/>
+                  </a:solidFill>
+                  <a:effectLst/>
+                  <a:uLnTx/>
+                  <a:uFillTx/>
+                  <a:latin typeface="Calibri" panose="020F0502020204030204"/>
+                  <a:ea typeface="ＭＳ Ｐゴシック" panose="020B0600070205080204" pitchFamily="50" charset="-128"/>
+                  <a:cs typeface="+mn-cs"/>
+                </a:rPr>
+                <a:t>各種</a:t>
+              </a:r>
+              <a:endParaRPr kumimoji="1" lang="en-US" altLang="ja-JP" sz="2800" b="0" i="0" u="none" strike="noStrike" kern="1200" cap="none" spc="0" normalizeH="0" baseline="0" noProof="0" dirty="0">
+                <a:ln>
+                  <a:noFill/>
+                </a:ln>
+                <a:solidFill>
+                  <a:prstClr val="black"/>
+                </a:solidFill>
+                <a:effectLst/>
+                <a:uLnTx/>
+                <a:uFillTx/>
+                <a:latin typeface="Calibri" panose="020F0502020204030204"/>
+                <a:ea typeface="ＭＳ Ｐゴシック" panose="020B0600070205080204" pitchFamily="50" charset="-128"/>
+                <a:cs typeface="+mn-cs"/>
+              </a:endParaRPr>
+            </a:p>
+            <a:p>
+              <a:pPr marL="0" marR="0" lvl="0" indent="0" algn="ctr" defTabSz="914400" rtl="0" eaLnBrk="1" fontAlgn="auto" latinLnBrk="0" hangingPunct="1">
+                <a:lnSpc>
+                  <a:spcPct val="100000"/>
+                </a:lnSpc>
+                <a:spcBef>
+                  <a:spcPts val="0"/>
+                </a:spcBef>
+                <a:spcAft>
+                  <a:spcPts val="0"/>
+                </a:spcAft>
+                <a:buClrTx/>
+                <a:buSzTx/>
+                <a:buFontTx/>
+                <a:buNone/>
+                <a:tabLst/>
+                <a:defRPr/>
+              </a:pPr>
+              <a:r>
+                <a:rPr kumimoji="1" lang="ja-JP" altLang="en-US" sz="2800" b="0" i="0" u="none" strike="noStrike" kern="1200" cap="none" spc="0" normalizeH="0" baseline="0" noProof="0" dirty="0">
+                  <a:ln>
+                    <a:noFill/>
+                  </a:ln>
+                  <a:solidFill>
+                    <a:prstClr val="black"/>
+                  </a:solidFill>
+                  <a:effectLst/>
+                  <a:uLnTx/>
+                  <a:uFillTx/>
+                  <a:latin typeface="Calibri" panose="020F0502020204030204"/>
+                  <a:ea typeface="ＭＳ Ｐゴシック" panose="020B0600070205080204" pitchFamily="50" charset="-128"/>
+                  <a:cs typeface="+mn-cs"/>
+                </a:rPr>
+                <a:t>センサ</a:t>
+              </a:r>
+            </a:p>
+          </p:txBody>
+        </p:sp>
+        <p:sp>
+          <p:nvSpPr>
+            <p:cNvPr id="24" name="テキスト ボックス 23">
+              <a:extLst>
+                <a:ext uri="{FF2B5EF4-FFF2-40B4-BE49-F238E27FC236}">
+                  <a16:creationId xmlns:a16="http://schemas.microsoft.com/office/drawing/2014/main" id="{D3408DF2-F7B9-468D-9F2B-AE54E3F60D96}"/>
+                </a:ext>
+              </a:extLst>
+            </p:cNvPr>
+            <p:cNvSpPr txBox="1"/>
+            <p:nvPr/>
+          </p:nvSpPr>
+          <p:spPr>
+            <a:xfrm>
+              <a:off x="9349225" y="2582889"/>
+              <a:ext cx="2389193" cy="954107"/>
+            </a:xfrm>
+            <a:prstGeom prst="rect">
+              <a:avLst/>
+            </a:prstGeom>
+            <a:solidFill>
+              <a:schemeClr val="bg1">
+                <a:lumMod val="95000"/>
+              </a:schemeClr>
+            </a:solidFill>
+          </p:spPr>
+          <p:txBody>
+            <a:bodyPr wrap="square" rtlCol="0">
+              <a:spAutoFit/>
+            </a:bodyPr>
+            <a:lstStyle/>
+            <a:p>
+              <a:pPr marL="0" marR="0" lvl="0" indent="0" algn="l" defTabSz="914400" rtl="0" eaLnBrk="1" fontAlgn="auto" latinLnBrk="0" hangingPunct="1">
+                <a:lnSpc>
+                  <a:spcPct val="100000"/>
+                </a:lnSpc>
+                <a:spcBef>
+                  <a:spcPts val="0"/>
+                </a:spcBef>
+                <a:spcAft>
+                  <a:spcPts val="0"/>
+                </a:spcAft>
+                <a:buClrTx/>
+                <a:buSzTx/>
+                <a:buFontTx/>
+                <a:buNone/>
+                <a:tabLst/>
+                <a:defRPr/>
+              </a:pPr>
+              <a:r>
+                <a:rPr kumimoji="1" lang="ja-JP" altLang="en-US" sz="2800" b="0" i="0" u="none" strike="noStrike" kern="1200" cap="none" spc="0" normalizeH="0" baseline="0" noProof="0" dirty="0">
+                  <a:ln>
+                    <a:noFill/>
+                  </a:ln>
+                  <a:solidFill>
+                    <a:prstClr val="black">
+                      <a:lumMod val="85000"/>
+                      <a:lumOff val="15000"/>
+                    </a:prstClr>
+                  </a:solidFill>
+                  <a:effectLst/>
+                  <a:uLnTx/>
+                  <a:uFillTx/>
+                  <a:latin typeface="Calibri" panose="020F0502020204030204"/>
+                  <a:ea typeface="ＭＳ Ｐゴシック" panose="020B0600070205080204" pitchFamily="50" charset="-128"/>
+                  <a:cs typeface="+mn-cs"/>
+                </a:rPr>
+                <a:t>決済システム</a:t>
+              </a:r>
+              <a:endParaRPr kumimoji="1" lang="en-US" altLang="ja-JP" sz="2800" b="0" i="0" u="none" strike="noStrike" kern="1200" cap="none" spc="0" normalizeH="0" baseline="0" noProof="0" dirty="0">
+                <a:ln>
+                  <a:noFill/>
+                </a:ln>
                 <a:solidFill>
                   <a:prstClr val="black">
                     <a:lumMod val="85000"/>
                     <a:lumOff val="15000"/>
                   </a:prstClr>
                 </a:solidFill>
+                <a:effectLst/>
+                <a:uLnTx/>
+                <a:uFillTx/>
                 <a:latin typeface="Calibri" panose="020F0502020204030204"/>
                 <a:ea typeface="ＭＳ Ｐゴシック" panose="020B0600070205080204" pitchFamily="50" charset="-128"/>
-              </a:rPr>
-              <a:t>DB</a:t>
-            </a:r>
-            <a:endParaRPr kumimoji="1" lang="ja-JP" altLang="en-US" sz="2800" b="0" i="0" u="none" strike="noStrike" kern="1200" cap="none" spc="0" normalizeH="0" baseline="0" noProof="0" dirty="0">
-              <a:ln>
-                <a:noFill/>
-              </a:ln>
-              <a:solidFill>
-                <a:prstClr val="black">
-                  <a:lumMod val="85000"/>
-                  <a:lumOff val="15000"/>
-                </a:prstClr>
-              </a:solidFill>
-              <a:effectLst/>
-              <a:uLnTx/>
-              <a:uFillTx/>
-              <a:latin typeface="Calibri" panose="020F0502020204030204"/>
-              <a:ea typeface="ＭＳ Ｐゴシック" panose="020B0600070205080204" pitchFamily="50" charset="-128"/>
-              <a:cs typeface="+mn-cs"/>
-            </a:endParaRPr>
-          </a:p>
-        </p:txBody>
-      </p:sp>
+                <a:cs typeface="+mn-cs"/>
+              </a:endParaRPr>
+            </a:p>
+            <a:p>
+              <a:pPr marL="0" marR="0" lvl="0" indent="0" algn="l" defTabSz="914400" rtl="0" eaLnBrk="1" fontAlgn="auto" latinLnBrk="0" hangingPunct="1">
+                <a:lnSpc>
+                  <a:spcPct val="100000"/>
+                </a:lnSpc>
+                <a:spcBef>
+                  <a:spcPts val="0"/>
+                </a:spcBef>
+                <a:spcAft>
+                  <a:spcPts val="0"/>
+                </a:spcAft>
+                <a:buClrTx/>
+                <a:buSzTx/>
+                <a:buFontTx/>
+                <a:buNone/>
+                <a:tabLst/>
+                <a:defRPr/>
+              </a:pPr>
+              <a:r>
+                <a:rPr lang="ja-JP" altLang="en-US" sz="2800" dirty="0">
+                  <a:solidFill>
+                    <a:prstClr val="black">
+                      <a:lumMod val="85000"/>
+                      <a:lumOff val="15000"/>
+                    </a:prstClr>
+                  </a:solidFill>
+                  <a:latin typeface="Calibri" panose="020F0502020204030204"/>
+                  <a:ea typeface="ＭＳ Ｐゴシック" panose="020B0600070205080204" pitchFamily="50" charset="-128"/>
+                </a:rPr>
+                <a:t>商品管理</a:t>
+              </a:r>
+              <a:r>
+                <a:rPr lang="en-US" altLang="ja-JP" sz="2800" dirty="0">
+                  <a:solidFill>
+                    <a:prstClr val="black">
+                      <a:lumMod val="85000"/>
+                      <a:lumOff val="15000"/>
+                    </a:prstClr>
+                  </a:solidFill>
+                  <a:latin typeface="Calibri" panose="020F0502020204030204"/>
+                  <a:ea typeface="ＭＳ Ｐゴシック" panose="020B0600070205080204" pitchFamily="50" charset="-128"/>
+                </a:rPr>
+                <a:t>DB</a:t>
+              </a:r>
+              <a:endParaRPr kumimoji="1" lang="ja-JP" altLang="en-US" sz="2800" b="0" i="0" u="none" strike="noStrike" kern="1200" cap="none" spc="0" normalizeH="0" baseline="0" noProof="0" dirty="0">
+                <a:ln>
+                  <a:noFill/>
+                </a:ln>
+                <a:solidFill>
+                  <a:prstClr val="black">
+                    <a:lumMod val="85000"/>
+                    <a:lumOff val="15000"/>
+                  </a:prstClr>
+                </a:solidFill>
+                <a:effectLst/>
+                <a:uLnTx/>
+                <a:uFillTx/>
+                <a:latin typeface="Calibri" panose="020F0502020204030204"/>
+                <a:ea typeface="ＭＳ Ｐゴシック" panose="020B0600070205080204" pitchFamily="50" charset="-128"/>
+                <a:cs typeface="+mn-cs"/>
+              </a:endParaRPr>
+            </a:p>
+          </p:txBody>
+        </p:sp>
+      </p:grpSp>
     </p:spTree>
     <p:extLst>
       <p:ext uri="{BB962C8B-B14F-4D97-AF65-F5344CB8AC3E}">
@@ -17883,6 +17732,13 @@
   <p:clrMapOvr>
     <a:masterClrMapping/>
   </p:clrMapOvr>
+  <p:timing>
+    <p:tnLst>
+      <p:par>
+        <p:cTn id="1" dur="indefinite" restart="never" nodeType="tmRoot"/>
+      </p:par>
+    </p:tnLst>
+  </p:timing>
 </p:sld>
 </file>
 
@@ -17921,6 +17777,10 @@
             <a:r>
               <a:rPr kumimoji="1" lang="ja-JP" altLang="en-US"/>
               <a:t>研究方針</a:t>
+            </a:r>
+            <a:r>
+              <a:rPr kumimoji="1" lang="en-US" altLang="ja-JP"/>
+              <a:t/>
             </a:r>
             <a:br>
               <a:rPr kumimoji="1" lang="en-US" altLang="ja-JP"/>
@@ -18539,6 +18399,13 @@
   <p:clrMapOvr>
     <a:masterClrMapping/>
   </p:clrMapOvr>
+  <p:timing>
+    <p:tnLst>
+      <p:par>
+        <p:cTn id="1" dur="indefinite" restart="never" nodeType="tmRoot"/>
+      </p:par>
+    </p:tnLst>
+  </p:timing>
 </p:sld>
 </file>
 
@@ -18654,10 +18521,10 @@
       </p:pic>
       <p:sp>
         <p:nvSpPr>
-          <p:cNvPr id="6" name="テキスト ボックス 5">
+          <p:cNvPr id="7" name="テキスト ボックス 6">
             <a:extLst>
               <a:ext uri="{FF2B5EF4-FFF2-40B4-BE49-F238E27FC236}">
-                <a16:creationId xmlns:a16="http://schemas.microsoft.com/office/drawing/2014/main" id="{D7F08D7A-F94A-415C-A326-D93623417B04}"/>
+                <a16:creationId xmlns:a16="http://schemas.microsoft.com/office/drawing/2014/main" id="{D3408DF2-F7B9-468D-9F2B-AE54E3F60D96}"/>
               </a:ext>
             </a:extLst>
           </p:cNvPr>
@@ -18666,18 +18533,17 @@
         </p:nvSpPr>
         <p:spPr>
           <a:xfrm>
-            <a:off x="6705600" y="2229853"/>
-            <a:ext cx="4506883" cy="2062103"/>
+            <a:off x="7206916" y="2217129"/>
+            <a:ext cx="3835552" cy="1815882"/>
           </a:xfrm>
           <a:prstGeom prst="rect">
             <a:avLst/>
           </a:prstGeom>
-          <a:noFill/>
-          <a:ln>
-            <a:solidFill>
-              <a:schemeClr val="tx1"/>
-            </a:solidFill>
-          </a:ln>
+          <a:solidFill>
+            <a:schemeClr val="bg1">
+              <a:lumMod val="95000"/>
+            </a:schemeClr>
+          </a:solidFill>
         </p:spPr>
         <p:txBody>
           <a:bodyPr wrap="square" rtlCol="0">
@@ -18685,56 +18551,140 @@
           </a:bodyPr>
           <a:lstStyle/>
           <a:p>
-            <a:r>
-              <a:rPr kumimoji="1" lang="ja-JP" altLang="en-US" sz="3200" dirty="0"/>
-              <a:t>・エッジ側の実装</a:t>
-            </a:r>
-            <a:endParaRPr kumimoji="1" lang="en-US" altLang="ja-JP" sz="3200" dirty="0"/>
-          </a:p>
-          <a:p>
-            <a:r>
-              <a:rPr lang="en-US" altLang="ja-JP" sz="3200" dirty="0"/>
-              <a:t>  </a:t>
-            </a:r>
-            <a:r>
-              <a:rPr lang="ja-JP" altLang="en-US" sz="3200" dirty="0"/>
-              <a:t>真鍋</a:t>
-            </a:r>
-            <a:endParaRPr lang="en-US" altLang="ja-JP" sz="3200" dirty="0"/>
-          </a:p>
-          <a:p>
-            <a:r>
-              <a:rPr kumimoji="1" lang="ja-JP" altLang="en-US" sz="3200" dirty="0"/>
+            <a:pPr lvl="0">
+              <a:defRPr/>
+            </a:pPr>
+            <a:r>
+              <a:rPr lang="ja-JP" altLang="en-US" sz="2800" dirty="0" smtClean="0">
+                <a:solidFill>
+                  <a:prstClr val="black">
+                    <a:lumMod val="85000"/>
+                    <a:lumOff val="15000"/>
+                  </a:prstClr>
+                </a:solidFill>
+              </a:rPr>
+              <a:t>・</a:t>
+            </a:r>
+            <a:r>
+              <a:rPr lang="ja-JP" altLang="en-US" sz="2800" dirty="0">
+                <a:solidFill>
+                  <a:prstClr val="black">
+                    <a:lumMod val="85000"/>
+                    <a:lumOff val="15000"/>
+                  </a:prstClr>
+                </a:solidFill>
+              </a:rPr>
+              <a:t>エッジ側の実装</a:t>
+            </a:r>
+          </a:p>
+          <a:p>
+            <a:pPr lvl="0">
+              <a:defRPr/>
+            </a:pPr>
+            <a:r>
+              <a:rPr lang="ja-JP" altLang="en-US" sz="2800" dirty="0">
+                <a:solidFill>
+                  <a:prstClr val="black">
+                    <a:lumMod val="85000"/>
+                    <a:lumOff val="15000"/>
+                  </a:prstClr>
+                </a:solidFill>
+              </a:rPr>
+              <a:t>  真鍋</a:t>
+            </a:r>
+          </a:p>
+          <a:p>
+            <a:pPr lvl="0">
+              <a:defRPr/>
+            </a:pPr>
+            <a:r>
+              <a:rPr lang="ja-JP" altLang="en-US" sz="2800" dirty="0">
+                <a:solidFill>
+                  <a:prstClr val="black">
+                    <a:lumMod val="85000"/>
+                    <a:lumOff val="15000"/>
+                  </a:prstClr>
+                </a:solidFill>
+              </a:rPr>
               <a:t>・サーバ側</a:t>
             </a:r>
             <a:r>
-              <a:rPr kumimoji="1" lang="en-US" altLang="ja-JP" sz="3200" dirty="0"/>
+              <a:rPr lang="en-US" altLang="ja-JP" sz="2800" dirty="0">
+                <a:solidFill>
+                  <a:prstClr val="black">
+                    <a:lumMod val="85000"/>
+                    <a:lumOff val="15000"/>
+                  </a:prstClr>
+                </a:solidFill>
+              </a:rPr>
               <a:t>(</a:t>
             </a:r>
             <a:r>
-              <a:rPr kumimoji="1" lang="ja-JP" altLang="en-US" sz="3200" dirty="0">
+              <a:rPr lang="ja-JP" altLang="en-US" sz="2800" dirty="0">
                 <a:solidFill>
-                  <a:srgbClr val="FF0000"/>
+                  <a:prstClr val="black">
+                    <a:lumMod val="85000"/>
+                    <a:lumOff val="15000"/>
+                  </a:prstClr>
                 </a:solidFill>
               </a:rPr>
               <a:t>赤枠</a:t>
             </a:r>
             <a:r>
-              <a:rPr kumimoji="1" lang="en-US" altLang="ja-JP" sz="3200" dirty="0"/>
+              <a:rPr lang="en-US" altLang="ja-JP" sz="2800" dirty="0">
+                <a:solidFill>
+                  <a:prstClr val="black">
+                    <a:lumMod val="85000"/>
+                    <a:lumOff val="15000"/>
+                  </a:prstClr>
+                </a:solidFill>
+              </a:rPr>
               <a:t>)</a:t>
             </a:r>
             <a:r>
-              <a:rPr kumimoji="1" lang="ja-JP" altLang="en-US" sz="3200" dirty="0"/>
+              <a:rPr lang="ja-JP" altLang="en-US" sz="2800" dirty="0">
+                <a:solidFill>
+                  <a:prstClr val="black">
+                    <a:lumMod val="85000"/>
+                    <a:lumOff val="15000"/>
+                  </a:prstClr>
+                </a:solidFill>
+              </a:rPr>
               <a:t>の実装</a:t>
             </a:r>
-            <a:endParaRPr kumimoji="1" lang="en-US" altLang="ja-JP" sz="3200" dirty="0"/>
-          </a:p>
-          <a:p>
-            <a:r>
-              <a:rPr lang="ja-JP" altLang="en-US" sz="3200" dirty="0"/>
+          </a:p>
+          <a:p>
+            <a:pPr lvl="0">
+              <a:defRPr/>
+            </a:pPr>
+            <a:r>
+              <a:rPr lang="ja-JP" altLang="en-US" sz="2800" dirty="0">
+                <a:solidFill>
+                  <a:prstClr val="black">
+                    <a:lumMod val="85000"/>
+                    <a:lumOff val="15000"/>
+                  </a:prstClr>
+                </a:solidFill>
+              </a:rPr>
               <a:t>  段原</a:t>
             </a:r>
-            <a:endParaRPr kumimoji="1" lang="ja-JP" altLang="en-US" sz="3200" dirty="0"/>
+            <a:endParaRPr kumimoji="1" lang="ja-JP" altLang="en-US" sz="2800" b="0" i="0" u="none" strike="noStrike" kern="1200" cap="none" spc="0" normalizeH="0" baseline="0" noProof="0" dirty="0">
+              <a:ln>
+                <a:noFill/>
+              </a:ln>
+              <a:solidFill>
+                <a:prstClr val="black">
+                  <a:lumMod val="85000"/>
+                  <a:lumOff val="15000"/>
+                </a:prstClr>
+              </a:solidFill>
+              <a:effectLst/>
+              <a:uLnTx/>
+              <a:uFillTx/>
+              <a:latin typeface="Calibri" panose="020F0502020204030204"/>
+              <a:ea typeface="ＭＳ Ｐゴシック" panose="020B0600070205080204" pitchFamily="50" charset="-128"/>
+              <a:cs typeface="+mn-cs"/>
+            </a:endParaRPr>
           </a:p>
         </p:txBody>
       </p:sp>
@@ -18748,6 +18698,13 @@
   <p:clrMapOvr>
     <a:masterClrMapping/>
   </p:clrMapOvr>
+  <p:timing>
+    <p:tnLst>
+      <p:par>
+        <p:cTn id="1" dur="indefinite" restart="never" nodeType="tmRoot"/>
+      </p:par>
+    </p:tnLst>
+  </p:timing>
 </p:sld>
 </file>
 
@@ -18853,6 +18810,13 @@
   <p:clrMapOvr>
     <a:masterClrMapping/>
   </p:clrMapOvr>
+  <p:timing>
+    <p:tnLst>
+      <p:par>
+        <p:cTn id="1" dur="indefinite" restart="never" nodeType="tmRoot"/>
+      </p:par>
+    </p:tnLst>
+  </p:timing>
 </p:sld>
 </file>
 

--- a/プレゼン/enpit_dan.pptx
+++ b/プレゼン/enpit_dan.pptx
@@ -932,19 +932,15 @@
               <a:defRPr/>
             </a:pPr>
             <a:r>
-              <a:rPr kumimoji="1" lang="ja-JP" altLang="en-US" sz="1200" dirty="0" smtClean="0"/>
+              <a:rPr kumimoji="1" lang="ja-JP" altLang="en-US" sz="1200" dirty="0"/>
               <a:t>クラス図を用いて基本設計を行いました。</a:t>
             </a:r>
-            <a:endParaRPr kumimoji="1" lang="en-US" altLang="ja-JP" dirty="0" smtClean="0"/>
-          </a:p>
-          <a:p>
-            <a:r>
-              <a:rPr kumimoji="1" lang="ja-JP" altLang="en-US" dirty="0" smtClean="0"/>
-              <a:t>私</a:t>
-            </a:r>
+            <a:endParaRPr kumimoji="1" lang="en-US" altLang="ja-JP" dirty="0"/>
+          </a:p>
+          <a:p>
             <a:r>
               <a:rPr kumimoji="1" lang="ja-JP" altLang="en-US" dirty="0"/>
-              <a:t>が実装を行った部分は、解析システムと決済システムです。後ほどそれらの機能について説明します</a:t>
+              <a:t>私が実装を行った部分は、赤い部分の解析システムと決済システムです。後ほどそれらの機能について説明します</a:t>
             </a:r>
             <a:endParaRPr kumimoji="1" lang="en-US" altLang="ja-JP" dirty="0"/>
           </a:p>
@@ -1048,7 +1044,7 @@
               <a:defRPr/>
             </a:pPr>
             <a:r>
-              <a:rPr kumimoji="1" lang="ja-JP" altLang="en-US" sz="1200" dirty="0" smtClean="0"/>
+              <a:rPr kumimoji="1" lang="ja-JP" altLang="en-US" sz="1200" dirty="0"/>
               <a:t>詳細設計ではシーケンス図を用いて動的なシステムの動作を設計を行いました</a:t>
             </a:r>
           </a:p>
@@ -1134,37 +1130,6 @@
           <a:bodyPr/>
           <a:lstStyle/>
           <a:p>
-            <a:pPr marL="0" marR="0" indent="0" algn="l" defTabSz="914400" rtl="0" eaLnBrk="1" fontAlgn="auto" latinLnBrk="0" hangingPunct="1">
-              <a:lnSpc>
-                <a:spcPct val="100000"/>
-              </a:lnSpc>
-              <a:spcBef>
-                <a:spcPts val="0"/>
-              </a:spcBef>
-              <a:spcAft>
-                <a:spcPts val="0"/>
-              </a:spcAft>
-              <a:buClrTx/>
-              <a:buSzTx/>
-              <a:buFontTx/>
-              <a:buNone/>
-              <a:tabLst/>
-              <a:defRPr/>
-            </a:pPr>
-            <a:r>
-              <a:rPr kumimoji="1" lang="en-US" altLang="ja-JP" dirty="0"/>
-              <a:t>【</a:t>
-            </a:r>
-            <a:r>
-              <a:rPr kumimoji="1" lang="ja-JP" altLang="en-US" dirty="0"/>
-              <a:t>段原</a:t>
-            </a:r>
-            <a:r>
-              <a:rPr kumimoji="1" lang="en-US" altLang="ja-JP" dirty="0"/>
-              <a:t>】</a:t>
-            </a:r>
-          </a:p>
-          <a:p>
             <a:r>
               <a:rPr kumimoji="1" lang="ja-JP" altLang="en-US" dirty="0"/>
               <a:t>解析システムの入出力説明します。</a:t>
@@ -1189,15 +1154,7 @@
           <a:p>
             <a:r>
               <a:rPr kumimoji="1" lang="ja-JP" altLang="en-US" dirty="0"/>
-              <a:t>次</a:t>
-            </a:r>
-            <a:r>
-              <a:rPr kumimoji="1" lang="ja-JP" altLang="en-US" dirty="0" smtClean="0"/>
-              <a:t>にその画像</a:t>
-            </a:r>
-            <a:r>
-              <a:rPr kumimoji="1" lang="ja-JP" altLang="en-US" dirty="0"/>
-              <a:t>を</a:t>
+              <a:t>次にその画像を</a:t>
             </a:r>
             <a:r>
               <a:rPr kumimoji="1" lang="en-US" altLang="ja-JP" dirty="0"/>
@@ -1205,40 +1162,36 @@
             </a:r>
             <a:r>
               <a:rPr kumimoji="1" lang="ja-JP" altLang="en-US" dirty="0"/>
-              <a:t>で解析し、画像の中からバーコードが写って</a:t>
-            </a:r>
-            <a:r>
-              <a:rPr kumimoji="1" lang="ja-JP" altLang="en-US" dirty="0" smtClean="0"/>
-              <a:t>いる部分を切り取ります。</a:t>
-            </a:r>
-            <a:endParaRPr kumimoji="1" lang="en-US" altLang="ja-JP" dirty="0" smtClean="0"/>
-          </a:p>
-          <a:p>
-            <a:r>
-              <a:rPr kumimoji="1" lang="en-US" altLang="ja-JP" dirty="0" smtClean="0"/>
+              <a:t>で解析し、画像の中からバーコードが写っている部分を切り取ります。</a:t>
+            </a:r>
+            <a:endParaRPr kumimoji="1" lang="en-US" altLang="ja-JP" dirty="0"/>
+          </a:p>
+          <a:p>
+            <a:r>
+              <a:rPr kumimoji="1" lang="en-US" altLang="ja-JP" dirty="0"/>
               <a:t>Yolo</a:t>
             </a:r>
             <a:r>
-              <a:rPr kumimoji="1" lang="ja-JP" altLang="en-US" dirty="0" smtClean="0"/>
+              <a:rPr kumimoji="1" lang="ja-JP" altLang="en-US" dirty="0"/>
               <a:t>とはオブジェクト識別機械学習アルゴリズムの</a:t>
             </a:r>
             <a:r>
-              <a:rPr kumimoji="1" lang="en-US" altLang="ja-JP" dirty="0" smtClean="0"/>
+              <a:rPr kumimoji="1" lang="en-US" altLang="ja-JP" dirty="0"/>
               <a:t>1</a:t>
             </a:r>
             <a:r>
-              <a:rPr kumimoji="1" lang="ja-JP" altLang="en-US" dirty="0" smtClean="0"/>
+              <a:rPr kumimoji="1" lang="ja-JP" altLang="en-US" dirty="0"/>
               <a:t>つです。</a:t>
             </a:r>
-            <a:endParaRPr kumimoji="1" lang="en-US" altLang="ja-JP" dirty="0" smtClean="0"/>
-          </a:p>
-          <a:p>
-            <a:r>
-              <a:rPr kumimoji="1" lang="ja-JP" altLang="en-US" dirty="0" smtClean="0"/>
+            <a:endParaRPr kumimoji="1" lang="en-US" altLang="ja-JP" dirty="0"/>
+          </a:p>
+          <a:p>
+            <a:r>
+              <a:rPr kumimoji="1" lang="ja-JP" altLang="en-US" dirty="0"/>
               <a:t>次に、バーコード識別ライブラリ、</a:t>
             </a:r>
             <a:r>
-              <a:rPr kumimoji="1" lang="en-US" altLang="ja-JP" dirty="0" err="1" smtClean="0"/>
+              <a:rPr kumimoji="1" lang="en-US" altLang="ja-JP" dirty="0" err="1"/>
               <a:t>pyzbar</a:t>
             </a:r>
             <a:r>
@@ -1249,16 +1202,12 @@
           </a:p>
           <a:p>
             <a:r>
-              <a:rPr kumimoji="1" lang="en-US" altLang="ja-JP" dirty="0" err="1" smtClean="0"/>
+              <a:rPr kumimoji="1" lang="en-US" altLang="ja-JP" dirty="0" err="1"/>
               <a:t>pyzbar</a:t>
             </a:r>
             <a:r>
-              <a:rPr kumimoji="1" lang="ja-JP" altLang="en-US" dirty="0" smtClean="0"/>
-              <a:t>は</a:t>
-            </a:r>
-            <a:r>
               <a:rPr kumimoji="1" lang="ja-JP" altLang="en-US" dirty="0"/>
-              <a:t>画像に占めるバーコードの割合が少ないと精度が下がる問題があります。</a:t>
+              <a:t>は画像に占めるバーコードの割合が少ないと精度が下がる問題があります。</a:t>
             </a:r>
             <a:endParaRPr kumimoji="1" lang="en-US" altLang="ja-JP" dirty="0"/>
           </a:p>
@@ -1283,37 +1232,21 @@
               <a:t>を使用し画像の中のバーコードの部分のみを切り取り、</a:t>
             </a:r>
             <a:r>
-              <a:rPr kumimoji="1" lang="en-US" altLang="ja-JP" dirty="0" err="1" smtClean="0"/>
+              <a:rPr kumimoji="1" lang="en-US" altLang="ja-JP" dirty="0" err="1"/>
               <a:t>pyzbar</a:t>
             </a:r>
             <a:r>
-              <a:rPr kumimoji="1" lang="ja-JP" altLang="en-US" dirty="0" smtClean="0"/>
-              <a:t>に</a:t>
-            </a:r>
-            <a:r>
               <a:rPr kumimoji="1" lang="ja-JP" altLang="en-US" dirty="0"/>
-              <a:t>渡すことで精度向上を試みました。</a:t>
+              <a:t>に渡すことで精度向上を試みました。</a:t>
             </a:r>
             <a:endParaRPr kumimoji="1" lang="en-US" altLang="ja-JP" dirty="0"/>
           </a:p>
           <a:p>
             <a:r>
               <a:rPr kumimoji="1" lang="ja-JP" altLang="en-US" dirty="0"/>
-              <a:t>出力は</a:t>
-            </a:r>
-            <a:r>
-              <a:rPr kumimoji="1" lang="ja-JP" altLang="en-US" dirty="0" smtClean="0"/>
-              <a:t>、バーコード</a:t>
-            </a:r>
-            <a:r>
-              <a:rPr kumimoji="1" lang="ja-JP" altLang="en-US" dirty="0"/>
-              <a:t>番号とラズベリーパイ側に送信する解析の結果です</a:t>
-            </a:r>
-            <a:r>
-              <a:rPr kumimoji="1" lang="ja-JP" altLang="en-US" dirty="0" smtClean="0"/>
-              <a:t>。</a:t>
-            </a:r>
-            <a:endParaRPr kumimoji="1" lang="en-US" altLang="ja-JP" dirty="0" smtClean="0"/>
+              <a:t>出力は、バーコード番号とラズベリーパイ側に送信する解析の結果です。</a:t>
+            </a:r>
+            <a:endParaRPr kumimoji="1" lang="en-US" altLang="ja-JP" dirty="0"/>
           </a:p>
         </p:txBody>
       </p:sp>
@@ -1560,39 +1493,8 @@
           <a:bodyPr/>
           <a:lstStyle/>
           <a:p>
-            <a:pPr marL="0" marR="0" indent="0" algn="l" defTabSz="914400" rtl="0" eaLnBrk="1" fontAlgn="auto" latinLnBrk="0" hangingPunct="1">
-              <a:lnSpc>
-                <a:spcPct val="100000"/>
-              </a:lnSpc>
-              <a:spcBef>
-                <a:spcPts val="0"/>
-              </a:spcBef>
-              <a:spcAft>
-                <a:spcPts val="0"/>
-              </a:spcAft>
-              <a:buClrTx/>
-              <a:buSzTx/>
-              <a:buFontTx/>
-              <a:buNone/>
-              <a:tabLst/>
-              <a:defRPr/>
-            </a:pPr>
-            <a:r>
-              <a:rPr kumimoji="1" lang="en-US" altLang="ja-JP"/>
-              <a:t>【</a:t>
-            </a:r>
-            <a:r>
-              <a:rPr kumimoji="1" lang="ja-JP" altLang="en-US"/>
-              <a:t>まなべ</a:t>
-            </a:r>
-            <a:r>
-              <a:rPr kumimoji="1" lang="en-US" altLang="ja-JP"/>
-              <a:t>】</a:t>
-            </a:r>
-          </a:p>
-          <a:p>
-            <a:r>
-              <a:rPr kumimoji="1" lang="ja-JP" altLang="en-US"/>
+            <a:r>
+              <a:rPr kumimoji="1" lang="ja-JP" altLang="en-US" dirty="0"/>
               <a:t>次に実装・検証についてお話しします。</a:t>
             </a:r>
           </a:p>
@@ -1679,12 +1581,8 @@
           <a:lstStyle/>
           <a:p>
             <a:r>
-              <a:rPr kumimoji="1" lang="ja-JP" altLang="en-US" dirty="0" smtClean="0"/>
-              <a:t>実装</a:t>
-            </a:r>
-            <a:r>
               <a:rPr kumimoji="1" lang="ja-JP" altLang="en-US" dirty="0"/>
-              <a:t>環境について説明します。画像解析はサーバで行いました。サーバの</a:t>
+              <a:t>実装環境について説明します。画像解析はサーバで行いました。サーバの</a:t>
             </a:r>
             <a:r>
               <a:rPr kumimoji="1" lang="en-US" altLang="ja-JP" dirty="0"/>
@@ -1803,14 +1701,45 @@
           <a:p>
             <a:r>
               <a:rPr kumimoji="1" lang="ja-JP" altLang="en-US" sz="1200" dirty="0"/>
-              <a:t>単体テストでは、クラス図を基にクラスの動作項目が正しく行われているか確認しました。</a:t>
+              <a:t>単体テストでは、商品画像のバーコード識別に</a:t>
+            </a:r>
+            <a:r>
+              <a:rPr kumimoji="1" lang="en-US" altLang="ja-JP" sz="1200" dirty="0"/>
+              <a:t>Yolo</a:t>
+            </a:r>
+            <a:r>
+              <a:rPr kumimoji="1" lang="ja-JP" altLang="en-US" sz="1200" dirty="0"/>
+              <a:t>を使用して要件を満たすことができるか確認をしました。</a:t>
             </a:r>
             <a:endParaRPr kumimoji="1" lang="en-US" altLang="ja-JP" sz="1200" dirty="0"/>
           </a:p>
           <a:p>
             <a:r>
               <a:rPr kumimoji="1" lang="ja-JP" altLang="en-US" sz="1200" dirty="0"/>
-              <a:t>結合テストでは、クラス間での画像データ通信や</a:t>
+              <a:t>検証結果は、カメラから</a:t>
+            </a:r>
+            <a:r>
+              <a:rPr kumimoji="1" lang="en-US" altLang="ja-JP" sz="1200" dirty="0"/>
+              <a:t>10cm</a:t>
+            </a:r>
+            <a:r>
+              <a:rPr kumimoji="1" lang="ja-JP" altLang="en-US" sz="1200" dirty="0"/>
+              <a:t>以上離れた場合でも</a:t>
+            </a:r>
+            <a:r>
+              <a:rPr kumimoji="1" lang="en-US" altLang="ja-JP" sz="1200" dirty="0"/>
+              <a:t>90%</a:t>
+            </a:r>
+            <a:r>
+              <a:rPr kumimoji="1" lang="ja-JP" altLang="en-US" sz="1200" dirty="0"/>
+              <a:t>以上の識別精度を保つことができる結果になりました。</a:t>
+            </a:r>
+            <a:endParaRPr kumimoji="1" lang="en-US" altLang="ja-JP" sz="1200" dirty="0"/>
+          </a:p>
+          <a:p>
+            <a:r>
+              <a:rPr kumimoji="1" lang="ja-JP" altLang="en-US" sz="1200" dirty="0"/>
+              <a:t>サーバ通信、バーコード識別、</a:t>
             </a:r>
             <a:r>
               <a:rPr kumimoji="1" lang="en-US" altLang="ja-JP" sz="1200" dirty="0"/>
@@ -1818,143 +1747,46 @@
             </a:r>
             <a:r>
               <a:rPr kumimoji="1" lang="ja-JP" altLang="en-US" sz="1200" dirty="0"/>
-              <a:t>操作が正しく行われているかを確認しました</a:t>
-            </a:r>
-            <a:r>
-              <a:rPr kumimoji="1" lang="ja-JP" altLang="en-US" sz="1200" dirty="0" smtClean="0"/>
-              <a:t>。</a:t>
-            </a:r>
-            <a:endParaRPr kumimoji="1" lang="en-US" altLang="ja-JP" sz="1200" dirty="0" smtClean="0"/>
-          </a:p>
-          <a:p>
-            <a:endParaRPr kumimoji="1" lang="en-US" altLang="ja-JP" sz="1200" dirty="0" smtClean="0"/>
-          </a:p>
-          <a:p>
-            <a:r>
-              <a:rPr kumimoji="1" lang="ja-JP" altLang="en-US" dirty="0" smtClean="0"/>
-              <a:t>入力は</a:t>
-            </a:r>
-            <a:r>
-              <a:rPr kumimoji="1" lang="en-US" altLang="ja-JP" dirty="0" err="1" smtClean="0"/>
-              <a:t>raspberrypi</a:t>
-            </a:r>
-            <a:r>
-              <a:rPr kumimoji="1" lang="ja-JP" altLang="en-US" dirty="0" smtClean="0"/>
-              <a:t>から送られてきた画像データです。</a:t>
-            </a:r>
-            <a:endParaRPr kumimoji="1" lang="en-US" altLang="ja-JP" dirty="0" smtClean="0"/>
-          </a:p>
-          <a:p>
-            <a:r>
-              <a:rPr kumimoji="1" lang="ja-JP" altLang="en-US" dirty="0" smtClean="0"/>
-              <a:t>次にその画像を</a:t>
-            </a:r>
-            <a:r>
-              <a:rPr kumimoji="1" lang="en-US" altLang="ja-JP" dirty="0" smtClean="0"/>
-              <a:t>Yolo</a:t>
-            </a:r>
-            <a:r>
-              <a:rPr kumimoji="1" lang="ja-JP" altLang="en-US" dirty="0" smtClean="0"/>
-              <a:t>で解析し、画像の中からバーコードが写っている部分を切り取ります。</a:t>
-            </a:r>
-            <a:endParaRPr kumimoji="1" lang="en-US" altLang="ja-JP" dirty="0" smtClean="0"/>
-          </a:p>
-          <a:p>
-            <a:r>
-              <a:rPr kumimoji="1" lang="ja-JP" altLang="en-US" dirty="0" smtClean="0"/>
-              <a:t>次に、</a:t>
-            </a:r>
-            <a:r>
-              <a:rPr kumimoji="1" lang="en-US" altLang="ja-JP" dirty="0" err="1" smtClean="0"/>
-              <a:t>pyzbar</a:t>
-            </a:r>
-            <a:r>
-              <a:rPr kumimoji="1" lang="ja-JP" altLang="en-US" dirty="0" smtClean="0"/>
-              <a:t>に画像を投げ番号を取得します。</a:t>
-            </a:r>
-            <a:endParaRPr kumimoji="1" lang="en-US" altLang="ja-JP" dirty="0" smtClean="0"/>
-          </a:p>
-          <a:p>
-            <a:r>
-              <a:rPr kumimoji="1" lang="en-US" altLang="ja-JP" dirty="0" err="1" smtClean="0"/>
-              <a:t>Pyzbar</a:t>
-            </a:r>
-            <a:r>
-              <a:rPr kumimoji="1" lang="ja-JP" altLang="en-US" dirty="0" smtClean="0"/>
-              <a:t>は画像に占めるバーコードの割合が少ないと精度が下がる問題があります。</a:t>
-            </a:r>
-            <a:endParaRPr kumimoji="1" lang="en-US" altLang="ja-JP" dirty="0" smtClean="0"/>
-          </a:p>
-          <a:p>
-            <a:r>
-              <a:rPr kumimoji="1" lang="ja-JP" altLang="en-US" dirty="0" smtClean="0"/>
-              <a:t>特に、カメラと商品の距離が離れているときに問題が顕著化します。</a:t>
-            </a:r>
-            <a:endParaRPr kumimoji="1" lang="en-US" altLang="ja-JP" dirty="0" smtClean="0"/>
-          </a:p>
-          <a:p>
-            <a:r>
-              <a:rPr kumimoji="1" lang="ja-JP" altLang="en-US" dirty="0" smtClean="0"/>
-              <a:t>そこで、</a:t>
-            </a:r>
-            <a:r>
-              <a:rPr kumimoji="1" lang="en-US" altLang="ja-JP" dirty="0" smtClean="0"/>
-              <a:t>Yolo</a:t>
-            </a:r>
-            <a:r>
-              <a:rPr kumimoji="1" lang="ja-JP" altLang="en-US" dirty="0" smtClean="0"/>
-              <a:t>を使用し画像の中のバーコードの部分のみを切り取り、</a:t>
-            </a:r>
-            <a:r>
-              <a:rPr kumimoji="1" lang="en-US" altLang="ja-JP" dirty="0" err="1" smtClean="0"/>
-              <a:t>pyzbar</a:t>
-            </a:r>
-            <a:r>
-              <a:rPr kumimoji="1" lang="ja-JP" altLang="en-US" dirty="0" smtClean="0"/>
-              <a:t>に渡すことで精度向上を試みました。</a:t>
-            </a:r>
-            <a:endParaRPr kumimoji="1" lang="en-US" altLang="ja-JP" dirty="0" smtClean="0"/>
-          </a:p>
-          <a:p>
-            <a:r>
-              <a:rPr kumimoji="1" lang="ja-JP" altLang="en-US" dirty="0" smtClean="0"/>
-              <a:t>出力は、バーコード番号とラズベリーパイ側に送信する解析の結果です。</a:t>
-            </a:r>
-            <a:endParaRPr kumimoji="1" lang="en-US" altLang="ja-JP" dirty="0" smtClean="0"/>
-          </a:p>
-          <a:p>
-            <a:endParaRPr kumimoji="1" lang="en-US" altLang="ja-JP" sz="1200" dirty="0" smtClean="0"/>
-          </a:p>
-          <a:p>
-            <a:endParaRPr kumimoji="1" lang="en-US" altLang="ja-JP" sz="1200" dirty="0" smtClean="0"/>
-          </a:p>
-          <a:p>
-            <a:r>
-              <a:rPr kumimoji="1" lang="en-US" altLang="ja-JP" sz="1200" dirty="0" smtClean="0"/>
+              <a:t>などに対して、単体テストを行いました。</a:t>
+            </a:r>
+            <a:endParaRPr kumimoji="1" lang="en-US" altLang="ja-JP" sz="1200" dirty="0"/>
+          </a:p>
+          <a:p>
+            <a:r>
+              <a:rPr kumimoji="1" lang="ja-JP" altLang="en-US" sz="1200" dirty="0"/>
+              <a:t>それらを連携させクラス間での動作がうまくいくかの検証に結合テストを用いて確認を</a:t>
+            </a:r>
+            <a:r>
+              <a:rPr kumimoji="1" lang="ja-JP" altLang="en-US" sz="1200"/>
+              <a:t>行いました。</a:t>
+            </a:r>
+            <a:endParaRPr kumimoji="1" lang="en-US" altLang="ja-JP" sz="1200" dirty="0"/>
+          </a:p>
+          <a:p>
+            <a:r>
+              <a:rPr kumimoji="1" lang="en-US" altLang="ja-JP" sz="1200" dirty="0"/>
               <a:t>-----------------------------------------------------------------------</a:t>
             </a:r>
-            <a:endParaRPr kumimoji="1" lang="en-US" altLang="ja-JP" sz="1200" dirty="0" smtClean="0"/>
-          </a:p>
-          <a:p>
-            <a:r>
-              <a:rPr kumimoji="1" lang="ja-JP" altLang="en-US" sz="1200" dirty="0" smtClean="0"/>
+          </a:p>
+          <a:p>
+            <a:r>
+              <a:rPr kumimoji="1" lang="ja-JP" altLang="en-US" sz="1200" dirty="0"/>
               <a:t>画像判定の話をする</a:t>
             </a:r>
-            <a:endParaRPr kumimoji="1" lang="en-US" altLang="ja-JP" sz="1200" dirty="0" smtClean="0"/>
-          </a:p>
-          <a:p>
-            <a:r>
-              <a:rPr kumimoji="1" lang="ja-JP" altLang="en-US" sz="1200" dirty="0" smtClean="0"/>
+            <a:endParaRPr kumimoji="1" lang="en-US" altLang="ja-JP" sz="1200" dirty="0"/>
+          </a:p>
+          <a:p>
+            <a:r>
+              <a:rPr kumimoji="1" lang="ja-JP" altLang="en-US" sz="1200" dirty="0"/>
               <a:t>実装に関する部分の話</a:t>
             </a:r>
-            <a:endParaRPr kumimoji="1" lang="en-US" altLang="ja-JP" sz="1200" dirty="0" smtClean="0"/>
-          </a:p>
-          <a:p>
-            <a:r>
-              <a:rPr kumimoji="1" lang="ja-JP" altLang="en-US" sz="1200" dirty="0" smtClean="0"/>
+            <a:endParaRPr kumimoji="1" lang="en-US" altLang="ja-JP" sz="1200" dirty="0"/>
+          </a:p>
+          <a:p>
+            <a:r>
+              <a:rPr kumimoji="1" lang="ja-JP" altLang="en-US" sz="1200" dirty="0"/>
               <a:t>使用ライブラリの利用目的を話す</a:t>
             </a:r>
-            <a:endParaRPr kumimoji="1" lang="ja-JP" altLang="en-US" sz="1200" dirty="0"/>
           </a:p>
           <a:p>
             <a:endParaRPr kumimoji="1" lang="ja-JP" altLang="en-US" dirty="0"/>
@@ -2043,13 +1875,9 @@
           <a:p>
             <a:r>
               <a:rPr kumimoji="1" lang="ja-JP" altLang="en-US" dirty="0"/>
-              <a:t>最後に架空のユーザを想定して動作確認を行うことでユースケース図にまとめてある動作を満足しているかを確認</a:t>
-            </a:r>
-            <a:r>
-              <a:rPr kumimoji="1" lang="ja-JP" altLang="en-US" dirty="0" smtClean="0"/>
-              <a:t>しました。</a:t>
-            </a:r>
-            <a:endParaRPr kumimoji="1" lang="en-US" altLang="ja-JP" dirty="0" smtClean="0"/>
+              <a:t>最後に架空のユーザを想定して動作確認を行うことでユースケース図にまとめてある動作を満足しているかを確認しました。</a:t>
+            </a:r>
+            <a:endParaRPr kumimoji="1" lang="en-US" altLang="ja-JP" dirty="0"/>
           </a:p>
         </p:txBody>
       </p:sp>
@@ -2164,22 +1992,14 @@
             </a:r>
             <a:r>
               <a:rPr lang="ja-JP" altLang="en-US" dirty="0"/>
-              <a:t>を使用して行いました</a:t>
-            </a:r>
-            <a:r>
-              <a:rPr lang="ja-JP" altLang="en-US" dirty="0" smtClean="0"/>
-              <a:t>。</a:t>
-            </a:r>
-            <a:endParaRPr lang="en-US" altLang="ja-JP" dirty="0" smtClean="0"/>
-          </a:p>
-          <a:p>
-            <a:r>
-              <a:rPr lang="ja-JP" altLang="en-US" dirty="0" smtClean="0"/>
-              <a:t>今回</a:t>
-            </a:r>
+              <a:t>を使用して行いました。</a:t>
+            </a:r>
+            <a:endParaRPr lang="en-US" altLang="ja-JP" dirty="0"/>
+          </a:p>
+          <a:p>
             <a:r>
               <a:rPr lang="ja-JP" altLang="en-US" dirty="0"/>
-              <a:t>開発したシステムは、高い安定度を維持することができれば、既存のセルフレジと比べて極めて安価なリソースでサービスを提供することが可能であることを確認した。</a:t>
+              <a:t>今回開発したシステムは、高い安定度を維持することができれば、既存のセルフレジと比べて極めて安価なリソースでサービスを提供することが可能であることを確認した。</a:t>
             </a:r>
             <a:endParaRPr kumimoji="1" lang="en-US" altLang="ja-JP" dirty="0"/>
           </a:p>
@@ -2444,20 +2264,9 @@
                 <a:ea typeface="+mn-ea"/>
                 <a:cs typeface="+mn-cs"/>
               </a:rPr>
-              <a:t>（パイズバー）というバーコード番号識別ライブラリを使用して、画像から番号への識別を行いました</a:t>
-            </a:r>
-            <a:r>
-              <a:rPr kumimoji="1" lang="ja-JP" altLang="en-US" sz="1200" b="0" i="0" u="none" strike="noStrike" kern="1200" baseline="0" dirty="0" smtClean="0">
-                <a:solidFill>
-                  <a:schemeClr val="tx1"/>
-                </a:solidFill>
-                <a:latin typeface="+mn-lt"/>
-                <a:ea typeface="+mn-ea"/>
-                <a:cs typeface="+mn-cs"/>
-              </a:rPr>
-              <a:t>。</a:t>
-            </a:r>
-            <a:endParaRPr kumimoji="1" lang="en-US" altLang="ja-JP" sz="1200" b="0" i="0" u="none" strike="noStrike" kern="1200" baseline="0" dirty="0" smtClean="0">
+              <a:t>（パイズバー）というバーコード番号識別ライブラリを使用して、画像から番号への識別を行いました。</a:t>
+            </a:r>
+            <a:endParaRPr kumimoji="1" lang="en-US" altLang="ja-JP" sz="1200" b="0" i="0" u="none" strike="noStrike" kern="1200" baseline="0" dirty="0">
               <a:solidFill>
                 <a:schemeClr val="tx1"/>
               </a:solidFill>
@@ -2467,7 +2276,7 @@
             </a:endParaRPr>
           </a:p>
           <a:p>
-            <a:endParaRPr kumimoji="1" lang="en-US" altLang="ja-JP" sz="1200" b="0" i="0" u="none" strike="noStrike" kern="1200" baseline="0" dirty="0" smtClean="0">
+            <a:endParaRPr kumimoji="1" lang="en-US" altLang="ja-JP" sz="1200" b="0" i="0" u="none" strike="noStrike" kern="1200" baseline="0" dirty="0">
               <a:solidFill>
                 <a:schemeClr val="tx1"/>
               </a:solidFill>
@@ -2478,7 +2287,7 @@
           </a:p>
           <a:p>
             <a:r>
-              <a:rPr kumimoji="1" lang="en-US" altLang="ja-JP" sz="1200" b="0" i="0" u="none" strike="noStrike" kern="1200" baseline="0" dirty="0" smtClean="0">
+              <a:rPr kumimoji="1" lang="en-US" altLang="ja-JP" sz="1200" b="0" i="0" u="none" strike="noStrike" kern="1200" baseline="0" dirty="0">
                 <a:solidFill>
                   <a:schemeClr val="tx1"/>
                 </a:solidFill>
@@ -2491,7 +2300,7 @@
           </a:p>
           <a:p>
             <a:r>
-              <a:rPr kumimoji="1" lang="ja-JP" altLang="en-US" sz="1200" b="0" i="0" u="none" strike="noStrike" kern="1200" baseline="0" dirty="0" smtClean="0">
+              <a:rPr kumimoji="1" lang="ja-JP" altLang="en-US" sz="1200" b="0" i="0" u="none" strike="noStrike" kern="1200" baseline="0" dirty="0">
                 <a:solidFill>
                   <a:schemeClr val="tx1"/>
                 </a:solidFill>
@@ -2740,29 +2549,24 @@
             </a:r>
             <a:r>
               <a:rPr kumimoji="1" lang="ja-JP" altLang="en-US" dirty="0"/>
-              <a:t>回を超えたあたりで損失が安定していることが確認できます</a:t>
-            </a:r>
-            <a:r>
-              <a:rPr kumimoji="1" lang="ja-JP" altLang="en-US" dirty="0" smtClean="0"/>
-              <a:t>。</a:t>
-            </a:r>
-            <a:endParaRPr kumimoji="1" lang="en-US" altLang="ja-JP" dirty="0" smtClean="0"/>
-          </a:p>
-          <a:p>
-            <a:endParaRPr kumimoji="1" lang="en-US" altLang="ja-JP" dirty="0" smtClean="0"/>
-          </a:p>
-          <a:p>
-            <a:r>
-              <a:rPr kumimoji="1" lang="en-US" altLang="ja-JP" dirty="0" smtClean="0"/>
+              <a:t>回を超えたあたりで損失が安定していることが確認できます。</a:t>
+            </a:r>
+            <a:endParaRPr kumimoji="1" lang="en-US" altLang="ja-JP" dirty="0"/>
+          </a:p>
+          <a:p>
+            <a:endParaRPr kumimoji="1" lang="en-US" altLang="ja-JP" dirty="0"/>
+          </a:p>
+          <a:p>
+            <a:r>
+              <a:rPr kumimoji="1" lang="en-US" altLang="ja-JP" dirty="0"/>
               <a:t>---------</a:t>
             </a:r>
           </a:p>
           <a:p>
             <a:r>
-              <a:rPr kumimoji="1" lang="ja-JP" altLang="en-US" dirty="0" smtClean="0"/>
+              <a:rPr kumimoji="1" lang="ja-JP" altLang="en-US" dirty="0"/>
               <a:t>いらん</a:t>
             </a:r>
-            <a:endParaRPr kumimoji="1" lang="ja-JP" altLang="en-US" dirty="0"/>
           </a:p>
         </p:txBody>
       </p:sp>
@@ -2846,37 +2650,6 @@
           <a:bodyPr/>
           <a:lstStyle/>
           <a:p>
-            <a:pPr marL="0" marR="0" indent="0" algn="l" defTabSz="914400" rtl="0" eaLnBrk="1" fontAlgn="auto" latinLnBrk="0" hangingPunct="1">
-              <a:lnSpc>
-                <a:spcPct val="100000"/>
-              </a:lnSpc>
-              <a:spcBef>
-                <a:spcPts val="0"/>
-              </a:spcBef>
-              <a:spcAft>
-                <a:spcPts val="0"/>
-              </a:spcAft>
-              <a:buClrTx/>
-              <a:buSzTx/>
-              <a:buFontTx/>
-              <a:buNone/>
-              <a:tabLst/>
-              <a:defRPr/>
-            </a:pPr>
-            <a:r>
-              <a:rPr kumimoji="1" lang="en-US" altLang="ja-JP" dirty="0"/>
-              <a:t>【</a:t>
-            </a:r>
-            <a:r>
-              <a:rPr kumimoji="1" lang="ja-JP" altLang="en-US" dirty="0"/>
-              <a:t>まなべ</a:t>
-            </a:r>
-            <a:r>
-              <a:rPr kumimoji="1" lang="en-US" altLang="ja-JP" dirty="0"/>
-              <a:t>】</a:t>
-            </a:r>
-          </a:p>
-          <a:p>
             <a:pPr marL="0" marR="0" lvl="0" indent="0" algn="l" defTabSz="914400" rtl="0" eaLnBrk="1" fontAlgn="auto" latinLnBrk="0" hangingPunct="1">
               <a:lnSpc>
                 <a:spcPct val="100000"/>
@@ -2920,83 +2693,9 @@
             </a:pPr>
             <a:r>
               <a:rPr lang="ja-JP" altLang="en-US" sz="1200" dirty="0"/>
-              <a:t>サービス業者にも人手不足の問題が深刻化おり、セルフレジの導入が進んでいます。しかしながら、セルフレジは導入コストが高いという問題があります</a:t>
-            </a:r>
-            <a:r>
-              <a:rPr lang="ja-JP" altLang="en-US" sz="1200" dirty="0" smtClean="0"/>
-              <a:t>。</a:t>
-            </a:r>
-            <a:endParaRPr lang="en-US" altLang="ja-JP" sz="1200" dirty="0" smtClean="0"/>
-          </a:p>
-          <a:p>
-            <a:pPr marL="0" marR="0" lvl="0" indent="0" algn="l" defTabSz="914400" rtl="0" eaLnBrk="1" fontAlgn="auto" latinLnBrk="0" hangingPunct="1">
-              <a:lnSpc>
-                <a:spcPct val="100000"/>
-              </a:lnSpc>
-              <a:spcBef>
-                <a:spcPts val="0"/>
-              </a:spcBef>
-              <a:spcAft>
-                <a:spcPts val="0"/>
-              </a:spcAft>
-              <a:buClrTx/>
-              <a:buSzTx/>
-              <a:buFontTx/>
-              <a:buNone/>
-              <a:tabLst/>
-              <a:defRPr/>
-            </a:pPr>
-            <a:endParaRPr lang="en-US" altLang="ja-JP" sz="1200" dirty="0" smtClean="0"/>
-          </a:p>
-          <a:p>
-            <a:pPr marL="0" marR="0" lvl="0" indent="0" algn="l" defTabSz="914400" rtl="0" eaLnBrk="1" fontAlgn="auto" latinLnBrk="0" hangingPunct="1">
-              <a:lnSpc>
-                <a:spcPct val="100000"/>
-              </a:lnSpc>
-              <a:spcBef>
-                <a:spcPts val="0"/>
-              </a:spcBef>
-              <a:spcAft>
-                <a:spcPts val="0"/>
-              </a:spcAft>
-              <a:buClrTx/>
-              <a:buSzTx/>
-              <a:buFontTx/>
-              <a:buNone/>
-              <a:tabLst/>
-              <a:defRPr/>
-            </a:pPr>
-            <a:r>
-              <a:rPr lang="en-US" altLang="ja-JP" sz="1200" dirty="0" smtClean="0"/>
-              <a:t>---------------------</a:t>
-            </a:r>
-          </a:p>
-          <a:p>
-            <a:pPr marL="0" marR="0" lvl="0" indent="0" algn="l" defTabSz="914400" rtl="0" eaLnBrk="1" fontAlgn="auto" latinLnBrk="0" hangingPunct="1">
-              <a:lnSpc>
-                <a:spcPct val="100000"/>
-              </a:lnSpc>
-              <a:spcBef>
-                <a:spcPts val="0"/>
-              </a:spcBef>
-              <a:spcAft>
-                <a:spcPts val="0"/>
-              </a:spcAft>
-              <a:buClrTx/>
-              <a:buSzTx/>
-              <a:buFontTx/>
-              <a:buNone/>
-              <a:tabLst/>
-              <a:defRPr/>
-            </a:pPr>
-            <a:r>
-              <a:rPr lang="ja-JP" altLang="en-US" sz="1200" dirty="0" smtClean="0"/>
-              <a:t>時間ないのでもっと簡単に</a:t>
+              <a:t>サービス業者にも人手不足の問題が深刻化おり、セルフレジの導入が進んでいます。しかしながら、セルフレジは導入コストが高いという問題があります。</a:t>
             </a:r>
             <a:endParaRPr lang="en-US" altLang="ja-JP" sz="1200" dirty="0"/>
-          </a:p>
-          <a:p>
-            <a:endParaRPr kumimoji="1" lang="en-US" altLang="ja-JP" dirty="0"/>
           </a:p>
         </p:txBody>
       </p:sp>
@@ -3098,48 +2797,40 @@
               <a:defRPr/>
             </a:pPr>
             <a:r>
-              <a:rPr kumimoji="1" lang="ja-JP" altLang="en-US" dirty="0" smtClean="0"/>
-              <a:t>人手</a:t>
-            </a:r>
-            <a:r>
               <a:rPr kumimoji="1" lang="ja-JP" altLang="en-US" dirty="0"/>
-              <a:t>不足が深刻化している中小店でも導入できる、低コストなバーコード識別システムを作成することを研究目的としました。</a:t>
+              <a:t>人手不足が深刻化している中小店でも導入できる、低コストなバーコード識別システムを作成することを研究目的としました。</a:t>
             </a:r>
             <a:endParaRPr kumimoji="1" lang="en-US" altLang="ja-JP" dirty="0"/>
           </a:p>
           <a:p>
             <a:r>
               <a:rPr kumimoji="1" lang="ja-JP" altLang="en-US" dirty="0"/>
-              <a:t>研究目標は、オープンソースの画像処理ライブラリを使用し、バーコードを識別するシステムの開発を行うことです</a:t>
-            </a:r>
-            <a:r>
-              <a:rPr kumimoji="1" lang="ja-JP" altLang="en-US" dirty="0" smtClean="0"/>
-              <a:t>。</a:t>
-            </a:r>
-            <a:endParaRPr kumimoji="1" lang="en-US" altLang="ja-JP" dirty="0" smtClean="0"/>
-          </a:p>
-          <a:p>
-            <a:endParaRPr kumimoji="1" lang="en-US" altLang="ja-JP" dirty="0" smtClean="0"/>
-          </a:p>
-          <a:p>
-            <a:r>
-              <a:rPr kumimoji="1" lang="en-US" altLang="ja-JP" dirty="0" smtClean="0"/>
-              <a:t>--------------</a:t>
-            </a:r>
-          </a:p>
-          <a:p>
-            <a:r>
-              <a:rPr kumimoji="1" lang="ja-JP" altLang="en-US" dirty="0" smtClean="0"/>
-              <a:t>目標に</a:t>
-            </a:r>
-            <a:endParaRPr kumimoji="1" lang="en-US" altLang="ja-JP" dirty="0" smtClean="0"/>
-          </a:p>
-          <a:p>
-            <a:r>
-              <a:rPr kumimoji="1" lang="en-US" altLang="ja-JP" dirty="0" smtClean="0"/>
-              <a:t>Vji~1</a:t>
-            </a:r>
-            <a:endParaRPr kumimoji="1" lang="ja-JP" altLang="en-US" dirty="0"/>
+              <a:t>研究目標は、オープンソースの画像処理ライブラリを使用し、</a:t>
+            </a:r>
+            <a:endParaRPr kumimoji="1" lang="en-US" altLang="ja-JP" dirty="0"/>
+          </a:p>
+          <a:p>
+            <a:r>
+              <a:rPr kumimoji="1" lang="ja-JP" altLang="en-US" dirty="0"/>
+              <a:t>バーコードを識別するシステムを</a:t>
+            </a:r>
+            <a:r>
+              <a:rPr lang="ja-JP" altLang="en-US" sz="1200" dirty="0"/>
+              <a:t>グループで</a:t>
+            </a:r>
+            <a:r>
+              <a:rPr lang="en-US" altLang="ja-JP" sz="1200" dirty="0"/>
+              <a:t>V</a:t>
+            </a:r>
+            <a:r>
+              <a:rPr lang="ja-JP" altLang="en-US" sz="1200" dirty="0"/>
+              <a:t>字開発モデルに基づいて</a:t>
+            </a:r>
+            <a:r>
+              <a:rPr kumimoji="1" lang="ja-JP" altLang="en-US" dirty="0"/>
+              <a:t>開発を行うことです。</a:t>
+            </a:r>
+            <a:endParaRPr kumimoji="1" lang="en-US" altLang="ja-JP" dirty="0"/>
           </a:p>
         </p:txBody>
       </p:sp>
@@ -3297,15 +2988,7 @@
             </a:pPr>
             <a:r>
               <a:rPr kumimoji="1" lang="ja-JP" altLang="en-US" dirty="0"/>
-              <a:t>入店時に</a:t>
-            </a:r>
-            <a:r>
-              <a:rPr kumimoji="1" lang="ja-JP" altLang="en-US" dirty="0" smtClean="0"/>
-              <a:t>ユーザ情報とカゴ</a:t>
-            </a:r>
-            <a:r>
-              <a:rPr kumimoji="1" lang="ja-JP" altLang="en-US" dirty="0"/>
-              <a:t>を結びつけます。</a:t>
+              <a:t>入店時にユーザ情報とカゴを結びつけます。</a:t>
             </a:r>
             <a:endParaRPr kumimoji="1" lang="en-US" altLang="ja-JP" dirty="0"/>
           </a:p>
@@ -3329,13 +3012,9 @@
             </a:pPr>
             <a:r>
               <a:rPr kumimoji="1" lang="ja-JP" altLang="en-US" dirty="0"/>
-              <a:t>ユーザはカゴに商品を出し入れすることで買い物を行います</a:t>
-            </a:r>
-            <a:r>
-              <a:rPr kumimoji="1" lang="ja-JP" altLang="en-US" dirty="0" smtClean="0"/>
-              <a:t>。</a:t>
-            </a:r>
-            <a:endParaRPr kumimoji="1" lang="en-US" altLang="ja-JP" dirty="0" smtClean="0"/>
+              <a:t>ユーザはカゴへ商品を出し入れすることで買い物を行います。</a:t>
+            </a:r>
+            <a:endParaRPr kumimoji="1" lang="en-US" altLang="ja-JP" dirty="0"/>
           </a:p>
           <a:p>
             <a:pPr marL="0" marR="0" indent="0" algn="l" defTabSz="914400" rtl="0" eaLnBrk="1" fontAlgn="auto" latinLnBrk="0" hangingPunct="1">
@@ -3356,12 +3035,8 @@
               <a:defRPr/>
             </a:pPr>
             <a:r>
-              <a:rPr kumimoji="1" lang="ja-JP" altLang="en-US" dirty="0" smtClean="0"/>
-              <a:t>退店</a:t>
-            </a:r>
-            <a:r>
               <a:rPr kumimoji="1" lang="ja-JP" altLang="en-US" dirty="0"/>
-              <a:t>時にカゴの中に入っている商品の決済が自動で行われ、ユーザの口座から合計金額がひかれる仕組みになっています。</a:t>
+              <a:t>退店時にカゴの中に入っている商品の決済が自動で行われ、ユーザの口座から合計金額がひかれる仕組みになっています。</a:t>
             </a:r>
             <a:endParaRPr kumimoji="1" lang="en-US" altLang="ja-JP" dirty="0"/>
           </a:p>
@@ -3562,23 +3237,19 @@
             </a:r>
             <a:r>
               <a:rPr kumimoji="1" lang="ja-JP" altLang="en-US" dirty="0"/>
-              <a:t>へ送信します</a:t>
-            </a:r>
-            <a:r>
-              <a:rPr kumimoji="1" lang="ja-JP" altLang="en-US" dirty="0" smtClean="0"/>
-              <a:t>。</a:t>
-            </a:r>
-            <a:endParaRPr kumimoji="1" lang="en-US" altLang="ja-JP" dirty="0" smtClean="0"/>
-          </a:p>
-          <a:p>
-            <a:endParaRPr kumimoji="1" lang="en-US" altLang="ja-JP" dirty="0" smtClean="0"/>
-          </a:p>
-          <a:p>
-            <a:r>
-              <a:rPr kumimoji="1" lang="ja-JP" altLang="en-US" dirty="0" smtClean="0"/>
+              <a:t>へ送信します。</a:t>
+            </a:r>
+            <a:endParaRPr kumimoji="1" lang="en-US" altLang="ja-JP" dirty="0"/>
+          </a:p>
+          <a:p>
+            <a:endParaRPr kumimoji="1" lang="en-US" altLang="ja-JP" dirty="0"/>
+          </a:p>
+          <a:p>
+            <a:r>
+              <a:rPr kumimoji="1" lang="ja-JP" altLang="en-US" dirty="0"/>
               <a:t>実装に関しては、赤枠で囲っている部分を私が、それ以外を真鍋さんが担当しました。</a:t>
             </a:r>
-            <a:endParaRPr kumimoji="1" lang="en-US" altLang="ja-JP" dirty="0" smtClean="0"/>
+            <a:endParaRPr kumimoji="1" lang="en-US" altLang="ja-JP" dirty="0"/>
           </a:p>
         </p:txBody>
       </p:sp>
@@ -4048,8 +3719,8 @@
               <a:defRPr/>
             </a:pPr>
             <a:r>
-              <a:rPr kumimoji="1" lang="ja-JP" altLang="en-US" sz="1200" dirty="0" smtClean="0"/>
-              <a:t>ユースケース図を用いて要求分析を行った</a:t>
+              <a:rPr kumimoji="1" lang="ja-JP" altLang="en-US" sz="1200" dirty="0"/>
+              <a:t>ユースケース図を用いて要求分析を行いました</a:t>
             </a:r>
           </a:p>
         </p:txBody>
@@ -12261,10 +11932,6 @@
               <a:rPr lang="ja-JP" altLang="en-US" sz="4400" dirty="0"/>
               <a:t>画像情報によるスマートセルフ</a:t>
             </a:r>
-            <a:r>
-              <a:rPr lang="en-US" altLang="ja-JP" sz="4400" dirty="0"/>
-              <a:t/>
-            </a:r>
             <a:br>
               <a:rPr lang="en-US" altLang="ja-JP" sz="4400" dirty="0"/>
             </a:br>
@@ -12359,13 +12026,6 @@
   <p:clrMapOvr>
     <a:masterClrMapping/>
   </p:clrMapOvr>
-  <p:timing>
-    <p:tnLst>
-      <p:par>
-        <p:cTn id="1" dur="indefinite" restart="never" nodeType="tmRoot"/>
-      </p:par>
-    </p:tnLst>
-  </p:timing>
 </p:sld>
 </file>
 
@@ -12603,13 +12263,6 @@
   <p:clrMapOvr>
     <a:masterClrMapping/>
   </p:clrMapOvr>
-  <p:timing>
-    <p:tnLst>
-      <p:par>
-        <p:cTn id="1" dur="indefinite" restart="never" nodeType="tmRoot"/>
-      </p:par>
-    </p:tnLst>
-  </p:timing>
 </p:sld>
 </file>
 
@@ -12877,13 +12530,6 @@
   <p:clrMapOvr>
     <a:masterClrMapping/>
   </p:clrMapOvr>
-  <p:timing>
-    <p:tnLst>
-      <p:par>
-        <p:cTn id="1" dur="indefinite" restart="never" nodeType="tmRoot"/>
-      </p:par>
-    </p:tnLst>
-  </p:timing>
 </p:sld>
 </file>
 
@@ -13093,13 +12739,6 @@
   <p:clrMapOvr>
     <a:masterClrMapping/>
   </p:clrMapOvr>
-  <p:timing>
-    <p:tnLst>
-      <p:par>
-        <p:cTn id="1" dur="indefinite" restart="never" nodeType="tmRoot"/>
-      </p:par>
-    </p:tnLst>
-  </p:timing>
 </p:sld>
 </file>
 
@@ -13401,7 +13040,7 @@
         </p:nvSpPr>
         <p:spPr>
           <a:xfrm>
-            <a:off x="8351520" y="3350984"/>
+            <a:off x="8513141" y="3527483"/>
             <a:ext cx="3248297" cy="523220"/>
           </a:xfrm>
           <a:prstGeom prst="rect">
@@ -13423,10 +13062,102 @@
               <a:defRPr/>
             </a:pPr>
             <a:r>
-              <a:rPr lang="en-US" altLang="ja-JP" sz="2800" dirty="0" smtClean="0"/>
+              <a:rPr lang="en-US" altLang="ja-JP" sz="2800" dirty="0"/>
               <a:t>JAN:4902888219368</a:t>
             </a:r>
             <a:endParaRPr lang="ja-JP" altLang="en-US" sz="2800" dirty="0"/>
+          </a:p>
+        </p:txBody>
+      </p:sp>
+      <p:sp>
+        <p:nvSpPr>
+          <p:cNvPr id="7" name="矢印: 右 6">
+            <a:extLst>
+              <a:ext uri="{FF2B5EF4-FFF2-40B4-BE49-F238E27FC236}">
+                <a16:creationId xmlns:a16="http://schemas.microsoft.com/office/drawing/2014/main" id="{2E2DC366-451A-4452-9DEC-4E0A0F4620ED}"/>
+              </a:ext>
+            </a:extLst>
+          </p:cNvPr>
+          <p:cNvSpPr/>
+          <p:nvPr/>
+        </p:nvSpPr>
+        <p:spPr>
+          <a:xfrm>
+            <a:off x="3982675" y="3524398"/>
+            <a:ext cx="567689" cy="529390"/>
+          </a:xfrm>
+          <a:prstGeom prst="rightArrow">
+            <a:avLst/>
+          </a:prstGeom>
+        </p:spPr>
+        <p:style>
+          <a:lnRef idx="2">
+            <a:schemeClr val="accent1">
+              <a:shade val="50000"/>
+            </a:schemeClr>
+          </a:lnRef>
+          <a:fillRef idx="1">
+            <a:schemeClr val="accent1"/>
+          </a:fillRef>
+          <a:effectRef idx="0">
+            <a:schemeClr val="accent1"/>
+          </a:effectRef>
+          <a:fontRef idx="minor">
+            <a:schemeClr val="lt1"/>
+          </a:fontRef>
+        </p:style>
+        <p:txBody>
+          <a:bodyPr rtlCol="0" anchor="ctr"/>
+          <a:lstStyle/>
+          <a:p>
+            <a:pPr algn="ctr"/>
+            <a:endParaRPr kumimoji="1" lang="ja-JP" altLang="en-US"/>
+          </a:p>
+        </p:txBody>
+      </p:sp>
+      <p:sp>
+        <p:nvSpPr>
+          <p:cNvPr id="13" name="矢印: 右 12">
+            <a:extLst>
+              <a:ext uri="{FF2B5EF4-FFF2-40B4-BE49-F238E27FC236}">
+                <a16:creationId xmlns:a16="http://schemas.microsoft.com/office/drawing/2014/main" id="{C2B4FEDD-DDCE-439E-8C7D-DB64DAFCA285}"/>
+              </a:ext>
+            </a:extLst>
+          </p:cNvPr>
+          <p:cNvSpPr/>
+          <p:nvPr/>
+        </p:nvSpPr>
+        <p:spPr>
+          <a:xfrm>
+            <a:off x="7730689" y="3508220"/>
+            <a:ext cx="567689" cy="529390"/>
+          </a:xfrm>
+          <a:prstGeom prst="rightArrow">
+            <a:avLst/>
+          </a:prstGeom>
+        </p:spPr>
+        <p:style>
+          <a:lnRef idx="2">
+            <a:schemeClr val="accent1">
+              <a:shade val="50000"/>
+            </a:schemeClr>
+          </a:lnRef>
+          <a:fillRef idx="1">
+            <a:schemeClr val="accent1"/>
+          </a:fillRef>
+          <a:effectRef idx="0">
+            <a:schemeClr val="accent1"/>
+          </a:effectRef>
+          <a:fontRef idx="minor">
+            <a:schemeClr val="lt1"/>
+          </a:fontRef>
+        </p:style>
+        <p:txBody>
+          <a:bodyPr rtlCol="0" anchor="ctr"/>
+          <a:lstStyle/>
+          <a:p>
+            <a:pPr algn="ctr"/>
+            <a:endParaRPr kumimoji="1" lang="ja-JP" altLang="en-US"/>
           </a:p>
         </p:txBody>
       </p:sp>
@@ -13440,13 +13171,6 @@
   <p:clrMapOvr>
     <a:masterClrMapping/>
   </p:clrMapOvr>
-  <p:timing>
-    <p:tnLst>
-      <p:par>
-        <p:cTn id="1" dur="indefinite" restart="never" nodeType="tmRoot"/>
-      </p:par>
-    </p:tnLst>
-  </p:timing>
 </p:sld>
 </file>
 
@@ -13857,13 +13581,6 @@
   <p:clrMapOvr>
     <a:masterClrMapping/>
   </p:clrMapOvr>
-  <p:timing>
-    <p:tnLst>
-      <p:par>
-        <p:cTn id="1" dur="indefinite" restart="never" nodeType="tmRoot"/>
-      </p:par>
-    </p:tnLst>
-  </p:timing>
 </p:sld>
 </file>
 
@@ -13900,12 +13617,8 @@
           <a:lstStyle/>
           <a:p>
             <a:r>
-              <a:rPr kumimoji="1" lang="ja-JP" altLang="en-US" dirty="0" smtClean="0"/>
-              <a:t>実装環境・</a:t>
-            </a:r>
-            <a:r>
               <a:rPr kumimoji="1" lang="ja-JP" altLang="en-US" dirty="0"/>
-              <a:t>検証</a:t>
+              <a:t>実装環境・検証</a:t>
             </a:r>
           </a:p>
         </p:txBody>
@@ -13963,13 +13676,6 @@
   <p:clrMapOvr>
     <a:masterClrMapping/>
   </p:clrMapOvr>
-  <p:timing>
-    <p:tnLst>
-      <p:par>
-        <p:cTn id="1" dur="indefinite" restart="never" nodeType="tmRoot"/>
-      </p:par>
-    </p:tnLst>
-  </p:timing>
 </p:sld>
 </file>
 
@@ -14116,13 +13822,6 @@
   <p:clrMapOvr>
     <a:masterClrMapping/>
   </p:clrMapOvr>
-  <p:timing>
-    <p:tnLst>
-      <p:par>
-        <p:cTn id="1" dur="indefinite" restart="never" nodeType="tmRoot"/>
-      </p:par>
-    </p:tnLst>
-  </p:timing>
 </p:sld>
 </file>
 
@@ -14203,10 +13902,10 @@
       </p:sp>
       <p:pic>
         <p:nvPicPr>
-          <p:cNvPr id="4" name="図 3" descr="スクリーンショット, 抽象 が含まれている画像&#10;&#10;自動的に生成された説明">
+          <p:cNvPr id="9" name="図 8" descr="パソコン画面の文字&#10;&#10;自動的に生成された説明">
             <a:extLst>
               <a:ext uri="{FF2B5EF4-FFF2-40B4-BE49-F238E27FC236}">
-                <a16:creationId xmlns:a16="http://schemas.microsoft.com/office/drawing/2014/main" id="{F113B5B0-36FD-4E00-922C-329D94FFD2D4}"/>
+                <a16:creationId xmlns:a16="http://schemas.microsoft.com/office/drawing/2014/main" id="{1C8616BB-F1E8-4C07-926A-469B5F43BBB6}"/>
               </a:ext>
             </a:extLst>
           </p:cNvPr>
@@ -14229,8 +13928,8 @@
         </p:blipFill>
         <p:spPr>
           <a:xfrm>
-            <a:off x="807744" y="1969167"/>
-            <a:ext cx="5054282" cy="4269879"/>
+            <a:off x="6126480" y="4267096"/>
+            <a:ext cx="5591955" cy="1971950"/>
           </a:xfrm>
           <a:prstGeom prst="rect">
             <a:avLst/>
@@ -14239,10 +13938,10 @@
       </p:pic>
       <p:pic>
         <p:nvPicPr>
-          <p:cNvPr id="9" name="図 8" descr="パソコン画面の文字&#10;&#10;自動的に生成された説明">
+          <p:cNvPr id="3" name="図 2">
             <a:extLst>
               <a:ext uri="{FF2B5EF4-FFF2-40B4-BE49-F238E27FC236}">
-                <a16:creationId xmlns:a16="http://schemas.microsoft.com/office/drawing/2014/main" id="{1C8616BB-F1E8-4C07-926A-469B5F43BBB6}"/>
+                <a16:creationId xmlns:a16="http://schemas.microsoft.com/office/drawing/2014/main" id="{0FA31AE2-CD4B-44D2-80F1-3DB2AF2F2BD4}"/>
               </a:ext>
             </a:extLst>
           </p:cNvPr>
@@ -14252,27 +13951,76 @@
           <p:nvPr/>
         </p:nvPicPr>
         <p:blipFill>
-          <a:blip r:embed="rId4">
-            <a:extLst>
-              <a:ext uri="{28A0092B-C50C-407E-A947-70E740481C1C}">
-                <a14:useLocalDpi xmlns:a14="http://schemas.microsoft.com/office/drawing/2010/main" val="0"/>
-              </a:ext>
-            </a:extLst>
-          </a:blip>
+          <a:blip r:embed="rId4"/>
           <a:stretch>
             <a:fillRect/>
           </a:stretch>
         </p:blipFill>
         <p:spPr>
           <a:xfrm>
-            <a:off x="6126480" y="4267096"/>
-            <a:ext cx="5591955" cy="1971950"/>
+            <a:off x="417095" y="2076965"/>
+            <a:ext cx="8794624" cy="1850526"/>
           </a:xfrm>
           <a:prstGeom prst="rect">
             <a:avLst/>
           </a:prstGeom>
         </p:spPr>
       </p:pic>
+      <p:sp>
+        <p:nvSpPr>
+          <p:cNvPr id="6" name="テキスト ボックス 5">
+            <a:extLst>
+              <a:ext uri="{FF2B5EF4-FFF2-40B4-BE49-F238E27FC236}">
+                <a16:creationId xmlns:a16="http://schemas.microsoft.com/office/drawing/2014/main" id="{219A3081-5890-4411-A627-19D4A6649584}"/>
+              </a:ext>
+            </a:extLst>
+          </p:cNvPr>
+          <p:cNvSpPr txBox="1"/>
+          <p:nvPr/>
+        </p:nvSpPr>
+        <p:spPr>
+          <a:xfrm>
+            <a:off x="122245" y="4427517"/>
+            <a:ext cx="5943276" cy="954107"/>
+          </a:xfrm>
+          <a:prstGeom prst="rect">
+            <a:avLst/>
+          </a:prstGeom>
+          <a:noFill/>
+        </p:spPr>
+        <p:txBody>
+          <a:bodyPr wrap="square" rtlCol="0">
+            <a:spAutoFit/>
+          </a:bodyPr>
+          <a:lstStyle/>
+          <a:p>
+            <a:r>
+              <a:rPr kumimoji="1" lang="en-US" altLang="ja-JP" sz="2800" dirty="0"/>
+              <a:t>Yolo     :</a:t>
+            </a:r>
+            <a:r>
+              <a:rPr kumimoji="1" lang="ja-JP" altLang="en-US" sz="2800" dirty="0"/>
+              <a:t>画像からバーコード領域を識別</a:t>
+            </a:r>
+            <a:endParaRPr kumimoji="1" lang="en-US" altLang="ja-JP" sz="2800" dirty="0"/>
+          </a:p>
+          <a:p>
+            <a:r>
+              <a:rPr lang="en-US" altLang="ja-JP" sz="2800" dirty="0" err="1"/>
+              <a:t>Pyzbar</a:t>
+            </a:r>
+            <a:r>
+              <a:rPr lang="en-US" altLang="ja-JP" sz="2800" dirty="0"/>
+              <a:t> :</a:t>
+            </a:r>
+            <a:r>
+              <a:rPr lang="ja-JP" altLang="en-US" sz="2800" dirty="0"/>
+              <a:t>画像から番号を識別</a:t>
+            </a:r>
+            <a:endParaRPr kumimoji="1" lang="ja-JP" altLang="en-US" sz="2800" dirty="0"/>
+          </a:p>
+        </p:txBody>
+      </p:sp>
     </p:spTree>
     <p:extLst>
       <p:ext uri="{BB962C8B-B14F-4D97-AF65-F5344CB8AC3E}">
@@ -14283,13 +14031,6 @@
   <p:clrMapOvr>
     <a:masterClrMapping/>
   </p:clrMapOvr>
-  <p:timing>
-    <p:tnLst>
-      <p:par>
-        <p:cTn id="1" dur="indefinite" restart="never" nodeType="tmRoot"/>
-      </p:par>
-    </p:tnLst>
-  </p:timing>
 </p:sld>
 </file>
 
@@ -14414,13 +14155,6 @@
   <p:clrMapOvr>
     <a:masterClrMapping/>
   </p:clrMapOvr>
-  <p:timing>
-    <p:tnLst>
-      <p:par>
-        <p:cTn id="1" dur="indefinite" restart="never" nodeType="tmRoot"/>
-      </p:par>
-    </p:tnLst>
-  </p:timing>
 </p:sld>
 </file>
 
@@ -14611,13 +14345,6 @@
   <p:clrMapOvr>
     <a:masterClrMapping/>
   </p:clrMapOvr>
-  <p:timing>
-    <p:tnLst>
-      <p:par>
-        <p:cTn id="1" dur="indefinite" restart="never" nodeType="tmRoot"/>
-      </p:par>
-    </p:tnLst>
-  </p:timing>
 </p:sld>
 </file>
 
@@ -14654,10 +14381,9 @@
           <a:lstStyle/>
           <a:p>
             <a:r>
-              <a:rPr kumimoji="1" lang="ja-JP" altLang="en-US" dirty="0" smtClean="0"/>
+              <a:rPr kumimoji="1" lang="ja-JP" altLang="en-US" dirty="0"/>
               <a:t>発表概要</a:t>
             </a:r>
-            <a:endParaRPr kumimoji="1" lang="ja-JP" altLang="en-US" dirty="0"/>
           </a:p>
         </p:txBody>
       </p:sp>
@@ -14779,13 +14505,6 @@
   <p:clrMapOvr>
     <a:masterClrMapping/>
   </p:clrMapOvr>
-  <p:timing>
-    <p:tnLst>
-      <p:par>
-        <p:cTn id="1" dur="indefinite" restart="never" nodeType="tmRoot"/>
-      </p:par>
-    </p:tnLst>
-  </p:timing>
 </p:sld>
 </file>
 
@@ -14896,21 +14615,6 @@
   <p:clrMapOvr>
     <a:masterClrMapping/>
   </p:clrMapOvr>
-  <mc:AlternateContent xmlns:mc="http://schemas.openxmlformats.org/markup-compatibility/2006">
-    <mc:Choice xmlns:p14="http://schemas.microsoft.com/office/powerpoint/2010/main" Requires="p14">
-      <p:transition spd="slow" p14:dur="2000"/>
-    </mc:Choice>
-    <mc:Fallback>
-      <p:transition spd="slow"/>
-    </mc:Fallback>
-  </mc:AlternateContent>
-  <p:timing>
-    <p:tnLst>
-      <p:par>
-        <p:cTn id="1" dur="indefinite" restart="never" nodeType="tmRoot"/>
-      </p:par>
-    </p:tnLst>
-  </p:timing>
 </p:sld>
 </file>
 
@@ -14947,7 +14651,7 @@
                 <a16:creationId xmlns:a16="http://schemas.microsoft.com/office/drawing/2014/main" id="{7DE3B1B8-DC38-48E8-8C31-EF790659B582}"/>
               </a:ext>
               <a:ext uri="{C183D7F6-B498-43B3-948B-1728B52AA6E4}">
-                <adec:decorative xmlns:adec="http://schemas.microsoft.com/office/drawing/2017/decorative" xmlns="" val="1"/>
+                <adec:decorative xmlns:adec="http://schemas.microsoft.com/office/drawing/2017/decorative" val="1"/>
               </a:ext>
             </a:extLst>
           </p:cNvPr>
@@ -15002,7 +14706,7 @@
                 <a16:creationId xmlns:a16="http://schemas.microsoft.com/office/drawing/2014/main" id="{9E63FFFE-1DB2-4A0F-B495-35782F162299}"/>
               </a:ext>
               <a:ext uri="{C183D7F6-B498-43B3-948B-1728B52AA6E4}">
-                <adec:decorative xmlns:adec="http://schemas.microsoft.com/office/drawing/2017/decorative" xmlns="" val="1"/>
+                <adec:decorative xmlns:adec="http://schemas.microsoft.com/office/drawing/2017/decorative" val="1"/>
               </a:ext>
             </a:extLst>
           </p:cNvPr>
@@ -15057,7 +14761,7 @@
                 <a16:creationId xmlns:a16="http://schemas.microsoft.com/office/drawing/2014/main" id="{32BB9A07-8AB8-4D82-B3BC-B500DDEC79A1}"/>
               </a:ext>
               <a:ext uri="{C183D7F6-B498-43B3-948B-1728B52AA6E4}">
-                <adec:decorative xmlns:adec="http://schemas.microsoft.com/office/drawing/2017/decorative" xmlns="" val="1"/>
+                <adec:decorative xmlns:adec="http://schemas.microsoft.com/office/drawing/2017/decorative" val="1"/>
               </a:ext>
             </a:extLst>
           </p:cNvPr>
@@ -15112,7 +14816,7 @@
                 <a16:creationId xmlns:a16="http://schemas.microsoft.com/office/drawing/2014/main" id="{08CB54FC-0B2A-4107-9A70-958B90B76585}"/>
               </a:ext>
               <a:ext uri="{C183D7F6-B498-43B3-948B-1728B52AA6E4}">
-                <adec:decorative xmlns:adec="http://schemas.microsoft.com/office/drawing/2017/decorative" xmlns="" val="1"/>
+                <adec:decorative xmlns:adec="http://schemas.microsoft.com/office/drawing/2017/decorative" val="1"/>
               </a:ext>
             </a:extLst>
           </p:cNvPr>
@@ -15249,7 +14953,7 @@
                 <a16:creationId xmlns:a16="http://schemas.microsoft.com/office/drawing/2014/main" id="{7855A9B5-1710-4B19-B0F1-CDFDD4ED5B7E}"/>
               </a:ext>
               <a:ext uri="{C183D7F6-B498-43B3-948B-1728B52AA6E4}">
-                <adec:decorative xmlns:adec="http://schemas.microsoft.com/office/drawing/2017/decorative" xmlns="" val="1"/>
+                <adec:decorative xmlns:adec="http://schemas.microsoft.com/office/drawing/2017/decorative" val="1"/>
               </a:ext>
             </a:extLst>
           </p:cNvPr>
@@ -15305,7 +15009,7 @@
                 <a16:creationId xmlns:a16="http://schemas.microsoft.com/office/drawing/2014/main" id="{6587DBF8-5C50-4034-8B79-FE54A01A8E15}"/>
               </a:ext>
               <a:ext uri="{C183D7F6-B498-43B3-948B-1728B52AA6E4}">
-                <adec:decorative xmlns:adec="http://schemas.microsoft.com/office/drawing/2017/decorative" xmlns="" val="1"/>
+                <adec:decorative xmlns:adec="http://schemas.microsoft.com/office/drawing/2017/decorative" val="1"/>
               </a:ext>
             </a:extLst>
           </p:cNvPr>
@@ -15360,7 +15064,7 @@
                 <a16:creationId xmlns:a16="http://schemas.microsoft.com/office/drawing/2014/main" id="{14720853-E885-4BE5-BFE2-24004CEF6952}"/>
               </a:ext>
               <a:ext uri="{C183D7F6-B498-43B3-948B-1728B52AA6E4}">
-                <adec:decorative xmlns:adec="http://schemas.microsoft.com/office/drawing/2017/decorative" xmlns="" val="1"/>
+                <adec:decorative xmlns:adec="http://schemas.microsoft.com/office/drawing/2017/decorative" val="1"/>
               </a:ext>
             </a:extLst>
           </p:cNvPr>
@@ -15568,21 +15272,6 @@
   <p:clrMapOvr>
     <a:masterClrMapping/>
   </p:clrMapOvr>
-  <mc:AlternateContent xmlns:mc="http://schemas.openxmlformats.org/markup-compatibility/2006">
-    <mc:Choice xmlns:p14="http://schemas.microsoft.com/office/powerpoint/2010/main" Requires="p14">
-      <p:transition spd="slow" p14:dur="2000"/>
-    </mc:Choice>
-    <mc:Fallback>
-      <p:transition spd="slow"/>
-    </mc:Fallback>
-  </mc:AlternateContent>
-  <p:timing>
-    <p:tnLst>
-      <p:par>
-        <p:cTn id="1" dur="indefinite" restart="never" nodeType="tmRoot"/>
-      </p:par>
-    </p:tnLst>
-  </p:timing>
 </p:sld>
 </file>
 
@@ -15635,15 +15324,7 @@
                   <a:srgbClr val="FF0000"/>
                 </a:solidFill>
               </a:rPr>
-              <a:t>人的資源が</a:t>
-            </a:r>
-            <a:r>
-              <a:rPr lang="ja-JP" altLang="en-US" sz="2800" dirty="0" smtClean="0">
-                <a:solidFill>
-                  <a:srgbClr val="FF0000"/>
-                </a:solidFill>
-              </a:rPr>
-              <a:t>減少</a:t>
+              <a:t>人的資源が減少</a:t>
             </a:r>
             <a:endParaRPr lang="en-US" altLang="ja-JP" sz="2800" dirty="0"/>
           </a:p>
@@ -15662,11 +15343,7 @@
             </a:r>
             <a:r>
               <a:rPr lang="ja-JP" altLang="en-US" sz="2800" dirty="0"/>
-              <a:t>という</a:t>
-            </a:r>
-            <a:r>
-              <a:rPr lang="ja-JP" altLang="en-US" sz="2800" dirty="0" smtClean="0"/>
-              <a:t>問題</a:t>
+              <a:t>という問題</a:t>
             </a:r>
             <a:endParaRPr lang="en-US" altLang="ja-JP" sz="2800" dirty="0"/>
           </a:p>
@@ -15792,13 +15469,6 @@
   <p:clrMapOvr>
     <a:masterClrMapping/>
   </p:clrMapOvr>
-  <p:timing>
-    <p:tnLst>
-      <p:par>
-        <p:cTn id="1" dur="indefinite" restart="never" nodeType="tmRoot"/>
-      </p:par>
-    </p:tnLst>
-  </p:timing>
 </p:sld>
 </file>
 
@@ -15889,11 +15559,7 @@
           <a:p>
             <a:r>
               <a:rPr lang="ja-JP" altLang="en-US" sz="2800" dirty="0"/>
-              <a:t>資金力を持たない店舗でも導入しやすく、安価で人手のかからないスマートモビリティレジシステムの提案と</a:t>
-            </a:r>
-            <a:r>
-              <a:rPr lang="ja-JP" altLang="en-US" sz="2800" dirty="0" smtClean="0"/>
-              <a:t>開発</a:t>
+              <a:t>資金力を持たない店舗でも導入しやすく、安価で人手のかからないスマートモビリティレジシステムの提案と開発</a:t>
             </a:r>
             <a:endParaRPr lang="en-US" altLang="ja-JP" sz="2800" dirty="0"/>
           </a:p>
@@ -15907,25 +15573,21 @@
               <a:t>目標</a:t>
             </a:r>
             <a:r>
-              <a:rPr lang="en-US" altLang="ja-JP" sz="2800" b="1" dirty="0" smtClean="0"/>
+              <a:rPr lang="en-US" altLang="ja-JP" sz="2800" b="1" dirty="0"/>
               <a:t>&gt;</a:t>
             </a:r>
           </a:p>
           <a:p>
             <a:r>
               <a:rPr lang="ja-JP" altLang="en-US" sz="2800" dirty="0"/>
-              <a:t>グループ</a:t>
-            </a:r>
-            <a:r>
-              <a:rPr lang="ja-JP" altLang="en-US" sz="2800" dirty="0" smtClean="0"/>
-              <a:t>で</a:t>
-            </a:r>
-            <a:r>
-              <a:rPr lang="en-US" altLang="ja-JP" sz="2800" dirty="0" smtClean="0"/>
+              <a:t>グループで</a:t>
+            </a:r>
+            <a:r>
+              <a:rPr lang="en-US" altLang="ja-JP" sz="2800" dirty="0"/>
               <a:t>V</a:t>
             </a:r>
             <a:r>
-              <a:rPr lang="ja-JP" altLang="en-US" sz="2800" dirty="0" smtClean="0"/>
+              <a:rPr lang="ja-JP" altLang="en-US" sz="2800" dirty="0"/>
               <a:t>字開発モデルに基づいて開発</a:t>
             </a:r>
             <a:endParaRPr lang="en-US" altLang="ja-JP" sz="2800" dirty="0"/>
@@ -15941,13 +15603,8 @@
             </a:r>
             <a:r>
               <a:rPr lang="ja-JP" altLang="en-US" sz="2800" spc="0" dirty="0"/>
-              <a:t>カメラを使用し、商品をバーコードの番号で</a:t>
-            </a:r>
-            <a:r>
-              <a:rPr lang="ja-JP" altLang="en-US" sz="2800" spc="0" dirty="0" smtClean="0"/>
-              <a:t>判断</a:t>
-            </a:r>
-            <a:endParaRPr lang="ja-JP" altLang="en-US" sz="2800" spc="0" dirty="0"/>
+              <a:t>カメラを使用し、商品をバーコードの番号で判断</a:t>
+            </a:r>
           </a:p>
           <a:p>
             <a:r>
@@ -15990,13 +15647,6 @@
   <p:clrMapOvr>
     <a:masterClrMapping/>
   </p:clrMapOvr>
-  <p:timing>
-    <p:tnLst>
-      <p:par>
-        <p:cTn id="1" dur="indefinite" restart="never" nodeType="tmRoot"/>
-      </p:par>
-    </p:tnLst>
-  </p:timing>
 </p:sld>
 </file>
 
@@ -16880,13 +16530,6 @@
   <p:clrMapOvr>
     <a:masterClrMapping/>
   </p:clrMapOvr>
-  <p:timing>
-    <p:tnLst>
-      <p:par>
-        <p:cTn id="1" dur="indefinite" restart="never" nodeType="tmRoot"/>
-      </p:par>
-    </p:tnLst>
-  </p:timing>
 </p:sld>
 </file>
 
@@ -18590,18 +18233,13 @@
           <a:lstStyle/>
           <a:p>
             <a:r>
-              <a:rPr kumimoji="1" lang="ja-JP" altLang="en-US" sz="2800" dirty="0" smtClean="0">
+              <a:rPr kumimoji="1" lang="ja-JP" altLang="en-US" sz="2800" dirty="0">
                 <a:solidFill>
                   <a:srgbClr val="FF0000"/>
                 </a:solidFill>
               </a:rPr>
               <a:t>実装担当</a:t>
             </a:r>
-            <a:endParaRPr kumimoji="1" lang="ja-JP" altLang="en-US" sz="2800" dirty="0">
-              <a:solidFill>
-                <a:srgbClr val="FF0000"/>
-              </a:solidFill>
-            </a:endParaRPr>
           </a:p>
         </p:txBody>
       </p:sp>
@@ -18615,13 +18253,6 @@
   <p:clrMapOvr>
     <a:masterClrMapping/>
   </p:clrMapOvr>
-  <p:timing>
-    <p:tnLst>
-      <p:par>
-        <p:cTn id="1" dur="indefinite" restart="never" nodeType="tmRoot"/>
-      </p:par>
-    </p:tnLst>
-  </p:timing>
 </p:sld>
 </file>
 
@@ -18660,10 +18291,6 @@
             <a:r>
               <a:rPr kumimoji="1" lang="ja-JP" altLang="en-US"/>
               <a:t>研究方針</a:t>
-            </a:r>
-            <a:r>
-              <a:rPr kumimoji="1" lang="en-US" altLang="ja-JP"/>
-              <a:t/>
             </a:r>
             <a:br>
               <a:rPr kumimoji="1" lang="en-US" altLang="ja-JP"/>
@@ -19409,13 +19036,6 @@
   <p:clrMapOvr>
     <a:masterClrMapping/>
   </p:clrMapOvr>
-  <p:timing>
-    <p:tnLst>
-      <p:par>
-        <p:cTn id="1" dur="indefinite" restart="never" nodeType="tmRoot"/>
-      </p:par>
-    </p:tnLst>
-  </p:timing>
 </p:sld>
 </file>
 
@@ -19521,13 +19141,6 @@
   <p:clrMapOvr>
     <a:masterClrMapping/>
   </p:clrMapOvr>
-  <p:timing>
-    <p:tnLst>
-      <p:par>
-        <p:cTn id="1" dur="indefinite" restart="never" nodeType="tmRoot"/>
-      </p:par>
-    </p:tnLst>
-  </p:timing>
 </p:sld>
 </file>
 
@@ -19640,13 +19253,6 @@
   <p:clrMapOvr>
     <a:masterClrMapping/>
   </p:clrMapOvr>
-  <p:timing>
-    <p:tnLst>
-      <p:par>
-        <p:cTn id="1" dur="indefinite" restart="never" nodeType="tmRoot"/>
-      </p:par>
-    </p:tnLst>
-  </p:timing>
 </p:sld>
 </file>
 

--- a/プレゼン/enpit_dan.pptx
+++ b/プレゼン/enpit_dan.pptx
@@ -2,14 +2,14 @@
 <file path=ppt/presentation.xml><?xml version="1.0" encoding="utf-8"?>
 <p:presentation xmlns:a="http://schemas.openxmlformats.org/drawingml/2006/main" xmlns:r="http://schemas.openxmlformats.org/officeDocument/2006/relationships" xmlns:p="http://schemas.openxmlformats.org/presentationml/2006/main" firstSlideNum="0" showSpecialPlsOnTitleSld="0" saveSubsetFonts="1">
   <p:sldMasterIdLst>
-    <p:sldMasterId id="2147483780" r:id="rId1"/>
-    <p:sldMasterId id="2147483792" r:id="rId2"/>
+    <p:sldMasterId id="2147483804" r:id="rId1"/>
+    <p:sldMasterId id="2147483816" r:id="rId2"/>
   </p:sldMasterIdLst>
   <p:notesMasterIdLst>
-    <p:notesMasterId r:id="rId24"/>
+    <p:notesMasterId r:id="rId25"/>
   </p:notesMasterIdLst>
   <p:handoutMasterIdLst>
-    <p:handoutMasterId r:id="rId25"/>
+    <p:handoutMasterId r:id="rId26"/>
   </p:handoutMasterIdLst>
   <p:sldIdLst>
     <p:sldId id="256" r:id="rId3"/>
@@ -28,13 +28,14 @@
     <p:sldId id="323" r:id="rId16"/>
     <p:sldId id="300" r:id="rId17"/>
     <p:sldId id="304" r:id="rId18"/>
-    <p:sldId id="327" r:id="rId19"/>
-    <p:sldId id="328" r:id="rId20"/>
-    <p:sldId id="326" r:id="rId21"/>
-    <p:sldId id="305" r:id="rId22"/>
-    <p:sldId id="324" r:id="rId23"/>
+    <p:sldId id="333" r:id="rId19"/>
+    <p:sldId id="327" r:id="rId20"/>
+    <p:sldId id="328" r:id="rId21"/>
+    <p:sldId id="326" r:id="rId22"/>
+    <p:sldId id="305" r:id="rId23"/>
+    <p:sldId id="324" r:id="rId24"/>
   </p:sldIdLst>
-  <p:sldSz cx="12192000" cy="6858000"/>
+  <p:sldSz cx="9144000" cy="6858000" type="screen4x3"/>
   <p:notesSz cx="6735763" cy="9866313"/>
   <p:defaultTextStyle>
     <a:defPPr>
@@ -152,6 +153,7 @@
             <p14:sldId id="323"/>
             <p14:sldId id="300"/>
             <p14:sldId id="304"/>
+            <p14:sldId id="333"/>
             <p14:sldId id="327"/>
             <p14:sldId id="328"/>
             <p14:sldId id="326"/>
@@ -250,7 +252,7 @@
           <a:p>
             <a:fld id="{C1DA91BF-6AB8-4AB0-95FB-F86FB88EBE86}" type="datetimeFigureOut">
               <a:rPr kumimoji="1" lang="ja-JP" altLang="en-US" smtClean="0"/>
-              <a:t>2020/2/13</a:t>
+              <a:t>2020/2/16</a:t>
             </a:fld>
             <a:endParaRPr kumimoji="1" lang="ja-JP" altLang="en-US"/>
           </a:p>
@@ -415,7 +417,7 @@
           <a:p>
             <a:fld id="{0649F128-D4FC-489C-860B-9DD0AB1578C1}" type="datetimeFigureOut">
               <a:rPr kumimoji="1" lang="ja-JP" altLang="en-US" smtClean="0"/>
-              <a:t>2020/2/13</a:t>
+              <a:t>2020/2/16</a:t>
             </a:fld>
             <a:endParaRPr kumimoji="1" lang="ja-JP" altLang="en-US"/>
           </a:p>
@@ -433,8 +435,8 @@
         </p:nvSpPr>
         <p:spPr>
           <a:xfrm>
-            <a:off x="409575" y="1233488"/>
-            <a:ext cx="5916613" cy="3328987"/>
+            <a:off x="1147763" y="1233488"/>
+            <a:ext cx="4440237" cy="3328987"/>
           </a:xfrm>
           <a:prstGeom prst="rect">
             <a:avLst/>
@@ -741,7 +743,12 @@
             <p:ph type="sldImg"/>
           </p:nvPr>
         </p:nvSpPr>
-        <p:spPr/>
+        <p:spPr>
+          <a:xfrm>
+            <a:off x="1147763" y="1233488"/>
+            <a:ext cx="4440237" cy="3328987"/>
+          </a:xfrm>
+        </p:spPr>
       </p:sp>
       <p:sp>
         <p:nvSpPr>
@@ -776,37 +783,6 @@
               <a:defRPr/>
             </a:pPr>
             <a:r>
-              <a:rPr kumimoji="1" lang="en-US" altLang="ja-JP" dirty="0"/>
-              <a:t>【</a:t>
-            </a:r>
-            <a:r>
-              <a:rPr kumimoji="1" lang="ja-JP" altLang="en-US" dirty="0"/>
-              <a:t>まなべ</a:t>
-            </a:r>
-            <a:r>
-              <a:rPr kumimoji="1" lang="en-US" altLang="ja-JP" dirty="0"/>
-              <a:t>】</a:t>
-            </a:r>
-          </a:p>
-          <a:p>
-            <a:pPr marL="0" marR="0" indent="0" algn="l" defTabSz="914400" rtl="0" eaLnBrk="1" fontAlgn="auto" latinLnBrk="0" hangingPunct="1">
-              <a:lnSpc>
-                <a:spcPct val="100000"/>
-              </a:lnSpc>
-              <a:spcBef>
-                <a:spcPts val="0"/>
-              </a:spcBef>
-              <a:spcAft>
-                <a:spcPts val="0"/>
-              </a:spcAft>
-              <a:buClrTx/>
-              <a:buSzTx/>
-              <a:buFontTx/>
-              <a:buNone/>
-              <a:tabLst/>
-              <a:defRPr/>
-            </a:pPr>
-            <a:r>
               <a:rPr kumimoji="1" lang="ja-JP" altLang="en-US" dirty="0"/>
               <a:t>これから、</a:t>
             </a:r>
@@ -823,12 +799,16 @@
               <a:t>計算機システム研究室</a:t>
             </a:r>
             <a:r>
-              <a:rPr kumimoji="1" lang="ja-JP" altLang="en-US" dirty="0"/>
+              <a:rPr kumimoji="1" lang="ja-JP" altLang="en-US"/>
               <a:t>の</a:t>
             </a:r>
             <a:r>
+              <a:rPr lang="ja-JP" altLang="en-US"/>
+              <a:t>段原丞</a:t>
+            </a:r>
+            <a:r>
               <a:rPr lang="ja-JP" altLang="en-US" dirty="0"/>
-              <a:t>段原　丞治が発表させていただきます。</a:t>
+              <a:t>治が発表させていただきます。</a:t>
             </a:r>
             <a:endParaRPr kumimoji="1" lang="en-US" altLang="ja-JP" dirty="0"/>
           </a:p>
@@ -897,7 +877,12 @@
             <p:ph type="sldImg"/>
           </p:nvPr>
         </p:nvSpPr>
-        <p:spPr/>
+        <p:spPr>
+          <a:xfrm>
+            <a:off x="1147763" y="1233488"/>
+            <a:ext cx="4440237" cy="3328987"/>
+          </a:xfrm>
+        </p:spPr>
       </p:sp>
       <p:sp>
         <p:nvSpPr>
@@ -933,16 +918,8 @@
             </a:pPr>
             <a:r>
               <a:rPr kumimoji="1" lang="ja-JP" altLang="en-US" sz="1200" dirty="0"/>
-              <a:t>クラス図を用いて基本設計を行いました。</a:t>
-            </a:r>
-            <a:endParaRPr kumimoji="1" lang="en-US" altLang="ja-JP" dirty="0"/>
-          </a:p>
-          <a:p>
-            <a:r>
-              <a:rPr kumimoji="1" lang="ja-JP" altLang="en-US" dirty="0"/>
-              <a:t>私が実装を行った部分は、赤い部分の解析システムと決済システムです。後ほどそれらの機能について説明します</a:t>
-            </a:r>
-            <a:endParaRPr kumimoji="1" lang="en-US" altLang="ja-JP" dirty="0"/>
+              <a:t>初めにユースケース図を用いて要求分析を行いました</a:t>
+            </a:r>
           </a:p>
         </p:txBody>
       </p:sp>
@@ -963,7 +940,7 @@
           <a:p>
             <a:fld id="{1705D8A9-7A56-411A-9EF9-F7869DF78C8C}" type="slidenum">
               <a:rPr kumimoji="1" lang="ja-JP" altLang="en-US" smtClean="0"/>
-              <a:t>10</a:t>
+              <a:t>9</a:t>
             </a:fld>
             <a:endParaRPr kumimoji="1" lang="ja-JP" altLang="en-US"/>
           </a:p>
@@ -972,7 +949,7 @@
     </p:spTree>
     <p:extLst>
       <p:ext uri="{BB962C8B-B14F-4D97-AF65-F5344CB8AC3E}">
-        <p14:creationId xmlns:p14="http://schemas.microsoft.com/office/powerpoint/2010/main" val="2019937259"/>
+        <p14:creationId xmlns:p14="http://schemas.microsoft.com/office/powerpoint/2010/main" val="2767814461"/>
       </p:ext>
     </p:extLst>
   </p:cSld>
@@ -1009,7 +986,12 @@
             <p:ph type="sldImg"/>
           </p:nvPr>
         </p:nvSpPr>
-        <p:spPr/>
+        <p:spPr>
+          <a:xfrm>
+            <a:off x="1147763" y="1233488"/>
+            <a:ext cx="4440237" cy="3328987"/>
+          </a:xfrm>
+        </p:spPr>
       </p:sp>
       <p:sp>
         <p:nvSpPr>
@@ -1045,8 +1027,16 @@
             </a:pPr>
             <a:r>
               <a:rPr kumimoji="1" lang="ja-JP" altLang="en-US" sz="1200" dirty="0"/>
-              <a:t>詳細設計ではシーケンス図を用いて動的なシステムの動作を設計を行いました</a:t>
-            </a:r>
+              <a:t>次に、クラス図を用いて基本設計を行いました。</a:t>
+            </a:r>
+            <a:endParaRPr kumimoji="1" lang="en-US" altLang="ja-JP" dirty="0"/>
+          </a:p>
+          <a:p>
+            <a:r>
+              <a:rPr kumimoji="1" lang="ja-JP" altLang="en-US" dirty="0"/>
+              <a:t>私が実装を行った部分は、赤い部分の解析システムと決済システムです。後ほどそれらの機能について説明します</a:t>
+            </a:r>
+            <a:endParaRPr kumimoji="1" lang="en-US" altLang="ja-JP" dirty="0"/>
           </a:p>
         </p:txBody>
       </p:sp>
@@ -1057,7 +1047,7 @@
             <a:spLocks noGrp="1"/>
           </p:cNvSpPr>
           <p:nvPr>
-            <p:ph type="sldNum" sz="quarter" idx="10"/>
+            <p:ph type="sldNum" sz="quarter" idx="5"/>
           </p:nvPr>
         </p:nvSpPr>
         <p:spPr/>
@@ -1067,7 +1057,7 @@
           <a:p>
             <a:fld id="{1705D8A9-7A56-411A-9EF9-F7869DF78C8C}" type="slidenum">
               <a:rPr kumimoji="1" lang="ja-JP" altLang="en-US" smtClean="0"/>
-              <a:t>11</a:t>
+              <a:t>10</a:t>
             </a:fld>
             <a:endParaRPr kumimoji="1" lang="ja-JP" altLang="en-US"/>
           </a:p>
@@ -1076,7 +1066,7 @@
     </p:spTree>
     <p:extLst>
       <p:ext uri="{BB962C8B-B14F-4D97-AF65-F5344CB8AC3E}">
-        <p14:creationId xmlns:p14="http://schemas.microsoft.com/office/powerpoint/2010/main" val="2817795109"/>
+        <p14:creationId xmlns:p14="http://schemas.microsoft.com/office/powerpoint/2010/main" val="2019937259"/>
       </p:ext>
     </p:extLst>
   </p:cSld>
@@ -1113,170 +1103,60 @@
             <p:ph type="sldImg"/>
           </p:nvPr>
         </p:nvSpPr>
+        <p:spPr>
+          <a:xfrm>
+            <a:off x="1147763" y="1233488"/>
+            <a:ext cx="4440237" cy="3328987"/>
+          </a:xfrm>
+        </p:spPr>
+      </p:sp>
+      <p:sp>
+        <p:nvSpPr>
+          <p:cNvPr id="3" name="ノート プレースホルダー 2"/>
+          <p:cNvSpPr>
+            <a:spLocks noGrp="1"/>
+          </p:cNvSpPr>
+          <p:nvPr>
+            <p:ph type="body" idx="1"/>
+          </p:nvPr>
+        </p:nvSpPr>
         <p:spPr/>
-      </p:sp>
-      <p:sp>
-        <p:nvSpPr>
-          <p:cNvPr id="3" name="ノート プレースホルダー 2"/>
-          <p:cNvSpPr>
-            <a:spLocks noGrp="1"/>
-          </p:cNvSpPr>
-          <p:nvPr>
-            <p:ph type="body" idx="1"/>
-          </p:nvPr>
-        </p:nvSpPr>
-        <p:spPr/>
         <p:txBody>
           <a:bodyPr/>
           <a:lstStyle/>
           <a:p>
-            <a:r>
-              <a:rPr kumimoji="1" lang="ja-JP" altLang="en-US" dirty="0"/>
-              <a:t>解析システムの入出力説明します。</a:t>
-            </a:r>
-            <a:endParaRPr kumimoji="1" lang="en-US" altLang="ja-JP" dirty="0"/>
-          </a:p>
-          <a:p>
-            <a:r>
-              <a:rPr kumimoji="1" lang="ja-JP" altLang="en-US" dirty="0"/>
-              <a:t>入力は</a:t>
-            </a:r>
-            <a:r>
-              <a:rPr kumimoji="1" lang="en-US" altLang="ja-JP" dirty="0" err="1"/>
-              <a:t>raspberrypi</a:t>
-            </a:r>
-            <a:r>
-              <a:rPr kumimoji="1" lang="ja-JP" altLang="en-US" dirty="0"/>
-              <a:t>から送られてきた画像データです。</a:t>
-            </a:r>
-            <a:endParaRPr kumimoji="1" lang="en-US" altLang="ja-JP" dirty="0"/>
-          </a:p>
-          <a:p>
-            <a:r>
-              <a:rPr kumimoji="1" lang="ja-JP" altLang="en-US" dirty="0"/>
-              <a:t>次にその画像を</a:t>
-            </a:r>
-            <a:r>
-              <a:rPr kumimoji="1" lang="en-US" altLang="ja-JP" dirty="0"/>
-              <a:t>Yolo</a:t>
-            </a:r>
-            <a:r>
-              <a:rPr kumimoji="1" lang="ja-JP" altLang="en-US" dirty="0"/>
-              <a:t>で解析し、画像の中からバーコードが写っている部分を切り取ります。</a:t>
-            </a:r>
-            <a:endParaRPr kumimoji="1" lang="en-US" altLang="ja-JP" dirty="0"/>
-          </a:p>
-          <a:p>
-            <a:r>
-              <a:rPr kumimoji="1" lang="en-US" altLang="ja-JP" dirty="0"/>
-              <a:t>Yolo</a:t>
-            </a:r>
-            <a:r>
-              <a:rPr kumimoji="1" lang="ja-JP" altLang="en-US" dirty="0"/>
-              <a:t>とはオブジェクト識別機械学習アルゴリズムの</a:t>
-            </a:r>
-            <a:r>
-              <a:rPr kumimoji="1" lang="en-US" altLang="ja-JP" dirty="0"/>
-              <a:t>1</a:t>
-            </a:r>
-            <a:r>
-              <a:rPr kumimoji="1" lang="ja-JP" altLang="en-US" dirty="0"/>
-              <a:t>つです。</a:t>
-            </a:r>
-            <a:endParaRPr kumimoji="1" lang="en-US" altLang="ja-JP" dirty="0"/>
-          </a:p>
-          <a:p>
-            <a:r>
-              <a:rPr kumimoji="1" lang="ja-JP" altLang="en-US" dirty="0"/>
-              <a:t>次に、バーコード識別ライブラリ、</a:t>
-            </a:r>
-            <a:r>
-              <a:rPr kumimoji="1" lang="en-US" altLang="ja-JP" dirty="0" err="1"/>
-              <a:t>pyzbar</a:t>
-            </a:r>
-            <a:r>
-              <a:rPr kumimoji="1" lang="ja-JP" altLang="en-US" dirty="0"/>
-              <a:t>に画像を投げ番号を取得します。</a:t>
-            </a:r>
-            <a:endParaRPr kumimoji="1" lang="en-US" altLang="ja-JP" dirty="0"/>
-          </a:p>
-          <a:p>
-            <a:r>
-              <a:rPr kumimoji="1" lang="en-US" altLang="ja-JP" dirty="0" err="1"/>
-              <a:t>pyzbar</a:t>
-            </a:r>
-            <a:r>
-              <a:rPr kumimoji="1" lang="ja-JP" altLang="en-US" dirty="0"/>
-              <a:t>は画像に占めるバーコードの割合が少ないと精度が下がる問題があります。</a:t>
-            </a:r>
-            <a:endParaRPr kumimoji="1" lang="en-US" altLang="ja-JP" dirty="0"/>
-          </a:p>
-          <a:p>
-            <a:r>
-              <a:rPr kumimoji="1" lang="ja-JP" altLang="en-US" dirty="0"/>
-              <a:t>特に、カメラと商品の距離が離れているときに問題が顕著化します。</a:t>
-            </a:r>
-            <a:endParaRPr kumimoji="1" lang="en-US" altLang="ja-JP" dirty="0"/>
-          </a:p>
-          <a:p>
-            <a:r>
-              <a:rPr kumimoji="1" lang="ja-JP" altLang="en-US" dirty="0"/>
-              <a:t>そこで、</a:t>
-            </a:r>
-            <a:r>
-              <a:rPr kumimoji="1" lang="en-US" altLang="ja-JP" dirty="0"/>
-              <a:t>Yolo</a:t>
-            </a:r>
-            <a:r>
-              <a:rPr kumimoji="1" lang="ja-JP" altLang="en-US" dirty="0"/>
-              <a:t>を使用し画像の中のバーコードの部分のみを切り取り、</a:t>
-            </a:r>
-            <a:r>
-              <a:rPr kumimoji="1" lang="en-US" altLang="ja-JP" dirty="0" err="1"/>
-              <a:t>pyzbar</a:t>
-            </a:r>
-            <a:r>
-              <a:rPr kumimoji="1" lang="ja-JP" altLang="en-US" dirty="0"/>
-              <a:t>に渡すことで精度向上を試みました。</a:t>
-            </a:r>
-            <a:endParaRPr kumimoji="1" lang="en-US" altLang="ja-JP" dirty="0"/>
-          </a:p>
-          <a:p>
-            <a:r>
-              <a:rPr kumimoji="1" lang="ja-JP" altLang="en-US" dirty="0"/>
-              <a:t>出力は、バーコード番号とラズベリーパイ側に送信する解析の結果です。</a:t>
-            </a:r>
-            <a:endParaRPr kumimoji="1" lang="en-US" altLang="ja-JP" dirty="0"/>
-          </a:p>
-        </p:txBody>
-      </p:sp>
-      <p:sp>
-        <p:nvSpPr>
-          <p:cNvPr id="4" name="フッター プレースホルダー 3"/>
-          <p:cNvSpPr>
-            <a:spLocks noGrp="1"/>
-          </p:cNvSpPr>
-          <p:nvPr>
-            <p:ph type="ftr" sz="quarter" idx="10"/>
-          </p:nvPr>
-        </p:nvSpPr>
-        <p:spPr/>
-        <p:txBody>
-          <a:bodyPr/>
-          <a:lstStyle/>
-          <a:p>
-            <a:endParaRPr kumimoji="1" lang="ja-JP" altLang="en-US"/>
-          </a:p>
-        </p:txBody>
-      </p:sp>
-      <p:sp>
-        <p:nvSpPr>
-          <p:cNvPr id="5" name="スライド番号プレースホルダー 4"/>
-          <p:cNvSpPr>
-            <a:spLocks noGrp="1"/>
-          </p:cNvSpPr>
-          <p:nvPr>
-            <p:ph type="sldNum" sz="quarter" idx="11"/>
+            <a:pPr marL="0" marR="0" indent="0" algn="l" defTabSz="914400" rtl="0" eaLnBrk="1" fontAlgn="auto" latinLnBrk="0" hangingPunct="1">
+              <a:lnSpc>
+                <a:spcPct val="100000"/>
+              </a:lnSpc>
+              <a:spcBef>
+                <a:spcPts val="0"/>
+              </a:spcBef>
+              <a:spcAft>
+                <a:spcPts val="0"/>
+              </a:spcAft>
+              <a:buClrTx/>
+              <a:buSzTx/>
+              <a:buFontTx/>
+              <a:buNone/>
+              <a:tabLst/>
+              <a:defRPr/>
+            </a:pPr>
+            <a:r>
+              <a:rPr kumimoji="1" lang="ja-JP" altLang="en-US" sz="1200" dirty="0"/>
+              <a:t>詳細設計ではシーケンス図を用いて動的なシステムの動作を設計を行いました</a:t>
+            </a:r>
+          </a:p>
+        </p:txBody>
+      </p:sp>
+      <p:sp>
+        <p:nvSpPr>
+          <p:cNvPr id="4" name="スライド番号プレースホルダー 3"/>
+          <p:cNvSpPr>
+            <a:spLocks noGrp="1"/>
+          </p:cNvSpPr>
+          <p:nvPr>
+            <p:ph type="sldNum" sz="quarter" idx="10"/>
           </p:nvPr>
         </p:nvSpPr>
         <p:spPr/>
@@ -1286,7 +1166,7 @@
           <a:p>
             <a:fld id="{1705D8A9-7A56-411A-9EF9-F7869DF78C8C}" type="slidenum">
               <a:rPr kumimoji="1" lang="ja-JP" altLang="en-US" smtClean="0"/>
-              <a:t>12</a:t>
+              <a:t>11</a:t>
             </a:fld>
             <a:endParaRPr kumimoji="1" lang="ja-JP" altLang="en-US"/>
           </a:p>
@@ -1295,7 +1175,7 @@
     </p:spTree>
     <p:extLst>
       <p:ext uri="{BB962C8B-B14F-4D97-AF65-F5344CB8AC3E}">
-        <p14:creationId xmlns:p14="http://schemas.microsoft.com/office/powerpoint/2010/main" val="1264029701"/>
+        <p14:creationId xmlns:p14="http://schemas.microsoft.com/office/powerpoint/2010/main" val="2817795109"/>
       </p:ext>
     </p:extLst>
   </p:cSld>
@@ -1332,16 +1212,156 @@
             <p:ph type="sldImg"/>
           </p:nvPr>
         </p:nvSpPr>
+        <p:spPr>
+          <a:xfrm>
+            <a:off x="1147763" y="1233488"/>
+            <a:ext cx="4440237" cy="3328987"/>
+          </a:xfrm>
+        </p:spPr>
+      </p:sp>
+      <p:sp>
+        <p:nvSpPr>
+          <p:cNvPr id="3" name="ノート プレースホルダー 2"/>
+          <p:cNvSpPr>
+            <a:spLocks noGrp="1"/>
+          </p:cNvSpPr>
+          <p:nvPr>
+            <p:ph type="body" idx="1"/>
+          </p:nvPr>
+        </p:nvSpPr>
         <p:spPr/>
-      </p:sp>
-      <p:sp>
-        <p:nvSpPr>
-          <p:cNvPr id="3" name="ノート プレースホルダー 2"/>
-          <p:cNvSpPr>
-            <a:spLocks noGrp="1"/>
-          </p:cNvSpPr>
-          <p:nvPr>
-            <p:ph type="body" idx="1"/>
+        <p:txBody>
+          <a:bodyPr/>
+          <a:lstStyle/>
+          <a:p>
+            <a:r>
+              <a:rPr kumimoji="1" lang="ja-JP" altLang="en-US" dirty="0"/>
+              <a:t>私が実装を行った、解析システムの入出力説明します。</a:t>
+            </a:r>
+            <a:endParaRPr kumimoji="1" lang="en-US" altLang="ja-JP" dirty="0"/>
+          </a:p>
+          <a:p>
+            <a:r>
+              <a:rPr kumimoji="1" lang="ja-JP" altLang="en-US" dirty="0"/>
+              <a:t>入力は</a:t>
+            </a:r>
+            <a:r>
+              <a:rPr kumimoji="1" lang="en-US" altLang="ja-JP" dirty="0" err="1"/>
+              <a:t>raspberrypi</a:t>
+            </a:r>
+            <a:r>
+              <a:rPr kumimoji="1" lang="ja-JP" altLang="en-US" dirty="0"/>
+              <a:t>から送られてきた画像データです。</a:t>
+            </a:r>
+            <a:endParaRPr kumimoji="1" lang="en-US" altLang="ja-JP" dirty="0"/>
+          </a:p>
+          <a:p>
+            <a:r>
+              <a:rPr kumimoji="1" lang="ja-JP" altLang="en-US" dirty="0"/>
+              <a:t>次にその画像を</a:t>
+            </a:r>
+            <a:r>
+              <a:rPr kumimoji="1" lang="en-US" altLang="ja-JP" dirty="0"/>
+              <a:t>Yolo</a:t>
+            </a:r>
+            <a:r>
+              <a:rPr kumimoji="1" lang="ja-JP" altLang="en-US" dirty="0"/>
+              <a:t>で解析し、画像の中からバーコードが写っている部分を切り取ります。</a:t>
+            </a:r>
+            <a:endParaRPr kumimoji="1" lang="en-US" altLang="ja-JP" dirty="0"/>
+          </a:p>
+          <a:p>
+            <a:r>
+              <a:rPr kumimoji="1" lang="en-US" altLang="ja-JP" dirty="0"/>
+              <a:t>Yolo</a:t>
+            </a:r>
+            <a:r>
+              <a:rPr kumimoji="1" lang="ja-JP" altLang="en-US" dirty="0"/>
+              <a:t>とはオブジェクト識別機械学習アルゴリズムの</a:t>
+            </a:r>
+            <a:r>
+              <a:rPr kumimoji="1" lang="en-US" altLang="ja-JP" dirty="0"/>
+              <a:t>1</a:t>
+            </a:r>
+            <a:r>
+              <a:rPr kumimoji="1" lang="ja-JP" altLang="en-US" dirty="0"/>
+              <a:t>つです。</a:t>
+            </a:r>
+            <a:endParaRPr kumimoji="1" lang="en-US" altLang="ja-JP" dirty="0"/>
+          </a:p>
+          <a:p>
+            <a:r>
+              <a:rPr kumimoji="1" lang="ja-JP" altLang="en-US" dirty="0"/>
+              <a:t>次に、バーコード識別ライブラリ、</a:t>
+            </a:r>
+            <a:r>
+              <a:rPr kumimoji="1" lang="en-US" altLang="ja-JP" dirty="0" err="1"/>
+              <a:t>pyzbar</a:t>
+            </a:r>
+            <a:r>
+              <a:rPr kumimoji="1" lang="ja-JP" altLang="en-US" dirty="0"/>
+              <a:t>に画像を投げ番号を取得します。</a:t>
+            </a:r>
+            <a:endParaRPr kumimoji="1" lang="en-US" altLang="ja-JP" dirty="0"/>
+          </a:p>
+          <a:p>
+            <a:r>
+              <a:rPr kumimoji="1" lang="en-US" altLang="ja-JP" dirty="0" err="1"/>
+              <a:t>pyzbar</a:t>
+            </a:r>
+            <a:r>
+              <a:rPr kumimoji="1" lang="ja-JP" altLang="en-US" dirty="0"/>
+              <a:t>は画像に占めるバーコードの割合が少ないと精度が下がる問題があります。</a:t>
+            </a:r>
+            <a:endParaRPr kumimoji="1" lang="en-US" altLang="ja-JP" dirty="0"/>
+          </a:p>
+          <a:p>
+            <a:r>
+              <a:rPr kumimoji="1" lang="ja-JP" altLang="en-US" dirty="0"/>
+              <a:t>特に、カメラと商品の距離が離れているときに問題が顕著化します。</a:t>
+            </a:r>
+            <a:endParaRPr kumimoji="1" lang="en-US" altLang="ja-JP" dirty="0"/>
+          </a:p>
+          <a:p>
+            <a:r>
+              <a:rPr kumimoji="1" lang="ja-JP" altLang="en-US" dirty="0"/>
+              <a:t>そこで、</a:t>
+            </a:r>
+            <a:r>
+              <a:rPr kumimoji="1" lang="en-US" altLang="ja-JP" dirty="0"/>
+              <a:t>Yolo</a:t>
+            </a:r>
+            <a:r>
+              <a:rPr kumimoji="1" lang="ja-JP" altLang="en-US" dirty="0"/>
+              <a:t>を使用し画像の中のバーコード部分のみを切り取り、</a:t>
+            </a:r>
+            <a:r>
+              <a:rPr kumimoji="1" lang="en-US" altLang="ja-JP" dirty="0" err="1"/>
+              <a:t>pyzbar</a:t>
+            </a:r>
+            <a:r>
+              <a:rPr kumimoji="1" lang="ja-JP" altLang="en-US" dirty="0"/>
+              <a:t>に渡すことで精度向上を試みました。</a:t>
+            </a:r>
+            <a:endParaRPr kumimoji="1" lang="en-US" altLang="ja-JP" dirty="0"/>
+          </a:p>
+          <a:p>
+            <a:r>
+              <a:rPr kumimoji="1" lang="ja-JP" altLang="en-US" dirty="0"/>
+              <a:t>出力は、バーコード番号とラズベリーパイ側に送信する解析の結果です。</a:t>
+            </a:r>
+            <a:endParaRPr kumimoji="1" lang="en-US" altLang="ja-JP" dirty="0"/>
+          </a:p>
+        </p:txBody>
+      </p:sp>
+      <p:sp>
+        <p:nvSpPr>
+          <p:cNvPr id="4" name="フッター プレースホルダー 3"/>
+          <p:cNvSpPr>
+            <a:spLocks noGrp="1"/>
+          </p:cNvSpPr>
+          <p:nvPr>
+            <p:ph type="ftr" sz="quarter" idx="10"/>
           </p:nvPr>
         </p:nvSpPr>
         <p:spPr/>
@@ -1349,78 +1369,18 @@
           <a:bodyPr/>
           <a:lstStyle/>
           <a:p>
-            <a:r>
-              <a:rPr kumimoji="1" lang="ja-JP" altLang="en-US" dirty="0"/>
-              <a:t>決済システムの機能について説明します。</a:t>
-            </a:r>
-            <a:endParaRPr kumimoji="1" lang="en-US" altLang="ja-JP" dirty="0"/>
-          </a:p>
-          <a:p>
-            <a:r>
-              <a:rPr kumimoji="1" lang="ja-JP" altLang="en-US" dirty="0"/>
-              <a:t>商品一覧表示は、ユーザが購入予定の商品を管理するカゴ</a:t>
-            </a:r>
-            <a:r>
-              <a:rPr kumimoji="1" lang="en-US" altLang="ja-JP" dirty="0"/>
-              <a:t>DB</a:t>
-            </a:r>
-            <a:r>
-              <a:rPr kumimoji="1" lang="ja-JP" altLang="en-US" dirty="0"/>
-              <a:t>を参照して</a:t>
-            </a:r>
-            <a:r>
-              <a:rPr kumimoji="1" lang="en-US" altLang="ja-JP" dirty="0"/>
-              <a:t>Web</a:t>
-            </a:r>
-            <a:r>
-              <a:rPr kumimoji="1" lang="ja-JP" altLang="en-US" dirty="0"/>
-              <a:t>ページに表示しています。</a:t>
-            </a:r>
-            <a:endParaRPr kumimoji="1" lang="en-US" altLang="ja-JP" dirty="0"/>
-          </a:p>
-          <a:p>
-            <a:r>
-              <a:rPr kumimoji="1" lang="ja-JP" altLang="en-US" dirty="0"/>
-              <a:t>合計金額算出には、商品情報</a:t>
-            </a:r>
-            <a:r>
-              <a:rPr kumimoji="1" lang="en-US" altLang="ja-JP" dirty="0"/>
-              <a:t>DB</a:t>
-            </a:r>
-            <a:r>
-              <a:rPr kumimoji="1" lang="ja-JP" altLang="en-US" dirty="0"/>
-              <a:t>を参照して合計金額を割り出します。</a:t>
-            </a:r>
-            <a:endParaRPr kumimoji="1" lang="en-US" altLang="ja-JP" dirty="0"/>
-          </a:p>
-          <a:p>
-            <a:r>
-              <a:rPr kumimoji="1" lang="ja-JP" altLang="en-US" dirty="0"/>
-              <a:t>決済は、先ほど割り出した合計金額をユーザの口座管理</a:t>
-            </a:r>
-            <a:r>
-              <a:rPr kumimoji="1" lang="en-US" altLang="ja-JP" dirty="0"/>
-              <a:t>DB</a:t>
-            </a:r>
-            <a:r>
-              <a:rPr kumimoji="1" lang="ja-JP" altLang="en-US" dirty="0"/>
-              <a:t>から引きます。</a:t>
-            </a:r>
-            <a:endParaRPr kumimoji="1" lang="en-US" altLang="ja-JP" dirty="0"/>
-          </a:p>
-          <a:p>
-            <a:endParaRPr kumimoji="1" lang="ja-JP" altLang="en-US" dirty="0"/>
-          </a:p>
-        </p:txBody>
-      </p:sp>
-      <p:sp>
-        <p:nvSpPr>
-          <p:cNvPr id="4" name="スライド番号プレースホルダー 3"/>
-          <p:cNvSpPr>
-            <a:spLocks noGrp="1"/>
-          </p:cNvSpPr>
-          <p:nvPr>
-            <p:ph type="sldNum" sz="quarter" idx="5"/>
+            <a:endParaRPr kumimoji="1" lang="ja-JP" altLang="en-US"/>
+          </a:p>
+        </p:txBody>
+      </p:sp>
+      <p:sp>
+        <p:nvSpPr>
+          <p:cNvPr id="5" name="スライド番号プレースホルダー 4"/>
+          <p:cNvSpPr>
+            <a:spLocks noGrp="1"/>
+          </p:cNvSpPr>
+          <p:nvPr>
+            <p:ph type="sldNum" sz="quarter" idx="11"/>
           </p:nvPr>
         </p:nvSpPr>
         <p:spPr/>
@@ -1430,7 +1390,7 @@
           <a:p>
             <a:fld id="{1705D8A9-7A56-411A-9EF9-F7869DF78C8C}" type="slidenum">
               <a:rPr kumimoji="1" lang="ja-JP" altLang="en-US" smtClean="0"/>
-              <a:t>13</a:t>
+              <a:t>12</a:t>
             </a:fld>
             <a:endParaRPr kumimoji="1" lang="ja-JP" altLang="en-US"/>
           </a:p>
@@ -1439,7 +1399,7 @@
     </p:spTree>
     <p:extLst>
       <p:ext uri="{BB962C8B-B14F-4D97-AF65-F5344CB8AC3E}">
-        <p14:creationId xmlns:p14="http://schemas.microsoft.com/office/powerpoint/2010/main" val="1366215466"/>
+        <p14:creationId xmlns:p14="http://schemas.microsoft.com/office/powerpoint/2010/main" val="1264029701"/>
       </p:ext>
     </p:extLst>
   </p:cSld>
@@ -1476,27 +1436,81 @@
             <p:ph type="sldImg"/>
           </p:nvPr>
         </p:nvSpPr>
+        <p:spPr>
+          <a:xfrm>
+            <a:off x="1147763" y="1233488"/>
+            <a:ext cx="4440237" cy="3328987"/>
+          </a:xfrm>
+        </p:spPr>
+      </p:sp>
+      <p:sp>
+        <p:nvSpPr>
+          <p:cNvPr id="3" name="ノート プレースホルダー 2"/>
+          <p:cNvSpPr>
+            <a:spLocks noGrp="1"/>
+          </p:cNvSpPr>
+          <p:nvPr>
+            <p:ph type="body" idx="1"/>
+          </p:nvPr>
+        </p:nvSpPr>
         <p:spPr/>
-      </p:sp>
-      <p:sp>
-        <p:nvSpPr>
-          <p:cNvPr id="3" name="ノート プレースホルダー 2"/>
-          <p:cNvSpPr>
-            <a:spLocks noGrp="1"/>
-          </p:cNvSpPr>
-          <p:nvPr>
-            <p:ph type="body" idx="1"/>
-          </p:nvPr>
-        </p:nvSpPr>
-        <p:spPr/>
         <p:txBody>
           <a:bodyPr/>
           <a:lstStyle/>
           <a:p>
             <a:r>
               <a:rPr kumimoji="1" lang="ja-JP" altLang="en-US" dirty="0"/>
-              <a:t>次に実装・検証についてお話しします。</a:t>
-            </a:r>
+              <a:t>決済システムの機能について説明します。</a:t>
+            </a:r>
+            <a:endParaRPr kumimoji="1" lang="en-US" altLang="ja-JP" dirty="0"/>
+          </a:p>
+          <a:p>
+            <a:r>
+              <a:rPr kumimoji="1" lang="ja-JP" altLang="en-US" dirty="0"/>
+              <a:t>商品一覧表示は、購入予定の商品を管理するカゴ</a:t>
+            </a:r>
+            <a:r>
+              <a:rPr kumimoji="1" lang="en-US" altLang="ja-JP" dirty="0"/>
+              <a:t>DB</a:t>
+            </a:r>
+            <a:r>
+              <a:rPr kumimoji="1" lang="ja-JP" altLang="en-US" dirty="0"/>
+              <a:t>を参照して</a:t>
+            </a:r>
+            <a:r>
+              <a:rPr kumimoji="1" lang="en-US" altLang="ja-JP" dirty="0"/>
+              <a:t>Web</a:t>
+            </a:r>
+            <a:r>
+              <a:rPr kumimoji="1" lang="ja-JP" altLang="en-US" dirty="0"/>
+              <a:t>ページに表示します。</a:t>
+            </a:r>
+            <a:endParaRPr kumimoji="1" lang="en-US" altLang="ja-JP" dirty="0"/>
+          </a:p>
+          <a:p>
+            <a:r>
+              <a:rPr kumimoji="1" lang="ja-JP" altLang="en-US" dirty="0"/>
+              <a:t>合計金額算出は、商品</a:t>
+            </a:r>
+            <a:r>
+              <a:rPr kumimoji="1" lang="en-US" altLang="ja-JP" dirty="0"/>
+              <a:t>DB</a:t>
+            </a:r>
+            <a:r>
+              <a:rPr kumimoji="1" lang="ja-JP" altLang="en-US" dirty="0"/>
+              <a:t>を参照して合計金額を割り出します。</a:t>
+            </a:r>
+            <a:endParaRPr kumimoji="1" lang="en-US" altLang="ja-JP" dirty="0"/>
+          </a:p>
+          <a:p>
+            <a:r>
+              <a:rPr kumimoji="1" lang="ja-JP" altLang="en-US" dirty="0"/>
+              <a:t>決済は、先ほど割り出した合計金額をユーザの口座から引きます。</a:t>
+            </a:r>
+            <a:endParaRPr kumimoji="1" lang="en-US" altLang="ja-JP" dirty="0"/>
+          </a:p>
+          <a:p>
+            <a:endParaRPr kumimoji="1" lang="ja-JP" altLang="en-US" dirty="0"/>
           </a:p>
         </p:txBody>
       </p:sp>
@@ -1507,7 +1521,7 @@
             <a:spLocks noGrp="1"/>
           </p:cNvSpPr>
           <p:nvPr>
-            <p:ph type="sldNum" sz="quarter" idx="10"/>
+            <p:ph type="sldNum" sz="quarter" idx="5"/>
           </p:nvPr>
         </p:nvSpPr>
         <p:spPr/>
@@ -1517,7 +1531,7 @@
           <a:p>
             <a:fld id="{1705D8A9-7A56-411A-9EF9-F7869DF78C8C}" type="slidenum">
               <a:rPr kumimoji="1" lang="ja-JP" altLang="en-US" smtClean="0"/>
-              <a:t>14</a:t>
+              <a:t>13</a:t>
             </a:fld>
             <a:endParaRPr kumimoji="1" lang="ja-JP" altLang="en-US"/>
           </a:p>
@@ -1526,7 +1540,7 @@
     </p:spTree>
     <p:extLst>
       <p:ext uri="{BB962C8B-B14F-4D97-AF65-F5344CB8AC3E}">
-        <p14:creationId xmlns:p14="http://schemas.microsoft.com/office/powerpoint/2010/main" val="1481333228"/>
+        <p14:creationId xmlns:p14="http://schemas.microsoft.com/office/powerpoint/2010/main" val="1366215466"/>
       </p:ext>
     </p:extLst>
   </p:cSld>
@@ -1563,58 +1577,31 @@
             <p:ph type="sldImg"/>
           </p:nvPr>
         </p:nvSpPr>
+        <p:spPr>
+          <a:xfrm>
+            <a:off x="1147763" y="1233488"/>
+            <a:ext cx="4440237" cy="3328987"/>
+          </a:xfrm>
+        </p:spPr>
+      </p:sp>
+      <p:sp>
+        <p:nvSpPr>
+          <p:cNvPr id="3" name="ノート プレースホルダー 2"/>
+          <p:cNvSpPr>
+            <a:spLocks noGrp="1"/>
+          </p:cNvSpPr>
+          <p:nvPr>
+            <p:ph type="body" idx="1"/>
+          </p:nvPr>
+        </p:nvSpPr>
         <p:spPr/>
-      </p:sp>
-      <p:sp>
-        <p:nvSpPr>
-          <p:cNvPr id="3" name="ノート プレースホルダー 2"/>
-          <p:cNvSpPr>
-            <a:spLocks noGrp="1"/>
-          </p:cNvSpPr>
-          <p:nvPr>
-            <p:ph type="body" idx="1"/>
-          </p:nvPr>
-        </p:nvSpPr>
-        <p:spPr/>
         <p:txBody>
           <a:bodyPr/>
           <a:lstStyle/>
           <a:p>
             <a:r>
               <a:rPr kumimoji="1" lang="ja-JP" altLang="en-US" dirty="0"/>
-              <a:t>実装環境について説明します。画像解析はサーバで行いました。サーバの</a:t>
-            </a:r>
-            <a:r>
-              <a:rPr kumimoji="1" lang="en-US" altLang="ja-JP" dirty="0"/>
-              <a:t>OS</a:t>
-            </a:r>
-            <a:r>
-              <a:rPr kumimoji="1" lang="ja-JP" altLang="en-US" dirty="0"/>
-              <a:t>は</a:t>
-            </a:r>
-            <a:r>
-              <a:rPr kumimoji="1" lang="en-US" altLang="ja-JP" dirty="0"/>
-              <a:t>Windows10</a:t>
-            </a:r>
-            <a:r>
-              <a:rPr kumimoji="1" lang="ja-JP" altLang="en-US" dirty="0"/>
-              <a:t>です。エッジ側は</a:t>
-            </a:r>
-            <a:r>
-              <a:rPr kumimoji="1" lang="en-US" altLang="ja-JP" dirty="0"/>
-              <a:t>raspberry pi</a:t>
-            </a:r>
-            <a:r>
-              <a:rPr kumimoji="1" lang="ja-JP" altLang="en-US" baseline="0" dirty="0"/>
-              <a:t> </a:t>
-            </a:r>
-            <a:r>
-              <a:rPr kumimoji="1" lang="en-US" altLang="ja-JP" baseline="0" dirty="0"/>
-              <a:t>3B</a:t>
-            </a:r>
-            <a:r>
-              <a:rPr kumimoji="1" lang="ja-JP" altLang="en-US" dirty="0"/>
-              <a:t>を使用しました</a:t>
+              <a:t>実装・検証についてお話しします。</a:t>
             </a:r>
           </a:p>
         </p:txBody>
@@ -1636,7 +1623,7 @@
           <a:p>
             <a:fld id="{1705D8A9-7A56-411A-9EF9-F7869DF78C8C}" type="slidenum">
               <a:rPr kumimoji="1" lang="ja-JP" altLang="en-US" smtClean="0"/>
-              <a:t>15</a:t>
+              <a:t>14</a:t>
             </a:fld>
             <a:endParaRPr kumimoji="1" lang="ja-JP" altLang="en-US"/>
           </a:p>
@@ -1645,7 +1632,7 @@
     </p:spTree>
     <p:extLst>
       <p:ext uri="{BB962C8B-B14F-4D97-AF65-F5344CB8AC3E}">
-        <p14:creationId xmlns:p14="http://schemas.microsoft.com/office/powerpoint/2010/main" val="2613592353"/>
+        <p14:creationId xmlns:p14="http://schemas.microsoft.com/office/powerpoint/2010/main" val="1481333228"/>
       </p:ext>
     </p:extLst>
   </p:cSld>
@@ -1682,114 +1669,64 @@
             <p:ph type="sldImg"/>
           </p:nvPr>
         </p:nvSpPr>
+        <p:spPr>
+          <a:xfrm>
+            <a:off x="1147763" y="1233488"/>
+            <a:ext cx="4440237" cy="3328987"/>
+          </a:xfrm>
+        </p:spPr>
+      </p:sp>
+      <p:sp>
+        <p:nvSpPr>
+          <p:cNvPr id="3" name="ノート プレースホルダー 2"/>
+          <p:cNvSpPr>
+            <a:spLocks noGrp="1"/>
+          </p:cNvSpPr>
+          <p:nvPr>
+            <p:ph type="body" idx="1"/>
+          </p:nvPr>
+        </p:nvSpPr>
         <p:spPr/>
-      </p:sp>
-      <p:sp>
-        <p:nvSpPr>
-          <p:cNvPr id="3" name="ノート プレースホルダー 2"/>
-          <p:cNvSpPr>
-            <a:spLocks noGrp="1"/>
-          </p:cNvSpPr>
-          <p:nvPr>
-            <p:ph type="body" idx="1"/>
-          </p:nvPr>
-        </p:nvSpPr>
-        <p:spPr/>
         <p:txBody>
           <a:bodyPr/>
           <a:lstStyle/>
           <a:p>
             <a:r>
-              <a:rPr kumimoji="1" lang="ja-JP" altLang="en-US" sz="1200" dirty="0"/>
-              <a:t>単体テストでは、商品画像のバーコード識別に</a:t>
-            </a:r>
-            <a:r>
-              <a:rPr kumimoji="1" lang="en-US" altLang="ja-JP" sz="1200" dirty="0"/>
-              <a:t>Yolo</a:t>
-            </a:r>
-            <a:r>
-              <a:rPr kumimoji="1" lang="ja-JP" altLang="en-US" sz="1200" dirty="0"/>
-              <a:t>を使用して要件を満たすことができるか確認をしました。</a:t>
-            </a:r>
-            <a:endParaRPr kumimoji="1" lang="en-US" altLang="ja-JP" sz="1200" dirty="0"/>
-          </a:p>
-          <a:p>
-            <a:r>
-              <a:rPr kumimoji="1" lang="ja-JP" altLang="en-US" sz="1200" dirty="0"/>
-              <a:t>検証結果は、カメラから</a:t>
-            </a:r>
-            <a:r>
-              <a:rPr kumimoji="1" lang="en-US" altLang="ja-JP" sz="1200" dirty="0"/>
-              <a:t>10cm</a:t>
-            </a:r>
-            <a:r>
-              <a:rPr kumimoji="1" lang="ja-JP" altLang="en-US" sz="1200" dirty="0"/>
-              <a:t>以上離れた場合でも</a:t>
-            </a:r>
-            <a:r>
-              <a:rPr kumimoji="1" lang="en-US" altLang="ja-JP" sz="1200" dirty="0"/>
-              <a:t>90%</a:t>
-            </a:r>
-            <a:r>
-              <a:rPr kumimoji="1" lang="ja-JP" altLang="en-US" sz="1200" dirty="0"/>
-              <a:t>以上の識別精度を保つことができる結果になりました。</a:t>
-            </a:r>
-            <a:endParaRPr kumimoji="1" lang="en-US" altLang="ja-JP" sz="1200" dirty="0"/>
-          </a:p>
-          <a:p>
-            <a:r>
-              <a:rPr kumimoji="1" lang="ja-JP" altLang="en-US" sz="1200" dirty="0"/>
-              <a:t>サーバ通信、バーコード識別、</a:t>
-            </a:r>
-            <a:r>
-              <a:rPr kumimoji="1" lang="en-US" altLang="ja-JP" sz="1200" dirty="0"/>
-              <a:t>DB</a:t>
-            </a:r>
-            <a:r>
-              <a:rPr kumimoji="1" lang="ja-JP" altLang="en-US" sz="1200" dirty="0"/>
-              <a:t>などに対して、単体テストを行いました。</a:t>
-            </a:r>
-            <a:endParaRPr kumimoji="1" lang="en-US" altLang="ja-JP" sz="1200" dirty="0"/>
-          </a:p>
-          <a:p>
-            <a:r>
-              <a:rPr kumimoji="1" lang="ja-JP" altLang="en-US" sz="1200" dirty="0"/>
-              <a:t>それらを連携させクラス間での動作がうまくいくかの検証に結合テストを用いて確認を</a:t>
-            </a:r>
-            <a:r>
-              <a:rPr kumimoji="1" lang="ja-JP" altLang="en-US" sz="1200"/>
-              <a:t>行いました。</a:t>
-            </a:r>
-            <a:endParaRPr kumimoji="1" lang="en-US" altLang="ja-JP" sz="1200" dirty="0"/>
-          </a:p>
-          <a:p>
-            <a:r>
-              <a:rPr kumimoji="1" lang="en-US" altLang="ja-JP" sz="1200" dirty="0"/>
-              <a:t>-----------------------------------------------------------------------</a:t>
-            </a:r>
-          </a:p>
-          <a:p>
-            <a:r>
-              <a:rPr kumimoji="1" lang="ja-JP" altLang="en-US" sz="1200" dirty="0"/>
-              <a:t>画像判定の話をする</a:t>
-            </a:r>
-            <a:endParaRPr kumimoji="1" lang="en-US" altLang="ja-JP" sz="1200" dirty="0"/>
-          </a:p>
-          <a:p>
-            <a:r>
-              <a:rPr kumimoji="1" lang="ja-JP" altLang="en-US" sz="1200" dirty="0"/>
-              <a:t>実装に関する部分の話</a:t>
-            </a:r>
-            <a:endParaRPr kumimoji="1" lang="en-US" altLang="ja-JP" sz="1200" dirty="0"/>
-          </a:p>
-          <a:p>
-            <a:r>
-              <a:rPr kumimoji="1" lang="ja-JP" altLang="en-US" sz="1200" dirty="0"/>
-              <a:t>使用ライブラリの利用目的を話す</a:t>
-            </a:r>
-          </a:p>
-          <a:p>
-            <a:endParaRPr kumimoji="1" lang="ja-JP" altLang="en-US" dirty="0"/>
+              <a:rPr kumimoji="1" lang="ja-JP" altLang="en-US" dirty="0"/>
+              <a:t>実装環境について説明します。画像解析はサーバで行いました。サーバの</a:t>
+            </a:r>
+            <a:r>
+              <a:rPr kumimoji="1" lang="en-US" altLang="ja-JP" dirty="0"/>
+              <a:t>OS</a:t>
+            </a:r>
+            <a:r>
+              <a:rPr kumimoji="1" lang="ja-JP" altLang="en-US" dirty="0"/>
+              <a:t>は</a:t>
+            </a:r>
+            <a:r>
+              <a:rPr kumimoji="1" lang="en-US" altLang="ja-JP" dirty="0"/>
+              <a:t>Windows10</a:t>
+            </a:r>
+            <a:r>
+              <a:rPr kumimoji="1" lang="ja-JP" altLang="en-US" dirty="0"/>
+              <a:t>です。エッジ側は</a:t>
+            </a:r>
+            <a:r>
+              <a:rPr kumimoji="1" lang="en-US" altLang="ja-JP" dirty="0"/>
+              <a:t>raspberry pi</a:t>
+            </a:r>
+            <a:r>
+              <a:rPr kumimoji="1" lang="ja-JP" altLang="en-US" baseline="0" dirty="0"/>
+              <a:t> </a:t>
+            </a:r>
+            <a:r>
+              <a:rPr kumimoji="1" lang="en-US" altLang="ja-JP" baseline="0" dirty="0"/>
+              <a:t>3B</a:t>
+            </a:r>
+            <a:r>
+              <a:rPr kumimoji="1" lang="ja-JP" altLang="en-US" dirty="0"/>
+              <a:t>を使用しました</a:t>
+            </a:r>
           </a:p>
         </p:txBody>
       </p:sp>
@@ -1800,7 +1737,7 @@
             <a:spLocks noGrp="1"/>
           </p:cNvSpPr>
           <p:nvPr>
-            <p:ph type="sldNum" sz="quarter" idx="5"/>
+            <p:ph type="sldNum" sz="quarter" idx="10"/>
           </p:nvPr>
         </p:nvSpPr>
         <p:spPr/>
@@ -1810,7 +1747,7 @@
           <a:p>
             <a:fld id="{1705D8A9-7A56-411A-9EF9-F7869DF78C8C}" type="slidenum">
               <a:rPr kumimoji="1" lang="ja-JP" altLang="en-US" smtClean="0"/>
-              <a:t>16</a:t>
+              <a:t>15</a:t>
             </a:fld>
             <a:endParaRPr kumimoji="1" lang="ja-JP" altLang="en-US"/>
           </a:p>
@@ -1819,7 +1756,7 @@
     </p:spTree>
     <p:extLst>
       <p:ext uri="{BB962C8B-B14F-4D97-AF65-F5344CB8AC3E}">
-        <p14:creationId xmlns:p14="http://schemas.microsoft.com/office/powerpoint/2010/main" val="1697293804"/>
+        <p14:creationId xmlns:p14="http://schemas.microsoft.com/office/powerpoint/2010/main" val="2613592353"/>
       </p:ext>
     </p:extLst>
   </p:cSld>
@@ -1875,9 +1812,8 @@
           <a:p>
             <a:r>
               <a:rPr kumimoji="1" lang="ja-JP" altLang="en-US" dirty="0"/>
-              <a:t>最後に架空のユーザを想定して動作確認を行うことでユースケース図にまとめてある動作を満足しているかを確認しました。</a:t>
-            </a:r>
-            <a:endParaRPr kumimoji="1" lang="en-US" altLang="ja-JP" dirty="0"/>
+              <a:t>次に、システムの検証について説明します。</a:t>
+            </a:r>
           </a:p>
         </p:txBody>
       </p:sp>
@@ -1898,7 +1834,7 @@
           <a:p>
             <a:fld id="{1705D8A9-7A56-411A-9EF9-F7869DF78C8C}" type="slidenum">
               <a:rPr kumimoji="1" lang="ja-JP" altLang="en-US" smtClean="0"/>
-              <a:t>17</a:t>
+              <a:t>16</a:t>
             </a:fld>
             <a:endParaRPr kumimoji="1" lang="ja-JP" altLang="en-US"/>
           </a:p>
@@ -1907,7 +1843,7 @@
     </p:spTree>
     <p:extLst>
       <p:ext uri="{BB962C8B-B14F-4D97-AF65-F5344CB8AC3E}">
-        <p14:creationId xmlns:p14="http://schemas.microsoft.com/office/powerpoint/2010/main" val="1022456563"/>
+        <p14:creationId xmlns:p14="http://schemas.microsoft.com/office/powerpoint/2010/main" val="3705561810"/>
       </p:ext>
     </p:extLst>
   </p:cSld>
@@ -1944,67 +1880,86 @@
             <p:ph type="sldImg"/>
           </p:nvPr>
         </p:nvSpPr>
+        <p:spPr>
+          <a:xfrm>
+            <a:off x="1147763" y="1233488"/>
+            <a:ext cx="4440237" cy="3328987"/>
+          </a:xfrm>
+        </p:spPr>
+      </p:sp>
+      <p:sp>
+        <p:nvSpPr>
+          <p:cNvPr id="3" name="ノート プレースホルダー 2"/>
+          <p:cNvSpPr>
+            <a:spLocks noGrp="1"/>
+          </p:cNvSpPr>
+          <p:nvPr>
+            <p:ph type="body" idx="1"/>
+          </p:nvPr>
+        </p:nvSpPr>
         <p:spPr/>
-      </p:sp>
-      <p:sp>
-        <p:nvSpPr>
-          <p:cNvPr id="3" name="ノート プレースホルダー 2"/>
-          <p:cNvSpPr>
-            <a:spLocks noGrp="1"/>
-          </p:cNvSpPr>
-          <p:nvPr>
-            <p:ph type="body" idx="1"/>
-          </p:nvPr>
-        </p:nvSpPr>
-        <p:spPr/>
         <p:txBody>
           <a:bodyPr/>
           <a:lstStyle/>
           <a:p>
             <a:r>
-              <a:rPr kumimoji="1" lang="ja-JP" altLang="en-US" dirty="0"/>
-              <a:t>最後にまとめになります。</a:t>
-            </a:r>
-            <a:endParaRPr kumimoji="1" lang="en-US" altLang="ja-JP" dirty="0"/>
-          </a:p>
-          <a:p>
-            <a:r>
-              <a:rPr kumimoji="1" lang="ja-JP" altLang="en-US" dirty="0"/>
-              <a:t>本研究ではＶ字開発モデルに従って画像情報によるスマートセルフ精算システムのグループ開発を行いました。</a:t>
-            </a:r>
-            <a:endParaRPr kumimoji="1" lang="en-US" altLang="ja-JP" dirty="0"/>
-          </a:p>
-          <a:p>
-            <a:r>
-              <a:rPr kumimoji="1" lang="ja-JP" altLang="en-US" dirty="0"/>
-              <a:t>実装してテストを行った結果、要求や設計を満足したシステムを制作できました。</a:t>
-            </a:r>
-            <a:endParaRPr kumimoji="1" lang="en-US" altLang="ja-JP" dirty="0"/>
-          </a:p>
-          <a:p>
-            <a:r>
-              <a:rPr lang="ja-JP" altLang="en-US" dirty="0"/>
-              <a:t>グループで実装を円滑に行うために </a:t>
-            </a:r>
-            <a:r>
-              <a:rPr lang="en-US" altLang="ja-JP" dirty="0"/>
-              <a:t>GitHub </a:t>
-            </a:r>
-            <a:r>
-              <a:rPr lang="ja-JP" altLang="en-US" dirty="0"/>
-              <a:t>を使用して行いました。</a:t>
-            </a:r>
-            <a:endParaRPr lang="en-US" altLang="ja-JP" dirty="0"/>
-          </a:p>
-          <a:p>
-            <a:r>
-              <a:rPr lang="ja-JP" altLang="en-US" dirty="0"/>
-              <a:t>今回開発したシステムは、高い安定度を維持することができれば、既存のセルフレジと比べて極めて安価なリソースでサービスを提供することが可能であることを確認した。</a:t>
-            </a:r>
-            <a:endParaRPr kumimoji="1" lang="en-US" altLang="ja-JP" dirty="0"/>
-          </a:p>
-          <a:p>
-            <a:endParaRPr kumimoji="1" lang="en-US" altLang="ja-JP" dirty="0"/>
+              <a:rPr kumimoji="1" lang="ja-JP" altLang="en-US" sz="1200" dirty="0"/>
+              <a:t>単体テストでは、商品画像のバーコード識別に</a:t>
+            </a:r>
+            <a:r>
+              <a:rPr kumimoji="1" lang="en-US" altLang="ja-JP" sz="1200" dirty="0"/>
+              <a:t>Yolo</a:t>
+            </a:r>
+            <a:r>
+              <a:rPr kumimoji="1" lang="ja-JP" altLang="en-US" sz="1200" dirty="0"/>
+              <a:t>を使用して要件を満たすかを確認しました。</a:t>
+            </a:r>
+            <a:endParaRPr kumimoji="1" lang="en-US" altLang="ja-JP" sz="1200" dirty="0"/>
+          </a:p>
+          <a:p>
+            <a:r>
+              <a:rPr kumimoji="1" lang="ja-JP" altLang="en-US" sz="1200" dirty="0"/>
+              <a:t>検証結果は、カメラから</a:t>
+            </a:r>
+            <a:r>
+              <a:rPr kumimoji="1" lang="en-US" altLang="ja-JP" sz="1200" dirty="0"/>
+              <a:t>10cm</a:t>
+            </a:r>
+            <a:r>
+              <a:rPr kumimoji="1" lang="ja-JP" altLang="en-US" sz="1200" dirty="0"/>
+              <a:t>以上離れた場合でも</a:t>
+            </a:r>
+            <a:r>
+              <a:rPr kumimoji="1" lang="en-US" altLang="ja-JP" sz="1200" dirty="0"/>
+              <a:t>90%</a:t>
+            </a:r>
+            <a:r>
+              <a:rPr kumimoji="1" lang="ja-JP" altLang="en-US" sz="1200" dirty="0"/>
+              <a:t>以上の識別精度を保つことができ、要件を満たすことができました。</a:t>
+            </a:r>
+            <a:endParaRPr kumimoji="1" lang="en-US" altLang="ja-JP" sz="1200" dirty="0"/>
+          </a:p>
+          <a:p>
+            <a:r>
+              <a:rPr kumimoji="1" lang="ja-JP" altLang="en-US" sz="1200" dirty="0"/>
+              <a:t>サーバ通信、バーコード識別、</a:t>
+            </a:r>
+            <a:r>
+              <a:rPr kumimoji="1" lang="en-US" altLang="ja-JP" sz="1200" dirty="0"/>
+              <a:t>DB</a:t>
+            </a:r>
+            <a:r>
+              <a:rPr kumimoji="1" lang="ja-JP" altLang="en-US" sz="1200" dirty="0"/>
+              <a:t>などに対して、単体テストを行いました。</a:t>
+            </a:r>
+            <a:endParaRPr kumimoji="1" lang="en-US" altLang="ja-JP" sz="1200" dirty="0"/>
+          </a:p>
+          <a:p>
+            <a:r>
+              <a:rPr kumimoji="1" lang="ja-JP" altLang="en-US" sz="1200" dirty="0"/>
+              <a:t>それらを連携させ、クラス間での動作が問題ないかの検証に結合テストを用いて確認を行いました。</a:t>
+            </a:r>
+            <a:endParaRPr kumimoji="1" lang="en-US" altLang="ja-JP" sz="1200" dirty="0"/>
           </a:p>
         </p:txBody>
       </p:sp>
@@ -2025,7 +1980,7 @@
           <a:p>
             <a:fld id="{1705D8A9-7A56-411A-9EF9-F7869DF78C8C}" type="slidenum">
               <a:rPr kumimoji="1" lang="ja-JP" altLang="en-US" smtClean="0"/>
-              <a:t>18</a:t>
+              <a:t>17</a:t>
             </a:fld>
             <a:endParaRPr kumimoji="1" lang="ja-JP" altLang="en-US"/>
           </a:p>
@@ -2034,7 +1989,7 @@
     </p:spTree>
     <p:extLst>
       <p:ext uri="{BB962C8B-B14F-4D97-AF65-F5344CB8AC3E}">
-        <p14:creationId xmlns:p14="http://schemas.microsoft.com/office/powerpoint/2010/main" val="4259936998"/>
+        <p14:creationId xmlns:p14="http://schemas.microsoft.com/office/powerpoint/2010/main" val="1697293804"/>
       </p:ext>
     </p:extLst>
   </p:cSld>
@@ -2071,247 +2026,34 @@
             <p:ph type="sldImg"/>
           </p:nvPr>
         </p:nvSpPr>
+        <p:spPr>
+          <a:xfrm>
+            <a:off x="1147763" y="1233488"/>
+            <a:ext cx="4440237" cy="3328987"/>
+          </a:xfrm>
+        </p:spPr>
+      </p:sp>
+      <p:sp>
+        <p:nvSpPr>
+          <p:cNvPr id="3" name="ノート プレースホルダー 2"/>
+          <p:cNvSpPr>
+            <a:spLocks noGrp="1"/>
+          </p:cNvSpPr>
+          <p:nvPr>
+            <p:ph type="body" idx="1"/>
+          </p:nvPr>
+        </p:nvSpPr>
         <p:spPr/>
-      </p:sp>
-      <p:sp>
-        <p:nvSpPr>
-          <p:cNvPr id="3" name="ノート プレースホルダー 2"/>
-          <p:cNvSpPr>
-            <a:spLocks noGrp="1"/>
-          </p:cNvSpPr>
-          <p:nvPr>
-            <p:ph type="body" idx="1"/>
-          </p:nvPr>
-        </p:nvSpPr>
-        <p:spPr/>
         <p:txBody>
           <a:bodyPr/>
           <a:lstStyle/>
           <a:p>
-            <a:pPr marL="0" marR="0" indent="0" algn="l" defTabSz="914400" rtl="0" eaLnBrk="1" fontAlgn="auto" latinLnBrk="0" hangingPunct="1">
-              <a:lnSpc>
-                <a:spcPct val="100000"/>
-              </a:lnSpc>
-              <a:spcBef>
-                <a:spcPts val="0"/>
-              </a:spcBef>
-              <a:spcAft>
-                <a:spcPts val="0"/>
-              </a:spcAft>
-              <a:buClrTx/>
-              <a:buSzTx/>
-              <a:buFontTx/>
-              <a:buNone/>
-              <a:tabLst/>
-              <a:defRPr/>
-            </a:pPr>
-            <a:r>
-              <a:rPr kumimoji="1" lang="en-US" altLang="ja-JP" dirty="0"/>
-              <a:t>【</a:t>
-            </a:r>
             <a:r>
               <a:rPr kumimoji="1" lang="ja-JP" altLang="en-US" dirty="0"/>
-              <a:t>段原</a:t>
-            </a:r>
-            <a:r>
-              <a:rPr kumimoji="1" lang="en-US" altLang="ja-JP" dirty="0"/>
-              <a:t>】</a:t>
-            </a:r>
-          </a:p>
-          <a:p>
-            <a:r>
-              <a:rPr kumimoji="1" lang="ja-JP" altLang="en-US" dirty="0"/>
-              <a:t>サーバ側、エッジ側双方で開発言語として</a:t>
-            </a:r>
-            <a:r>
-              <a:rPr kumimoji="1" lang="en-US" altLang="ja-JP" dirty="0"/>
-              <a:t>Python3</a:t>
-            </a:r>
-            <a:r>
-              <a:rPr kumimoji="1" lang="ja-JP" altLang="en-US" dirty="0"/>
-              <a:t>を使用しました。本研究では、画像からバーコードの位置を特定し、バーコード部分のみを切り取るために</a:t>
-            </a:r>
-            <a:r>
-              <a:rPr kumimoji="1" lang="en-US" altLang="ja-JP" dirty="0"/>
-              <a:t>Yolo</a:t>
-            </a:r>
-            <a:r>
-              <a:rPr kumimoji="1" lang="ja-JP" altLang="en-US" dirty="0"/>
-              <a:t>を使用しました。</a:t>
+              <a:t>最後に、架空のユーザを想定して動作確認を行うことでユースケース図にまとめてある動作を満足しているかを確認しました。</a:t>
             </a:r>
             <a:endParaRPr kumimoji="1" lang="en-US" altLang="ja-JP" dirty="0"/>
           </a:p>
-          <a:p>
-            <a:r>
-              <a:rPr kumimoji="1" lang="en-US" altLang="ja-JP" dirty="0"/>
-              <a:t>Yolo</a:t>
-            </a:r>
-            <a:r>
-              <a:rPr kumimoji="1" lang="ja-JP" altLang="en-US" dirty="0"/>
-              <a:t>とはオブジェクト識別機械学習アルゴリズムの</a:t>
-            </a:r>
-            <a:r>
-              <a:rPr kumimoji="1" lang="en-US" altLang="ja-JP" dirty="0"/>
-              <a:t>1</a:t>
-            </a:r>
-            <a:r>
-              <a:rPr kumimoji="1" lang="ja-JP" altLang="en-US" dirty="0"/>
-              <a:t>つ</a:t>
-            </a:r>
-            <a:r>
-              <a:rPr kumimoji="1" lang="ja-JP" altLang="en-US" sz="1200" b="0" i="0" u="none" strike="noStrike" kern="1200" baseline="0" dirty="0">
-                <a:solidFill>
-                  <a:schemeClr val="tx1"/>
-                </a:solidFill>
-                <a:latin typeface="+mn-lt"/>
-                <a:ea typeface="+mn-ea"/>
-                <a:cs typeface="+mn-cs"/>
-              </a:rPr>
-              <a:t>であり、</a:t>
-            </a:r>
-            <a:r>
-              <a:rPr kumimoji="1" lang="en-US" altLang="ja-JP" sz="1200" b="0" i="0" u="none" strike="noStrike" kern="1200" baseline="0" dirty="0">
-                <a:solidFill>
-                  <a:schemeClr val="tx1"/>
-                </a:solidFill>
-                <a:latin typeface="+mn-lt"/>
-                <a:ea typeface="+mn-ea"/>
-                <a:cs typeface="+mn-cs"/>
-              </a:rPr>
-              <a:t>Web</a:t>
-            </a:r>
-            <a:r>
-              <a:rPr kumimoji="1" lang="ja-JP" altLang="en-US" sz="1200" b="0" i="0" u="none" strike="noStrike" kern="1200" baseline="0" dirty="0">
-                <a:solidFill>
-                  <a:schemeClr val="tx1"/>
-                </a:solidFill>
-                <a:latin typeface="+mn-lt"/>
-                <a:ea typeface="+mn-ea"/>
-                <a:cs typeface="+mn-cs"/>
-              </a:rPr>
-              <a:t>カメラを利用したリアルタイム検出も可能となっています。</a:t>
-            </a:r>
-            <a:endParaRPr kumimoji="1" lang="en-US" altLang="ja-JP" sz="1200" b="0" i="0" u="none" strike="noStrike" kern="1200" baseline="0" dirty="0">
-              <a:solidFill>
-                <a:schemeClr val="tx1"/>
-              </a:solidFill>
-              <a:latin typeface="+mn-lt"/>
-              <a:ea typeface="+mn-ea"/>
-              <a:cs typeface="+mn-cs"/>
-            </a:endParaRPr>
-          </a:p>
-          <a:p>
-            <a:r>
-              <a:rPr kumimoji="1" lang="en-US" altLang="ja-JP" sz="1200" b="0" i="0" u="none" strike="noStrike" kern="1200" baseline="0" dirty="0">
-                <a:solidFill>
-                  <a:schemeClr val="tx1"/>
-                </a:solidFill>
-                <a:latin typeface="+mn-lt"/>
-                <a:ea typeface="+mn-ea"/>
-                <a:cs typeface="+mn-cs"/>
-              </a:rPr>
-              <a:t>Yolo</a:t>
-            </a:r>
-            <a:r>
-              <a:rPr kumimoji="1" lang="ja-JP" altLang="en-US" sz="1200" b="0" i="0" u="none" strike="noStrike" kern="1200" baseline="0" dirty="0">
-                <a:solidFill>
-                  <a:schemeClr val="tx1"/>
-                </a:solidFill>
-                <a:latin typeface="+mn-lt"/>
-                <a:ea typeface="+mn-ea"/>
-                <a:cs typeface="+mn-cs"/>
-              </a:rPr>
-              <a:t>は、バーコードの識別は可能ですが番号自体の識別はできません。</a:t>
-            </a:r>
-            <a:endParaRPr kumimoji="1" lang="en-US" altLang="ja-JP" sz="1200" b="0" i="0" u="none" strike="noStrike" kern="1200" baseline="0" dirty="0">
-              <a:solidFill>
-                <a:schemeClr val="tx1"/>
-              </a:solidFill>
-              <a:latin typeface="+mn-lt"/>
-              <a:ea typeface="+mn-ea"/>
-              <a:cs typeface="+mn-cs"/>
-            </a:endParaRPr>
-          </a:p>
-          <a:p>
-            <a:r>
-              <a:rPr kumimoji="1" lang="ja-JP" altLang="en-US" sz="1200" b="0" i="0" u="none" strike="noStrike" kern="1200" baseline="0" dirty="0">
-                <a:solidFill>
-                  <a:schemeClr val="tx1"/>
-                </a:solidFill>
-                <a:latin typeface="+mn-lt"/>
-                <a:ea typeface="+mn-ea"/>
-                <a:cs typeface="+mn-cs"/>
-              </a:rPr>
-              <a:t>番号の識別を行うために、</a:t>
-            </a:r>
-            <a:r>
-              <a:rPr kumimoji="1" lang="en-US" altLang="ja-JP" sz="1200" b="0" i="0" u="none" strike="noStrike" kern="1200" baseline="0" dirty="0" err="1">
-                <a:solidFill>
-                  <a:schemeClr val="tx1"/>
-                </a:solidFill>
-                <a:latin typeface="+mn-lt"/>
-                <a:ea typeface="+mn-ea"/>
-                <a:cs typeface="+mn-cs"/>
-              </a:rPr>
-              <a:t>pyzbar</a:t>
-            </a:r>
-            <a:r>
-              <a:rPr kumimoji="1" lang="ja-JP" altLang="en-US" sz="1200" b="0" i="0" u="none" strike="noStrike" kern="1200" baseline="0" dirty="0">
-                <a:solidFill>
-                  <a:schemeClr val="tx1"/>
-                </a:solidFill>
-                <a:latin typeface="+mn-lt"/>
-                <a:ea typeface="+mn-ea"/>
-                <a:cs typeface="+mn-cs"/>
-              </a:rPr>
-              <a:t>（パイズバー）というバーコード番号識別ライブラリを使用して、画像から番号への識別を行いました。</a:t>
-            </a:r>
-            <a:endParaRPr kumimoji="1" lang="en-US" altLang="ja-JP" sz="1200" b="0" i="0" u="none" strike="noStrike" kern="1200" baseline="0" dirty="0">
-              <a:solidFill>
-                <a:schemeClr val="tx1"/>
-              </a:solidFill>
-              <a:latin typeface="+mn-lt"/>
-              <a:ea typeface="+mn-ea"/>
-              <a:cs typeface="+mn-cs"/>
-            </a:endParaRPr>
-          </a:p>
-          <a:p>
-            <a:endParaRPr kumimoji="1" lang="en-US" altLang="ja-JP" sz="1200" b="0" i="0" u="none" strike="noStrike" kern="1200" baseline="0" dirty="0">
-              <a:solidFill>
-                <a:schemeClr val="tx1"/>
-              </a:solidFill>
-              <a:latin typeface="+mn-lt"/>
-              <a:ea typeface="+mn-ea"/>
-              <a:cs typeface="+mn-cs"/>
-            </a:endParaRPr>
-          </a:p>
-          <a:p>
-            <a:r>
-              <a:rPr kumimoji="1" lang="en-US" altLang="ja-JP" sz="1200" b="0" i="0" u="none" strike="noStrike" kern="1200" baseline="0" dirty="0">
-                <a:solidFill>
-                  <a:schemeClr val="tx1"/>
-                </a:solidFill>
-                <a:latin typeface="+mn-lt"/>
-                <a:ea typeface="+mn-ea"/>
-                <a:cs typeface="+mn-cs"/>
-              </a:rPr>
-              <a:t>------</a:t>
-            </a:r>
-          </a:p>
-          <a:p>
-            <a:r>
-              <a:rPr kumimoji="1" lang="ja-JP" altLang="en-US" sz="1200" b="0" i="0" u="none" strike="noStrike" kern="1200" baseline="0" dirty="0">
-                <a:solidFill>
-                  <a:schemeClr val="tx1"/>
-                </a:solidFill>
-                <a:latin typeface="+mn-lt"/>
-                <a:ea typeface="+mn-ea"/>
-                <a:cs typeface="+mn-cs"/>
-              </a:rPr>
-              <a:t>時間的に削る</a:t>
-            </a:r>
-            <a:endParaRPr kumimoji="1" lang="ja-JP" altLang="en-US" dirty="0"/>
-          </a:p>
         </p:txBody>
       </p:sp>
       <p:sp>
@@ -2321,7 +2063,7 @@
             <a:spLocks noGrp="1"/>
           </p:cNvSpPr>
           <p:nvPr>
-            <p:ph type="sldNum" sz="quarter" idx="10"/>
+            <p:ph type="sldNum" sz="quarter" idx="5"/>
           </p:nvPr>
         </p:nvSpPr>
         <p:spPr/>
@@ -2331,7 +2073,7 @@
           <a:p>
             <a:fld id="{1705D8A9-7A56-411A-9EF9-F7869DF78C8C}" type="slidenum">
               <a:rPr kumimoji="1" lang="ja-JP" altLang="en-US" smtClean="0"/>
-              <a:t>19</a:t>
+              <a:t>18</a:t>
             </a:fld>
             <a:endParaRPr kumimoji="1" lang="ja-JP" altLang="en-US"/>
           </a:p>
@@ -2340,7 +2082,7 @@
     </p:spTree>
     <p:extLst>
       <p:ext uri="{BB962C8B-B14F-4D97-AF65-F5344CB8AC3E}">
-        <p14:creationId xmlns:p14="http://schemas.microsoft.com/office/powerpoint/2010/main" val="3197617289"/>
+        <p14:creationId xmlns:p14="http://schemas.microsoft.com/office/powerpoint/2010/main" val="1022456563"/>
       </p:ext>
     </p:extLst>
   </p:cSld>
@@ -2377,59 +2119,32 @@
             <p:ph type="sldImg"/>
           </p:nvPr>
         </p:nvSpPr>
+        <p:spPr>
+          <a:xfrm>
+            <a:off x="1147763" y="1233488"/>
+            <a:ext cx="4440237" cy="3328987"/>
+          </a:xfrm>
+        </p:spPr>
+      </p:sp>
+      <p:sp>
+        <p:nvSpPr>
+          <p:cNvPr id="3" name="ノート プレースホルダー 2"/>
+          <p:cNvSpPr>
+            <a:spLocks noGrp="1"/>
+          </p:cNvSpPr>
+          <p:nvPr>
+            <p:ph type="body" idx="1"/>
+          </p:nvPr>
+        </p:nvSpPr>
         <p:spPr/>
-      </p:sp>
-      <p:sp>
-        <p:nvSpPr>
-          <p:cNvPr id="3" name="ノート プレースホルダー 2"/>
-          <p:cNvSpPr>
-            <a:spLocks noGrp="1"/>
-          </p:cNvSpPr>
-          <p:nvPr>
-            <p:ph type="body" idx="1"/>
-          </p:nvPr>
-        </p:nvSpPr>
-        <p:spPr/>
         <p:txBody>
           <a:bodyPr/>
           <a:lstStyle/>
           <a:p>
-            <a:pPr marL="0" marR="0" indent="0" algn="l" defTabSz="914400" rtl="0" eaLnBrk="1" fontAlgn="auto" latinLnBrk="0" hangingPunct="1">
-              <a:lnSpc>
-                <a:spcPct val="100000"/>
-              </a:lnSpc>
-              <a:spcBef>
-                <a:spcPts val="0"/>
-              </a:spcBef>
-              <a:spcAft>
-                <a:spcPts val="0"/>
-              </a:spcAft>
-              <a:buClrTx/>
-              <a:buSzTx/>
-              <a:buFontTx/>
-              <a:buNone/>
-              <a:tabLst/>
-              <a:defRPr/>
-            </a:pPr>
-            <a:r>
-              <a:rPr kumimoji="1" lang="en-US" altLang="ja-JP"/>
-              <a:t>【</a:t>
-            </a:r>
-            <a:r>
-              <a:rPr kumimoji="1" lang="ja-JP" altLang="en-US"/>
-              <a:t>まなべ</a:t>
-            </a:r>
-            <a:r>
-              <a:rPr kumimoji="1" lang="en-US" altLang="ja-JP"/>
-              <a:t>】</a:t>
-            </a:r>
-          </a:p>
-          <a:p>
-            <a:r>
-              <a:rPr kumimoji="1" lang="ja-JP" altLang="en-US"/>
+            <a:r>
+              <a:rPr kumimoji="1" lang="ja-JP" altLang="en-US" dirty="0"/>
               <a:t>目次はこのようになっております。</a:t>
             </a:r>
-            <a:endParaRPr kumimoji="1" lang="ja-JP" altLang="en-US" dirty="0"/>
           </a:p>
         </p:txBody>
       </p:sp>
@@ -2496,7 +2211,158 @@
             <p:ph type="sldImg"/>
           </p:nvPr>
         </p:nvSpPr>
+        <p:spPr>
+          <a:xfrm>
+            <a:off x="1147763" y="1233488"/>
+            <a:ext cx="4440237" cy="3328987"/>
+          </a:xfrm>
+        </p:spPr>
+      </p:sp>
+      <p:sp>
+        <p:nvSpPr>
+          <p:cNvPr id="3" name="ノート プレースホルダー 2"/>
+          <p:cNvSpPr>
+            <a:spLocks noGrp="1"/>
+          </p:cNvSpPr>
+          <p:nvPr>
+            <p:ph type="body" idx="1"/>
+          </p:nvPr>
+        </p:nvSpPr>
         <p:spPr/>
+        <p:txBody>
+          <a:bodyPr/>
+          <a:lstStyle/>
+          <a:p>
+            <a:r>
+              <a:rPr kumimoji="1" lang="ja-JP" altLang="en-US" dirty="0"/>
+              <a:t>最後にまとめになります。</a:t>
+            </a:r>
+            <a:endParaRPr kumimoji="1" lang="en-US" altLang="ja-JP" dirty="0"/>
+          </a:p>
+          <a:p>
+            <a:r>
+              <a:rPr kumimoji="1" lang="ja-JP" altLang="en-US" dirty="0"/>
+              <a:t>本研究ではＶ字開発モデルに従って画像情報によるスマートセルフ精算システムのグループ開発を行いました。</a:t>
+            </a:r>
+            <a:endParaRPr kumimoji="1" lang="en-US" altLang="ja-JP" dirty="0"/>
+          </a:p>
+          <a:p>
+            <a:r>
+              <a:rPr kumimoji="1" lang="ja-JP" altLang="en-US" dirty="0"/>
+              <a:t>実装してテストを行った結果、要求や設計を満足したシステムを開発できました。</a:t>
+            </a:r>
+            <a:endParaRPr kumimoji="1" lang="en-US" altLang="ja-JP" dirty="0"/>
+          </a:p>
+          <a:p>
+            <a:r>
+              <a:rPr lang="ja-JP" altLang="en-US" dirty="0"/>
+              <a:t>グループで実装を円滑に行うために</a:t>
+            </a:r>
+            <a:r>
+              <a:rPr lang="en-US" altLang="ja-JP" dirty="0"/>
+              <a:t>GitHub</a:t>
+            </a:r>
+            <a:r>
+              <a:rPr lang="ja-JP" altLang="en-US" dirty="0"/>
+              <a:t>を使用しました。</a:t>
+            </a:r>
+            <a:endParaRPr lang="en-US" altLang="ja-JP" dirty="0"/>
+          </a:p>
+          <a:p>
+            <a:r>
+              <a:rPr lang="ja-JP" altLang="en-US" dirty="0"/>
+              <a:t>今回開発したシステムは、高い安定度を維持することができれば、</a:t>
+            </a:r>
+            <a:endParaRPr lang="en-US" altLang="ja-JP" dirty="0"/>
+          </a:p>
+          <a:p>
+            <a:r>
+              <a:rPr lang="ja-JP" altLang="en-US" dirty="0"/>
+              <a:t>既存のセルフレジと比べて安価にサービスを提供することが可能なことを確認しました。</a:t>
+            </a:r>
+            <a:endParaRPr kumimoji="1" lang="en-US" altLang="ja-JP" dirty="0"/>
+          </a:p>
+          <a:p>
+            <a:r>
+              <a:rPr kumimoji="1" lang="ja-JP" altLang="en-US" dirty="0"/>
+              <a:t>以上で発表を終わります。ありがとうございました。</a:t>
+            </a:r>
+            <a:endParaRPr kumimoji="1" lang="en-US" altLang="ja-JP" dirty="0"/>
+          </a:p>
+          <a:p>
+            <a:endParaRPr kumimoji="1" lang="en-US" altLang="ja-JP" dirty="0"/>
+          </a:p>
+        </p:txBody>
+      </p:sp>
+      <p:sp>
+        <p:nvSpPr>
+          <p:cNvPr id="4" name="スライド番号プレースホルダー 3"/>
+          <p:cNvSpPr>
+            <a:spLocks noGrp="1"/>
+          </p:cNvSpPr>
+          <p:nvPr>
+            <p:ph type="sldNum" sz="quarter" idx="5"/>
+          </p:nvPr>
+        </p:nvSpPr>
+        <p:spPr/>
+        <p:txBody>
+          <a:bodyPr/>
+          <a:lstStyle/>
+          <a:p>
+            <a:fld id="{1705D8A9-7A56-411A-9EF9-F7869DF78C8C}" type="slidenum">
+              <a:rPr kumimoji="1" lang="ja-JP" altLang="en-US" smtClean="0"/>
+              <a:t>19</a:t>
+            </a:fld>
+            <a:endParaRPr kumimoji="1" lang="ja-JP" altLang="en-US"/>
+          </a:p>
+        </p:txBody>
+      </p:sp>
+    </p:spTree>
+    <p:extLst>
+      <p:ext uri="{BB962C8B-B14F-4D97-AF65-F5344CB8AC3E}">
+        <p14:creationId xmlns:p14="http://schemas.microsoft.com/office/powerpoint/2010/main" val="4259936998"/>
+      </p:ext>
+    </p:extLst>
+  </p:cSld>
+  <p:clrMapOvr>
+    <a:masterClrMapping/>
+  </p:clrMapOvr>
+</p:notes>
+</file>
+
+<file path=ppt/notesSlides/notesSlide21.xml><?xml version="1.0" encoding="utf-8"?>
+<p:notes xmlns:a="http://schemas.openxmlformats.org/drawingml/2006/main" xmlns:r="http://schemas.openxmlformats.org/officeDocument/2006/relationships" xmlns:p="http://schemas.openxmlformats.org/presentationml/2006/main">
+  <p:cSld>
+    <p:spTree>
+      <p:nvGrpSpPr>
+        <p:cNvPr id="1" name=""/>
+        <p:cNvGrpSpPr/>
+        <p:nvPr/>
+      </p:nvGrpSpPr>
+      <p:grpSpPr>
+        <a:xfrm>
+          <a:off x="0" y="0"/>
+          <a:ext cx="0" cy="0"/>
+          <a:chOff x="0" y="0"/>
+          <a:chExt cx="0" cy="0"/>
+        </a:xfrm>
+      </p:grpSpPr>
+      <p:sp>
+        <p:nvSpPr>
+          <p:cNvPr id="2" name="スライド イメージ プレースホルダー 1"/>
+          <p:cNvSpPr>
+            <a:spLocks noGrp="1" noRot="1" noChangeAspect="1"/>
+          </p:cNvSpPr>
+          <p:nvPr>
+            <p:ph type="sldImg"/>
+          </p:nvPr>
+        </p:nvSpPr>
+        <p:spPr>
+          <a:xfrm>
+            <a:off x="1147763" y="1233488"/>
+            <a:ext cx="4440237" cy="3328987"/>
+          </a:xfrm>
+        </p:spPr>
       </p:sp>
       <p:sp>
         <p:nvSpPr>
@@ -2513,60 +2379,229 @@
           <a:bodyPr/>
           <a:lstStyle/>
           <a:p>
+            <a:pPr marL="0" marR="0" indent="0" algn="l" defTabSz="914400" rtl="0" eaLnBrk="1" fontAlgn="auto" latinLnBrk="0" hangingPunct="1">
+              <a:lnSpc>
+                <a:spcPct val="100000"/>
+              </a:lnSpc>
+              <a:spcBef>
+                <a:spcPts val="0"/>
+              </a:spcBef>
+              <a:spcAft>
+                <a:spcPts val="0"/>
+              </a:spcAft>
+              <a:buClrTx/>
+              <a:buSzTx/>
+              <a:buFontTx/>
+              <a:buNone/>
+              <a:tabLst/>
+              <a:defRPr/>
+            </a:pPr>
+            <a:r>
+              <a:rPr kumimoji="1" lang="en-US" altLang="ja-JP" dirty="0"/>
+              <a:t>【</a:t>
+            </a:r>
+            <a:r>
+              <a:rPr kumimoji="1" lang="ja-JP" altLang="en-US" dirty="0"/>
+              <a:t>段原</a:t>
+            </a:r>
+            <a:r>
+              <a:rPr kumimoji="1" lang="en-US" altLang="ja-JP" dirty="0"/>
+              <a:t>】</a:t>
+            </a:r>
+          </a:p>
+          <a:p>
+            <a:r>
+              <a:rPr kumimoji="1" lang="ja-JP" altLang="en-US" dirty="0"/>
+              <a:t>サーバ側、エッジ側双方で開発言語として</a:t>
+            </a:r>
+            <a:r>
+              <a:rPr kumimoji="1" lang="en-US" altLang="ja-JP" dirty="0"/>
+              <a:t>Python3</a:t>
+            </a:r>
+            <a:r>
+              <a:rPr kumimoji="1" lang="ja-JP" altLang="en-US" dirty="0"/>
+              <a:t>を使用しました。本研究では、画像からバーコードの位置を特定し、バーコード部分のみを切り取るために</a:t>
+            </a:r>
             <a:r>
               <a:rPr kumimoji="1" lang="en-US" altLang="ja-JP" dirty="0"/>
               <a:t>Yolo</a:t>
             </a:r>
             <a:r>
               <a:rPr kumimoji="1" lang="ja-JP" altLang="en-US" dirty="0"/>
-              <a:t>の学習設定はスライドのようになっています。学習に使用した教師データ数は約</a:t>
-            </a:r>
+              <a:t>を使用しました。</a:t>
+            </a:r>
+            <a:endParaRPr kumimoji="1" lang="en-US" altLang="ja-JP" dirty="0"/>
+          </a:p>
+          <a:p>
             <a:r>
               <a:rPr kumimoji="1" lang="en-US" altLang="ja-JP" dirty="0"/>
-              <a:t>2600</a:t>
+              <a:t>Yolo</a:t>
             </a:r>
             <a:r>
               <a:rPr kumimoji="1" lang="ja-JP" altLang="en-US" dirty="0"/>
-              <a:t>枚となっています。</a:t>
-            </a:r>
-            <a:endParaRPr kumimoji="1" lang="en-US" altLang="ja-JP" dirty="0"/>
-          </a:p>
-          <a:p>
+              <a:t>とはオブジェクト識別機械学習アルゴリズムの</a:t>
+            </a:r>
+            <a:r>
+              <a:rPr kumimoji="1" lang="en-US" altLang="ja-JP" dirty="0"/>
+              <a:t>1</a:t>
+            </a:r>
             <a:r>
               <a:rPr kumimoji="1" lang="ja-JP" altLang="en-US" dirty="0"/>
-              <a:t>左のグラフは、学習回数と損失の値を表しています。</a:t>
-            </a:r>
-            <a:endParaRPr kumimoji="1" lang="en-US" altLang="ja-JP" dirty="0"/>
-          </a:p>
-          <a:p>
-            <a:r>
-              <a:rPr kumimoji="1" lang="ja-JP" altLang="en-US" dirty="0"/>
-              <a:t>学習が進むにつれ、損失が少なくなっていることがわかります。学習が</a:t>
-            </a:r>
-            <a:r>
-              <a:rPr kumimoji="1" lang="en-US" altLang="ja-JP" dirty="0"/>
-              <a:t>4000</a:t>
-            </a:r>
-            <a:r>
-              <a:rPr kumimoji="1" lang="ja-JP" altLang="en-US" dirty="0"/>
-              <a:t>回を超えたあたりで損失が安定していることが確認できます。</a:t>
-            </a:r>
-            <a:endParaRPr kumimoji="1" lang="en-US" altLang="ja-JP" dirty="0"/>
-          </a:p>
-          <a:p>
-            <a:endParaRPr kumimoji="1" lang="en-US" altLang="ja-JP" dirty="0"/>
-          </a:p>
-          <a:p>
-            <a:r>
-              <a:rPr kumimoji="1" lang="en-US" altLang="ja-JP" dirty="0"/>
-              <a:t>---------</a:t>
-            </a:r>
-          </a:p>
-          <a:p>
-            <a:r>
-              <a:rPr kumimoji="1" lang="ja-JP" altLang="en-US" dirty="0"/>
-              <a:t>いらん</a:t>
-            </a:r>
+              <a:t>つ</a:t>
+            </a:r>
+            <a:r>
+              <a:rPr kumimoji="1" lang="ja-JP" altLang="en-US" sz="1200" b="0" i="0" u="none" strike="noStrike" kern="1200" baseline="0" dirty="0">
+                <a:solidFill>
+                  <a:schemeClr val="tx1"/>
+                </a:solidFill>
+                <a:latin typeface="+mn-lt"/>
+                <a:ea typeface="+mn-ea"/>
+                <a:cs typeface="+mn-cs"/>
+              </a:rPr>
+              <a:t>であり、</a:t>
+            </a:r>
+            <a:r>
+              <a:rPr kumimoji="1" lang="en-US" altLang="ja-JP" sz="1200" b="0" i="0" u="none" strike="noStrike" kern="1200" baseline="0" dirty="0">
+                <a:solidFill>
+                  <a:schemeClr val="tx1"/>
+                </a:solidFill>
+                <a:latin typeface="+mn-lt"/>
+                <a:ea typeface="+mn-ea"/>
+                <a:cs typeface="+mn-cs"/>
+              </a:rPr>
+              <a:t>Web</a:t>
+            </a:r>
+            <a:r>
+              <a:rPr kumimoji="1" lang="ja-JP" altLang="en-US" sz="1200" b="0" i="0" u="none" strike="noStrike" kern="1200" baseline="0" dirty="0">
+                <a:solidFill>
+                  <a:schemeClr val="tx1"/>
+                </a:solidFill>
+                <a:latin typeface="+mn-lt"/>
+                <a:ea typeface="+mn-ea"/>
+                <a:cs typeface="+mn-cs"/>
+              </a:rPr>
+              <a:t>カメラを利用したリアルタイム検出も可能となっています。</a:t>
+            </a:r>
+            <a:endParaRPr kumimoji="1" lang="en-US" altLang="ja-JP" sz="1200" b="0" i="0" u="none" strike="noStrike" kern="1200" baseline="0" dirty="0">
+              <a:solidFill>
+                <a:schemeClr val="tx1"/>
+              </a:solidFill>
+              <a:latin typeface="+mn-lt"/>
+              <a:ea typeface="+mn-ea"/>
+              <a:cs typeface="+mn-cs"/>
+            </a:endParaRPr>
+          </a:p>
+          <a:p>
+            <a:r>
+              <a:rPr kumimoji="1" lang="en-US" altLang="ja-JP" sz="1200" b="0" i="0" u="none" strike="noStrike" kern="1200" baseline="0" dirty="0">
+                <a:solidFill>
+                  <a:schemeClr val="tx1"/>
+                </a:solidFill>
+                <a:latin typeface="+mn-lt"/>
+                <a:ea typeface="+mn-ea"/>
+                <a:cs typeface="+mn-cs"/>
+              </a:rPr>
+              <a:t>Yolo</a:t>
+            </a:r>
+            <a:r>
+              <a:rPr kumimoji="1" lang="ja-JP" altLang="en-US" sz="1200" b="0" i="0" u="none" strike="noStrike" kern="1200" baseline="0" dirty="0">
+                <a:solidFill>
+                  <a:schemeClr val="tx1"/>
+                </a:solidFill>
+                <a:latin typeface="+mn-lt"/>
+                <a:ea typeface="+mn-ea"/>
+                <a:cs typeface="+mn-cs"/>
+              </a:rPr>
+              <a:t>は、バーコードの識別は可能ですが番号自体の識別はできません。</a:t>
+            </a:r>
+            <a:endParaRPr kumimoji="1" lang="en-US" altLang="ja-JP" sz="1200" b="0" i="0" u="none" strike="noStrike" kern="1200" baseline="0" dirty="0">
+              <a:solidFill>
+                <a:schemeClr val="tx1"/>
+              </a:solidFill>
+              <a:latin typeface="+mn-lt"/>
+              <a:ea typeface="+mn-ea"/>
+              <a:cs typeface="+mn-cs"/>
+            </a:endParaRPr>
+          </a:p>
+          <a:p>
+            <a:r>
+              <a:rPr kumimoji="1" lang="ja-JP" altLang="en-US" sz="1200" b="0" i="0" u="none" strike="noStrike" kern="1200" baseline="0" dirty="0">
+                <a:solidFill>
+                  <a:schemeClr val="tx1"/>
+                </a:solidFill>
+                <a:latin typeface="+mn-lt"/>
+                <a:ea typeface="+mn-ea"/>
+                <a:cs typeface="+mn-cs"/>
+              </a:rPr>
+              <a:t>番号の識別を行うために、</a:t>
+            </a:r>
+            <a:r>
+              <a:rPr kumimoji="1" lang="en-US" altLang="ja-JP" sz="1200" b="0" i="0" u="none" strike="noStrike" kern="1200" baseline="0" dirty="0" err="1">
+                <a:solidFill>
+                  <a:schemeClr val="tx1"/>
+                </a:solidFill>
+                <a:latin typeface="+mn-lt"/>
+                <a:ea typeface="+mn-ea"/>
+                <a:cs typeface="+mn-cs"/>
+              </a:rPr>
+              <a:t>pyzbar</a:t>
+            </a:r>
+            <a:r>
+              <a:rPr kumimoji="1" lang="ja-JP" altLang="en-US" sz="1200" b="0" i="0" u="none" strike="noStrike" kern="1200" baseline="0" dirty="0">
+                <a:solidFill>
+                  <a:schemeClr val="tx1"/>
+                </a:solidFill>
+                <a:latin typeface="+mn-lt"/>
+                <a:ea typeface="+mn-ea"/>
+                <a:cs typeface="+mn-cs"/>
+              </a:rPr>
+              <a:t>（パイズバー）というバーコード番号識別ライブラリを使用して、画像から番号への識別を行いました。</a:t>
+            </a:r>
+            <a:endParaRPr kumimoji="1" lang="en-US" altLang="ja-JP" sz="1200" b="0" i="0" u="none" strike="noStrike" kern="1200" baseline="0" dirty="0">
+              <a:solidFill>
+                <a:schemeClr val="tx1"/>
+              </a:solidFill>
+              <a:latin typeface="+mn-lt"/>
+              <a:ea typeface="+mn-ea"/>
+              <a:cs typeface="+mn-cs"/>
+            </a:endParaRPr>
+          </a:p>
+          <a:p>
+            <a:endParaRPr kumimoji="1" lang="en-US" altLang="ja-JP" sz="1200" b="0" i="0" u="none" strike="noStrike" kern="1200" baseline="0" dirty="0">
+              <a:solidFill>
+                <a:schemeClr val="tx1"/>
+              </a:solidFill>
+              <a:latin typeface="+mn-lt"/>
+              <a:ea typeface="+mn-ea"/>
+              <a:cs typeface="+mn-cs"/>
+            </a:endParaRPr>
+          </a:p>
+          <a:p>
+            <a:r>
+              <a:rPr kumimoji="1" lang="en-US" altLang="ja-JP" sz="1200" b="0" i="0" u="none" strike="noStrike" kern="1200" baseline="0" dirty="0">
+                <a:solidFill>
+                  <a:schemeClr val="tx1"/>
+                </a:solidFill>
+                <a:latin typeface="+mn-lt"/>
+                <a:ea typeface="+mn-ea"/>
+                <a:cs typeface="+mn-cs"/>
+              </a:rPr>
+              <a:t>------</a:t>
+            </a:r>
+          </a:p>
+          <a:p>
+            <a:r>
+              <a:rPr kumimoji="1" lang="ja-JP" altLang="en-US" sz="1200" b="0" i="0" u="none" strike="noStrike" kern="1200" baseline="0" dirty="0">
+                <a:solidFill>
+                  <a:schemeClr val="tx1"/>
+                </a:solidFill>
+                <a:latin typeface="+mn-lt"/>
+                <a:ea typeface="+mn-ea"/>
+                <a:cs typeface="+mn-cs"/>
+              </a:rPr>
+              <a:t>時間的に削る</a:t>
+            </a:r>
+            <a:endParaRPr kumimoji="1" lang="ja-JP" altLang="en-US" dirty="0"/>
           </a:p>
         </p:txBody>
       </p:sp>
@@ -2577,7 +2612,7 @@
             <a:spLocks noGrp="1"/>
           </p:cNvSpPr>
           <p:nvPr>
-            <p:ph type="sldNum" sz="quarter" idx="5"/>
+            <p:ph type="sldNum" sz="quarter" idx="10"/>
           </p:nvPr>
         </p:nvSpPr>
         <p:spPr/>
@@ -2588,6 +2623,148 @@
             <a:fld id="{1705D8A9-7A56-411A-9EF9-F7869DF78C8C}" type="slidenum">
               <a:rPr kumimoji="1" lang="ja-JP" altLang="en-US" smtClean="0"/>
               <a:t>20</a:t>
+            </a:fld>
+            <a:endParaRPr kumimoji="1" lang="ja-JP" altLang="en-US"/>
+          </a:p>
+        </p:txBody>
+      </p:sp>
+    </p:spTree>
+    <p:extLst>
+      <p:ext uri="{BB962C8B-B14F-4D97-AF65-F5344CB8AC3E}">
+        <p14:creationId xmlns:p14="http://schemas.microsoft.com/office/powerpoint/2010/main" val="3197617289"/>
+      </p:ext>
+    </p:extLst>
+  </p:cSld>
+  <p:clrMapOvr>
+    <a:masterClrMapping/>
+  </p:clrMapOvr>
+</p:notes>
+</file>
+
+<file path=ppt/notesSlides/notesSlide22.xml><?xml version="1.0" encoding="utf-8"?>
+<p:notes xmlns:a="http://schemas.openxmlformats.org/drawingml/2006/main" xmlns:r="http://schemas.openxmlformats.org/officeDocument/2006/relationships" xmlns:p="http://schemas.openxmlformats.org/presentationml/2006/main">
+  <p:cSld>
+    <p:spTree>
+      <p:nvGrpSpPr>
+        <p:cNvPr id="1" name=""/>
+        <p:cNvGrpSpPr/>
+        <p:nvPr/>
+      </p:nvGrpSpPr>
+      <p:grpSpPr>
+        <a:xfrm>
+          <a:off x="0" y="0"/>
+          <a:ext cx="0" cy="0"/>
+          <a:chOff x="0" y="0"/>
+          <a:chExt cx="0" cy="0"/>
+        </a:xfrm>
+      </p:grpSpPr>
+      <p:sp>
+        <p:nvSpPr>
+          <p:cNvPr id="2" name="スライド イメージ プレースホルダー 1"/>
+          <p:cNvSpPr>
+            <a:spLocks noGrp="1" noRot="1" noChangeAspect="1"/>
+          </p:cNvSpPr>
+          <p:nvPr>
+            <p:ph type="sldImg"/>
+          </p:nvPr>
+        </p:nvSpPr>
+        <p:spPr>
+          <a:xfrm>
+            <a:off x="1147763" y="1233488"/>
+            <a:ext cx="4440237" cy="3328987"/>
+          </a:xfrm>
+        </p:spPr>
+      </p:sp>
+      <p:sp>
+        <p:nvSpPr>
+          <p:cNvPr id="3" name="ノート プレースホルダー 2"/>
+          <p:cNvSpPr>
+            <a:spLocks noGrp="1"/>
+          </p:cNvSpPr>
+          <p:nvPr>
+            <p:ph type="body" idx="1"/>
+          </p:nvPr>
+        </p:nvSpPr>
+        <p:spPr/>
+        <p:txBody>
+          <a:bodyPr/>
+          <a:lstStyle/>
+          <a:p>
+            <a:r>
+              <a:rPr kumimoji="1" lang="en-US" altLang="ja-JP" dirty="0"/>
+              <a:t>Yolo</a:t>
+            </a:r>
+            <a:r>
+              <a:rPr kumimoji="1" lang="ja-JP" altLang="en-US" dirty="0"/>
+              <a:t>の学習設定はスライドのようになっています。学習に使用した教師データ数は約</a:t>
+            </a:r>
+            <a:r>
+              <a:rPr kumimoji="1" lang="en-US" altLang="ja-JP" dirty="0"/>
+              <a:t>2600</a:t>
+            </a:r>
+            <a:r>
+              <a:rPr kumimoji="1" lang="ja-JP" altLang="en-US" dirty="0"/>
+              <a:t>枚となっています。</a:t>
+            </a:r>
+            <a:endParaRPr kumimoji="1" lang="en-US" altLang="ja-JP" dirty="0"/>
+          </a:p>
+          <a:p>
+            <a:r>
+              <a:rPr kumimoji="1" lang="ja-JP" altLang="en-US" dirty="0"/>
+              <a:t>左のグラフは、学習回数と損失の値を表しています。</a:t>
+            </a:r>
+            <a:endParaRPr kumimoji="1" lang="en-US" altLang="ja-JP" dirty="0"/>
+          </a:p>
+          <a:p>
+            <a:r>
+              <a:rPr kumimoji="1" lang="ja-JP" altLang="en-US" dirty="0"/>
+              <a:t>学習が進むにつれ、損失が少なくなっていることがわかります。学習が</a:t>
+            </a:r>
+            <a:r>
+              <a:rPr kumimoji="1" lang="en-US" altLang="ja-JP" dirty="0"/>
+              <a:t>4000</a:t>
+            </a:r>
+            <a:r>
+              <a:rPr kumimoji="1" lang="ja-JP" altLang="en-US" dirty="0"/>
+              <a:t>回を超えたあたりで損失が安定していることが確認できます。</a:t>
+            </a:r>
+            <a:endParaRPr kumimoji="1" lang="en-US" altLang="ja-JP" dirty="0"/>
+          </a:p>
+          <a:p>
+            <a:endParaRPr kumimoji="1" lang="en-US" altLang="ja-JP" dirty="0"/>
+          </a:p>
+          <a:p>
+            <a:r>
+              <a:rPr kumimoji="1" lang="en-US" altLang="ja-JP" dirty="0"/>
+              <a:t>---------</a:t>
+            </a:r>
+          </a:p>
+          <a:p>
+            <a:r>
+              <a:rPr kumimoji="1" lang="ja-JP" altLang="en-US" dirty="0"/>
+              <a:t>いらん</a:t>
+            </a:r>
+          </a:p>
+        </p:txBody>
+      </p:sp>
+      <p:sp>
+        <p:nvSpPr>
+          <p:cNvPr id="4" name="スライド番号プレースホルダー 3"/>
+          <p:cNvSpPr>
+            <a:spLocks noGrp="1"/>
+          </p:cNvSpPr>
+          <p:nvPr>
+            <p:ph type="sldNum" sz="quarter" idx="5"/>
+          </p:nvPr>
+        </p:nvSpPr>
+        <p:spPr/>
+        <p:txBody>
+          <a:bodyPr/>
+          <a:lstStyle/>
+          <a:p>
+            <a:fld id="{1705D8A9-7A56-411A-9EF9-F7869DF78C8C}" type="slidenum">
+              <a:rPr kumimoji="1" lang="ja-JP" altLang="en-US" smtClean="0"/>
+              <a:t>21</a:t>
             </a:fld>
             <a:endParaRPr kumimoji="1" lang="ja-JP" altLang="en-US"/>
           </a:p>
@@ -2633,7 +2810,12 @@
             <p:ph type="sldImg"/>
           </p:nvPr>
         </p:nvSpPr>
-        <p:spPr/>
+        <p:spPr>
+          <a:xfrm>
+            <a:off x="1147763" y="1233488"/>
+            <a:ext cx="4440237" cy="3328987"/>
+          </a:xfrm>
+        </p:spPr>
       </p:sp>
       <p:sp>
         <p:nvSpPr>
@@ -2762,7 +2944,12 @@
             <p:ph type="sldImg"/>
           </p:nvPr>
         </p:nvSpPr>
-        <p:spPr/>
+        <p:spPr>
+          <a:xfrm>
+            <a:off x="1147763" y="1233488"/>
+            <a:ext cx="4440237" cy="3328987"/>
+          </a:xfrm>
+        </p:spPr>
       </p:sp>
       <p:sp>
         <p:nvSpPr>
@@ -2798,7 +2985,7 @@
             </a:pPr>
             <a:r>
               <a:rPr kumimoji="1" lang="ja-JP" altLang="en-US" dirty="0"/>
-              <a:t>人手不足が深刻化している中小店でも導入できる、低コストなバーコード識別システムを作成することを研究目的としました。</a:t>
+              <a:t>本研究では、人手不足が深刻化している中小店でも導入できる、低コストなバーコード識別システムの作成を研究目的としました。</a:t>
             </a:r>
             <a:endParaRPr kumimoji="1" lang="en-US" altLang="ja-JP" dirty="0"/>
           </a:p>
@@ -2897,7 +3084,12 @@
             <p:ph type="sldImg"/>
           </p:nvPr>
         </p:nvSpPr>
-        <p:spPr/>
+        <p:spPr>
+          <a:xfrm>
+            <a:off x="1147763" y="1233488"/>
+            <a:ext cx="4440237" cy="3328987"/>
+          </a:xfrm>
+        </p:spPr>
       </p:sp>
       <p:sp>
         <p:nvSpPr>
@@ -2932,17 +3124,10 @@
               <a:defRPr/>
             </a:pPr>
             <a:r>
-              <a:rPr kumimoji="1" lang="en-US" altLang="ja-JP" dirty="0"/>
-              <a:t>【</a:t>
-            </a:r>
-            <a:r>
               <a:rPr kumimoji="1" lang="ja-JP" altLang="en-US" dirty="0"/>
-              <a:t>段原</a:t>
-            </a:r>
-            <a:r>
-              <a:rPr kumimoji="1" lang="en-US" altLang="ja-JP" dirty="0"/>
-              <a:t>】</a:t>
-            </a:r>
+              <a:t>開発したシステムの概要を説明します。</a:t>
+            </a:r>
+            <a:endParaRPr kumimoji="1" lang="en-US" altLang="ja-JP" dirty="0"/>
           </a:p>
           <a:p>
             <a:pPr marL="0" marR="0" indent="0" algn="l" defTabSz="914400" rtl="0" eaLnBrk="1" fontAlgn="auto" latinLnBrk="0" hangingPunct="1">
@@ -2964,7 +3149,7 @@
             </a:pPr>
             <a:r>
               <a:rPr kumimoji="1" lang="ja-JP" altLang="en-US" dirty="0"/>
-              <a:t>開発したシステムの概要を説明します。</a:t>
+              <a:t>ユーザは、入店時に顧客情報とカゴを結びつけます。</a:t>
             </a:r>
             <a:endParaRPr kumimoji="1" lang="en-US" altLang="ja-JP" dirty="0"/>
           </a:p>
@@ -2988,7 +3173,7 @@
             </a:pPr>
             <a:r>
               <a:rPr kumimoji="1" lang="ja-JP" altLang="en-US" dirty="0"/>
-              <a:t>入店時にユーザ情報とカゴを結びつけます。</a:t>
+              <a:t>ユーザは、カゴへ商品を出し入れすることで買い物を行います。</a:t>
             </a:r>
             <a:endParaRPr kumimoji="1" lang="en-US" altLang="ja-JP" dirty="0"/>
           </a:p>
@@ -3012,7 +3197,7 @@
             </a:pPr>
             <a:r>
               <a:rPr kumimoji="1" lang="ja-JP" altLang="en-US" dirty="0"/>
-              <a:t>ユーザはカゴへ商品を出し入れすることで買い物を行います。</a:t>
+              <a:t>退店時にカゴの中に入っている商品の決済が自動で行われ、ユーザの口座から合計金額がひかれる仕組みになっています。</a:t>
             </a:r>
             <a:endParaRPr kumimoji="1" lang="en-US" altLang="ja-JP" dirty="0"/>
           </a:p>
@@ -3036,7 +3221,7 @@
             </a:pPr>
             <a:r>
               <a:rPr kumimoji="1" lang="ja-JP" altLang="en-US" dirty="0"/>
-              <a:t>退店時にカゴの中に入っている商品の決済が自動で行われ、ユーザの口座から合計金額がひかれる仕組みになっています。</a:t>
+              <a:t>今回は、スライドの赤枠で囲った部分のみの実装となっています。</a:t>
             </a:r>
             <a:endParaRPr kumimoji="1" lang="en-US" altLang="ja-JP" dirty="0"/>
           </a:p>
@@ -3060,52 +3245,8 @@
             </a:pPr>
             <a:r>
               <a:rPr kumimoji="1" lang="ja-JP" altLang="en-US" dirty="0"/>
-              <a:t>今回は、スライドの赤枠で囲った部分のみの実装となっています。</a:t>
-            </a:r>
-            <a:endParaRPr kumimoji="1" lang="en-US" altLang="ja-JP" dirty="0"/>
-          </a:p>
-          <a:p>
-            <a:pPr marL="0" marR="0" indent="0" algn="l" defTabSz="914400" rtl="0" eaLnBrk="1" fontAlgn="auto" latinLnBrk="0" hangingPunct="1">
-              <a:lnSpc>
-                <a:spcPct val="100000"/>
-              </a:lnSpc>
-              <a:spcBef>
-                <a:spcPts val="0"/>
-              </a:spcBef>
-              <a:spcAft>
-                <a:spcPts val="0"/>
-              </a:spcAft>
-              <a:buClrTx/>
-              <a:buSzTx/>
-              <a:buFontTx/>
-              <a:buNone/>
-              <a:tabLst/>
-              <a:defRPr/>
-            </a:pPr>
-            <a:r>
-              <a:rPr kumimoji="1" lang="ja-JP" altLang="en-US" dirty="0"/>
               <a:t>理由としましては、研究目的達成のため、実装優先度の高いものを選定したからです。</a:t>
             </a:r>
-            <a:endParaRPr kumimoji="1" lang="en-US" altLang="ja-JP" dirty="0"/>
-          </a:p>
-          <a:p>
-            <a:pPr marL="0" marR="0" indent="0" algn="l" defTabSz="914400" rtl="0" eaLnBrk="1" fontAlgn="auto" latinLnBrk="0" hangingPunct="1">
-              <a:lnSpc>
-                <a:spcPct val="100000"/>
-              </a:lnSpc>
-              <a:spcBef>
-                <a:spcPts val="0"/>
-              </a:spcBef>
-              <a:spcAft>
-                <a:spcPts val="0"/>
-              </a:spcAft>
-              <a:buClrTx/>
-              <a:buSzTx/>
-              <a:buFontTx/>
-              <a:buNone/>
-              <a:tabLst/>
-              <a:defRPr/>
-            </a:pPr>
             <a:endParaRPr kumimoji="1" lang="en-US" altLang="ja-JP" dirty="0"/>
           </a:p>
         </p:txBody>
@@ -3173,7 +3314,12 @@
             <p:ph type="sldImg"/>
           </p:nvPr>
         </p:nvSpPr>
-        <p:spPr/>
+        <p:spPr>
+          <a:xfrm>
+            <a:off x="1147763" y="1233488"/>
+            <a:ext cx="4440237" cy="3328987"/>
+          </a:xfrm>
+        </p:spPr>
       </p:sp>
       <p:sp>
         <p:nvSpPr>
@@ -3214,7 +3360,7 @@
           <a:p>
             <a:r>
               <a:rPr kumimoji="1" lang="ja-JP" altLang="en-US" dirty="0"/>
-              <a:t>サーバ側では画像処理を行って画像からバーコード番号を識別します。識別が成功するとバーコード番号を</a:t>
+              <a:t>サーバは、画像処理を行って画像からバーコード番号を識別します。識別が成功するとバーコード番号を</a:t>
             </a:r>
             <a:r>
               <a:rPr kumimoji="1" lang="en-US" altLang="ja-JP" dirty="0"/>
@@ -3242,12 +3388,9 @@
             <a:endParaRPr kumimoji="1" lang="en-US" altLang="ja-JP" dirty="0"/>
           </a:p>
           <a:p>
-            <a:endParaRPr kumimoji="1" lang="en-US" altLang="ja-JP" dirty="0"/>
-          </a:p>
-          <a:p>
             <a:r>
               <a:rPr kumimoji="1" lang="ja-JP" altLang="en-US" dirty="0"/>
-              <a:t>実装に関しては、赤枠で囲っている部分を私が、それ以外を真鍋さんが担当しました。</a:t>
+              <a:t>実装に関しては、赤枠で囲っている部分を私が、それ以外を真鍋が担当しました。</a:t>
             </a:r>
             <a:endParaRPr kumimoji="1" lang="en-US" altLang="ja-JP" dirty="0"/>
           </a:p>
@@ -3425,53 +3568,27 @@
             <p:ph type="sldImg"/>
           </p:nvPr>
         </p:nvSpPr>
+        <p:spPr>
+          <a:xfrm>
+            <a:off x="1147763" y="1233488"/>
+            <a:ext cx="4440237" cy="3328987"/>
+          </a:xfrm>
+        </p:spPr>
+      </p:sp>
+      <p:sp>
+        <p:nvSpPr>
+          <p:cNvPr id="3" name="ノート プレースホルダー 2"/>
+          <p:cNvSpPr>
+            <a:spLocks noGrp="1"/>
+          </p:cNvSpPr>
+          <p:nvPr>
+            <p:ph type="body" idx="1"/>
+          </p:nvPr>
+        </p:nvSpPr>
         <p:spPr/>
-      </p:sp>
-      <p:sp>
-        <p:nvSpPr>
-          <p:cNvPr id="3" name="ノート プレースホルダー 2"/>
-          <p:cNvSpPr>
-            <a:spLocks noGrp="1"/>
-          </p:cNvSpPr>
-          <p:nvPr>
-            <p:ph type="body" idx="1"/>
-          </p:nvPr>
-        </p:nvSpPr>
-        <p:spPr/>
         <p:txBody>
           <a:bodyPr/>
           <a:lstStyle/>
-          <a:p>
-            <a:pPr marL="0" marR="0" indent="0" algn="l" defTabSz="914400" rtl="0" eaLnBrk="1" fontAlgn="auto" latinLnBrk="0" hangingPunct="1">
-              <a:lnSpc>
-                <a:spcPct val="100000"/>
-              </a:lnSpc>
-              <a:spcBef>
-                <a:spcPts val="0"/>
-              </a:spcBef>
-              <a:spcAft>
-                <a:spcPts val="0"/>
-              </a:spcAft>
-              <a:buClrTx/>
-              <a:buSzTx/>
-              <a:buFontTx/>
-              <a:buNone/>
-              <a:tabLst/>
-              <a:defRPr/>
-            </a:pPr>
-            <a:r>
-              <a:rPr kumimoji="1" lang="en-US" altLang="ja-JP" dirty="0"/>
-              <a:t>【</a:t>
-            </a:r>
-            <a:r>
-              <a:rPr kumimoji="1" lang="ja-JP" altLang="en-US" dirty="0"/>
-              <a:t>段原</a:t>
-            </a:r>
-            <a:r>
-              <a:rPr kumimoji="1" lang="en-US" altLang="ja-JP" dirty="0"/>
-              <a:t>】</a:t>
-            </a:r>
-          </a:p>
           <a:p>
             <a:r>
               <a:rPr kumimoji="1" lang="ja-JP" altLang="en-US" dirty="0"/>
@@ -3494,7 +3611,7 @@
             </a:r>
             <a:r>
               <a:rPr kumimoji="1" lang="en-US" altLang="ja-JP" dirty="0"/>
-              <a:t>Unified Modeling Language</a:t>
+              <a:t>UML</a:t>
             </a:r>
             <a:r>
               <a:rPr kumimoji="1" lang="ja-JP" altLang="en-US" dirty="0"/>
@@ -3566,56 +3683,30 @@
             <p:ph type="sldImg"/>
           </p:nvPr>
         </p:nvSpPr>
+        <p:spPr>
+          <a:xfrm>
+            <a:off x="1147763" y="1233488"/>
+            <a:ext cx="4440237" cy="3328987"/>
+          </a:xfrm>
+        </p:spPr>
+      </p:sp>
+      <p:sp>
+        <p:nvSpPr>
+          <p:cNvPr id="3" name="ノート プレースホルダー 2"/>
+          <p:cNvSpPr>
+            <a:spLocks noGrp="1"/>
+          </p:cNvSpPr>
+          <p:nvPr>
+            <p:ph type="body" idx="1"/>
+          </p:nvPr>
+        </p:nvSpPr>
         <p:spPr/>
-      </p:sp>
-      <p:sp>
-        <p:nvSpPr>
-          <p:cNvPr id="3" name="ノート プレースホルダー 2"/>
-          <p:cNvSpPr>
-            <a:spLocks noGrp="1"/>
-          </p:cNvSpPr>
-          <p:nvPr>
-            <p:ph type="body" idx="1"/>
-          </p:nvPr>
-        </p:nvSpPr>
-        <p:spPr/>
         <p:txBody>
           <a:bodyPr/>
           <a:lstStyle/>
           <a:p>
-            <a:pPr marL="0" marR="0" indent="0" algn="l" defTabSz="914400" rtl="0" eaLnBrk="1" fontAlgn="auto" latinLnBrk="0" hangingPunct="1">
-              <a:lnSpc>
-                <a:spcPct val="100000"/>
-              </a:lnSpc>
-              <a:spcBef>
-                <a:spcPts val="0"/>
-              </a:spcBef>
-              <a:spcAft>
-                <a:spcPts val="0"/>
-              </a:spcAft>
-              <a:buClrTx/>
-              <a:buSzTx/>
-              <a:buFontTx/>
-              <a:buNone/>
-              <a:tabLst/>
-              <a:defRPr/>
-            </a:pPr>
-            <a:r>
-              <a:rPr kumimoji="1" lang="en-US" altLang="ja-JP"/>
-              <a:t>【</a:t>
-            </a:r>
-            <a:r>
-              <a:rPr kumimoji="1" lang="ja-JP" altLang="en-US"/>
-              <a:t>段原</a:t>
-            </a:r>
-            <a:r>
-              <a:rPr kumimoji="1" lang="en-US" altLang="ja-JP"/>
-              <a:t>】</a:t>
-            </a:r>
-          </a:p>
-          <a:p>
-            <a:r>
-              <a:rPr kumimoji="1" lang="ja-JP" altLang="en-US"/>
+            <a:r>
+              <a:rPr kumimoji="1" lang="ja-JP" altLang="en-US" dirty="0"/>
               <a:t>スケジュール管理にはガントチャートを使用し、グループでの開発を進めました。</a:t>
             </a:r>
           </a:p>
@@ -3684,43 +3775,31 @@
             <p:ph type="sldImg"/>
           </p:nvPr>
         </p:nvSpPr>
+        <p:spPr>
+          <a:xfrm>
+            <a:off x="1147763" y="1233488"/>
+            <a:ext cx="4440237" cy="3328987"/>
+          </a:xfrm>
+        </p:spPr>
+      </p:sp>
+      <p:sp>
+        <p:nvSpPr>
+          <p:cNvPr id="3" name="ノート プレースホルダー 2"/>
+          <p:cNvSpPr>
+            <a:spLocks noGrp="1"/>
+          </p:cNvSpPr>
+          <p:nvPr>
+            <p:ph type="body" idx="1"/>
+          </p:nvPr>
+        </p:nvSpPr>
         <p:spPr/>
-      </p:sp>
-      <p:sp>
-        <p:nvSpPr>
-          <p:cNvPr id="3" name="ノート プレースホルダー 2"/>
-          <p:cNvSpPr>
-            <a:spLocks noGrp="1"/>
-          </p:cNvSpPr>
-          <p:nvPr>
-            <p:ph type="body" idx="1"/>
-          </p:nvPr>
-        </p:nvSpPr>
-        <p:spPr/>
         <p:txBody>
           <a:bodyPr/>
           <a:lstStyle/>
           <a:p>
-            <a:pPr marL="0" marR="0" indent="0" algn="l" defTabSz="914400" rtl="0" eaLnBrk="1" fontAlgn="auto" latinLnBrk="0" hangingPunct="1">
-              <a:lnSpc>
-                <a:spcPct val="100000"/>
-              </a:lnSpc>
-              <a:spcBef>
-                <a:spcPts val="0"/>
-              </a:spcBef>
-              <a:spcAft>
-                <a:spcPts val="0"/>
-              </a:spcAft>
-              <a:buClrTx/>
-              <a:buSzTx/>
-              <a:buFontTx/>
-              <a:buNone/>
-              <a:tabLst/>
-              <a:defRPr/>
-            </a:pPr>
-            <a:r>
-              <a:rPr kumimoji="1" lang="ja-JP" altLang="en-US" sz="1200" dirty="0"/>
-              <a:t>ユースケース図を用いて要求分析を行いました</a:t>
+            <a:r>
+              <a:rPr kumimoji="1" lang="ja-JP" altLang="en-US" dirty="0"/>
+              <a:t>次に、システムの構成について説明します。</a:t>
             </a:r>
           </a:p>
         </p:txBody>
@@ -3742,7 +3821,7 @@
           <a:p>
             <a:fld id="{1705D8A9-7A56-411A-9EF9-F7869DF78C8C}" type="slidenum">
               <a:rPr kumimoji="1" lang="ja-JP" altLang="en-US" smtClean="0"/>
-              <a:t>9</a:t>
+              <a:t>8</a:t>
             </a:fld>
             <a:endParaRPr kumimoji="1" lang="ja-JP" altLang="en-US"/>
           </a:p>
@@ -3751,7 +3830,7 @@
     </p:spTree>
     <p:extLst>
       <p:ext uri="{BB962C8B-B14F-4D97-AF65-F5344CB8AC3E}">
-        <p14:creationId xmlns:p14="http://schemas.microsoft.com/office/powerpoint/2010/main" val="2767814461"/>
+        <p14:creationId xmlns:p14="http://schemas.microsoft.com/office/powerpoint/2010/main" val="3297500938"/>
       </p:ext>
     </p:extLst>
   </p:cSld>
@@ -3786,8 +3865,8 @@
         </p:nvSpPr>
         <p:spPr>
           <a:xfrm>
-            <a:off x="1" y="6400800"/>
-            <a:ext cx="12192000" cy="457200"/>
+            <a:off x="2382" y="6400800"/>
+            <a:ext cx="9141619" cy="457200"/>
           </a:xfrm>
           <a:prstGeom prst="rect">
             <a:avLst/>
@@ -3824,8 +3903,8 @@
         </p:nvSpPr>
         <p:spPr>
           <a:xfrm>
-            <a:off x="1" y="6334316"/>
-            <a:ext cx="12192000" cy="66484"/>
+            <a:off x="12" y="6334316"/>
+            <a:ext cx="9141619" cy="64008"/>
           </a:xfrm>
           <a:prstGeom prst="rect">
             <a:avLst/>
@@ -3866,8 +3945,8 @@
         </p:nvSpPr>
         <p:spPr>
           <a:xfrm>
-            <a:off x="1097280" y="758952"/>
-            <a:ext cx="10058400" cy="3566160"/>
+            <a:off x="822960" y="758952"/>
+            <a:ext cx="7543800" cy="3566160"/>
           </a:xfrm>
         </p:spPr>
         <p:txBody>
@@ -3910,8 +3989,8 @@
         </p:nvSpPr>
         <p:spPr>
           <a:xfrm>
-            <a:off x="1100051" y="4455621"/>
-            <a:ext cx="10058400" cy="1143000"/>
+            <a:off x="825038" y="4455621"/>
+            <a:ext cx="7543800" cy="1143000"/>
           </a:xfrm>
         </p:spPr>
         <p:txBody>
@@ -3987,7 +4066,7 @@
           <a:p>
             <a:fld id="{4DB34049-4C60-4FA3-9E3E-A872660373D4}" type="datetime1">
               <a:rPr kumimoji="1" lang="ja-JP" altLang="en-US" smtClean="0"/>
-              <a:t>2020/2/13</a:t>
+              <a:t>2020/2/16</a:t>
             </a:fld>
             <a:endParaRPr kumimoji="1" lang="ja-JP" altLang="en-US"/>
           </a:p>
@@ -4043,8 +4122,8 @@
         </p:nvCxnSpPr>
         <p:spPr>
           <a:xfrm>
-            <a:off x="1207658" y="4343400"/>
-            <a:ext cx="9875520" cy="0"/>
+            <a:off x="905744" y="4343400"/>
+            <a:ext cx="7406640" cy="0"/>
           </a:xfrm>
           <a:prstGeom prst="line">
             <a:avLst/>
@@ -4076,7 +4155,7 @@
     </p:spTree>
     <p:extLst>
       <p:ext uri="{BB962C8B-B14F-4D97-AF65-F5344CB8AC3E}">
-        <p14:creationId xmlns:p14="http://schemas.microsoft.com/office/powerpoint/2010/main" val="959528533"/>
+        <p14:creationId xmlns:p14="http://schemas.microsoft.com/office/powerpoint/2010/main" val="1231388917"/>
       </p:ext>
     </p:extLst>
   </p:cSld>
@@ -4088,7 +4167,7 @@
 
 <file path=ppt/slideLayouts/slideLayout10.xml><?xml version="1.0" encoding="utf-8"?>
 <p:sldLayout xmlns:a="http://schemas.openxmlformats.org/drawingml/2006/main" xmlns:r="http://schemas.openxmlformats.org/officeDocument/2006/relationships" xmlns:p="http://schemas.openxmlformats.org/presentationml/2006/main" type="vertTx" preserve="1">
-  <p:cSld name="タイトルと&#10;縦書きテキスト">
+  <p:cSld name="タイトルと縦書きテキスト">
     <p:spTree>
       <p:nvGrpSpPr>
         <p:cNvPr id="1" name=""/>
@@ -4225,9 +4304,9 @@
           <a:bodyPr/>
           <a:lstStyle/>
           <a:p>
-            <a:fld id="{B2B1C8DF-EAB5-43F7-8462-42F0F4F3EEAD}" type="datetime1">
+            <a:fld id="{5033D987-17AA-4DBB-A451-16E4C533DF6A}" type="datetime1">
               <a:rPr kumimoji="1" lang="ja-JP" altLang="en-US" smtClean="0"/>
-              <a:t>2020/2/13</a:t>
+              <a:t>2020/2/16</a:t>
             </a:fld>
             <a:endParaRPr kumimoji="1" lang="ja-JP" altLang="en-US"/>
           </a:p>
@@ -4268,23 +4347,25 @@
           <a:lstStyle/>
           <a:p>
             <a:fld id="{3C3988C9-8C6C-49D7-8D82-24DA391FB063}" type="slidenum">
-              <a:rPr kumimoji="1" lang="ja-JP" altLang="en-US" smtClean="0"/>
+              <a:rPr lang="ja-JP" altLang="en-US" smtClean="0"/>
+              <a:pPr/>
               <a:t>‹#›</a:t>
             </a:fld>
-            <a:endParaRPr kumimoji="1" lang="ja-JP" altLang="en-US"/>
+            <a:endParaRPr lang="ja-JP" altLang="en-US"/>
           </a:p>
         </p:txBody>
       </p:sp>
     </p:spTree>
     <p:extLst>
       <p:ext uri="{BB962C8B-B14F-4D97-AF65-F5344CB8AC3E}">
-        <p14:creationId xmlns:p14="http://schemas.microsoft.com/office/powerpoint/2010/main" val="69496309"/>
+        <p14:creationId xmlns:p14="http://schemas.microsoft.com/office/powerpoint/2010/main" val="1740779928"/>
       </p:ext>
     </p:extLst>
   </p:cSld>
   <p:clrMapOvr>
     <a:masterClrMapping/>
   </p:clrMapOvr>
+  <p:hf hdr="0" ftr="0" dt="0"/>
 </p:sldLayout>
 </file>
 
@@ -4313,8 +4394,8 @@
         </p:nvSpPr>
         <p:spPr>
           <a:xfrm>
-            <a:off x="3175" y="6400800"/>
-            <a:ext cx="12188825" cy="457200"/>
+            <a:off x="2382" y="6400800"/>
+            <a:ext cx="9141619" cy="457200"/>
           </a:xfrm>
           <a:prstGeom prst="rect">
             <a:avLst/>
@@ -4351,8 +4432,8 @@
         </p:nvSpPr>
         <p:spPr>
           <a:xfrm>
-            <a:off x="15" y="6334316"/>
-            <a:ext cx="12188825" cy="64008"/>
+            <a:off x="12" y="6334316"/>
+            <a:ext cx="9141619" cy="64008"/>
           </a:xfrm>
           <a:prstGeom prst="rect">
             <a:avLst/>
@@ -4393,8 +4474,8 @@
         </p:nvSpPr>
         <p:spPr>
           <a:xfrm>
-            <a:off x="8724900" y="412302"/>
-            <a:ext cx="2628900" cy="5759898"/>
+            <a:off x="6543675" y="412302"/>
+            <a:ext cx="1971675" cy="5759898"/>
           </a:xfrm>
         </p:spPr>
         <p:txBody>
@@ -4421,8 +4502,8 @@
         </p:nvSpPr>
         <p:spPr>
           <a:xfrm>
-            <a:off x="838200" y="412302"/>
-            <a:ext cx="7734300" cy="5759898"/>
+            <a:off x="628650" y="412302"/>
+            <a:ext cx="5800725" cy="5759898"/>
           </a:xfrm>
         </p:spPr>
         <p:txBody>
@@ -4515,7 +4596,7 @@
           <a:p>
             <a:fld id="{E4AF5F8E-C413-4E10-B014-B9E3DDF4AA8A}" type="datetime1">
               <a:rPr kumimoji="1" lang="ja-JP" altLang="en-US" smtClean="0"/>
-              <a:t>2020/2/13</a:t>
+              <a:t>2020/2/16</a:t>
             </a:fld>
             <a:endParaRPr kumimoji="1" lang="ja-JP" altLang="en-US"/>
           </a:p>
@@ -4566,7 +4647,7 @@
     </p:spTree>
     <p:extLst>
       <p:ext uri="{BB962C8B-B14F-4D97-AF65-F5344CB8AC3E}">
-        <p14:creationId xmlns:p14="http://schemas.microsoft.com/office/powerpoint/2010/main" val="1188218745"/>
+        <p14:creationId xmlns:p14="http://schemas.microsoft.com/office/powerpoint/2010/main" val="876053397"/>
       </p:ext>
     </p:extLst>
   </p:cSld>
@@ -4601,8 +4682,8 @@
         </p:nvSpPr>
         <p:spPr>
           <a:xfrm>
-            <a:off x="1" y="6400800"/>
-            <a:ext cx="12192000" cy="457200"/>
+            <a:off x="2382" y="6400800"/>
+            <a:ext cx="9141619" cy="457200"/>
           </a:xfrm>
           <a:prstGeom prst="rect">
             <a:avLst/>
@@ -4639,8 +4720,8 @@
         </p:nvSpPr>
         <p:spPr>
           <a:xfrm>
-            <a:off x="1" y="6334316"/>
-            <a:ext cx="12192000" cy="66484"/>
+            <a:off x="12" y="6334316"/>
+            <a:ext cx="9141619" cy="64008"/>
           </a:xfrm>
           <a:prstGeom prst="rect">
             <a:avLst/>
@@ -4681,8 +4762,8 @@
         </p:nvSpPr>
         <p:spPr>
           <a:xfrm>
-            <a:off x="1097280" y="758952"/>
-            <a:ext cx="10058400" cy="3566160"/>
+            <a:off x="822960" y="758952"/>
+            <a:ext cx="7543800" cy="3566160"/>
           </a:xfrm>
         </p:spPr>
         <p:txBody>
@@ -4725,8 +4806,8 @@
         </p:nvSpPr>
         <p:spPr>
           <a:xfrm>
-            <a:off x="1100051" y="4455621"/>
-            <a:ext cx="10058400" cy="1143000"/>
+            <a:off x="825038" y="4455621"/>
+            <a:ext cx="7543800" cy="1143000"/>
           </a:xfrm>
         </p:spPr>
         <p:txBody>
@@ -4802,7 +4883,7 @@
           <a:p>
             <a:fld id="{3EC1410A-F8EF-4E0C-B87B-0DB9A19D73BC}" type="datetime1">
               <a:rPr kumimoji="1" lang="ja-JP" altLang="en-US" smtClean="0"/>
-              <a:t>2020/2/13</a:t>
+              <a:t>2020/2/16</a:t>
             </a:fld>
             <a:endParaRPr kumimoji="1" lang="ja-JP" altLang="en-US"/>
           </a:p>
@@ -4858,8 +4939,8 @@
         </p:nvCxnSpPr>
         <p:spPr>
           <a:xfrm>
-            <a:off x="1207658" y="4343400"/>
-            <a:ext cx="9875520" cy="0"/>
+            <a:off x="905744" y="4343400"/>
+            <a:ext cx="7406640" cy="0"/>
           </a:xfrm>
           <a:prstGeom prst="line">
             <a:avLst/>
@@ -4891,7 +4972,7 @@
     </p:spTree>
     <p:extLst>
       <p:ext uri="{BB962C8B-B14F-4D97-AF65-F5344CB8AC3E}">
-        <p14:creationId xmlns:p14="http://schemas.microsoft.com/office/powerpoint/2010/main" val="4187630681"/>
+        <p14:creationId xmlns:p14="http://schemas.microsoft.com/office/powerpoint/2010/main" val="715525236"/>
       </p:ext>
     </p:extLst>
   </p:cSld>
@@ -4931,11 +5012,7 @@
         <p:spPr/>
         <p:txBody>
           <a:bodyPr/>
-          <a:lstStyle>
-            <a:lvl1pPr>
-              <a:defRPr spc="300"/>
-            </a:lvl1pPr>
-          </a:lstStyle>
+          <a:lstStyle/>
           <a:p>
             <a:r>
               <a:rPr lang="ja-JP" altLang="en-US"/>
@@ -4958,23 +5035,7 @@
         <p:spPr/>
         <p:txBody>
           <a:bodyPr/>
-          <a:lstStyle>
-            <a:lvl1pPr>
-              <a:defRPr spc="300"/>
-            </a:lvl1pPr>
-            <a:lvl2pPr>
-              <a:defRPr spc="300"/>
-            </a:lvl2pPr>
-            <a:lvl3pPr>
-              <a:defRPr spc="300"/>
-            </a:lvl3pPr>
-            <a:lvl4pPr>
-              <a:defRPr spc="300"/>
-            </a:lvl4pPr>
-            <a:lvl5pPr>
-              <a:defRPr spc="300"/>
-            </a:lvl5pPr>
-          </a:lstStyle>
+          <a:lstStyle/>
           <a:p>
             <a:pPr lvl="0"/>
             <a:r>
@@ -5062,7 +5123,7 @@
           <a:p>
             <a:fld id="{FF0B594E-E4D2-48B8-9775-B717AFE7D1E8}" type="datetime1">
               <a:rPr kumimoji="1" lang="ja-JP" altLang="en-US" smtClean="0"/>
-              <a:t>2020/2/13</a:t>
+              <a:t>2020/2/16</a:t>
             </a:fld>
             <a:endParaRPr kumimoji="1" lang="ja-JP" altLang="en-US"/>
           </a:p>
@@ -5113,7 +5174,7 @@
     </p:spTree>
     <p:extLst>
       <p:ext uri="{BB962C8B-B14F-4D97-AF65-F5344CB8AC3E}">
-        <p14:creationId xmlns:p14="http://schemas.microsoft.com/office/powerpoint/2010/main" val="3618658265"/>
+        <p14:creationId xmlns:p14="http://schemas.microsoft.com/office/powerpoint/2010/main" val="2339096352"/>
       </p:ext>
     </p:extLst>
   </p:cSld>
@@ -5156,8 +5217,8 @@
         </p:nvSpPr>
         <p:spPr>
           <a:xfrm>
-            <a:off x="3175" y="6400800"/>
-            <a:ext cx="12188825" cy="457200"/>
+            <a:off x="2382" y="6400800"/>
+            <a:ext cx="9141619" cy="457200"/>
           </a:xfrm>
           <a:prstGeom prst="rect">
             <a:avLst/>
@@ -5194,8 +5255,8 @@
         </p:nvSpPr>
         <p:spPr>
           <a:xfrm>
-            <a:off x="15" y="6334316"/>
-            <a:ext cx="12188825" cy="64008"/>
+            <a:off x="12" y="6334316"/>
+            <a:ext cx="9141619" cy="64008"/>
           </a:xfrm>
           <a:prstGeom prst="rect">
             <a:avLst/>
@@ -5236,8 +5297,8 @@
         </p:nvSpPr>
         <p:spPr>
           <a:xfrm>
-            <a:off x="1097280" y="758952"/>
-            <a:ext cx="10058400" cy="3566160"/>
+            <a:off x="822960" y="758952"/>
+            <a:ext cx="7543800" cy="3566160"/>
           </a:xfrm>
         </p:spPr>
         <p:txBody>
@@ -5280,8 +5341,8 @@
         </p:nvSpPr>
         <p:spPr>
           <a:xfrm>
-            <a:off x="1097280" y="4453128"/>
-            <a:ext cx="10058400" cy="1143000"/>
+            <a:off x="822960" y="4453128"/>
+            <a:ext cx="7543800" cy="1143000"/>
           </a:xfrm>
         </p:spPr>
         <p:txBody>
@@ -5405,7 +5466,7 @@
           <a:p>
             <a:fld id="{6DC04BBE-2F4C-41C7-82DA-A250BA78D004}" type="datetime1">
               <a:rPr kumimoji="1" lang="ja-JP" altLang="en-US" smtClean="0"/>
-              <a:t>2020/2/13</a:t>
+              <a:t>2020/2/16</a:t>
             </a:fld>
             <a:endParaRPr kumimoji="1" lang="ja-JP" altLang="en-US"/>
           </a:p>
@@ -5461,8 +5522,8 @@
         </p:nvCxnSpPr>
         <p:spPr>
           <a:xfrm>
-            <a:off x="1207658" y="4343400"/>
-            <a:ext cx="9875520" cy="0"/>
+            <a:off x="905744" y="4343400"/>
+            <a:ext cx="7406640" cy="0"/>
           </a:xfrm>
           <a:prstGeom prst="line">
             <a:avLst/>
@@ -5494,7 +5555,7 @@
     </p:spTree>
     <p:extLst>
       <p:ext uri="{BB962C8B-B14F-4D97-AF65-F5344CB8AC3E}">
-        <p14:creationId xmlns:p14="http://schemas.microsoft.com/office/powerpoint/2010/main" val="2824618692"/>
+        <p14:creationId xmlns:p14="http://schemas.microsoft.com/office/powerpoint/2010/main" val="2119813374"/>
       </p:ext>
     </p:extLst>
   </p:cSld>
@@ -5533,17 +5594,13 @@
         </p:nvSpPr>
         <p:spPr>
           <a:xfrm>
-            <a:off x="1097280" y="286603"/>
-            <a:ext cx="10058400" cy="1450757"/>
+            <a:off x="822960" y="286604"/>
+            <a:ext cx="7543800" cy="1450757"/>
           </a:xfrm>
         </p:spPr>
         <p:txBody>
           <a:bodyPr/>
-          <a:lstStyle>
-            <a:lvl1pPr>
-              <a:defRPr spc="300"/>
-            </a:lvl1pPr>
-          </a:lstStyle>
+          <a:lstStyle/>
           <a:p>
             <a:r>
               <a:rPr lang="ja-JP" altLang="en-US"/>
@@ -5565,29 +5622,13 @@
         </p:nvSpPr>
         <p:spPr>
           <a:xfrm>
-            <a:off x="1097280" y="1845734"/>
-            <a:ext cx="4937760" cy="4023359"/>
+            <a:off x="822960" y="1845735"/>
+            <a:ext cx="3703320" cy="4023359"/>
           </a:xfrm>
         </p:spPr>
         <p:txBody>
           <a:bodyPr/>
-          <a:lstStyle>
-            <a:lvl1pPr>
-              <a:defRPr spc="300"/>
-            </a:lvl1pPr>
-            <a:lvl2pPr>
-              <a:defRPr spc="300"/>
-            </a:lvl2pPr>
-            <a:lvl3pPr>
-              <a:defRPr spc="300"/>
-            </a:lvl3pPr>
-            <a:lvl4pPr>
-              <a:defRPr spc="300"/>
-            </a:lvl4pPr>
-            <a:lvl5pPr>
-              <a:defRPr spc="300"/>
-            </a:lvl5pPr>
-          </a:lstStyle>
+          <a:lstStyle/>
           <a:p>
             <a:pPr lvl="0"/>
             <a:r>
@@ -5670,29 +5711,13 @@
         </p:nvSpPr>
         <p:spPr>
           <a:xfrm>
-            <a:off x="6217920" y="1845735"/>
-            <a:ext cx="4937760" cy="4023360"/>
+            <a:off x="4663440" y="1845735"/>
+            <a:ext cx="3703320" cy="4023360"/>
           </a:xfrm>
         </p:spPr>
         <p:txBody>
           <a:bodyPr/>
-          <a:lstStyle>
-            <a:lvl1pPr>
-              <a:defRPr spc="300"/>
-            </a:lvl1pPr>
-            <a:lvl2pPr>
-              <a:defRPr spc="300"/>
-            </a:lvl2pPr>
-            <a:lvl3pPr>
-              <a:defRPr spc="300"/>
-            </a:lvl3pPr>
-            <a:lvl4pPr>
-              <a:defRPr spc="300"/>
-            </a:lvl4pPr>
-            <a:lvl5pPr>
-              <a:defRPr spc="300"/>
-            </a:lvl5pPr>
-          </a:lstStyle>
+          <a:lstStyle/>
           <a:p>
             <a:pPr lvl="0"/>
             <a:r>
@@ -5776,15 +5801,11 @@
         <p:spPr/>
         <p:txBody>
           <a:bodyPr/>
-          <a:lstStyle>
-            <a:lvl1pPr>
-              <a:defRPr spc="300"/>
-            </a:lvl1pPr>
-          </a:lstStyle>
+          <a:lstStyle/>
           <a:p>
             <a:fld id="{3624D211-8779-4C68-9097-38DC4F40D109}" type="datetime1">
               <a:rPr lang="ja-JP" altLang="en-US" smtClean="0"/>
-              <a:t>2020/2/13</a:t>
+              <a:t>2020/2/16</a:t>
             </a:fld>
             <a:endParaRPr lang="ja-JP" altLang="en-US"/>
           </a:p>
@@ -5803,11 +5824,7 @@
         <p:spPr/>
         <p:txBody>
           <a:bodyPr/>
-          <a:lstStyle>
-            <a:lvl1pPr>
-              <a:defRPr spc="300"/>
-            </a:lvl1pPr>
-          </a:lstStyle>
+          <a:lstStyle/>
           <a:p>
             <a:endParaRPr lang="ja-JP" altLang="en-US"/>
           </a:p>
@@ -5826,11 +5843,7 @@
         <p:spPr/>
         <p:txBody>
           <a:bodyPr/>
-          <a:lstStyle>
-            <a:lvl1pPr>
-              <a:defRPr spc="300"/>
-            </a:lvl1pPr>
-          </a:lstStyle>
+          <a:lstStyle/>
           <a:p>
             <a:fld id="{3C3988C9-8C6C-49D7-8D82-24DA391FB063}" type="slidenum">
               <a:rPr lang="ja-JP" altLang="en-US" smtClean="0"/>
@@ -5844,7 +5857,7 @@
     </p:spTree>
     <p:extLst>
       <p:ext uri="{BB962C8B-B14F-4D97-AF65-F5344CB8AC3E}">
-        <p14:creationId xmlns:p14="http://schemas.microsoft.com/office/powerpoint/2010/main" val="649266881"/>
+        <p14:creationId xmlns:p14="http://schemas.microsoft.com/office/powerpoint/2010/main" val="324939950"/>
       </p:ext>
     </p:extLst>
   </p:cSld>
@@ -5883,8 +5896,8 @@
         </p:nvSpPr>
         <p:spPr>
           <a:xfrm>
-            <a:off x="1097280" y="286603"/>
-            <a:ext cx="10058400" cy="1450757"/>
+            <a:off x="822960" y="286604"/>
+            <a:ext cx="7543800" cy="1450757"/>
           </a:xfrm>
         </p:spPr>
         <p:txBody>
@@ -5911,8 +5924,8 @@
         </p:nvSpPr>
         <p:spPr>
           <a:xfrm>
-            <a:off x="1097280" y="1846052"/>
-            <a:ext cx="4937760" cy="736282"/>
+            <a:off x="822960" y="1846052"/>
+            <a:ext cx="3703320" cy="736282"/>
           </a:xfrm>
         </p:spPr>
         <p:txBody>
@@ -5922,7 +5935,7 @@
           <a:lstStyle>
             <a:lvl1pPr marL="0" indent="0">
               <a:buNone/>
-              <a:defRPr sz="2000" b="0" cap="all" spc="300" baseline="0">
+              <a:defRPr sz="2000" b="0" cap="all" baseline="0">
                 <a:solidFill>
                   <a:schemeClr val="tx2"/>
                 </a:solidFill>
@@ -5982,29 +5995,13 @@
         </p:nvSpPr>
         <p:spPr>
           <a:xfrm>
-            <a:off x="1097280" y="2582335"/>
-            <a:ext cx="4937760" cy="3286760"/>
+            <a:off x="822960" y="2582335"/>
+            <a:ext cx="3703320" cy="3286760"/>
           </a:xfrm>
         </p:spPr>
         <p:txBody>
           <a:bodyPr/>
-          <a:lstStyle>
-            <a:lvl1pPr>
-              <a:defRPr spc="300"/>
-            </a:lvl1pPr>
-            <a:lvl2pPr>
-              <a:defRPr spc="300"/>
-            </a:lvl2pPr>
-            <a:lvl3pPr>
-              <a:defRPr spc="300"/>
-            </a:lvl3pPr>
-            <a:lvl4pPr>
-              <a:defRPr spc="300"/>
-            </a:lvl4pPr>
-            <a:lvl5pPr>
-              <a:defRPr spc="300"/>
-            </a:lvl5pPr>
-          </a:lstStyle>
+          <a:lstStyle/>
           <a:p>
             <a:pPr lvl="0"/>
             <a:r>
@@ -6087,8 +6084,8 @@
         </p:nvSpPr>
         <p:spPr>
           <a:xfrm>
-            <a:off x="6217920" y="1846052"/>
-            <a:ext cx="4937760" cy="736282"/>
+            <a:off x="4663440" y="1846052"/>
+            <a:ext cx="3703320" cy="736282"/>
           </a:xfrm>
         </p:spPr>
         <p:txBody>
@@ -6098,7 +6095,7 @@
           <a:lstStyle>
             <a:lvl1pPr marL="0" indent="0">
               <a:buNone/>
-              <a:defRPr sz="2000" b="0" cap="all" spc="300" baseline="0">
+              <a:defRPr sz="2000" b="0" cap="all" baseline="0">
                 <a:solidFill>
                   <a:schemeClr val="tx2"/>
                 </a:solidFill>
@@ -6158,29 +6155,13 @@
         </p:nvSpPr>
         <p:spPr>
           <a:xfrm>
-            <a:off x="6217920" y="2582334"/>
-            <a:ext cx="4937760" cy="3286760"/>
+            <a:off x="4663440" y="2582334"/>
+            <a:ext cx="3703320" cy="3286760"/>
           </a:xfrm>
         </p:spPr>
         <p:txBody>
           <a:bodyPr/>
-          <a:lstStyle>
-            <a:lvl1pPr>
-              <a:defRPr spc="300"/>
-            </a:lvl1pPr>
-            <a:lvl2pPr>
-              <a:defRPr spc="300"/>
-            </a:lvl2pPr>
-            <a:lvl3pPr>
-              <a:defRPr spc="300"/>
-            </a:lvl3pPr>
-            <a:lvl4pPr>
-              <a:defRPr spc="300"/>
-            </a:lvl4pPr>
-            <a:lvl5pPr>
-              <a:defRPr spc="300"/>
-            </a:lvl5pPr>
-          </a:lstStyle>
+          <a:lstStyle/>
           <a:p>
             <a:pPr lvl="0"/>
             <a:r>
@@ -6268,7 +6249,7 @@
           <a:p>
             <a:fld id="{A2D1DA24-10F6-4EFB-871C-9A026060DEE1}" type="datetime1">
               <a:rPr kumimoji="1" lang="ja-JP" altLang="en-US" smtClean="0"/>
-              <a:t>2020/2/13</a:t>
+              <a:t>2020/2/16</a:t>
             </a:fld>
             <a:endParaRPr kumimoji="1" lang="ja-JP" altLang="en-US"/>
           </a:p>
@@ -6319,7 +6300,7 @@
     </p:spTree>
     <p:extLst>
       <p:ext uri="{BB962C8B-B14F-4D97-AF65-F5344CB8AC3E}">
-        <p14:creationId xmlns:p14="http://schemas.microsoft.com/office/powerpoint/2010/main" val="637644523"/>
+        <p14:creationId xmlns:p14="http://schemas.microsoft.com/office/powerpoint/2010/main" val="3634429126"/>
       </p:ext>
     </p:extLst>
   </p:cSld>
@@ -6386,7 +6367,7 @@
           <a:p>
             <a:fld id="{52524D80-1D11-43F3-A5C4-717FAF173E05}" type="datetime1">
               <a:rPr kumimoji="1" lang="ja-JP" altLang="en-US" smtClean="0"/>
-              <a:t>2020/2/13</a:t>
+              <a:t>2020/2/16</a:t>
             </a:fld>
             <a:endParaRPr kumimoji="1" lang="ja-JP" altLang="en-US"/>
           </a:p>
@@ -6437,7 +6418,7 @@
     </p:spTree>
     <p:extLst>
       <p:ext uri="{BB962C8B-B14F-4D97-AF65-F5344CB8AC3E}">
-        <p14:creationId xmlns:p14="http://schemas.microsoft.com/office/powerpoint/2010/main" val="2579811603"/>
+        <p14:creationId xmlns:p14="http://schemas.microsoft.com/office/powerpoint/2010/main" val="1560291225"/>
       </p:ext>
     </p:extLst>
   </p:cSld>
@@ -6472,8 +6453,8 @@
         </p:nvSpPr>
         <p:spPr>
           <a:xfrm>
-            <a:off x="3175" y="6400800"/>
-            <a:ext cx="12188825" cy="457200"/>
+            <a:off x="2382" y="6400800"/>
+            <a:ext cx="9141619" cy="457200"/>
           </a:xfrm>
           <a:prstGeom prst="rect">
             <a:avLst/>
@@ -6510,8 +6491,8 @@
         </p:nvSpPr>
         <p:spPr>
           <a:xfrm>
-            <a:off x="15" y="6334316"/>
-            <a:ext cx="12188825" cy="64008"/>
+            <a:off x="12" y="6334316"/>
+            <a:ext cx="9141619" cy="64008"/>
           </a:xfrm>
           <a:prstGeom prst="rect">
             <a:avLst/>
@@ -6557,7 +6538,7 @@
           <a:p>
             <a:fld id="{DC9F12F1-D979-49E9-BC70-12049E6962F2}" type="datetime1">
               <a:rPr kumimoji="1" lang="ja-JP" altLang="en-US" smtClean="0"/>
-              <a:t>2020/2/13</a:t>
+              <a:t>2020/2/16</a:t>
             </a:fld>
             <a:endParaRPr kumimoji="1" lang="ja-JP" altLang="en-US"/>
           </a:p>
@@ -6616,7 +6597,7 @@
     </p:spTree>
     <p:extLst>
       <p:ext uri="{BB962C8B-B14F-4D97-AF65-F5344CB8AC3E}">
-        <p14:creationId xmlns:p14="http://schemas.microsoft.com/office/powerpoint/2010/main" val="180368128"/>
+        <p14:creationId xmlns:p14="http://schemas.microsoft.com/office/powerpoint/2010/main" val="1684724819"/>
       </p:ext>
     </p:extLst>
   </p:cSld>
@@ -6628,7 +6609,7 @@
 
 <file path=ppt/slideLayouts/slideLayout19.xml><?xml version="1.0" encoding="utf-8"?>
 <p:sldLayout xmlns:a="http://schemas.openxmlformats.org/drawingml/2006/main" xmlns:r="http://schemas.openxmlformats.org/officeDocument/2006/relationships" xmlns:p="http://schemas.openxmlformats.org/presentationml/2006/main" showMasterSp="0" type="objTx" preserve="1">
-  <p:cSld name="タイトル付きの&#10;コンテンツ">
+  <p:cSld name="タイトル付きのコンテンツ">
     <p:spTree>
       <p:nvGrpSpPr>
         <p:cNvPr id="1" name=""/>
@@ -6651,8 +6632,8 @@
         </p:nvSpPr>
         <p:spPr>
           <a:xfrm>
-            <a:off x="16" y="0"/>
-            <a:ext cx="4050791" cy="6858000"/>
+            <a:off x="13" y="0"/>
+            <a:ext cx="3038093" cy="6858000"/>
           </a:xfrm>
           <a:prstGeom prst="rect">
             <a:avLst/>
@@ -6689,8 +6670,8 @@
         </p:nvSpPr>
         <p:spPr>
           <a:xfrm>
-            <a:off x="4040071" y="0"/>
-            <a:ext cx="64008" cy="6858000"/>
+            <a:off x="3030053" y="0"/>
+            <a:ext cx="48006" cy="6858000"/>
           </a:xfrm>
           <a:prstGeom prst="rect">
             <a:avLst/>
@@ -6731,8 +6712,8 @@
         </p:nvSpPr>
         <p:spPr>
           <a:xfrm>
-            <a:off x="457200" y="594359"/>
-            <a:ext cx="3200400" cy="2286000"/>
+            <a:off x="342900" y="594359"/>
+            <a:ext cx="2400300" cy="2286000"/>
           </a:xfrm>
         </p:spPr>
         <p:txBody>
@@ -6769,8 +6750,8 @@
         </p:nvSpPr>
         <p:spPr>
           <a:xfrm>
-            <a:off x="4800600" y="731520"/>
-            <a:ext cx="6492240" cy="5257800"/>
+            <a:off x="3600450" y="731520"/>
+            <a:ext cx="4869180" cy="5257800"/>
           </a:xfrm>
         </p:spPr>
         <p:txBody>
@@ -6858,8 +6839,8 @@
         </p:nvSpPr>
         <p:spPr>
           <a:xfrm>
-            <a:off x="457200" y="2926080"/>
-            <a:ext cx="3200400" cy="3379124"/>
+            <a:off x="342900" y="2926080"/>
+            <a:ext cx="2400300" cy="3379124"/>
           </a:xfrm>
         </p:spPr>
         <p:txBody>
@@ -6929,8 +6910,8 @@
         </p:nvSpPr>
         <p:spPr>
           <a:xfrm>
-            <a:off x="465512" y="6459785"/>
-            <a:ext cx="2618510" cy="365125"/>
+            <a:off x="349134" y="6459786"/>
+            <a:ext cx="1963883" cy="365125"/>
           </a:xfrm>
         </p:spPr>
         <p:txBody>
@@ -6941,9 +6922,9 @@
             </a:lvl1pPr>
           </a:lstStyle>
           <a:p>
-            <a:fld id="{1FE55555-605E-47C9-B14E-4BE03F1CCFA1}" type="datetime1">
+            <a:fld id="{E88F6EB9-CD45-4D67-82BE-E6C521250E55}" type="datetime1">
               <a:rPr kumimoji="1" lang="ja-JP" altLang="en-US" smtClean="0"/>
-              <a:t>2020/2/13</a:t>
+              <a:t>2020/2/16</a:t>
             </a:fld>
             <a:endParaRPr kumimoji="1" lang="ja-JP" altLang="en-US"/>
           </a:p>
@@ -6961,8 +6942,8 @@
         </p:nvSpPr>
         <p:spPr>
           <a:xfrm>
-            <a:off x="4800600" y="6459785"/>
-            <a:ext cx="4648200" cy="365125"/>
+            <a:off x="3600450" y="6459786"/>
+            <a:ext cx="3486150" cy="365125"/>
           </a:xfrm>
         </p:spPr>
         <p:txBody>
@@ -7015,13 +6996,14 @@
     </p:spTree>
     <p:extLst>
       <p:ext uri="{BB962C8B-B14F-4D97-AF65-F5344CB8AC3E}">
-        <p14:creationId xmlns:p14="http://schemas.microsoft.com/office/powerpoint/2010/main" val="3688533036"/>
+        <p14:creationId xmlns:p14="http://schemas.microsoft.com/office/powerpoint/2010/main" val="811551554"/>
       </p:ext>
     </p:extLst>
   </p:cSld>
   <p:clrMapOvr>
     <a:masterClrMapping/>
   </p:clrMapOvr>
+  <p:hf hdr="0" ftr="0" dt="0"/>
 </p:sldLayout>
 </file>
 
@@ -7055,11 +7037,7 @@
         <p:spPr/>
         <p:txBody>
           <a:bodyPr/>
-          <a:lstStyle>
-            <a:lvl1pPr>
-              <a:defRPr spc="300"/>
-            </a:lvl1pPr>
-          </a:lstStyle>
+          <a:lstStyle/>
           <a:p>
             <a:r>
               <a:rPr lang="ja-JP" altLang="en-US"/>
@@ -7082,23 +7060,7 @@
         <p:spPr/>
         <p:txBody>
           <a:bodyPr/>
-          <a:lstStyle>
-            <a:lvl1pPr>
-              <a:defRPr spc="300"/>
-            </a:lvl1pPr>
-            <a:lvl2pPr>
-              <a:defRPr spc="300"/>
-            </a:lvl2pPr>
-            <a:lvl3pPr>
-              <a:defRPr spc="300"/>
-            </a:lvl3pPr>
-            <a:lvl4pPr>
-              <a:defRPr spc="300"/>
-            </a:lvl4pPr>
-            <a:lvl5pPr>
-              <a:defRPr spc="300"/>
-            </a:lvl5pPr>
-          </a:lstStyle>
+          <a:lstStyle/>
           <a:p>
             <a:pPr lvl="0"/>
             <a:r>
@@ -7186,7 +7148,7 @@
           <a:p>
             <a:fld id="{EBED1F3E-ACA0-4F95-987E-01D568505390}" type="datetime1">
               <a:rPr kumimoji="1" lang="ja-JP" altLang="en-US" smtClean="0"/>
-              <a:t>2020/2/13</a:t>
+              <a:t>2020/2/16</a:t>
             </a:fld>
             <a:endParaRPr kumimoji="1" lang="ja-JP" altLang="en-US"/>
           </a:p>
@@ -7224,11 +7186,7 @@
         <p:spPr/>
         <p:txBody>
           <a:bodyPr/>
-          <a:lstStyle>
-            <a:lvl1pPr>
-              <a:defRPr sz="3200"/>
-            </a:lvl1pPr>
-          </a:lstStyle>
+          <a:lstStyle/>
           <a:p>
             <a:fld id="{3C3988C9-8C6C-49D7-8D82-24DA391FB063}" type="slidenum">
               <a:rPr lang="ja-JP" altLang="en-US" smtClean="0"/>
@@ -7242,7 +7200,7 @@
     </p:spTree>
     <p:extLst>
       <p:ext uri="{BB962C8B-B14F-4D97-AF65-F5344CB8AC3E}">
-        <p14:creationId xmlns:p14="http://schemas.microsoft.com/office/powerpoint/2010/main" val="436862532"/>
+        <p14:creationId xmlns:p14="http://schemas.microsoft.com/office/powerpoint/2010/main" val="1139557161"/>
       </p:ext>
     </p:extLst>
   </p:cSld>
@@ -7278,7 +7236,7 @@
         <p:spPr>
           <a:xfrm>
             <a:off x="0" y="4953000"/>
-            <a:ext cx="12188825" cy="1905000"/>
+            <a:ext cx="9141619" cy="1905000"/>
           </a:xfrm>
           <a:prstGeom prst="rect">
             <a:avLst/>
@@ -7315,8 +7273,8 @@
         </p:nvSpPr>
         <p:spPr>
           <a:xfrm>
-            <a:off x="15" y="4915076"/>
-            <a:ext cx="12188825" cy="64008"/>
+            <a:off x="12" y="4915076"/>
+            <a:ext cx="9141619" cy="64008"/>
           </a:xfrm>
           <a:prstGeom prst="rect">
             <a:avLst/>
@@ -7357,8 +7315,8 @@
         </p:nvSpPr>
         <p:spPr>
           <a:xfrm>
-            <a:off x="1097280" y="5074920"/>
-            <a:ext cx="10113645" cy="822960"/>
+            <a:off x="822960" y="5074920"/>
+            <a:ext cx="7589520" cy="822960"/>
           </a:xfrm>
         </p:spPr>
         <p:txBody>
@@ -7395,8 +7353,8 @@
         </p:nvSpPr>
         <p:spPr>
           <a:xfrm>
-            <a:off x="15" y="0"/>
-            <a:ext cx="12191985" cy="4915076"/>
+            <a:off x="12" y="0"/>
+            <a:ext cx="9143989" cy="4915076"/>
           </a:xfrm>
           <a:solidFill>
             <a:schemeClr val="bg2">
@@ -7447,7 +7405,7 @@
           <a:p>
             <a:r>
               <a:rPr lang="ja-JP" altLang="en-US"/>
-              <a:t>図を追加</a:t>
+              <a:t>アイコンをクリックして図を追加</a:t>
             </a:r>
             <a:endParaRPr lang="en-US" dirty="0"/>
           </a:p>
@@ -7465,8 +7423,8 @@
         </p:nvSpPr>
         <p:spPr>
           <a:xfrm>
-            <a:off x="1097280" y="5907024"/>
-            <a:ext cx="10113264" cy="594360"/>
+            <a:off x="822960" y="5907024"/>
+            <a:ext cx="7589520" cy="594360"/>
           </a:xfrm>
         </p:spPr>
         <p:txBody>
@@ -7547,7 +7505,7 @@
           <a:p>
             <a:fld id="{8D0D64FD-DAC1-423E-B984-2BBD201A0D9A}" type="datetime1">
               <a:rPr kumimoji="1" lang="ja-JP" altLang="en-US" smtClean="0"/>
-              <a:t>2020/2/13</a:t>
+              <a:t>2020/2/16</a:t>
             </a:fld>
             <a:endParaRPr kumimoji="1" lang="ja-JP" altLang="en-US"/>
           </a:p>
@@ -7598,7 +7556,7 @@
     </p:spTree>
     <p:extLst>
       <p:ext uri="{BB962C8B-B14F-4D97-AF65-F5344CB8AC3E}">
-        <p14:creationId xmlns:p14="http://schemas.microsoft.com/office/powerpoint/2010/main" val="3066198407"/>
+        <p14:creationId xmlns:p14="http://schemas.microsoft.com/office/powerpoint/2010/main" val="3236775135"/>
       </p:ext>
     </p:extLst>
   </p:cSld>
@@ -7610,7 +7568,7 @@
 
 <file path=ppt/slideLayouts/slideLayout21.xml><?xml version="1.0" encoding="utf-8"?>
 <p:sldLayout xmlns:a="http://schemas.openxmlformats.org/drawingml/2006/main" xmlns:r="http://schemas.openxmlformats.org/officeDocument/2006/relationships" xmlns:p="http://schemas.openxmlformats.org/presentationml/2006/main" type="vertTx" preserve="1">
-  <p:cSld name="タイトルと&#10;縦書きテキスト">
+  <p:cSld name="タイトルと縦書きテキスト">
     <p:spTree>
       <p:nvGrpSpPr>
         <p:cNvPr id="1" name=""/>
@@ -7747,9 +7705,9 @@
           <a:bodyPr/>
           <a:lstStyle/>
           <a:p>
-            <a:fld id="{FB24D0FE-3AF2-4B9C-A593-44EDA01DAF7D}" type="datetime1">
+            <a:fld id="{E88F6EB9-CD45-4D67-82BE-E6C521250E55}" type="datetime1">
               <a:rPr kumimoji="1" lang="ja-JP" altLang="en-US" smtClean="0"/>
-              <a:t>2020/2/13</a:t>
+              <a:t>2020/2/16</a:t>
             </a:fld>
             <a:endParaRPr kumimoji="1" lang="ja-JP" altLang="en-US"/>
           </a:p>
@@ -7800,13 +7758,14 @@
     </p:spTree>
     <p:extLst>
       <p:ext uri="{BB962C8B-B14F-4D97-AF65-F5344CB8AC3E}">
-        <p14:creationId xmlns:p14="http://schemas.microsoft.com/office/powerpoint/2010/main" val="1754152335"/>
+        <p14:creationId xmlns:p14="http://schemas.microsoft.com/office/powerpoint/2010/main" val="891968015"/>
       </p:ext>
     </p:extLst>
   </p:cSld>
   <p:clrMapOvr>
     <a:masterClrMapping/>
   </p:clrMapOvr>
+  <p:hf hdr="0" ftr="0" dt="0"/>
 </p:sldLayout>
 </file>
 
@@ -7835,8 +7794,8 @@
         </p:nvSpPr>
         <p:spPr>
           <a:xfrm>
-            <a:off x="3175" y="6400800"/>
-            <a:ext cx="12188825" cy="457200"/>
+            <a:off x="2382" y="6400800"/>
+            <a:ext cx="9141619" cy="457200"/>
           </a:xfrm>
           <a:prstGeom prst="rect">
             <a:avLst/>
@@ -7873,8 +7832,8 @@
         </p:nvSpPr>
         <p:spPr>
           <a:xfrm>
-            <a:off x="15" y="6334316"/>
-            <a:ext cx="12188825" cy="64008"/>
+            <a:off x="12" y="6334316"/>
+            <a:ext cx="9141619" cy="64008"/>
           </a:xfrm>
           <a:prstGeom prst="rect">
             <a:avLst/>
@@ -7915,8 +7874,8 @@
         </p:nvSpPr>
         <p:spPr>
           <a:xfrm>
-            <a:off x="8724900" y="412302"/>
-            <a:ext cx="2628900" cy="5759898"/>
+            <a:off x="6543675" y="412302"/>
+            <a:ext cx="1971675" cy="5759898"/>
           </a:xfrm>
         </p:spPr>
         <p:txBody>
@@ -7943,8 +7902,8 @@
         </p:nvSpPr>
         <p:spPr>
           <a:xfrm>
-            <a:off x="838200" y="412302"/>
-            <a:ext cx="7734300" cy="5759898"/>
+            <a:off x="628650" y="412302"/>
+            <a:ext cx="5800725" cy="5759898"/>
           </a:xfrm>
         </p:spPr>
         <p:txBody>
@@ -8037,7 +7996,7 @@
           <a:p>
             <a:fld id="{B7B57C34-282D-413C-9FD6-95C2C05FF127}" type="datetime1">
               <a:rPr kumimoji="1" lang="ja-JP" altLang="en-US" smtClean="0"/>
-              <a:t>2020/2/13</a:t>
+              <a:t>2020/2/16</a:t>
             </a:fld>
             <a:endParaRPr kumimoji="1" lang="ja-JP" altLang="en-US"/>
           </a:p>
@@ -8088,7 +8047,7 @@
     </p:spTree>
     <p:extLst>
       <p:ext uri="{BB962C8B-B14F-4D97-AF65-F5344CB8AC3E}">
-        <p14:creationId xmlns:p14="http://schemas.microsoft.com/office/powerpoint/2010/main" val="1191396614"/>
+        <p14:creationId xmlns:p14="http://schemas.microsoft.com/office/powerpoint/2010/main" val="3922183094"/>
       </p:ext>
     </p:extLst>
   </p:cSld>
@@ -8131,8 +8090,8 @@
         </p:nvSpPr>
         <p:spPr>
           <a:xfrm>
-            <a:off x="3175" y="6400800"/>
-            <a:ext cx="12188825" cy="457200"/>
+            <a:off x="2382" y="6400800"/>
+            <a:ext cx="9141619" cy="457200"/>
           </a:xfrm>
           <a:prstGeom prst="rect">
             <a:avLst/>
@@ -8169,8 +8128,8 @@
         </p:nvSpPr>
         <p:spPr>
           <a:xfrm>
-            <a:off x="15" y="6334316"/>
-            <a:ext cx="12188825" cy="64008"/>
+            <a:off x="12" y="6334316"/>
+            <a:ext cx="9141619" cy="64008"/>
           </a:xfrm>
           <a:prstGeom prst="rect">
             <a:avLst/>
@@ -8211,8 +8170,8 @@
         </p:nvSpPr>
         <p:spPr>
           <a:xfrm>
-            <a:off x="1097280" y="758952"/>
-            <a:ext cx="10058400" cy="3566160"/>
+            <a:off x="822960" y="758952"/>
+            <a:ext cx="7543800" cy="3566160"/>
           </a:xfrm>
         </p:spPr>
         <p:txBody>
@@ -8255,8 +8214,8 @@
         </p:nvSpPr>
         <p:spPr>
           <a:xfrm>
-            <a:off x="1097280" y="4453128"/>
-            <a:ext cx="10058400" cy="1143000"/>
+            <a:off x="822960" y="4453128"/>
+            <a:ext cx="7543800" cy="1143000"/>
           </a:xfrm>
         </p:spPr>
         <p:txBody>
@@ -8380,7 +8339,7 @@
           <a:p>
             <a:fld id="{B6DE9BDE-30E7-491D-AD22-7D2FB58F7AD6}" type="datetime1">
               <a:rPr kumimoji="1" lang="ja-JP" altLang="en-US" smtClean="0"/>
-              <a:t>2020/2/13</a:t>
+              <a:t>2020/2/16</a:t>
             </a:fld>
             <a:endParaRPr kumimoji="1" lang="ja-JP" altLang="en-US"/>
           </a:p>
@@ -8436,8 +8395,8 @@
         </p:nvCxnSpPr>
         <p:spPr>
           <a:xfrm>
-            <a:off x="1207658" y="4343400"/>
-            <a:ext cx="9875520" cy="0"/>
+            <a:off x="905744" y="4343400"/>
+            <a:ext cx="7406640" cy="0"/>
           </a:xfrm>
           <a:prstGeom prst="line">
             <a:avLst/>
@@ -8469,7 +8428,7 @@
     </p:spTree>
     <p:extLst>
       <p:ext uri="{BB962C8B-B14F-4D97-AF65-F5344CB8AC3E}">
-        <p14:creationId xmlns:p14="http://schemas.microsoft.com/office/powerpoint/2010/main" val="3620576790"/>
+        <p14:creationId xmlns:p14="http://schemas.microsoft.com/office/powerpoint/2010/main" val="527427757"/>
       </p:ext>
     </p:extLst>
   </p:cSld>
@@ -8508,17 +8467,13 @@
         </p:nvSpPr>
         <p:spPr>
           <a:xfrm>
-            <a:off x="1097280" y="286603"/>
-            <a:ext cx="10058400" cy="1450757"/>
+            <a:off x="822960" y="286604"/>
+            <a:ext cx="7543800" cy="1450757"/>
           </a:xfrm>
         </p:spPr>
         <p:txBody>
           <a:bodyPr/>
-          <a:lstStyle>
-            <a:lvl1pPr>
-              <a:defRPr spc="300"/>
-            </a:lvl1pPr>
-          </a:lstStyle>
+          <a:lstStyle/>
           <a:p>
             <a:r>
               <a:rPr lang="ja-JP" altLang="en-US"/>
@@ -8540,29 +8495,13 @@
         </p:nvSpPr>
         <p:spPr>
           <a:xfrm>
-            <a:off x="1097280" y="1845734"/>
-            <a:ext cx="4937760" cy="4023359"/>
+            <a:off x="822960" y="1845735"/>
+            <a:ext cx="3703320" cy="4023359"/>
           </a:xfrm>
         </p:spPr>
         <p:txBody>
           <a:bodyPr/>
-          <a:lstStyle>
-            <a:lvl1pPr>
-              <a:defRPr spc="300"/>
-            </a:lvl1pPr>
-            <a:lvl2pPr>
-              <a:defRPr spc="300"/>
-            </a:lvl2pPr>
-            <a:lvl3pPr>
-              <a:defRPr spc="300"/>
-            </a:lvl3pPr>
-            <a:lvl4pPr>
-              <a:defRPr spc="300"/>
-            </a:lvl4pPr>
-            <a:lvl5pPr>
-              <a:defRPr spc="300"/>
-            </a:lvl5pPr>
-          </a:lstStyle>
+          <a:lstStyle/>
           <a:p>
             <a:pPr lvl="0"/>
             <a:r>
@@ -8645,29 +8584,13 @@
         </p:nvSpPr>
         <p:spPr>
           <a:xfrm>
-            <a:off x="6217920" y="1845735"/>
-            <a:ext cx="4937760" cy="4023360"/>
+            <a:off x="4663440" y="1845735"/>
+            <a:ext cx="3703320" cy="4023360"/>
           </a:xfrm>
         </p:spPr>
         <p:txBody>
           <a:bodyPr/>
-          <a:lstStyle>
-            <a:lvl1pPr>
-              <a:defRPr spc="300"/>
-            </a:lvl1pPr>
-            <a:lvl2pPr>
-              <a:defRPr spc="300"/>
-            </a:lvl2pPr>
-            <a:lvl3pPr>
-              <a:defRPr spc="300"/>
-            </a:lvl3pPr>
-            <a:lvl4pPr>
-              <a:defRPr spc="300"/>
-            </a:lvl4pPr>
-            <a:lvl5pPr>
-              <a:defRPr spc="300"/>
-            </a:lvl5pPr>
-          </a:lstStyle>
+          <a:lstStyle/>
           <a:p>
             <a:pPr lvl="0"/>
             <a:r>
@@ -8751,15 +8674,11 @@
         <p:spPr/>
         <p:txBody>
           <a:bodyPr/>
-          <a:lstStyle>
-            <a:lvl1pPr>
-              <a:defRPr spc="300"/>
-            </a:lvl1pPr>
-          </a:lstStyle>
+          <a:lstStyle/>
           <a:p>
             <a:fld id="{01C14695-FF6C-4395-B911-F0729EE23D79}" type="datetime1">
               <a:rPr lang="ja-JP" altLang="en-US" smtClean="0"/>
-              <a:t>2020/2/13</a:t>
+              <a:t>2020/2/16</a:t>
             </a:fld>
             <a:endParaRPr lang="ja-JP" altLang="en-US"/>
           </a:p>
@@ -8778,11 +8697,7 @@
         <p:spPr/>
         <p:txBody>
           <a:bodyPr/>
-          <a:lstStyle>
-            <a:lvl1pPr>
-              <a:defRPr spc="300"/>
-            </a:lvl1pPr>
-          </a:lstStyle>
+          <a:lstStyle/>
           <a:p>
             <a:endParaRPr lang="ja-JP" altLang="en-US"/>
           </a:p>
@@ -8801,11 +8716,7 @@
         <p:spPr/>
         <p:txBody>
           <a:bodyPr/>
-          <a:lstStyle>
-            <a:lvl1pPr>
-              <a:defRPr spc="300"/>
-            </a:lvl1pPr>
-          </a:lstStyle>
+          <a:lstStyle/>
           <a:p>
             <a:fld id="{3C3988C9-8C6C-49D7-8D82-24DA391FB063}" type="slidenum">
               <a:rPr lang="ja-JP" altLang="en-US" smtClean="0"/>
@@ -8819,7 +8730,7 @@
     </p:spTree>
     <p:extLst>
       <p:ext uri="{BB962C8B-B14F-4D97-AF65-F5344CB8AC3E}">
-        <p14:creationId xmlns:p14="http://schemas.microsoft.com/office/powerpoint/2010/main" val="2235904269"/>
+        <p14:creationId xmlns:p14="http://schemas.microsoft.com/office/powerpoint/2010/main" val="3200575054"/>
       </p:ext>
     </p:extLst>
   </p:cSld>
@@ -8858,8 +8769,8 @@
         </p:nvSpPr>
         <p:spPr>
           <a:xfrm>
-            <a:off x="1097280" y="286603"/>
-            <a:ext cx="10058400" cy="1450757"/>
+            <a:off x="822960" y="286604"/>
+            <a:ext cx="7543800" cy="1450757"/>
           </a:xfrm>
         </p:spPr>
         <p:txBody>
@@ -8886,8 +8797,8 @@
         </p:nvSpPr>
         <p:spPr>
           <a:xfrm>
-            <a:off x="1097280" y="1846052"/>
-            <a:ext cx="4937760" cy="736282"/>
+            <a:off x="822960" y="1846052"/>
+            <a:ext cx="3703320" cy="736282"/>
           </a:xfrm>
         </p:spPr>
         <p:txBody>
@@ -8897,7 +8808,7 @@
           <a:lstStyle>
             <a:lvl1pPr marL="0" indent="0">
               <a:buNone/>
-              <a:defRPr sz="2000" b="0" cap="all" spc="300" baseline="0">
+              <a:defRPr sz="2000" b="0" cap="all" baseline="0">
                 <a:solidFill>
                   <a:schemeClr val="tx2"/>
                 </a:solidFill>
@@ -8957,29 +8868,13 @@
         </p:nvSpPr>
         <p:spPr>
           <a:xfrm>
-            <a:off x="1097280" y="2582335"/>
-            <a:ext cx="4937760" cy="3286760"/>
+            <a:off x="822960" y="2582335"/>
+            <a:ext cx="3703320" cy="3286760"/>
           </a:xfrm>
         </p:spPr>
         <p:txBody>
           <a:bodyPr/>
-          <a:lstStyle>
-            <a:lvl1pPr>
-              <a:defRPr spc="300"/>
-            </a:lvl1pPr>
-            <a:lvl2pPr>
-              <a:defRPr spc="300"/>
-            </a:lvl2pPr>
-            <a:lvl3pPr>
-              <a:defRPr spc="300"/>
-            </a:lvl3pPr>
-            <a:lvl4pPr>
-              <a:defRPr spc="300"/>
-            </a:lvl4pPr>
-            <a:lvl5pPr>
-              <a:defRPr spc="300"/>
-            </a:lvl5pPr>
-          </a:lstStyle>
+          <a:lstStyle/>
           <a:p>
             <a:pPr lvl="0"/>
             <a:r>
@@ -9062,8 +8957,8 @@
         </p:nvSpPr>
         <p:spPr>
           <a:xfrm>
-            <a:off x="6217920" y="1846052"/>
-            <a:ext cx="4937760" cy="736282"/>
+            <a:off x="4663440" y="1846052"/>
+            <a:ext cx="3703320" cy="736282"/>
           </a:xfrm>
         </p:spPr>
         <p:txBody>
@@ -9073,7 +8968,7 @@
           <a:lstStyle>
             <a:lvl1pPr marL="0" indent="0">
               <a:buNone/>
-              <a:defRPr sz="2000" b="0" cap="all" spc="300" baseline="0">
+              <a:defRPr sz="2000" b="0" cap="all" baseline="0">
                 <a:solidFill>
                   <a:schemeClr val="tx2"/>
                 </a:solidFill>
@@ -9133,29 +9028,13 @@
         </p:nvSpPr>
         <p:spPr>
           <a:xfrm>
-            <a:off x="6217920" y="2582334"/>
-            <a:ext cx="4937760" cy="3286760"/>
+            <a:off x="4663440" y="2582334"/>
+            <a:ext cx="3703320" cy="3286760"/>
           </a:xfrm>
         </p:spPr>
         <p:txBody>
           <a:bodyPr/>
-          <a:lstStyle>
-            <a:lvl1pPr>
-              <a:defRPr spc="300"/>
-            </a:lvl1pPr>
-            <a:lvl2pPr>
-              <a:defRPr spc="300"/>
-            </a:lvl2pPr>
-            <a:lvl3pPr>
-              <a:defRPr spc="300"/>
-            </a:lvl3pPr>
-            <a:lvl4pPr>
-              <a:defRPr spc="300"/>
-            </a:lvl4pPr>
-            <a:lvl5pPr>
-              <a:defRPr spc="300"/>
-            </a:lvl5pPr>
-          </a:lstStyle>
+          <a:lstStyle/>
           <a:p>
             <a:pPr lvl="0"/>
             <a:r>
@@ -9243,7 +9122,7 @@
           <a:p>
             <a:fld id="{6D69C187-8977-41F7-95DA-2528A3317C68}" type="datetime1">
               <a:rPr kumimoji="1" lang="ja-JP" altLang="en-US" smtClean="0"/>
-              <a:t>2020/2/13</a:t>
+              <a:t>2020/2/16</a:t>
             </a:fld>
             <a:endParaRPr kumimoji="1" lang="ja-JP" altLang="en-US"/>
           </a:p>
@@ -9294,7 +9173,7 @@
     </p:spTree>
     <p:extLst>
       <p:ext uri="{BB962C8B-B14F-4D97-AF65-F5344CB8AC3E}">
-        <p14:creationId xmlns:p14="http://schemas.microsoft.com/office/powerpoint/2010/main" val="3418339981"/>
+        <p14:creationId xmlns:p14="http://schemas.microsoft.com/office/powerpoint/2010/main" val="3911704405"/>
       </p:ext>
     </p:extLst>
   </p:cSld>
@@ -9361,7 +9240,7 @@
           <a:p>
             <a:fld id="{2300910F-F157-4918-8BCF-E20DCDAE6C36}" type="datetime1">
               <a:rPr kumimoji="1" lang="ja-JP" altLang="en-US" smtClean="0"/>
-              <a:t>2020/2/13</a:t>
+              <a:t>2020/2/16</a:t>
             </a:fld>
             <a:endParaRPr kumimoji="1" lang="ja-JP" altLang="en-US"/>
           </a:p>
@@ -9412,7 +9291,7 @@
     </p:spTree>
     <p:extLst>
       <p:ext uri="{BB962C8B-B14F-4D97-AF65-F5344CB8AC3E}">
-        <p14:creationId xmlns:p14="http://schemas.microsoft.com/office/powerpoint/2010/main" val="2070620167"/>
+        <p14:creationId xmlns:p14="http://schemas.microsoft.com/office/powerpoint/2010/main" val="3940708004"/>
       </p:ext>
     </p:extLst>
   </p:cSld>
@@ -9447,8 +9326,8 @@
         </p:nvSpPr>
         <p:spPr>
           <a:xfrm>
-            <a:off x="3175" y="6400800"/>
-            <a:ext cx="12188825" cy="457200"/>
+            <a:off x="2382" y="6400800"/>
+            <a:ext cx="9141619" cy="457200"/>
           </a:xfrm>
           <a:prstGeom prst="rect">
             <a:avLst/>
@@ -9485,8 +9364,8 @@
         </p:nvSpPr>
         <p:spPr>
           <a:xfrm>
-            <a:off x="15" y="6334316"/>
-            <a:ext cx="12188825" cy="64008"/>
+            <a:off x="12" y="6334316"/>
+            <a:ext cx="9141619" cy="64008"/>
           </a:xfrm>
           <a:prstGeom prst="rect">
             <a:avLst/>
@@ -9532,7 +9411,7 @@
           <a:p>
             <a:fld id="{D87FC5CB-9D3B-49FC-80CB-278BB2E2E7E8}" type="datetime1">
               <a:rPr kumimoji="1" lang="ja-JP" altLang="en-US" smtClean="0"/>
-              <a:t>2020/2/13</a:t>
+              <a:t>2020/2/16</a:t>
             </a:fld>
             <a:endParaRPr kumimoji="1" lang="ja-JP" altLang="en-US"/>
           </a:p>
@@ -9591,7 +9470,7 @@
     </p:spTree>
     <p:extLst>
       <p:ext uri="{BB962C8B-B14F-4D97-AF65-F5344CB8AC3E}">
-        <p14:creationId xmlns:p14="http://schemas.microsoft.com/office/powerpoint/2010/main" val="850995469"/>
+        <p14:creationId xmlns:p14="http://schemas.microsoft.com/office/powerpoint/2010/main" val="845942713"/>
       </p:ext>
     </p:extLst>
   </p:cSld>
@@ -9603,7 +9482,7 @@
 
 <file path=ppt/slideLayouts/slideLayout8.xml><?xml version="1.0" encoding="utf-8"?>
 <p:sldLayout xmlns:a="http://schemas.openxmlformats.org/drawingml/2006/main" xmlns:r="http://schemas.openxmlformats.org/officeDocument/2006/relationships" xmlns:p="http://schemas.openxmlformats.org/presentationml/2006/main" showMasterSp="0" type="objTx" preserve="1">
-  <p:cSld name="タイトル付きの&#10;コンテンツ">
+  <p:cSld name="タイトル付きのコンテンツ">
     <p:spTree>
       <p:nvGrpSpPr>
         <p:cNvPr id="1" name=""/>
@@ -9626,8 +9505,8 @@
         </p:nvSpPr>
         <p:spPr>
           <a:xfrm>
-            <a:off x="16" y="0"/>
-            <a:ext cx="4050791" cy="6858000"/>
+            <a:off x="13" y="0"/>
+            <a:ext cx="3038093" cy="6858000"/>
           </a:xfrm>
           <a:prstGeom prst="rect">
             <a:avLst/>
@@ -9664,8 +9543,8 @@
         </p:nvSpPr>
         <p:spPr>
           <a:xfrm>
-            <a:off x="4040071" y="0"/>
-            <a:ext cx="64008" cy="6858000"/>
+            <a:off x="3030053" y="0"/>
+            <a:ext cx="48006" cy="6858000"/>
           </a:xfrm>
           <a:prstGeom prst="rect">
             <a:avLst/>
@@ -9706,8 +9585,8 @@
         </p:nvSpPr>
         <p:spPr>
           <a:xfrm>
-            <a:off x="457200" y="594359"/>
-            <a:ext cx="3200400" cy="2286000"/>
+            <a:off x="342900" y="594359"/>
+            <a:ext cx="2400300" cy="2286000"/>
           </a:xfrm>
         </p:spPr>
         <p:txBody>
@@ -9744,8 +9623,8 @@
         </p:nvSpPr>
         <p:spPr>
           <a:xfrm>
-            <a:off x="4800600" y="731520"/>
-            <a:ext cx="6492240" cy="5257800"/>
+            <a:off x="3600450" y="731520"/>
+            <a:ext cx="4869180" cy="5257800"/>
           </a:xfrm>
         </p:spPr>
         <p:txBody>
@@ -9833,8 +9712,8 @@
         </p:nvSpPr>
         <p:spPr>
           <a:xfrm>
-            <a:off x="457200" y="2926080"/>
-            <a:ext cx="3200400" cy="3379124"/>
+            <a:off x="342900" y="2926080"/>
+            <a:ext cx="2400300" cy="3379124"/>
           </a:xfrm>
         </p:spPr>
         <p:txBody>
@@ -9904,8 +9783,8 @@
         </p:nvSpPr>
         <p:spPr>
           <a:xfrm>
-            <a:off x="465512" y="6459785"/>
-            <a:ext cx="2618510" cy="365125"/>
+            <a:off x="349134" y="6459786"/>
+            <a:ext cx="1963883" cy="365125"/>
           </a:xfrm>
         </p:spPr>
         <p:txBody>
@@ -9916,9 +9795,9 @@
             </a:lvl1pPr>
           </a:lstStyle>
           <a:p>
-            <a:fld id="{F700B2C0-68FC-49CF-B0BB-3155B45D6910}" type="datetime1">
+            <a:fld id="{5033D987-17AA-4DBB-A451-16E4C533DF6A}" type="datetime1">
               <a:rPr kumimoji="1" lang="ja-JP" altLang="en-US" smtClean="0"/>
-              <a:t>2020/2/13</a:t>
+              <a:t>2020/2/16</a:t>
             </a:fld>
             <a:endParaRPr kumimoji="1" lang="ja-JP" altLang="en-US"/>
           </a:p>
@@ -9936,8 +9815,8 @@
         </p:nvSpPr>
         <p:spPr>
           <a:xfrm>
-            <a:off x="4800600" y="6459785"/>
-            <a:ext cx="4648200" cy="365125"/>
+            <a:off x="3600450" y="6459786"/>
+            <a:ext cx="3486150" cy="365125"/>
           </a:xfrm>
         </p:spPr>
         <p:txBody>
@@ -9980,23 +9859,25 @@
           </a:lstStyle>
           <a:p>
             <a:fld id="{3C3988C9-8C6C-49D7-8D82-24DA391FB063}" type="slidenum">
-              <a:rPr kumimoji="1" lang="ja-JP" altLang="en-US" smtClean="0"/>
+              <a:rPr lang="ja-JP" altLang="en-US" smtClean="0"/>
+              <a:pPr/>
               <a:t>‹#›</a:t>
             </a:fld>
-            <a:endParaRPr kumimoji="1" lang="ja-JP" altLang="en-US"/>
+            <a:endParaRPr lang="ja-JP" altLang="en-US"/>
           </a:p>
         </p:txBody>
       </p:sp>
     </p:spTree>
     <p:extLst>
       <p:ext uri="{BB962C8B-B14F-4D97-AF65-F5344CB8AC3E}">
-        <p14:creationId xmlns:p14="http://schemas.microsoft.com/office/powerpoint/2010/main" val="1002160375"/>
+        <p14:creationId xmlns:p14="http://schemas.microsoft.com/office/powerpoint/2010/main" val="332540622"/>
       </p:ext>
     </p:extLst>
   </p:cSld>
   <p:clrMapOvr>
     <a:masterClrMapping/>
   </p:clrMapOvr>
+  <p:hf hdr="0" ftr="0" dt="0"/>
 </p:sldLayout>
 </file>
 
@@ -10026,7 +9907,7 @@
         <p:spPr>
           <a:xfrm>
             <a:off x="0" y="4953000"/>
-            <a:ext cx="12188825" cy="1905000"/>
+            <a:ext cx="9141619" cy="1905000"/>
           </a:xfrm>
           <a:prstGeom prst="rect">
             <a:avLst/>
@@ -10063,8 +9944,8 @@
         </p:nvSpPr>
         <p:spPr>
           <a:xfrm>
-            <a:off x="15" y="4915076"/>
-            <a:ext cx="12188825" cy="64008"/>
+            <a:off x="12" y="4915076"/>
+            <a:ext cx="9141619" cy="64008"/>
           </a:xfrm>
           <a:prstGeom prst="rect">
             <a:avLst/>
@@ -10105,8 +9986,8 @@
         </p:nvSpPr>
         <p:spPr>
           <a:xfrm>
-            <a:off x="1097280" y="5074920"/>
-            <a:ext cx="10113645" cy="822960"/>
+            <a:off x="822960" y="5074920"/>
+            <a:ext cx="7589520" cy="822960"/>
           </a:xfrm>
         </p:spPr>
         <p:txBody>
@@ -10143,8 +10024,8 @@
         </p:nvSpPr>
         <p:spPr>
           <a:xfrm>
-            <a:off x="15" y="0"/>
-            <a:ext cx="12191985" cy="4915076"/>
+            <a:off x="12" y="0"/>
+            <a:ext cx="9143989" cy="4915076"/>
           </a:xfrm>
           <a:solidFill>
             <a:schemeClr val="bg2">
@@ -10195,7 +10076,7 @@
           <a:p>
             <a:r>
               <a:rPr lang="ja-JP" altLang="en-US"/>
-              <a:t>図を追加</a:t>
+              <a:t>アイコンをクリックして図を追加</a:t>
             </a:r>
             <a:endParaRPr lang="en-US" dirty="0"/>
           </a:p>
@@ -10213,8 +10094,8 @@
         </p:nvSpPr>
         <p:spPr>
           <a:xfrm>
-            <a:off x="1097280" y="5907024"/>
-            <a:ext cx="10113264" cy="594360"/>
+            <a:off x="822960" y="5907024"/>
+            <a:ext cx="7589520" cy="594360"/>
           </a:xfrm>
         </p:spPr>
         <p:txBody>
@@ -10295,7 +10176,7 @@
           <a:p>
             <a:fld id="{7A1233B6-6B32-4459-9D83-2853E0269600}" type="datetime1">
               <a:rPr kumimoji="1" lang="ja-JP" altLang="en-US" smtClean="0"/>
-              <a:t>2020/2/13</a:t>
+              <a:t>2020/2/16</a:t>
             </a:fld>
             <a:endParaRPr kumimoji="1" lang="ja-JP" altLang="en-US"/>
           </a:p>
@@ -10346,7 +10227,7 @@
     </p:spTree>
     <p:extLst>
       <p:ext uri="{BB962C8B-B14F-4D97-AF65-F5344CB8AC3E}">
-        <p14:creationId xmlns:p14="http://schemas.microsoft.com/office/powerpoint/2010/main" val="2761159725"/>
+        <p14:creationId xmlns:p14="http://schemas.microsoft.com/office/powerpoint/2010/main" val="3936515459"/>
       </p:ext>
     </p:extLst>
   </p:cSld>
@@ -10386,8 +10267,8 @@
         </p:nvSpPr>
         <p:spPr>
           <a:xfrm>
-            <a:off x="3175" y="6400800"/>
-            <a:ext cx="12188825" cy="457200"/>
+            <a:off x="0" y="6400800"/>
+            <a:ext cx="9144001" cy="457200"/>
           </a:xfrm>
           <a:prstGeom prst="rect">
             <a:avLst/>
@@ -10424,8 +10305,8 @@
         </p:nvSpPr>
         <p:spPr>
           <a:xfrm>
-            <a:off x="15" y="6334316"/>
-            <a:ext cx="12188825" cy="64008"/>
+            <a:off x="0" y="6334316"/>
+            <a:ext cx="9144001" cy="66484"/>
           </a:xfrm>
           <a:prstGeom prst="rect">
             <a:avLst/>
@@ -10466,8 +10347,8 @@
         </p:nvSpPr>
         <p:spPr>
           <a:xfrm>
-            <a:off x="1097280" y="286603"/>
-            <a:ext cx="10058400" cy="1450757"/>
+            <a:off x="822960" y="286604"/>
+            <a:ext cx="7543800" cy="1450757"/>
           </a:xfrm>
           <a:prstGeom prst="rect">
             <a:avLst/>
@@ -10499,8 +10380,8 @@
         </p:nvSpPr>
         <p:spPr>
           <a:xfrm>
-            <a:off x="1097280" y="1845734"/>
-            <a:ext cx="10058400" cy="4023360"/>
+            <a:off x="822959" y="1845734"/>
+            <a:ext cx="7543801" cy="4023360"/>
           </a:xfrm>
           <a:prstGeom prst="rect">
             <a:avLst/>
@@ -10593,8 +10474,8 @@
         </p:nvSpPr>
         <p:spPr>
           <a:xfrm>
-            <a:off x="1097280" y="6459785"/>
-            <a:ext cx="2472271" cy="365125"/>
+            <a:off x="822961" y="6459786"/>
+            <a:ext cx="1854203" cy="365125"/>
           </a:xfrm>
           <a:prstGeom prst="rect">
             <a:avLst/>
@@ -10614,7 +10495,7 @@
           <a:p>
             <a:fld id="{5033D987-17AA-4DBB-A451-16E4C533DF6A}" type="datetime1">
               <a:rPr kumimoji="1" lang="ja-JP" altLang="en-US" smtClean="0"/>
-              <a:t>2020/2/13</a:t>
+              <a:t>2020/2/16</a:t>
             </a:fld>
             <a:endParaRPr kumimoji="1" lang="ja-JP" altLang="en-US"/>
           </a:p>
@@ -10632,8 +10513,8 @@
         </p:nvSpPr>
         <p:spPr>
           <a:xfrm>
-            <a:off x="3686185" y="6459785"/>
-            <a:ext cx="4822804" cy="365125"/>
+            <a:off x="2764639" y="6459786"/>
+            <a:ext cx="3617103" cy="365125"/>
           </a:xfrm>
           <a:prstGeom prst="rect">
             <a:avLst/>
@@ -10667,8 +10548,8 @@
         </p:nvSpPr>
         <p:spPr>
           <a:xfrm>
-            <a:off x="9900458" y="6459785"/>
-            <a:ext cx="1312025" cy="365125"/>
+            <a:off x="7425344" y="6459786"/>
+            <a:ext cx="984019" cy="365125"/>
           </a:xfrm>
           <a:prstGeom prst="rect">
             <a:avLst/>
@@ -10678,7 +10559,7 @@
           <a:bodyPr vert="horz" lIns="91440" tIns="45720" rIns="91440" bIns="45720" rtlCol="0" anchor="ctr"/>
           <a:lstStyle>
             <a:lvl1pPr algn="r">
-              <a:defRPr sz="2000">
+              <a:defRPr sz="1050">
                 <a:solidFill>
                   <a:srgbClr val="FFFFFF"/>
                 </a:solidFill>
@@ -10703,8 +10584,8 @@
         </p:nvCxnSpPr>
         <p:spPr>
           <a:xfrm>
-            <a:off x="1193532" y="1737845"/>
-            <a:ext cx="9966960" cy="0"/>
+            <a:off x="895149" y="1737845"/>
+            <a:ext cx="7475220" cy="0"/>
           </a:xfrm>
           <a:prstGeom prst="line">
             <a:avLst/>
@@ -10736,23 +10617,23 @@
     </p:spTree>
     <p:extLst>
       <p:ext uri="{BB962C8B-B14F-4D97-AF65-F5344CB8AC3E}">
-        <p14:creationId xmlns:p14="http://schemas.microsoft.com/office/powerpoint/2010/main" val="899407943"/>
+        <p14:creationId xmlns:p14="http://schemas.microsoft.com/office/powerpoint/2010/main" val="2445085894"/>
       </p:ext>
     </p:extLst>
   </p:cSld>
   <p:clrMap bg1="lt1" tx1="dk1" bg2="lt2" tx2="dk2" accent1="accent1" accent2="accent2" accent3="accent3" accent4="accent4" accent5="accent5" accent6="accent6" hlink="hlink" folHlink="folHlink"/>
   <p:sldLayoutIdLst>
-    <p:sldLayoutId id="2147483781" r:id="rId1"/>
-    <p:sldLayoutId id="2147483782" r:id="rId2"/>
-    <p:sldLayoutId id="2147483783" r:id="rId3"/>
-    <p:sldLayoutId id="2147483784" r:id="rId4"/>
-    <p:sldLayoutId id="2147483785" r:id="rId5"/>
-    <p:sldLayoutId id="2147483786" r:id="rId6"/>
-    <p:sldLayoutId id="2147483787" r:id="rId7"/>
-    <p:sldLayoutId id="2147483788" r:id="rId8"/>
-    <p:sldLayoutId id="2147483789" r:id="rId9"/>
-    <p:sldLayoutId id="2147483790" r:id="rId10"/>
-    <p:sldLayoutId id="2147483791" r:id="rId11"/>
+    <p:sldLayoutId id="2147483805" r:id="rId1"/>
+    <p:sldLayoutId id="2147483806" r:id="rId2"/>
+    <p:sldLayoutId id="2147483807" r:id="rId3"/>
+    <p:sldLayoutId id="2147483808" r:id="rId4"/>
+    <p:sldLayoutId id="2147483809" r:id="rId5"/>
+    <p:sldLayoutId id="2147483810" r:id="rId6"/>
+    <p:sldLayoutId id="2147483811" r:id="rId7"/>
+    <p:sldLayoutId id="2147483812" r:id="rId8"/>
+    <p:sldLayoutId id="2147483813" r:id="rId9"/>
+    <p:sldLayoutId id="2147483814" r:id="rId10"/>
+    <p:sldLayoutId id="2147483815" r:id="rId11"/>
   </p:sldLayoutIdLst>
   <p:hf hdr="0" ftr="0" dt="0"/>
   <p:txStyles>
@@ -11153,8 +11034,8 @@
         </p:nvSpPr>
         <p:spPr>
           <a:xfrm>
-            <a:off x="3175" y="6400800"/>
-            <a:ext cx="12188825" cy="457200"/>
+            <a:off x="0" y="6400800"/>
+            <a:ext cx="9144001" cy="457200"/>
           </a:xfrm>
           <a:prstGeom prst="rect">
             <a:avLst/>
@@ -11191,8 +11072,8 @@
         </p:nvSpPr>
         <p:spPr>
           <a:xfrm>
-            <a:off x="15" y="6334316"/>
-            <a:ext cx="12188825" cy="64008"/>
+            <a:off x="0" y="6334316"/>
+            <a:ext cx="9144001" cy="66484"/>
           </a:xfrm>
           <a:prstGeom prst="rect">
             <a:avLst/>
@@ -11233,8 +11114,8 @@
         </p:nvSpPr>
         <p:spPr>
           <a:xfrm>
-            <a:off x="1097280" y="286603"/>
-            <a:ext cx="10058400" cy="1450757"/>
+            <a:off x="822960" y="286604"/>
+            <a:ext cx="7543800" cy="1450757"/>
           </a:xfrm>
           <a:prstGeom prst="rect">
             <a:avLst/>
@@ -11266,8 +11147,8 @@
         </p:nvSpPr>
         <p:spPr>
           <a:xfrm>
-            <a:off x="1097280" y="1845734"/>
-            <a:ext cx="10058400" cy="4023360"/>
+            <a:off x="822959" y="1845734"/>
+            <a:ext cx="7543801" cy="4023360"/>
           </a:xfrm>
           <a:prstGeom prst="rect">
             <a:avLst/>
@@ -11360,8 +11241,8 @@
         </p:nvSpPr>
         <p:spPr>
           <a:xfrm>
-            <a:off x="1097280" y="6459785"/>
-            <a:ext cx="2472271" cy="365125"/>
+            <a:off x="822961" y="6459786"/>
+            <a:ext cx="1854203" cy="365125"/>
           </a:xfrm>
           <a:prstGeom prst="rect">
             <a:avLst/>
@@ -11381,7 +11262,7 @@
           <a:p>
             <a:fld id="{E88F6EB9-CD45-4D67-82BE-E6C521250E55}" type="datetime1">
               <a:rPr kumimoji="1" lang="ja-JP" altLang="en-US" smtClean="0"/>
-              <a:t>2020/2/13</a:t>
+              <a:t>2020/2/16</a:t>
             </a:fld>
             <a:endParaRPr kumimoji="1" lang="ja-JP" altLang="en-US"/>
           </a:p>
@@ -11399,8 +11280,8 @@
         </p:nvSpPr>
         <p:spPr>
           <a:xfrm>
-            <a:off x="3686185" y="6459785"/>
-            <a:ext cx="4822804" cy="365125"/>
+            <a:off x="2764639" y="6459786"/>
+            <a:ext cx="3617103" cy="365125"/>
           </a:xfrm>
           <a:prstGeom prst="rect">
             <a:avLst/>
@@ -11434,8 +11315,8 @@
         </p:nvSpPr>
         <p:spPr>
           <a:xfrm>
-            <a:off x="9900458" y="6459785"/>
-            <a:ext cx="1312025" cy="365125"/>
+            <a:off x="7425344" y="6459786"/>
+            <a:ext cx="984019" cy="365125"/>
           </a:xfrm>
           <a:prstGeom prst="rect">
             <a:avLst/>
@@ -11469,8 +11350,8 @@
         </p:nvCxnSpPr>
         <p:spPr>
           <a:xfrm>
-            <a:off x="1193532" y="1737845"/>
-            <a:ext cx="9966960" cy="0"/>
+            <a:off x="895149" y="1737845"/>
+            <a:ext cx="7475220" cy="0"/>
           </a:xfrm>
           <a:prstGeom prst="line">
             <a:avLst/>
@@ -11502,23 +11383,23 @@
     </p:spTree>
     <p:extLst>
       <p:ext uri="{BB962C8B-B14F-4D97-AF65-F5344CB8AC3E}">
-        <p14:creationId xmlns:p14="http://schemas.microsoft.com/office/powerpoint/2010/main" val="1784027973"/>
+        <p14:creationId xmlns:p14="http://schemas.microsoft.com/office/powerpoint/2010/main" val="1921577023"/>
       </p:ext>
     </p:extLst>
   </p:cSld>
   <p:clrMap bg1="lt1" tx1="dk1" bg2="lt2" tx2="dk2" accent1="accent1" accent2="accent2" accent3="accent3" accent4="accent4" accent5="accent5" accent6="accent6" hlink="hlink" folHlink="folHlink"/>
   <p:sldLayoutIdLst>
-    <p:sldLayoutId id="2147483793" r:id="rId1"/>
-    <p:sldLayoutId id="2147483794" r:id="rId2"/>
-    <p:sldLayoutId id="2147483795" r:id="rId3"/>
-    <p:sldLayoutId id="2147483796" r:id="rId4"/>
-    <p:sldLayoutId id="2147483797" r:id="rId5"/>
-    <p:sldLayoutId id="2147483798" r:id="rId6"/>
-    <p:sldLayoutId id="2147483799" r:id="rId7"/>
-    <p:sldLayoutId id="2147483800" r:id="rId8"/>
-    <p:sldLayoutId id="2147483801" r:id="rId9"/>
-    <p:sldLayoutId id="2147483802" r:id="rId10"/>
-    <p:sldLayoutId id="2147483803" r:id="rId11"/>
+    <p:sldLayoutId id="2147483817" r:id="rId1"/>
+    <p:sldLayoutId id="2147483818" r:id="rId2"/>
+    <p:sldLayoutId id="2147483819" r:id="rId3"/>
+    <p:sldLayoutId id="2147483820" r:id="rId4"/>
+    <p:sldLayoutId id="2147483821" r:id="rId5"/>
+    <p:sldLayoutId id="2147483822" r:id="rId6"/>
+    <p:sldLayoutId id="2147483823" r:id="rId7"/>
+    <p:sldLayoutId id="2147483824" r:id="rId8"/>
+    <p:sldLayoutId id="2147483825" r:id="rId9"/>
+    <p:sldLayoutId id="2147483826" r:id="rId10"/>
+    <p:sldLayoutId id="2147483827" r:id="rId11"/>
   </p:sldLayoutIdLst>
   <p:hf hdr="0" ftr="0" dt="0"/>
   <p:txStyles>
@@ -11918,8 +11799,8 @@
         </p:nvSpPr>
         <p:spPr>
           <a:xfrm>
-            <a:off x="1124544" y="1592035"/>
-            <a:ext cx="10058400" cy="2032908"/>
+            <a:off x="843408" y="2051276"/>
+            <a:ext cx="7543800" cy="1524681"/>
           </a:xfrm>
         </p:spPr>
         <p:txBody>
@@ -11929,17 +11810,17 @@
           <a:lstStyle/>
           <a:p>
             <a:r>
-              <a:rPr lang="ja-JP" altLang="en-US" sz="4400" dirty="0"/>
+              <a:rPr lang="ja-JP" altLang="en-US" sz="3300" dirty="0"/>
               <a:t>画像情報によるスマートセルフ</a:t>
             </a:r>
             <a:br>
-              <a:rPr lang="en-US" altLang="ja-JP" sz="4400" dirty="0"/>
+              <a:rPr lang="en-US" altLang="ja-JP" sz="3300" dirty="0"/>
             </a:br>
             <a:r>
-              <a:rPr lang="ja-JP" altLang="en-US" sz="4400" dirty="0"/>
+              <a:rPr lang="ja-JP" altLang="en-US" sz="3300" dirty="0"/>
               <a:t>精算システムの開発</a:t>
             </a:r>
-            <a:endParaRPr kumimoji="1" lang="ja-JP" altLang="en-US" sz="4200" dirty="0"/>
+            <a:endParaRPr lang="ja-JP" altLang="en-US" sz="3150" dirty="0"/>
           </a:p>
         </p:txBody>
       </p:sp>
@@ -11955,8 +11836,8 @@
         </p:nvSpPr>
         <p:spPr>
           <a:xfrm>
-            <a:off x="1124544" y="4487176"/>
-            <a:ext cx="10058400" cy="1634950"/>
+            <a:off x="843408" y="4711137"/>
+            <a:ext cx="7543800" cy="1226213"/>
           </a:xfrm>
         </p:spPr>
         <p:txBody>
@@ -12008,8 +11889,8 @@
         </p:blipFill>
         <p:spPr>
           <a:xfrm>
-            <a:off x="10376262" y="84533"/>
-            <a:ext cx="1558835" cy="543910"/>
+            <a:off x="7782197" y="920650"/>
+            <a:ext cx="1169126" cy="407933"/>
           </a:xfrm>
           <a:prstGeom prst="rect">
             <a:avLst/>
@@ -12117,8 +11998,8 @@
         </p:nvSpPr>
         <p:spPr>
           <a:xfrm>
-            <a:off x="5309936" y="1214140"/>
-            <a:ext cx="6882064" cy="523220"/>
+            <a:off x="3982452" y="1767855"/>
+            <a:ext cx="5161548" cy="415498"/>
           </a:xfrm>
           <a:prstGeom prst="rect">
             <a:avLst/>
@@ -12132,7 +12013,7 @@
           <a:lstStyle/>
           <a:p>
             <a:r>
-              <a:rPr kumimoji="1" lang="ja-JP" altLang="en-US" sz="2800" dirty="0"/>
+              <a:rPr lang="ja-JP" altLang="en-US" sz="2100" dirty="0"/>
               <a:t>ユースケース図を用いて要求分析を行った</a:t>
             </a:r>
           </a:p>
@@ -12152,8 +12033,8 @@
         </p:nvSpPr>
         <p:spPr>
           <a:xfrm>
-            <a:off x="5968547" y="1870780"/>
-            <a:ext cx="6351789" cy="4401205"/>
+            <a:off x="4476411" y="2260335"/>
+            <a:ext cx="4763842" cy="3323987"/>
           </a:xfrm>
           <a:prstGeom prst="rect">
             <a:avLst/>
@@ -12167,51 +12048,51 @@
           <a:lstStyle/>
           <a:p>
             <a:r>
-              <a:rPr kumimoji="1" lang="ja-JP" altLang="en-US" sz="2800" dirty="0"/>
+              <a:rPr lang="ja-JP" altLang="en-US" sz="2100" dirty="0"/>
               <a:t>・ユーザはカゴに商品を出し入れして</a:t>
             </a:r>
-            <a:endParaRPr kumimoji="1" lang="en-US" altLang="ja-JP" sz="2800" dirty="0"/>
-          </a:p>
-          <a:p>
-            <a:r>
-              <a:rPr kumimoji="1" lang="ja-JP" altLang="en-US" sz="2800" dirty="0"/>
+            <a:endParaRPr lang="en-US" altLang="ja-JP" sz="2100" dirty="0"/>
+          </a:p>
+          <a:p>
+            <a:r>
+              <a:rPr lang="ja-JP" altLang="en-US" sz="2100" dirty="0"/>
               <a:t>買い物をする</a:t>
             </a:r>
-            <a:endParaRPr kumimoji="1" lang="en-US" altLang="ja-JP" sz="2800" dirty="0"/>
-          </a:p>
-          <a:p>
-            <a:endParaRPr kumimoji="1" lang="en-US" altLang="ja-JP" sz="2800" dirty="0"/>
-          </a:p>
-          <a:p>
-            <a:r>
-              <a:rPr kumimoji="1" lang="ja-JP" altLang="en-US" sz="2800" dirty="0"/>
+            <a:endParaRPr lang="en-US" altLang="ja-JP" sz="2100" dirty="0"/>
+          </a:p>
+          <a:p>
+            <a:endParaRPr lang="en-US" altLang="ja-JP" sz="2100" dirty="0"/>
+          </a:p>
+          <a:p>
+            <a:r>
+              <a:rPr lang="ja-JP" altLang="en-US" sz="2100" dirty="0"/>
               <a:t>・商品の追加・削除の判断はエッジ側で行う</a:t>
             </a:r>
-            <a:endParaRPr kumimoji="1" lang="en-US" altLang="ja-JP" sz="2800" dirty="0"/>
-          </a:p>
-          <a:p>
-            <a:endParaRPr kumimoji="1" lang="en-US" altLang="ja-JP" sz="2800" dirty="0"/>
-          </a:p>
-          <a:p>
-            <a:r>
-              <a:rPr lang="ja-JP" altLang="en-US" sz="2800" dirty="0"/>
+            <a:endParaRPr lang="en-US" altLang="ja-JP" sz="2100" dirty="0"/>
+          </a:p>
+          <a:p>
+            <a:endParaRPr lang="en-US" altLang="ja-JP" sz="2100" dirty="0"/>
+          </a:p>
+          <a:p>
+            <a:r>
+              <a:rPr lang="ja-JP" altLang="en-US" sz="2100" dirty="0"/>
               <a:t>・商品の識別はサーバが行う</a:t>
             </a:r>
-            <a:endParaRPr lang="en-US" altLang="ja-JP" sz="2800" dirty="0"/>
-          </a:p>
-          <a:p>
-            <a:endParaRPr lang="en-US" altLang="ja-JP" sz="2800" dirty="0"/>
-          </a:p>
-          <a:p>
-            <a:r>
-              <a:rPr kumimoji="1" lang="ja-JP" altLang="en-US" sz="2800" dirty="0"/>
+            <a:endParaRPr lang="en-US" altLang="ja-JP" sz="2100" dirty="0"/>
+          </a:p>
+          <a:p>
+            <a:endParaRPr lang="en-US" altLang="ja-JP" sz="2100" dirty="0"/>
+          </a:p>
+          <a:p>
+            <a:r>
+              <a:rPr lang="ja-JP" altLang="en-US" sz="2100" dirty="0"/>
               <a:t>・ユーザは退店時にレジに並ぶことなく</a:t>
             </a:r>
-            <a:endParaRPr kumimoji="1" lang="en-US" altLang="ja-JP" sz="2800" dirty="0"/>
-          </a:p>
-          <a:p>
-            <a:r>
-              <a:rPr kumimoji="1" lang="ja-JP" altLang="en-US" sz="2800" dirty="0"/>
+            <a:endParaRPr lang="en-US" altLang="ja-JP" sz="2100" dirty="0"/>
+          </a:p>
+          <a:p>
+            <a:r>
+              <a:rPr lang="ja-JP" altLang="en-US" sz="2100" dirty="0"/>
               <a:t>決済を済ませる</a:t>
             </a:r>
           </a:p>
@@ -12245,8 +12126,8 @@
         </p:blipFill>
         <p:spPr>
           <a:xfrm>
-            <a:off x="311217" y="1813560"/>
-            <a:ext cx="5276850" cy="4352925"/>
+            <a:off x="233413" y="2217420"/>
+            <a:ext cx="3957638" cy="3264694"/>
           </a:xfrm>
           <a:prstGeom prst="rect">
             <a:avLst/>
@@ -12362,8 +12243,8 @@
         </p:blipFill>
         <p:spPr>
           <a:xfrm>
-            <a:off x="1515278" y="3850105"/>
-            <a:ext cx="9995632" cy="2290304"/>
+            <a:off x="1136459" y="3744829"/>
+            <a:ext cx="7496724" cy="1717728"/>
           </a:xfrm>
           <a:prstGeom prst="rect">
             <a:avLst/>
@@ -12384,8 +12265,8 @@
         </p:nvSpPr>
         <p:spPr>
           <a:xfrm>
-            <a:off x="5871411" y="1214140"/>
-            <a:ext cx="5855369" cy="523220"/>
+            <a:off x="4403559" y="1767855"/>
+            <a:ext cx="4391527" cy="415498"/>
           </a:xfrm>
           <a:prstGeom prst="rect">
             <a:avLst/>
@@ -12399,7 +12280,7 @@
           <a:lstStyle/>
           <a:p>
             <a:r>
-              <a:rPr kumimoji="1" lang="ja-JP" altLang="en-US" sz="2800" dirty="0"/>
+              <a:rPr lang="ja-JP" altLang="en-US" sz="2100" dirty="0"/>
               <a:t>クラス図を用いて基本設計を行った</a:t>
             </a:r>
           </a:p>
@@ -12419,8 +12300,8 @@
         </p:nvSpPr>
         <p:spPr>
           <a:xfrm>
-            <a:off x="2334826" y="1751425"/>
-            <a:ext cx="9176084" cy="1938992"/>
+            <a:off x="1751120" y="2170819"/>
+            <a:ext cx="6882063" cy="1477328"/>
           </a:xfrm>
           <a:prstGeom prst="rect">
             <a:avLst/>
@@ -12434,26 +12315,22 @@
           <a:lstStyle/>
           <a:p>
             <a:r>
-              <a:rPr kumimoji="1" lang="ja-JP" altLang="en-US" sz="2400" b="1" dirty="0"/>
+              <a:rPr lang="ja-JP" altLang="en-US" b="1" dirty="0"/>
               <a:t>カゴ</a:t>
             </a:r>
             <a:r>
-              <a:rPr kumimoji="1" lang="en-US" altLang="ja-JP" sz="2400" b="1" dirty="0"/>
+              <a:rPr lang="en-US" altLang="ja-JP" b="1" dirty="0"/>
               <a:t>		:</a:t>
             </a:r>
             <a:r>
-              <a:rPr kumimoji="1" lang="ja-JP" altLang="en-US" sz="2400" b="1" dirty="0"/>
-              <a:t>商品の画像を</a:t>
-            </a:r>
-            <a:r>
-              <a:rPr lang="ja-JP" altLang="en-US" sz="2400" b="1" dirty="0"/>
-              <a:t>撮影し、サーバに送る</a:t>
-            </a:r>
-            <a:endParaRPr kumimoji="1" lang="en-US" altLang="ja-JP" sz="2400" b="1" dirty="0"/>
-          </a:p>
-          <a:p>
-            <a:r>
-              <a:rPr lang="ja-JP" altLang="en-US" sz="2400" b="1" dirty="0">
+              <a:rPr lang="ja-JP" altLang="en-US" b="1" dirty="0"/>
+              <a:t>商品の画像を撮影し、サーバに送る</a:t>
+            </a:r>
+            <a:endParaRPr lang="en-US" altLang="ja-JP" b="1" dirty="0"/>
+          </a:p>
+          <a:p>
+            <a:r>
+              <a:rPr lang="ja-JP" altLang="en-US" b="1" dirty="0">
                 <a:solidFill>
                   <a:srgbClr val="FF0000"/>
                 </a:solidFill>
@@ -12461,48 +12338,56 @@
               <a:t>解析システム </a:t>
             </a:r>
             <a:r>
-              <a:rPr lang="en-US" altLang="ja-JP" sz="2400" b="1" dirty="0"/>
+              <a:rPr lang="en-US" altLang="ja-JP" b="1" dirty="0">
+                <a:solidFill>
+                  <a:srgbClr val="FF0000"/>
+                </a:solidFill>
+              </a:rPr>
+              <a:t>	</a:t>
+            </a:r>
+            <a:r>
+              <a:rPr lang="en-US" altLang="ja-JP" b="1" dirty="0"/>
               <a:t>:</a:t>
             </a:r>
             <a:r>
-              <a:rPr lang="ja-JP" altLang="en-US" sz="2400" b="1" dirty="0"/>
+              <a:rPr lang="ja-JP" altLang="en-US" b="1" dirty="0"/>
               <a:t>受信した画像からバーコード番号に識別</a:t>
             </a:r>
-            <a:endParaRPr lang="en-US" altLang="ja-JP" sz="2400" b="1" dirty="0"/>
-          </a:p>
-          <a:p>
-            <a:r>
-              <a:rPr kumimoji="1" lang="ja-JP" altLang="en-US" sz="2400" b="1" dirty="0"/>
+            <a:endParaRPr lang="en-US" altLang="ja-JP" b="1" dirty="0"/>
+          </a:p>
+          <a:p>
+            <a:r>
+              <a:rPr lang="ja-JP" altLang="en-US" b="1" dirty="0"/>
               <a:t>カゴ</a:t>
             </a:r>
             <a:r>
-              <a:rPr kumimoji="1" lang="en-US" altLang="ja-JP" sz="2400" b="1" dirty="0"/>
+              <a:rPr lang="en-US" altLang="ja-JP" b="1" dirty="0"/>
               <a:t>DB		:</a:t>
             </a:r>
             <a:r>
-              <a:rPr kumimoji="1" lang="ja-JP" altLang="en-US" sz="2400" b="1" dirty="0"/>
+              <a:rPr lang="ja-JP" altLang="en-US" b="1" dirty="0"/>
               <a:t>ユーザが購入する商品を管理</a:t>
             </a:r>
-            <a:endParaRPr kumimoji="1" lang="en-US" altLang="ja-JP" sz="2400" b="1" dirty="0"/>
-          </a:p>
-          <a:p>
-            <a:r>
-              <a:rPr lang="ja-JP" altLang="en-US" sz="2400" b="1" dirty="0"/>
+            <a:endParaRPr lang="en-US" altLang="ja-JP" b="1" dirty="0"/>
+          </a:p>
+          <a:p>
+            <a:r>
+              <a:rPr lang="ja-JP" altLang="en-US" b="1" dirty="0"/>
               <a:t>商品</a:t>
             </a:r>
             <a:r>
-              <a:rPr lang="en-US" altLang="ja-JP" sz="2400" b="1" dirty="0"/>
-              <a:t>DB	:</a:t>
-            </a:r>
-            <a:r>
-              <a:rPr lang="ja-JP" altLang="en-US" sz="2400" b="1" dirty="0"/>
+              <a:rPr lang="en-US" altLang="ja-JP" b="1" dirty="0"/>
+              <a:t>DB		:</a:t>
+            </a:r>
+            <a:r>
+              <a:rPr lang="ja-JP" altLang="en-US" b="1" dirty="0"/>
               <a:t>商品の値段、名前、バーコード番号を管理する</a:t>
             </a:r>
-            <a:endParaRPr lang="en-US" altLang="ja-JP" sz="2400" b="1" dirty="0"/>
-          </a:p>
-          <a:p>
-            <a:r>
-              <a:rPr kumimoji="1" lang="ja-JP" altLang="en-US" sz="2400" b="1" dirty="0">
+            <a:endParaRPr lang="en-US" altLang="ja-JP" b="1" dirty="0"/>
+          </a:p>
+          <a:p>
+            <a:r>
+              <a:rPr lang="ja-JP" altLang="en-US" b="1" dirty="0">
                 <a:solidFill>
                   <a:srgbClr val="FF0000"/>
                 </a:solidFill>
@@ -12510,11 +12395,19 @@
               <a:t>決済システム </a:t>
             </a:r>
             <a:r>
-              <a:rPr kumimoji="1" lang="en-US" altLang="ja-JP" sz="2400" b="1" dirty="0"/>
+              <a:rPr lang="en-US" altLang="ja-JP" b="1" dirty="0">
+                <a:solidFill>
+                  <a:srgbClr val="FF0000"/>
+                </a:solidFill>
+              </a:rPr>
+              <a:t>	</a:t>
+            </a:r>
+            <a:r>
+              <a:rPr lang="en-US" altLang="ja-JP" b="1" dirty="0"/>
               <a:t>:</a:t>
             </a:r>
             <a:r>
-              <a:rPr kumimoji="1" lang="ja-JP" altLang="en-US" sz="2400" b="1" dirty="0"/>
+              <a:rPr lang="ja-JP" altLang="en-US" b="1" dirty="0"/>
               <a:t>ユーザの退店時に決済を行う</a:t>
             </a:r>
           </a:p>
@@ -12622,7 +12515,7 @@
           <p:nvPr/>
         </p:nvPicPr>
         <p:blipFill>
-          <a:blip r:embed="rId3">
+          <a:blip r:embed="rId3" cstate="print">
             <a:extLst>
               <a:ext uri="{28A0092B-C50C-407E-A947-70E740481C1C}">
                 <a14:useLocalDpi xmlns:a14="http://schemas.microsoft.com/office/drawing/2010/main" val="0"/>
@@ -12635,8 +12528,8 @@
         </p:blipFill>
         <p:spPr>
           <a:xfrm>
-            <a:off x="979517" y="1749392"/>
-            <a:ext cx="5037220" cy="4949751"/>
+            <a:off x="734638" y="2169295"/>
+            <a:ext cx="3777915" cy="3712313"/>
           </a:xfrm>
           <a:prstGeom prst="rect">
             <a:avLst/>
@@ -12657,8 +12550,8 @@
         </p:nvSpPr>
         <p:spPr>
           <a:xfrm>
-            <a:off x="5309936" y="1214140"/>
-            <a:ext cx="6882064" cy="523220"/>
+            <a:off x="3982452" y="1767855"/>
+            <a:ext cx="5161548" cy="415498"/>
           </a:xfrm>
           <a:prstGeom prst="rect">
             <a:avLst/>
@@ -12672,12 +12565,8 @@
           <a:lstStyle/>
           <a:p>
             <a:r>
-              <a:rPr lang="ja-JP" altLang="en-US" sz="2800" dirty="0"/>
-              <a:t>シーケンス</a:t>
-            </a:r>
-            <a:r>
-              <a:rPr kumimoji="1" lang="ja-JP" altLang="en-US" sz="2800" dirty="0"/>
-              <a:t>図を用いて詳細設計を行った</a:t>
+              <a:rPr lang="ja-JP" altLang="en-US" sz="2100" dirty="0"/>
+              <a:t>シーケンス図を用いて詳細設計を行った</a:t>
             </a:r>
           </a:p>
         </p:txBody>
@@ -12696,8 +12585,8 @@
         </p:nvSpPr>
         <p:spPr>
           <a:xfrm>
-            <a:off x="6352673" y="2474893"/>
-            <a:ext cx="5694947" cy="954107"/>
+            <a:off x="4764505" y="2713420"/>
+            <a:ext cx="4271210" cy="738664"/>
           </a:xfrm>
           <a:prstGeom prst="rect">
             <a:avLst/>
@@ -12711,11 +12600,11 @@
           <a:lstStyle/>
           <a:p>
             <a:r>
-              <a:rPr kumimoji="1" lang="ja-JP" altLang="en-US" sz="2800" dirty="0"/>
+              <a:rPr lang="ja-JP" altLang="en-US" sz="2100" dirty="0"/>
               <a:t>詳細設計ではシーケンス図を用いて</a:t>
             </a:r>
             <a:r>
-              <a:rPr kumimoji="1" lang="ja-JP" altLang="en-US" sz="2800" dirty="0">
+              <a:rPr lang="ja-JP" altLang="en-US" sz="2100" dirty="0">
                 <a:solidFill>
                   <a:srgbClr val="FF0000"/>
                 </a:solidFill>
@@ -12723,7 +12612,7 @@
               <a:t>動的</a:t>
             </a:r>
             <a:r>
-              <a:rPr kumimoji="1" lang="ja-JP" altLang="en-US" sz="2800" dirty="0"/>
+              <a:rPr lang="ja-JP" altLang="en-US" sz="2100" dirty="0"/>
               <a:t>なシステムの動作を設計する</a:t>
             </a:r>
           </a:p>
@@ -12794,8 +12683,8 @@
         </p:nvSpPr>
         <p:spPr>
           <a:xfrm>
-            <a:off x="2478235" y="207359"/>
-            <a:ext cx="8414354" cy="904875"/>
+            <a:off x="818147" y="627904"/>
+            <a:ext cx="8181474" cy="677863"/>
           </a:xfrm>
         </p:spPr>
         <p:txBody>
@@ -12832,8 +12721,8 @@
         </p:nvSpPr>
         <p:spPr>
           <a:xfrm>
-            <a:off x="1593022" y="1290989"/>
-            <a:ext cx="885213" cy="461665"/>
+            <a:off x="1194767" y="1825492"/>
+            <a:ext cx="663910" cy="369332"/>
           </a:xfrm>
           <a:prstGeom prst="rect">
             <a:avLst/>
@@ -12864,7 +12753,7 @@
           <a:lstStyle/>
           <a:p>
             <a:r>
-              <a:rPr kumimoji="1" lang="ja-JP" altLang="en-US" sz="2400" dirty="0"/>
+              <a:rPr lang="ja-JP" altLang="en-US" dirty="0"/>
               <a:t>入力</a:t>
             </a:r>
           </a:p>
@@ -12878,8 +12767,8 @@
         </p:nvSpPr>
         <p:spPr>
           <a:xfrm>
-            <a:off x="9480293" y="1261984"/>
-            <a:ext cx="840328" cy="461665"/>
+            <a:off x="7110219" y="1803738"/>
+            <a:ext cx="839013" cy="369332"/>
           </a:xfrm>
           <a:prstGeom prst="rect">
             <a:avLst/>
@@ -12911,10 +12800,9 @@
           <a:lstStyle/>
           <a:p>
             <a:r>
-              <a:rPr lang="ja-JP" altLang="en-US" sz="2400" dirty="0"/>
+              <a:rPr lang="ja-JP" altLang="en-US" dirty="0"/>
               <a:t>出力</a:t>
             </a:r>
-            <a:endParaRPr kumimoji="1" lang="ja-JP" altLang="en-US" sz="2400" dirty="0"/>
           </a:p>
         </p:txBody>
       </p:sp>
@@ -12926,8 +12814,8 @@
         </p:nvSpPr>
         <p:spPr>
           <a:xfrm>
-            <a:off x="4955413" y="1261984"/>
-            <a:ext cx="1723409" cy="461665"/>
+            <a:off x="3716560" y="1803738"/>
+            <a:ext cx="1352745" cy="369332"/>
           </a:xfrm>
           <a:prstGeom prst="rect">
             <a:avLst/>
@@ -12959,10 +12847,9 @@
           <a:lstStyle/>
           <a:p>
             <a:r>
-              <a:rPr lang="ja-JP" altLang="en-US" sz="2400" dirty="0"/>
+              <a:rPr lang="ja-JP" altLang="en-US" dirty="0"/>
               <a:t>サーバ処理</a:t>
             </a:r>
-            <a:endParaRPr kumimoji="1" lang="ja-JP" altLang="en-US" sz="2400" dirty="0"/>
           </a:p>
         </p:txBody>
       </p:sp>
@@ -12988,8 +12875,8 @@
         </p:blipFill>
         <p:spPr>
           <a:xfrm>
-            <a:off x="196642" y="2623891"/>
-            <a:ext cx="3677971" cy="2437385"/>
+            <a:off x="147482" y="2825169"/>
+            <a:ext cx="2758478" cy="1828039"/>
           </a:xfrm>
           <a:prstGeom prst="rect">
             <a:avLst/>
@@ -13018,8 +12905,8 @@
         </p:blipFill>
         <p:spPr>
           <a:xfrm>
-            <a:off x="4658426" y="2744215"/>
-            <a:ext cx="2857500" cy="2057400"/>
+            <a:off x="3493820" y="2915411"/>
+            <a:ext cx="2143125" cy="1543050"/>
           </a:xfrm>
           <a:prstGeom prst="rect">
             <a:avLst/>
@@ -13040,8 +12927,8 @@
         </p:nvSpPr>
         <p:spPr>
           <a:xfrm>
-            <a:off x="8513141" y="3527483"/>
-            <a:ext cx="3248297" cy="523220"/>
+            <a:off x="6384856" y="3502862"/>
+            <a:ext cx="2436223" cy="415498"/>
           </a:xfrm>
           <a:prstGeom prst="rect">
             <a:avLst/>
@@ -13062,10 +12949,10 @@
               <a:defRPr/>
             </a:pPr>
             <a:r>
-              <a:rPr lang="en-US" altLang="ja-JP" sz="2800" dirty="0"/>
+              <a:rPr lang="en-US" altLang="ja-JP" sz="2100" dirty="0"/>
               <a:t>JAN:4902888219368</a:t>
             </a:r>
-            <a:endParaRPr lang="ja-JP" altLang="en-US" sz="2800" dirty="0"/>
+            <a:endParaRPr lang="ja-JP" altLang="en-US" sz="2100" dirty="0"/>
           </a:p>
         </p:txBody>
       </p:sp>
@@ -13083,8 +12970,8 @@
         </p:nvSpPr>
         <p:spPr>
           <a:xfrm>
-            <a:off x="3982675" y="3524398"/>
-            <a:ext cx="567689" cy="529390"/>
+            <a:off x="2987007" y="3500548"/>
+            <a:ext cx="425767" cy="397043"/>
           </a:xfrm>
           <a:prstGeom prst="rightArrow">
             <a:avLst/>
@@ -13111,7 +12998,7 @@
           <a:lstStyle/>
           <a:p>
             <a:pPr algn="ctr"/>
-            <a:endParaRPr kumimoji="1" lang="ja-JP" altLang="en-US"/>
+            <a:endParaRPr lang="ja-JP" altLang="en-US" sz="1350"/>
           </a:p>
         </p:txBody>
       </p:sp>
@@ -13129,8 +13016,8 @@
         </p:nvSpPr>
         <p:spPr>
           <a:xfrm>
-            <a:off x="7730689" y="3508220"/>
-            <a:ext cx="567689" cy="529390"/>
+            <a:off x="5798017" y="3488415"/>
+            <a:ext cx="425767" cy="397043"/>
           </a:xfrm>
           <a:prstGeom prst="rightArrow">
             <a:avLst/>
@@ -13157,7 +13044,7 @@
           <a:lstStyle/>
           <a:p>
             <a:pPr algn="ctr"/>
-            <a:endParaRPr kumimoji="1" lang="ja-JP" altLang="en-US"/>
+            <a:endParaRPr lang="ja-JP" altLang="en-US" sz="1350"/>
           </a:p>
         </p:txBody>
       </p:sp>
@@ -13236,15 +13123,15 @@
         </p:nvSpPr>
         <p:spPr>
           <a:xfrm>
-            <a:off x="3376004" y="175275"/>
-            <a:ext cx="5439992" cy="904875"/>
+            <a:off x="3345350" y="871673"/>
+            <a:ext cx="4079994" cy="678656"/>
           </a:xfrm>
           <a:prstGeom prst="rect">
             <a:avLst/>
           </a:prstGeom>
         </p:spPr>
         <p:txBody>
-          <a:bodyPr vert="horz" lIns="91440" tIns="45720" rIns="91440" bIns="45720" rtlCol="0" anchor="b">
+          <a:bodyPr vert="horz" lIns="68580" tIns="34290" rIns="68580" bIns="34290" rtlCol="0" anchor="b">
             <a:normAutofit/>
           </a:bodyPr>
           <a:lstStyle>
@@ -13271,7 +13158,7 @@
           </a:lstStyle>
           <a:p>
             <a:r>
-              <a:rPr lang="ja-JP" altLang="en-US" dirty="0"/>
+              <a:rPr lang="ja-JP" altLang="en-US" sz="3600" dirty="0"/>
               <a:t>決済システム</a:t>
             </a:r>
           </a:p>
@@ -13298,8 +13185,8 @@
           </p:nvPr>
         </p:nvGraphicFramePr>
         <p:xfrm>
-          <a:off x="930442" y="2707638"/>
-          <a:ext cx="10876547" cy="2642404"/>
+          <a:off x="697832" y="2887979"/>
+          <a:ext cx="8157411" cy="1981804"/>
         </p:xfrm>
         <a:graphic>
           <a:graphicData uri="http://schemas.openxmlformats.org/drawingml/2006/table">
@@ -13308,14 +13195,14 @@
                 <a:tableStyleId>{5C22544A-7EE6-4342-B048-85BDC9FD1C3A}</a:tableStyleId>
               </a:tblPr>
               <a:tblGrid>
-                <a:gridCol w="2971245">
+                <a:gridCol w="2228434">
                   <a:extLst>
                     <a:ext uri="{9D8B030D-6E8A-4147-A177-3AD203B41FA5}">
                       <a16:colId xmlns:a16="http://schemas.microsoft.com/office/drawing/2014/main" val="3744866998"/>
                     </a:ext>
                   </a:extLst>
                 </a:gridCol>
-                <a:gridCol w="7905302">
+                <a:gridCol w="5928977">
                   <a:extLst>
                     <a:ext uri="{9D8B030D-6E8A-4147-A177-3AD203B41FA5}">
                       <a16:colId xmlns:a16="http://schemas.microsoft.com/office/drawing/2014/main" val="4287029069"/>
@@ -13323,7 +13210,7 @@
                   </a:extLst>
                 </a:gridCol>
               </a:tblGrid>
-              <a:tr h="660601">
+              <a:tr h="495451">
                 <a:tc>
                   <a:txBody>
                     <a:bodyPr/>
@@ -13331,12 +13218,12 @@
                     <a:p>
                       <a:pPr algn="ctr"/>
                       <a:r>
-                        <a:rPr kumimoji="1" lang="ja-JP" altLang="en-US" sz="2800" dirty="0"/>
+                        <a:rPr kumimoji="1" lang="ja-JP" altLang="en-US" sz="2100" dirty="0"/>
                         <a:t>モジュール</a:t>
                       </a:r>
                     </a:p>
                   </a:txBody>
-                  <a:tcPr/>
+                  <a:tcPr marL="68580" marR="68580" marT="34290" marB="34290"/>
                 </a:tc>
                 <a:tc>
                   <a:txBody>
@@ -13345,12 +13232,12 @@
                     <a:p>
                       <a:pPr algn="ctr"/>
                       <a:r>
-                        <a:rPr kumimoji="1" lang="ja-JP" altLang="en-US" sz="2800" dirty="0"/>
+                        <a:rPr kumimoji="1" lang="ja-JP" altLang="en-US" sz="2100" dirty="0"/>
                         <a:t>機能</a:t>
                       </a:r>
                     </a:p>
                   </a:txBody>
-                  <a:tcPr/>
+                  <a:tcPr marL="68580" marR="68580" marT="34290" marB="34290"/>
                 </a:tc>
                 <a:extLst>
                   <a:ext uri="{0D108BD9-81ED-4DB2-BD59-A6C34878D82A}">
@@ -13358,7 +13245,7 @@
                   </a:ext>
                 </a:extLst>
               </a:tr>
-              <a:tr h="660601">
+              <a:tr h="495451">
                 <a:tc>
                   <a:txBody>
                     <a:bodyPr/>
@@ -13366,12 +13253,12 @@
                     <a:p>
                       <a:pPr algn="ctr"/>
                       <a:r>
-                        <a:rPr kumimoji="1" lang="ja-JP" altLang="en-US" sz="2800" dirty="0"/>
+                        <a:rPr kumimoji="1" lang="ja-JP" altLang="en-US" sz="2100" dirty="0"/>
                         <a:t>商品一覧表示</a:t>
                       </a:r>
                     </a:p>
                   </a:txBody>
-                  <a:tcPr/>
+                  <a:tcPr marL="68580" marR="68580" marT="34290" marB="34290"/>
                 </a:tc>
                 <a:tc>
                   <a:txBody>
@@ -13379,12 +13266,12 @@
                     <a:lstStyle/>
                     <a:p>
                       <a:r>
-                        <a:rPr kumimoji="1" lang="ja-JP" altLang="en-US" sz="2800" dirty="0"/>
+                        <a:rPr kumimoji="1" lang="ja-JP" altLang="en-US" sz="2100" dirty="0"/>
                         <a:t>ユーザの購入予定商品をリストで表示する</a:t>
                       </a:r>
                     </a:p>
                   </a:txBody>
-                  <a:tcPr/>
+                  <a:tcPr marL="68580" marR="68580" marT="34290" marB="34290"/>
                 </a:tc>
                 <a:extLst>
                   <a:ext uri="{0D108BD9-81ED-4DB2-BD59-A6C34878D82A}">
@@ -13392,7 +13279,7 @@
                   </a:ext>
                 </a:extLst>
               </a:tr>
-              <a:tr h="660601">
+              <a:tr h="495451">
                 <a:tc>
                   <a:txBody>
                     <a:bodyPr/>
@@ -13400,12 +13287,12 @@
                     <a:p>
                       <a:pPr algn="ctr"/>
                       <a:r>
-                        <a:rPr kumimoji="1" lang="ja-JP" altLang="en-US" sz="2800" dirty="0"/>
+                        <a:rPr kumimoji="1" lang="ja-JP" altLang="en-US" sz="2100" dirty="0"/>
                         <a:t>合計金額算出</a:t>
                       </a:r>
                     </a:p>
                   </a:txBody>
-                  <a:tcPr/>
+                  <a:tcPr marL="68580" marR="68580" marT="34290" marB="34290"/>
                 </a:tc>
                 <a:tc>
                   <a:txBody>
@@ -13413,12 +13300,12 @@
                     <a:lstStyle/>
                     <a:p>
                       <a:r>
-                        <a:rPr kumimoji="1" lang="ja-JP" altLang="en-US" sz="2800" dirty="0"/>
+                        <a:rPr kumimoji="1" lang="ja-JP" altLang="en-US" sz="2100" dirty="0"/>
                         <a:t>ユーザの購入予定商品の合計金額を割り出す</a:t>
                       </a:r>
                     </a:p>
                   </a:txBody>
-                  <a:tcPr/>
+                  <a:tcPr marL="68580" marR="68580" marT="34290" marB="34290"/>
                 </a:tc>
                 <a:extLst>
                   <a:ext uri="{0D108BD9-81ED-4DB2-BD59-A6C34878D82A}">
@@ -13426,7 +13313,7 @@
                   </a:ext>
                 </a:extLst>
               </a:tr>
-              <a:tr h="660601">
+              <a:tr h="495451">
                 <a:tc>
                   <a:txBody>
                     <a:bodyPr/>
@@ -13434,12 +13321,12 @@
                     <a:p>
                       <a:pPr algn="ctr"/>
                       <a:r>
-                        <a:rPr kumimoji="1" lang="ja-JP" altLang="en-US" sz="2800" dirty="0"/>
+                        <a:rPr kumimoji="1" lang="ja-JP" altLang="en-US" sz="2100" dirty="0"/>
                         <a:t>決済</a:t>
                       </a:r>
                     </a:p>
                   </a:txBody>
-                  <a:tcPr/>
+                  <a:tcPr marL="68580" marR="68580" marT="34290" marB="34290"/>
                 </a:tc>
                 <a:tc>
                   <a:txBody>
@@ -13447,12 +13334,12 @@
                     <a:lstStyle/>
                     <a:p>
                       <a:r>
-                        <a:rPr kumimoji="1" lang="ja-JP" altLang="en-US" sz="2800" dirty="0"/>
+                        <a:rPr kumimoji="1" lang="ja-JP" altLang="en-US" sz="2100" dirty="0"/>
                         <a:t>ユーザの口座から購入金額をひく</a:t>
                       </a:r>
                     </a:p>
                   </a:txBody>
-                  <a:tcPr/>
+                  <a:tcPr marL="68580" marR="68580" marT="34290" marB="34290"/>
                 </a:tc>
                 <a:extLst>
                   <a:ext uri="{0D108BD9-81ED-4DB2-BD59-A6C34878D82A}">
@@ -13472,8 +13359,8 @@
         </p:nvSpPr>
         <p:spPr>
           <a:xfrm>
-            <a:off x="3187909" y="1200319"/>
-            <a:ext cx="6361611" cy="1200329"/>
+            <a:off x="2390932" y="1757489"/>
+            <a:ext cx="4771208" cy="923330"/>
           </a:xfrm>
           <a:prstGeom prst="rect">
             <a:avLst/>
@@ -13508,66 +13395,65 @@
           <a:lstStyle/>
           <a:p>
             <a:r>
-              <a:rPr lang="en-US" altLang="ja-JP" sz="2400" dirty="0"/>
+              <a:rPr lang="en-US" altLang="ja-JP" dirty="0"/>
               <a:t>Web</a:t>
             </a:r>
             <a:r>
-              <a:rPr lang="ja-JP" altLang="en-US" sz="2400" dirty="0"/>
+              <a:rPr lang="ja-JP" altLang="en-US" dirty="0"/>
               <a:t>ページと</a:t>
             </a:r>
             <a:r>
-              <a:rPr lang="en-US" altLang="ja-JP" sz="2400" dirty="0"/>
+              <a:rPr lang="en-US" altLang="ja-JP" dirty="0"/>
               <a:t>DB</a:t>
             </a:r>
             <a:r>
-              <a:rPr lang="ja-JP" altLang="en-US" sz="2400" dirty="0"/>
+              <a:rPr lang="ja-JP" altLang="en-US" dirty="0"/>
               <a:t>を使用して決済システムを構築</a:t>
             </a:r>
           </a:p>
           <a:p>
             <a:r>
-              <a:rPr lang="en-US" altLang="ja-JP" sz="2400" dirty="0"/>
+              <a:rPr lang="en-US" altLang="ja-JP" dirty="0"/>
               <a:t>Web</a:t>
             </a:r>
             <a:r>
-              <a:rPr lang="ja-JP" altLang="en-US" sz="2400" dirty="0"/>
+              <a:rPr lang="ja-JP" altLang="en-US" dirty="0"/>
               <a:t>ページ作成には、</a:t>
             </a:r>
             <a:r>
-              <a:rPr lang="en-US" altLang="ja-JP" sz="2400" dirty="0"/>
+              <a:rPr lang="en-US" altLang="ja-JP" dirty="0"/>
               <a:t>Apache2</a:t>
             </a:r>
             <a:r>
-              <a:rPr lang="ja-JP" altLang="en-US" sz="2400" dirty="0"/>
+              <a:rPr lang="ja-JP" altLang="en-US" dirty="0"/>
               <a:t>と</a:t>
             </a:r>
             <a:r>
-              <a:rPr lang="en-US" altLang="ja-JP" sz="2400" dirty="0"/>
+              <a:rPr lang="en-US" altLang="ja-JP" dirty="0"/>
               <a:t>PHP</a:t>
             </a:r>
             <a:r>
-              <a:rPr lang="ja-JP" altLang="en-US" sz="2400" dirty="0"/>
+              <a:rPr lang="ja-JP" altLang="en-US" dirty="0"/>
               <a:t>を使用</a:t>
             </a:r>
           </a:p>
           <a:p>
             <a:r>
-              <a:rPr lang="en-US" altLang="ja-JP" sz="2400" dirty="0"/>
+              <a:rPr lang="en-US" altLang="ja-JP" dirty="0"/>
               <a:t>DB</a:t>
             </a:r>
             <a:r>
-              <a:rPr lang="ja-JP" altLang="en-US" sz="2400" dirty="0"/>
+              <a:rPr lang="ja-JP" altLang="en-US" dirty="0"/>
               <a:t>は</a:t>
             </a:r>
             <a:r>
-              <a:rPr lang="en-US" altLang="ja-JP" sz="2400" dirty="0" err="1"/>
+              <a:rPr lang="en-US" altLang="ja-JP" dirty="0" err="1"/>
               <a:t>MariaDB</a:t>
             </a:r>
             <a:r>
-              <a:rPr lang="ja-JP" altLang="en-US" sz="2400" dirty="0"/>
+              <a:rPr lang="ja-JP" altLang="en-US" dirty="0"/>
               <a:t>を使用</a:t>
             </a:r>
-            <a:endParaRPr kumimoji="1" lang="ja-JP" altLang="en-US" sz="2400" dirty="0"/>
           </a:p>
         </p:txBody>
       </p:sp>
@@ -13732,8 +13618,8 @@
         </p:nvSpPr>
         <p:spPr>
           <a:xfrm>
-            <a:off x="867721" y="-337246"/>
-            <a:ext cx="10058400" cy="1449387"/>
+            <a:off x="0" y="604838"/>
+            <a:ext cx="7543800" cy="1085850"/>
           </a:xfrm>
         </p:spPr>
         <p:txBody>
@@ -13772,8 +13658,8 @@
         </p:blipFill>
         <p:spPr>
           <a:xfrm>
-            <a:off x="2073275" y="3183317"/>
-            <a:ext cx="8085644" cy="2922368"/>
+            <a:off x="1779858" y="3276935"/>
+            <a:ext cx="6064250" cy="2192338"/>
           </a:xfrm>
         </p:spPr>
       </p:pic>
@@ -13799,8 +13685,8 @@
         </p:blipFill>
         <p:spPr>
           <a:xfrm>
-            <a:off x="867721" y="1289191"/>
-            <a:ext cx="11096512" cy="1540026"/>
+            <a:off x="650791" y="1824143"/>
+            <a:ext cx="8322384" cy="1155020"/>
           </a:xfrm>
           <a:prstGeom prst="rect">
             <a:avLst/>
@@ -13844,6 +13730,118 @@
       </p:grpSpPr>
       <p:sp>
         <p:nvSpPr>
+          <p:cNvPr id="3" name="タイトル 2">
+            <a:extLst>
+              <a:ext uri="{FF2B5EF4-FFF2-40B4-BE49-F238E27FC236}">
+                <a16:creationId xmlns:a16="http://schemas.microsoft.com/office/drawing/2014/main" id="{F83E6B42-18B6-4598-9321-1A248FB56C3F}"/>
+              </a:ext>
+            </a:extLst>
+          </p:cNvPr>
+          <p:cNvSpPr>
+            <a:spLocks noGrp="1"/>
+          </p:cNvSpPr>
+          <p:nvPr>
+            <p:ph type="ctrTitle"/>
+          </p:nvPr>
+        </p:nvSpPr>
+        <p:spPr/>
+        <p:txBody>
+          <a:bodyPr/>
+          <a:lstStyle/>
+          <a:p>
+            <a:r>
+              <a:rPr kumimoji="1" lang="ja-JP" altLang="en-US" dirty="0"/>
+              <a:t>検証</a:t>
+            </a:r>
+          </a:p>
+        </p:txBody>
+      </p:sp>
+      <p:sp>
+        <p:nvSpPr>
+          <p:cNvPr id="4" name="字幕 3">
+            <a:extLst>
+              <a:ext uri="{FF2B5EF4-FFF2-40B4-BE49-F238E27FC236}">
+                <a16:creationId xmlns:a16="http://schemas.microsoft.com/office/drawing/2014/main" id="{1D9F0A6B-E895-482F-AEDF-C5690394083C}"/>
+              </a:ext>
+            </a:extLst>
+          </p:cNvPr>
+          <p:cNvSpPr>
+            <a:spLocks noGrp="1"/>
+          </p:cNvSpPr>
+          <p:nvPr>
+            <p:ph type="subTitle" idx="1"/>
+          </p:nvPr>
+        </p:nvSpPr>
+        <p:spPr/>
+        <p:txBody>
+          <a:bodyPr/>
+          <a:lstStyle/>
+          <a:p>
+            <a:endParaRPr kumimoji="1" lang="ja-JP" altLang="en-US"/>
+          </a:p>
+        </p:txBody>
+      </p:sp>
+      <p:sp>
+        <p:nvSpPr>
+          <p:cNvPr id="2" name="スライド番号プレースホルダー 1">
+            <a:extLst>
+              <a:ext uri="{FF2B5EF4-FFF2-40B4-BE49-F238E27FC236}">
+                <a16:creationId xmlns:a16="http://schemas.microsoft.com/office/drawing/2014/main" id="{F28A0574-1A59-4735-AFF0-7E40D7599F8D}"/>
+              </a:ext>
+            </a:extLst>
+          </p:cNvPr>
+          <p:cNvSpPr>
+            <a:spLocks noGrp="1"/>
+          </p:cNvSpPr>
+          <p:nvPr>
+            <p:ph type="sldNum" sz="quarter" idx="12"/>
+          </p:nvPr>
+        </p:nvSpPr>
+        <p:spPr/>
+        <p:txBody>
+          <a:bodyPr/>
+          <a:lstStyle/>
+          <a:p>
+            <a:fld id="{3C3988C9-8C6C-49D7-8D82-24DA391FB063}" type="slidenum">
+              <a:rPr kumimoji="1" lang="ja-JP" altLang="en-US" smtClean="0"/>
+              <a:t>16</a:t>
+            </a:fld>
+            <a:endParaRPr kumimoji="1" lang="ja-JP" altLang="en-US"/>
+          </a:p>
+        </p:txBody>
+      </p:sp>
+    </p:spTree>
+    <p:extLst>
+      <p:ext uri="{BB962C8B-B14F-4D97-AF65-F5344CB8AC3E}">
+        <p14:creationId xmlns:p14="http://schemas.microsoft.com/office/powerpoint/2010/main" val="2886173903"/>
+      </p:ext>
+    </p:extLst>
+  </p:cSld>
+  <p:clrMapOvr>
+    <a:masterClrMapping/>
+  </p:clrMapOvr>
+</p:sld>
+</file>
+
+<file path=ppt/slides/slide18.xml><?xml version="1.0" encoding="utf-8"?>
+<p:sld xmlns:a="http://schemas.openxmlformats.org/drawingml/2006/main" xmlns:r="http://schemas.openxmlformats.org/officeDocument/2006/relationships" xmlns:p="http://schemas.openxmlformats.org/presentationml/2006/main">
+  <p:cSld>
+    <p:spTree>
+      <p:nvGrpSpPr>
+        <p:cNvPr id="1" name=""/>
+        <p:cNvGrpSpPr/>
+        <p:nvPr/>
+      </p:nvGrpSpPr>
+      <p:grpSpPr>
+        <a:xfrm>
+          <a:off x="0" y="0"/>
+          <a:ext cx="0" cy="0"/>
+          <a:chOff x="0" y="0"/>
+          <a:chExt cx="0" cy="0"/>
+        </a:xfrm>
+      </p:grpSpPr>
+      <p:sp>
+        <p:nvSpPr>
           <p:cNvPr id="2" name="タイトル 1">
             <a:extLst>
               <a:ext uri="{FF2B5EF4-FFF2-40B4-BE49-F238E27FC236}">
@@ -13894,7 +13892,7 @@
             <a:fld id="{3C3988C9-8C6C-49D7-8D82-24DA391FB063}" type="slidenum">
               <a:rPr lang="ja-JP" altLang="en-US" smtClean="0"/>
               <a:pPr/>
-              <a:t>16</a:t>
+              <a:t>17</a:t>
             </a:fld>
             <a:endParaRPr lang="ja-JP" altLang="en-US"/>
           </a:p>
@@ -13928,8 +13926,8 @@
         </p:blipFill>
         <p:spPr>
           <a:xfrm>
-            <a:off x="6126480" y="4267096"/>
-            <a:ext cx="5591955" cy="1971950"/>
+            <a:off x="4594861" y="4057572"/>
+            <a:ext cx="4193966" cy="1478963"/>
           </a:xfrm>
           <a:prstGeom prst="rect">
             <a:avLst/>
@@ -13958,8 +13956,8 @@
         </p:blipFill>
         <p:spPr>
           <a:xfrm>
-            <a:off x="417095" y="2076965"/>
-            <a:ext cx="8794624" cy="1850526"/>
+            <a:off x="822960" y="2263677"/>
+            <a:ext cx="6595968" cy="1387895"/>
           </a:xfrm>
           <a:prstGeom prst="rect">
             <a:avLst/>
@@ -13980,8 +13978,8 @@
         </p:nvSpPr>
         <p:spPr>
           <a:xfrm>
-            <a:off x="122245" y="4427517"/>
-            <a:ext cx="5943276" cy="954107"/>
+            <a:off x="91684" y="4177888"/>
+            <a:ext cx="4656779" cy="738664"/>
           </a:xfrm>
           <a:prstGeom prst="rect">
             <a:avLst/>
@@ -13995,29 +13993,28 @@
           <a:lstStyle/>
           <a:p>
             <a:r>
-              <a:rPr kumimoji="1" lang="en-US" altLang="ja-JP" sz="2800" dirty="0"/>
+              <a:rPr lang="en-US" altLang="ja-JP" sz="2100" dirty="0"/>
               <a:t>Yolo     :</a:t>
             </a:r>
             <a:r>
-              <a:rPr kumimoji="1" lang="ja-JP" altLang="en-US" sz="2800" dirty="0"/>
+              <a:rPr lang="ja-JP" altLang="en-US" sz="2100" dirty="0"/>
               <a:t>画像からバーコード領域を識別</a:t>
             </a:r>
-            <a:endParaRPr kumimoji="1" lang="en-US" altLang="ja-JP" sz="2800" dirty="0"/>
-          </a:p>
-          <a:p>
-            <a:r>
-              <a:rPr lang="en-US" altLang="ja-JP" sz="2800" dirty="0" err="1"/>
+            <a:endParaRPr lang="en-US" altLang="ja-JP" sz="2100" dirty="0"/>
+          </a:p>
+          <a:p>
+            <a:r>
+              <a:rPr lang="en-US" altLang="ja-JP" sz="2100" dirty="0" err="1"/>
               <a:t>Pyzbar</a:t>
             </a:r>
             <a:r>
-              <a:rPr lang="en-US" altLang="ja-JP" sz="2800" dirty="0"/>
+              <a:rPr lang="en-US" altLang="ja-JP" sz="2100" dirty="0"/>
               <a:t> :</a:t>
             </a:r>
             <a:r>
-              <a:rPr lang="ja-JP" altLang="en-US" sz="2800" dirty="0"/>
+              <a:rPr lang="ja-JP" altLang="en-US" sz="2100" dirty="0"/>
               <a:t>画像から番号を識別</a:t>
             </a:r>
-            <a:endParaRPr kumimoji="1" lang="ja-JP" altLang="en-US" sz="2800" dirty="0"/>
           </a:p>
         </p:txBody>
       </p:sp>
@@ -14034,7 +14031,7 @@
 </p:sld>
 </file>
 
-<file path=ppt/slides/slide18.xml><?xml version="1.0" encoding="utf-8"?>
+<file path=ppt/slides/slide19.xml><?xml version="1.0" encoding="utf-8"?>
 <p:sld xmlns:a="http://schemas.openxmlformats.org/drawingml/2006/main" xmlns:r="http://schemas.openxmlformats.org/officeDocument/2006/relationships" xmlns:p="http://schemas.openxmlformats.org/presentationml/2006/main">
   <p:cSld>
     <p:spTree>
@@ -14103,7 +14100,7 @@
             <a:fld id="{3C3988C9-8C6C-49D7-8D82-24DA391FB063}" type="slidenum">
               <a:rPr lang="ja-JP" altLang="en-US" smtClean="0"/>
               <a:pPr/>
-              <a:t>17</a:t>
+              <a:t>18</a:t>
             </a:fld>
             <a:endParaRPr lang="ja-JP" altLang="en-US"/>
           </a:p>
@@ -14137,8 +14134,8 @@
         </p:blipFill>
         <p:spPr>
           <a:xfrm>
-            <a:off x="1097279" y="1969987"/>
-            <a:ext cx="9699819" cy="4013718"/>
+            <a:off x="822960" y="2110351"/>
+            <a:ext cx="7887404" cy="3263754"/>
           </a:xfrm>
           <a:prstGeom prst="rect">
             <a:avLst/>
@@ -14158,7 +14155,7 @@
 </p:sld>
 </file>
 
-<file path=ppt/slides/slide19.xml><?xml version="1.0" encoding="utf-8"?>
+<file path=ppt/slides/slide2.xml><?xml version="1.0" encoding="utf-8"?>
 <p:sld xmlns:a="http://schemas.openxmlformats.org/drawingml/2006/main" xmlns:r="http://schemas.openxmlformats.org/officeDocument/2006/relationships" xmlns:p="http://schemas.openxmlformats.org/presentationml/2006/main">
   <p:cSld>
     <p:spTree>
@@ -14177,6 +14174,153 @@
       </p:grpSpPr>
       <p:sp>
         <p:nvSpPr>
+          <p:cNvPr id="2" name="タイトル 1"/>
+          <p:cNvSpPr>
+            <a:spLocks noGrp="1"/>
+          </p:cNvSpPr>
+          <p:nvPr>
+            <p:ph type="title"/>
+          </p:nvPr>
+        </p:nvSpPr>
+        <p:spPr/>
+        <p:txBody>
+          <a:bodyPr/>
+          <a:lstStyle/>
+          <a:p>
+            <a:r>
+              <a:rPr kumimoji="1" lang="ja-JP" altLang="en-US" dirty="0"/>
+              <a:t>発表概要</a:t>
+            </a:r>
+          </a:p>
+        </p:txBody>
+      </p:sp>
+      <p:sp>
+        <p:nvSpPr>
+          <p:cNvPr id="3" name="コンテンツ プレースホルダー 2"/>
+          <p:cNvSpPr>
+            <a:spLocks noGrp="1"/>
+          </p:cNvSpPr>
+          <p:nvPr>
+            <p:ph idx="1"/>
+          </p:nvPr>
+        </p:nvSpPr>
+        <p:spPr/>
+        <p:txBody>
+          <a:bodyPr>
+            <a:normAutofit/>
+          </a:bodyPr>
+          <a:lstStyle/>
+          <a:p>
+            <a:pPr>
+              <a:buFont typeface="Wingdings" panose="05000000000000000000" pitchFamily="2" charset="2"/>
+              <a:buChar char="l"/>
+            </a:pPr>
+            <a:r>
+              <a:rPr lang="ja-JP" altLang="en-US" sz="3000" dirty="0"/>
+              <a:t>　研究背景</a:t>
+            </a:r>
+            <a:endParaRPr lang="en-US" altLang="ja-JP" sz="3000" dirty="0"/>
+          </a:p>
+          <a:p>
+            <a:pPr>
+              <a:buFont typeface="Wingdings" panose="05000000000000000000" pitchFamily="2" charset="2"/>
+              <a:buChar char="l"/>
+            </a:pPr>
+            <a:r>
+              <a:rPr lang="ja-JP" altLang="en-US" sz="3000" dirty="0"/>
+              <a:t>　研究目的</a:t>
+            </a:r>
+            <a:endParaRPr lang="en-US" altLang="ja-JP" sz="3000" dirty="0"/>
+          </a:p>
+          <a:p>
+            <a:pPr>
+              <a:buFont typeface="Wingdings" panose="05000000000000000000" pitchFamily="2" charset="2"/>
+              <a:buChar char="l"/>
+            </a:pPr>
+            <a:r>
+              <a:rPr lang="ja-JP" altLang="en-US" sz="3000" dirty="0"/>
+              <a:t>　研究方針</a:t>
+            </a:r>
+            <a:endParaRPr lang="en-US" altLang="ja-JP" sz="3000" dirty="0"/>
+          </a:p>
+          <a:p>
+            <a:pPr>
+              <a:buFont typeface="Wingdings" panose="05000000000000000000" pitchFamily="2" charset="2"/>
+              <a:buChar char="l"/>
+            </a:pPr>
+            <a:r>
+              <a:rPr lang="ja-JP" altLang="en-US" sz="3000" dirty="0"/>
+              <a:t>　開発（要求定義～テスト）</a:t>
+            </a:r>
+            <a:endParaRPr lang="en-US" altLang="ja-JP" sz="3000" dirty="0"/>
+          </a:p>
+          <a:p>
+            <a:pPr>
+              <a:buFont typeface="Wingdings" panose="05000000000000000000" pitchFamily="2" charset="2"/>
+              <a:buChar char="l"/>
+            </a:pPr>
+            <a:r>
+              <a:rPr lang="ja-JP" altLang="en-US" sz="3000" dirty="0"/>
+              <a:t>　まとめ</a:t>
+            </a:r>
+          </a:p>
+        </p:txBody>
+      </p:sp>
+      <p:sp>
+        <p:nvSpPr>
+          <p:cNvPr id="4" name="スライド番号プレースホルダー 3"/>
+          <p:cNvSpPr>
+            <a:spLocks noGrp="1"/>
+          </p:cNvSpPr>
+          <p:nvPr>
+            <p:ph type="sldNum" sz="quarter" idx="12"/>
+          </p:nvPr>
+        </p:nvSpPr>
+        <p:spPr/>
+        <p:txBody>
+          <a:bodyPr/>
+          <a:lstStyle/>
+          <a:p>
+            <a:fld id="{3C3988C9-8C6C-49D7-8D82-24DA391FB063}" type="slidenum">
+              <a:rPr kumimoji="1" lang="ja-JP" altLang="en-US" smtClean="0"/>
+              <a:t>1</a:t>
+            </a:fld>
+            <a:endParaRPr kumimoji="1" lang="ja-JP" altLang="en-US"/>
+          </a:p>
+        </p:txBody>
+      </p:sp>
+    </p:spTree>
+    <p:extLst>
+      <p:ext uri="{BB962C8B-B14F-4D97-AF65-F5344CB8AC3E}">
+        <p14:creationId xmlns:p14="http://schemas.microsoft.com/office/powerpoint/2010/main" val="1637711920"/>
+      </p:ext>
+    </p:extLst>
+  </p:cSld>
+  <p:clrMapOvr>
+    <a:masterClrMapping/>
+  </p:clrMapOvr>
+</p:sld>
+</file>
+
+<file path=ppt/slides/slide20.xml><?xml version="1.0" encoding="utf-8"?>
+<p:sld xmlns:a="http://schemas.openxmlformats.org/drawingml/2006/main" xmlns:r="http://schemas.openxmlformats.org/officeDocument/2006/relationships" xmlns:p="http://schemas.openxmlformats.org/presentationml/2006/main">
+  <p:cSld>
+    <p:spTree>
+      <p:nvGrpSpPr>
+        <p:cNvPr id="1" name=""/>
+        <p:cNvGrpSpPr/>
+        <p:nvPr/>
+      </p:nvGrpSpPr>
+      <p:grpSpPr>
+        <a:xfrm>
+          <a:off x="0" y="0"/>
+          <a:ext cx="0" cy="0"/>
+          <a:chOff x="0" y="0"/>
+          <a:chExt cx="0" cy="0"/>
+        </a:xfrm>
+      </p:grpSpPr>
+      <p:sp>
+        <p:nvSpPr>
           <p:cNvPr id="2" name="タイトル 1">
             <a:extLst>
               <a:ext uri="{FF2B5EF4-FFF2-40B4-BE49-F238E27FC236}">
@@ -14226,7 +14370,7 @@
           <a:p>
             <a:fld id="{3C3988C9-8C6C-49D7-8D82-24DA391FB063}" type="slidenum">
               <a:rPr kumimoji="1" lang="ja-JP" altLang="en-US" smtClean="0"/>
-              <a:t>18</a:t>
+              <a:t>19</a:t>
             </a:fld>
             <a:endParaRPr kumimoji="1" lang="ja-JP" altLang="en-US"/>
           </a:p>
@@ -14240,8 +14384,8 @@
         </p:nvSpPr>
         <p:spPr>
           <a:xfrm>
-            <a:off x="2477876" y="1940355"/>
-            <a:ext cx="6822880" cy="830997"/>
+            <a:off x="1858407" y="2312517"/>
+            <a:ext cx="5117160" cy="646331"/>
           </a:xfrm>
           <a:prstGeom prst="rect">
             <a:avLst/>
@@ -14276,14 +14420,13 @@
           <a:lstStyle/>
           <a:p>
             <a:r>
-              <a:rPr lang="en-US" altLang="ja-JP" sz="2400" dirty="0"/>
+              <a:rPr lang="en-US" altLang="ja-JP" dirty="0"/>
               <a:t>V</a:t>
             </a:r>
             <a:r>
-              <a:rPr lang="ja-JP" altLang="en-US" sz="2400" dirty="0"/>
+              <a:rPr lang="ja-JP" altLang="en-US" dirty="0"/>
               <a:t>字モデル開発に従ったグループ開発を行うことで、画像情報によるスマートセルフ精算システムを実現</a:t>
             </a:r>
-            <a:endParaRPr kumimoji="1" lang="ja-JP" altLang="en-US" sz="2400" dirty="0"/>
           </a:p>
         </p:txBody>
       </p:sp>
@@ -14303,8 +14446,8 @@
         </p:blipFill>
         <p:spPr>
           <a:xfrm>
-            <a:off x="107515" y="3267733"/>
-            <a:ext cx="6983923" cy="2762189"/>
+            <a:off x="80637" y="3308049"/>
+            <a:ext cx="5994472" cy="2370855"/>
           </a:xfrm>
           <a:prstGeom prst="rect">
             <a:avLst/>
@@ -14327,8 +14470,8 @@
         </p:blipFill>
         <p:spPr>
           <a:xfrm>
-            <a:off x="7378217" y="3096465"/>
-            <a:ext cx="3668962" cy="1951344"/>
+            <a:off x="5771906" y="3258371"/>
+            <a:ext cx="3372094" cy="1793454"/>
           </a:xfrm>
           <a:prstGeom prst="rect">
             <a:avLst/>
@@ -14348,167 +14491,7 @@
 </p:sld>
 </file>
 
-<file path=ppt/slides/slide2.xml><?xml version="1.0" encoding="utf-8"?>
-<p:sld xmlns:a="http://schemas.openxmlformats.org/drawingml/2006/main" xmlns:r="http://schemas.openxmlformats.org/officeDocument/2006/relationships" xmlns:p="http://schemas.openxmlformats.org/presentationml/2006/main">
-  <p:cSld>
-    <p:spTree>
-      <p:nvGrpSpPr>
-        <p:cNvPr id="1" name=""/>
-        <p:cNvGrpSpPr/>
-        <p:nvPr/>
-      </p:nvGrpSpPr>
-      <p:grpSpPr>
-        <a:xfrm>
-          <a:off x="0" y="0"/>
-          <a:ext cx="0" cy="0"/>
-          <a:chOff x="0" y="0"/>
-          <a:chExt cx="0" cy="0"/>
-        </a:xfrm>
-      </p:grpSpPr>
-      <p:sp>
-        <p:nvSpPr>
-          <p:cNvPr id="2" name="タイトル 1"/>
-          <p:cNvSpPr>
-            <a:spLocks noGrp="1"/>
-          </p:cNvSpPr>
-          <p:nvPr>
-            <p:ph type="title"/>
-          </p:nvPr>
-        </p:nvSpPr>
-        <p:spPr/>
-        <p:txBody>
-          <a:bodyPr/>
-          <a:lstStyle/>
-          <a:p>
-            <a:r>
-              <a:rPr kumimoji="1" lang="ja-JP" altLang="en-US" dirty="0"/>
-              <a:t>発表概要</a:t>
-            </a:r>
-          </a:p>
-        </p:txBody>
-      </p:sp>
-      <p:sp>
-        <p:nvSpPr>
-          <p:cNvPr id="3" name="コンテンツ プレースホルダー 2"/>
-          <p:cNvSpPr>
-            <a:spLocks noGrp="1"/>
-          </p:cNvSpPr>
-          <p:nvPr>
-            <p:ph idx="1"/>
-          </p:nvPr>
-        </p:nvSpPr>
-        <p:spPr/>
-        <p:txBody>
-          <a:bodyPr>
-            <a:normAutofit/>
-          </a:bodyPr>
-          <a:lstStyle/>
-          <a:p>
-            <a:pPr>
-              <a:buFont typeface="Wingdings" panose="05000000000000000000" pitchFamily="2" charset="2"/>
-              <a:buChar char="l"/>
-            </a:pPr>
-            <a:r>
-              <a:rPr kumimoji="1" lang="ja-JP" altLang="en-US" sz="4000" dirty="0"/>
-              <a:t>　</a:t>
-            </a:r>
-            <a:r>
-              <a:rPr lang="ja-JP" altLang="en-US" sz="4000" dirty="0"/>
-              <a:t>研究背景</a:t>
-            </a:r>
-            <a:endParaRPr lang="en-US" altLang="ja-JP" sz="4000" dirty="0"/>
-          </a:p>
-          <a:p>
-            <a:pPr>
-              <a:buFont typeface="Wingdings" panose="05000000000000000000" pitchFamily="2" charset="2"/>
-              <a:buChar char="l"/>
-            </a:pPr>
-            <a:r>
-              <a:rPr kumimoji="1" lang="ja-JP" altLang="en-US" sz="4000" dirty="0"/>
-              <a:t>　研究目的</a:t>
-            </a:r>
-            <a:endParaRPr kumimoji="1" lang="en-US" altLang="ja-JP" sz="4000" dirty="0"/>
-          </a:p>
-          <a:p>
-            <a:pPr>
-              <a:buFont typeface="Wingdings" panose="05000000000000000000" pitchFamily="2" charset="2"/>
-              <a:buChar char="l"/>
-            </a:pPr>
-            <a:r>
-              <a:rPr kumimoji="1" lang="ja-JP" altLang="en-US" sz="4000" dirty="0"/>
-              <a:t>　</a:t>
-            </a:r>
-            <a:r>
-              <a:rPr lang="ja-JP" altLang="en-US" sz="4000" dirty="0"/>
-              <a:t>研究方針</a:t>
-            </a:r>
-            <a:endParaRPr lang="en-US" altLang="ja-JP" sz="4000" dirty="0"/>
-          </a:p>
-          <a:p>
-            <a:pPr>
-              <a:buFont typeface="Wingdings" panose="05000000000000000000" pitchFamily="2" charset="2"/>
-              <a:buChar char="l"/>
-            </a:pPr>
-            <a:r>
-              <a:rPr lang="ja-JP" altLang="en-US" sz="4000" dirty="0"/>
-              <a:t>　開発（要求定義～テスト）</a:t>
-            </a:r>
-            <a:endParaRPr lang="en-US" altLang="ja-JP" sz="4000" dirty="0"/>
-          </a:p>
-          <a:p>
-            <a:pPr>
-              <a:buFont typeface="Wingdings" panose="05000000000000000000" pitchFamily="2" charset="2"/>
-              <a:buChar char="l"/>
-            </a:pPr>
-            <a:r>
-              <a:rPr kumimoji="1" lang="ja-JP" altLang="en-US" sz="4000" dirty="0"/>
-              <a:t>　</a:t>
-            </a:r>
-            <a:r>
-              <a:rPr lang="ja-JP" altLang="en-US" sz="4000" dirty="0"/>
-              <a:t>まとめ</a:t>
-            </a:r>
-            <a:endParaRPr kumimoji="1" lang="ja-JP" altLang="en-US" sz="4000" dirty="0"/>
-          </a:p>
-        </p:txBody>
-      </p:sp>
-      <p:sp>
-        <p:nvSpPr>
-          <p:cNvPr id="4" name="スライド番号プレースホルダー 3"/>
-          <p:cNvSpPr>
-            <a:spLocks noGrp="1"/>
-          </p:cNvSpPr>
-          <p:nvPr>
-            <p:ph type="sldNum" sz="quarter" idx="12"/>
-          </p:nvPr>
-        </p:nvSpPr>
-        <p:spPr/>
-        <p:txBody>
-          <a:bodyPr/>
-          <a:lstStyle/>
-          <a:p>
-            <a:fld id="{3C3988C9-8C6C-49D7-8D82-24DA391FB063}" type="slidenum">
-              <a:rPr kumimoji="1" lang="ja-JP" altLang="en-US" smtClean="0"/>
-              <a:t>1</a:t>
-            </a:fld>
-            <a:endParaRPr kumimoji="1" lang="ja-JP" altLang="en-US"/>
-          </a:p>
-        </p:txBody>
-      </p:sp>
-    </p:spTree>
-    <p:extLst>
-      <p:ext uri="{BB962C8B-B14F-4D97-AF65-F5344CB8AC3E}">
-        <p14:creationId xmlns:p14="http://schemas.microsoft.com/office/powerpoint/2010/main" val="1637711920"/>
-      </p:ext>
-    </p:extLst>
-  </p:cSld>
-  <p:clrMapOvr>
-    <a:masterClrMapping/>
-  </p:clrMapOvr>
-</p:sld>
-</file>
-
-<file path=ppt/slides/slide20.xml><?xml version="1.0" encoding="utf-8"?>
+<file path=ppt/slides/slide21.xml><?xml version="1.0" encoding="utf-8"?>
 <p:sld xmlns:a="http://schemas.openxmlformats.org/drawingml/2006/main" xmlns:r="http://schemas.openxmlformats.org/officeDocument/2006/relationships" xmlns:p="http://schemas.openxmlformats.org/presentationml/2006/main" show="0">
   <p:cSld>
     <p:spTree>
@@ -14543,7 +14526,7 @@
             <a:fld id="{3C3988C9-8C6C-49D7-8D82-24DA391FB063}" type="slidenum">
               <a:rPr lang="ja-JP" altLang="en-US" smtClean="0"/>
               <a:pPr/>
-              <a:t>19</a:t>
+              <a:t>20</a:t>
             </a:fld>
             <a:endParaRPr lang="ja-JP" altLang="en-US"/>
           </a:p>
@@ -14561,12 +14544,14 @@
         </p:nvSpPr>
         <p:spPr>
           <a:xfrm>
-            <a:off x="1153672" y="194552"/>
-            <a:ext cx="9420293" cy="920109"/>
+            <a:off x="0" y="1003300"/>
+            <a:ext cx="7065963" cy="690563"/>
           </a:xfrm>
         </p:spPr>
         <p:txBody>
-          <a:bodyPr/>
+          <a:bodyPr>
+            <a:normAutofit fontScale="90000"/>
+          </a:bodyPr>
           <a:lstStyle/>
           <a:p>
             <a:r>
@@ -14600,8 +14585,8 @@
         </p:blipFill>
         <p:spPr>
           <a:xfrm>
-            <a:off x="2085474" y="1114661"/>
-            <a:ext cx="8261685" cy="5218123"/>
+            <a:off x="2947988" y="1693863"/>
+            <a:ext cx="6196012" cy="3913187"/>
           </a:xfrm>
         </p:spPr>
       </p:pic>
@@ -14618,7 +14603,7 @@
 </p:sld>
 </file>
 
-<file path=ppt/slides/slide21.xml><?xml version="1.0" encoding="utf-8"?>
+<file path=ppt/slides/slide22.xml><?xml version="1.0" encoding="utf-8"?>
 <p:sld xmlns:a="http://schemas.openxmlformats.org/drawingml/2006/main" xmlns:r="http://schemas.openxmlformats.org/officeDocument/2006/relationships" xmlns:p="http://schemas.openxmlformats.org/presentationml/2006/main" show="0">
   <p:cSld>
     <p:bg>
@@ -14645,231 +14630,6 @@
       </p:grpSpPr>
       <p:sp>
         <p:nvSpPr>
-          <p:cNvPr id="12" name="Rectangle 11">
-            <a:extLst>
-              <a:ext uri="{FF2B5EF4-FFF2-40B4-BE49-F238E27FC236}">
-                <a16:creationId xmlns:a16="http://schemas.microsoft.com/office/drawing/2014/main" id="{7DE3B1B8-DC38-48E8-8C31-EF790659B582}"/>
-              </a:ext>
-              <a:ext uri="{C183D7F6-B498-43B3-948B-1728B52AA6E4}">
-                <adec:decorative xmlns:adec="http://schemas.microsoft.com/office/drawing/2017/decorative" val="1"/>
-              </a:ext>
-            </a:extLst>
-          </p:cNvPr>
-          <p:cNvSpPr>
-            <a:spLocks noGrp="1" noRot="1" noChangeAspect="1" noMove="1" noResize="1" noEditPoints="1" noAdjustHandles="1" noChangeArrowheads="1" noChangeShapeType="1" noTextEdit="1"/>
-          </p:cNvSpPr>
-          <p:nvPr>
-            <p:extLst>
-              <p:ext uri="{386F3935-93C4-4BCD-93E2-E3B085C9AB24}">
-                <p16:designElem xmlns:p16="http://schemas.microsoft.com/office/powerpoint/2015/main" val="1"/>
-              </p:ext>
-            </p:extLst>
-          </p:nvPr>
-        </p:nvSpPr>
-        <p:spPr>
-          <a:xfrm>
-            <a:off x="3175" y="6400800"/>
-            <a:ext cx="12188825" cy="457200"/>
-          </a:xfrm>
-          <a:prstGeom prst="rect">
-            <a:avLst/>
-          </a:prstGeom>
-          <a:solidFill>
-            <a:schemeClr val="accent2"/>
-          </a:solidFill>
-          <a:ln>
-            <a:noFill/>
-          </a:ln>
-        </p:spPr>
-        <p:style>
-          <a:lnRef idx="2">
-            <a:schemeClr val="accent1">
-              <a:shade val="50000"/>
-            </a:schemeClr>
-          </a:lnRef>
-          <a:fillRef idx="1">
-            <a:schemeClr val="accent1"/>
-          </a:fillRef>
-          <a:effectRef idx="0">
-            <a:schemeClr val="accent1"/>
-          </a:effectRef>
-          <a:fontRef idx="minor">
-            <a:schemeClr val="lt1"/>
-          </a:fontRef>
-        </p:style>
-      </p:sp>
-      <p:sp>
-        <p:nvSpPr>
-          <p:cNvPr id="14" name="Rectangle 13">
-            <a:extLst>
-              <a:ext uri="{FF2B5EF4-FFF2-40B4-BE49-F238E27FC236}">
-                <a16:creationId xmlns:a16="http://schemas.microsoft.com/office/drawing/2014/main" id="{9E63FFFE-1DB2-4A0F-B495-35782F162299}"/>
-              </a:ext>
-              <a:ext uri="{C183D7F6-B498-43B3-948B-1728B52AA6E4}">
-                <adec:decorative xmlns:adec="http://schemas.microsoft.com/office/drawing/2017/decorative" val="1"/>
-              </a:ext>
-            </a:extLst>
-          </p:cNvPr>
-          <p:cNvSpPr>
-            <a:spLocks noGrp="1" noRot="1" noChangeAspect="1" noMove="1" noResize="1" noEditPoints="1" noAdjustHandles="1" noChangeArrowheads="1" noChangeShapeType="1" noTextEdit="1"/>
-          </p:cNvSpPr>
-          <p:nvPr>
-            <p:extLst>
-              <p:ext uri="{386F3935-93C4-4BCD-93E2-E3B085C9AB24}">
-                <p16:designElem xmlns:p16="http://schemas.microsoft.com/office/powerpoint/2015/main" val="1"/>
-              </p:ext>
-            </p:extLst>
-          </p:nvPr>
-        </p:nvSpPr>
-        <p:spPr>
-          <a:xfrm>
-            <a:off x="15" y="6334316"/>
-            <a:ext cx="12188825" cy="64008"/>
-          </a:xfrm>
-          <a:prstGeom prst="rect">
-            <a:avLst/>
-          </a:prstGeom>
-          <a:solidFill>
-            <a:schemeClr val="accent1"/>
-          </a:solidFill>
-          <a:ln>
-            <a:noFill/>
-          </a:ln>
-        </p:spPr>
-        <p:style>
-          <a:lnRef idx="2">
-            <a:schemeClr val="accent1">
-              <a:shade val="50000"/>
-            </a:schemeClr>
-          </a:lnRef>
-          <a:fillRef idx="1">
-            <a:schemeClr val="accent1"/>
-          </a:fillRef>
-          <a:effectRef idx="0">
-            <a:schemeClr val="accent1"/>
-          </a:effectRef>
-          <a:fontRef idx="minor">
-            <a:schemeClr val="lt1"/>
-          </a:fontRef>
-        </p:style>
-      </p:sp>
-      <p:cxnSp>
-        <p:nvCxnSpPr>
-          <p:cNvPr id="16" name="Straight Connector 15">
-            <a:extLst>
-              <a:ext uri="{FF2B5EF4-FFF2-40B4-BE49-F238E27FC236}">
-                <a16:creationId xmlns:a16="http://schemas.microsoft.com/office/drawing/2014/main" id="{32BB9A07-8AB8-4D82-B3BC-B500DDEC79A1}"/>
-              </a:ext>
-              <a:ext uri="{C183D7F6-B498-43B3-948B-1728B52AA6E4}">
-                <adec:decorative xmlns:adec="http://schemas.microsoft.com/office/drawing/2017/decorative" val="1"/>
-              </a:ext>
-            </a:extLst>
-          </p:cNvPr>
-          <p:cNvCxnSpPr>
-            <a:cxnSpLocks noGrp="1" noRot="1" noChangeAspect="1" noMove="1" noResize="1" noEditPoints="1" noAdjustHandles="1" noChangeArrowheads="1" noChangeShapeType="1"/>
-          </p:cNvCxnSpPr>
-          <p:nvPr>
-            <p:extLst>
-              <p:ext uri="{386F3935-93C4-4BCD-93E2-E3B085C9AB24}">
-                <p16:designElem xmlns:p16="http://schemas.microsoft.com/office/powerpoint/2015/main" val="1"/>
-              </p:ext>
-            </p:extLst>
-          </p:nvPr>
-        </p:nvCxnSpPr>
-        <p:spPr>
-          <a:xfrm>
-            <a:off x="1193532" y="1737845"/>
-            <a:ext cx="9966960" cy="0"/>
-          </a:xfrm>
-          <a:prstGeom prst="line">
-            <a:avLst/>
-          </a:prstGeom>
-          <a:ln w="6350">
-            <a:solidFill>
-              <a:schemeClr val="tx1">
-                <a:lumMod val="50000"/>
-                <a:lumOff val="50000"/>
-              </a:schemeClr>
-            </a:solidFill>
-          </a:ln>
-        </p:spPr>
-        <p:style>
-          <a:lnRef idx="1">
-            <a:schemeClr val="accent1"/>
-          </a:lnRef>
-          <a:fillRef idx="0">
-            <a:schemeClr val="accent1"/>
-          </a:fillRef>
-          <a:effectRef idx="0">
-            <a:schemeClr val="accent1"/>
-          </a:effectRef>
-          <a:fontRef idx="minor">
-            <a:schemeClr val="tx1"/>
-          </a:fontRef>
-        </p:style>
-      </p:cxnSp>
-      <p:sp useBgFill="1">
-        <p:nvSpPr>
-          <p:cNvPr id="18" name="Rectangle 17">
-            <a:extLst>
-              <a:ext uri="{FF2B5EF4-FFF2-40B4-BE49-F238E27FC236}">
-                <a16:creationId xmlns:a16="http://schemas.microsoft.com/office/drawing/2014/main" id="{08CB54FC-0B2A-4107-9A70-958B90B76585}"/>
-              </a:ext>
-              <a:ext uri="{C183D7F6-B498-43B3-948B-1728B52AA6E4}">
-                <adec:decorative xmlns:adec="http://schemas.microsoft.com/office/drawing/2017/decorative" val="1"/>
-              </a:ext>
-            </a:extLst>
-          </p:cNvPr>
-          <p:cNvSpPr>
-            <a:spLocks noGrp="1" noRot="1" noChangeAspect="1" noMove="1" noResize="1" noEditPoints="1" noAdjustHandles="1" noChangeArrowheads="1" noChangeShapeType="1" noTextEdit="1"/>
-          </p:cNvSpPr>
-          <p:nvPr>
-            <p:extLst>
-              <p:ext uri="{386F3935-93C4-4BCD-93E2-E3B085C9AB24}">
-                <p16:designElem xmlns:p16="http://schemas.microsoft.com/office/powerpoint/2015/main" val="1"/>
-              </p:ext>
-            </p:extLst>
-          </p:nvPr>
-        </p:nvSpPr>
-        <p:spPr>
-          <a:xfrm>
-            <a:off x="0" y="0"/>
-            <a:ext cx="12192001" cy="6334316"/>
-          </a:xfrm>
-          <a:prstGeom prst="rect">
-            <a:avLst/>
-          </a:prstGeom>
-          <a:ln>
-            <a:noFill/>
-          </a:ln>
-        </p:spPr>
-        <p:style>
-          <a:lnRef idx="2">
-            <a:schemeClr val="accent1">
-              <a:shade val="50000"/>
-            </a:schemeClr>
-          </a:lnRef>
-          <a:fillRef idx="1">
-            <a:schemeClr val="accent1"/>
-          </a:fillRef>
-          <a:effectRef idx="0">
-            <a:schemeClr val="accent1"/>
-          </a:effectRef>
-          <a:fontRef idx="minor">
-            <a:schemeClr val="lt1"/>
-          </a:fontRef>
-        </p:style>
-        <p:txBody>
-          <a:bodyPr rtlCol="0" anchor="ctr"/>
-          <a:lstStyle/>
-          <a:p>
-            <a:pPr algn="ctr"/>
-            <a:endParaRPr lang="en-US"/>
-          </a:p>
-        </p:txBody>
-      </p:sp>
-      <p:sp>
-        <p:nvSpPr>
           <p:cNvPr id="3" name="タイトル 2">
             <a:extLst>
               <a:ext uri="{FF2B5EF4-FFF2-40B4-BE49-F238E27FC236}">
@@ -14886,22 +14646,22 @@
         </p:nvSpPr>
         <p:spPr>
           <a:xfrm>
-            <a:off x="6411685" y="634946"/>
-            <a:ext cx="5127171" cy="1450757"/>
+            <a:off x="4808764" y="1333460"/>
+            <a:ext cx="3845378" cy="1088068"/>
           </a:xfrm>
         </p:spPr>
         <p:txBody>
-          <a:bodyPr vert="horz" lIns="91440" tIns="45720" rIns="91440" bIns="45720" rtlCol="0" anchor="b">
-            <a:normAutofit/>
+          <a:bodyPr vert="horz" lIns="68580" tIns="34290" rIns="68580" bIns="34290" rtlCol="0" anchor="b">
+            <a:normAutofit fontScale="90000"/>
           </a:bodyPr>
           <a:lstStyle/>
           <a:p>
             <a:r>
-              <a:rPr kumimoji="1" lang="en-US" altLang="ja-JP" spc="-50" dirty="0"/>
+              <a:rPr lang="en-US" altLang="ja-JP" spc="-38" dirty="0"/>
               <a:t>Yolo v3</a:t>
             </a:r>
             <a:r>
-              <a:rPr kumimoji="1" lang="ja-JP" altLang="en-US" spc="-50" dirty="0"/>
+              <a:rPr lang="ja-JP" altLang="en-US" spc="-38" dirty="0"/>
               <a:t>の学習設定</a:t>
             </a:r>
           </a:p>
@@ -14937,240 +14697,28 @@
         </p:blipFill>
         <p:spPr>
           <a:xfrm>
-            <a:off x="433138" y="645106"/>
-            <a:ext cx="5559742" cy="5559742"/>
+            <a:off x="324853" y="1341079"/>
+            <a:ext cx="4169807" cy="4169807"/>
           </a:xfrm>
           <a:prstGeom prst="rect">
             <a:avLst/>
           </a:prstGeom>
         </p:spPr>
       </p:pic>
-      <p:cxnSp>
-        <p:nvCxnSpPr>
-          <p:cNvPr id="20" name="Straight Connector 19">
-            <a:extLst>
-              <a:ext uri="{FF2B5EF4-FFF2-40B4-BE49-F238E27FC236}">
-                <a16:creationId xmlns:a16="http://schemas.microsoft.com/office/drawing/2014/main" id="{7855A9B5-1710-4B19-B0F1-CDFDD4ED5B7E}"/>
-              </a:ext>
-              <a:ext uri="{C183D7F6-B498-43B3-948B-1728B52AA6E4}">
-                <adec:decorative xmlns:adec="http://schemas.microsoft.com/office/drawing/2017/decorative" val="1"/>
-              </a:ext>
-            </a:extLst>
-          </p:cNvPr>
-          <p:cNvCxnSpPr>
-            <a:cxnSpLocks noGrp="1" noRot="1" noChangeAspect="1" noMove="1" noResize="1" noEditPoints="1" noAdjustHandles="1" noChangeArrowheads="1" noChangeShapeType="1"/>
-          </p:cNvCxnSpPr>
-          <p:nvPr>
-            <p:extLst>
-              <p:ext uri="{386F3935-93C4-4BCD-93E2-E3B085C9AB24}">
-                <p16:designElem xmlns:p16="http://schemas.microsoft.com/office/powerpoint/2015/main" val="1"/>
-              </p:ext>
-            </p:extLst>
-          </p:nvPr>
-        </p:nvCxnSpPr>
+      <p:sp>
+        <p:nvSpPr>
+          <p:cNvPr id="13" name="コンテンツ プレースホルダー 12"/>
+          <p:cNvSpPr txBox="1">
+            <a:spLocks noGrp="1"/>
+          </p:cNvSpPr>
+          <p:nvPr>
+            <p:ph sz="half" idx="2"/>
+          </p:nvPr>
+        </p:nvSpPr>
         <p:spPr>
           <a:xfrm>
-            <a:off x="6411684" y="2086188"/>
-            <a:ext cx="4748808" cy="0"/>
-          </a:xfrm>
-          <a:prstGeom prst="line">
-            <a:avLst/>
-          </a:prstGeom>
-          <a:ln w="6350">
-            <a:solidFill>
-              <a:schemeClr val="tx1">
-                <a:lumMod val="50000"/>
-                <a:lumOff val="50000"/>
-                <a:alpha val="90000"/>
-              </a:schemeClr>
-            </a:solidFill>
-          </a:ln>
-        </p:spPr>
-        <p:style>
-          <a:lnRef idx="1">
-            <a:schemeClr val="accent1"/>
-          </a:lnRef>
-          <a:fillRef idx="0">
-            <a:schemeClr val="accent1"/>
-          </a:fillRef>
-          <a:effectRef idx="0">
-            <a:schemeClr val="accent1"/>
-          </a:effectRef>
-          <a:fontRef idx="minor">
-            <a:schemeClr val="tx1"/>
-          </a:fontRef>
-        </p:style>
-      </p:cxnSp>
-      <p:sp>
-        <p:nvSpPr>
-          <p:cNvPr id="22" name="Rectangle 21">
-            <a:extLst>
-              <a:ext uri="{FF2B5EF4-FFF2-40B4-BE49-F238E27FC236}">
-                <a16:creationId xmlns:a16="http://schemas.microsoft.com/office/drawing/2014/main" id="{6587DBF8-5C50-4034-8B79-FE54A01A8E15}"/>
-              </a:ext>
-              <a:ext uri="{C183D7F6-B498-43B3-948B-1728B52AA6E4}">
-                <adec:decorative xmlns:adec="http://schemas.microsoft.com/office/drawing/2017/decorative" val="1"/>
-              </a:ext>
-            </a:extLst>
-          </p:cNvPr>
-          <p:cNvSpPr>
-            <a:spLocks noGrp="1" noRot="1" noChangeAspect="1" noMove="1" noResize="1" noEditPoints="1" noAdjustHandles="1" noChangeArrowheads="1" noChangeShapeType="1" noTextEdit="1"/>
-          </p:cNvSpPr>
-          <p:nvPr>
-            <p:extLst>
-              <p:ext uri="{386F3935-93C4-4BCD-93E2-E3B085C9AB24}">
-                <p16:designElem xmlns:p16="http://schemas.microsoft.com/office/powerpoint/2015/main" val="1"/>
-              </p:ext>
-            </p:extLst>
-          </p:nvPr>
-        </p:nvSpPr>
-        <p:spPr>
-          <a:xfrm>
-            <a:off x="15" y="6334316"/>
-            <a:ext cx="12191985" cy="66484"/>
-          </a:xfrm>
-          <a:prstGeom prst="rect">
-            <a:avLst/>
-          </a:prstGeom>
-          <a:solidFill>
-            <a:srgbClr val="2020F2"/>
-          </a:solidFill>
-          <a:ln>
-            <a:noFill/>
-          </a:ln>
-        </p:spPr>
-        <p:style>
-          <a:lnRef idx="2">
-            <a:schemeClr val="accent1">
-              <a:shade val="50000"/>
-            </a:schemeClr>
-          </a:lnRef>
-          <a:fillRef idx="1">
-            <a:schemeClr val="accent1"/>
-          </a:fillRef>
-          <a:effectRef idx="0">
-            <a:schemeClr val="accent1"/>
-          </a:effectRef>
-          <a:fontRef idx="minor">
-            <a:schemeClr val="lt1"/>
-          </a:fontRef>
-        </p:style>
-      </p:sp>
-      <p:sp>
-        <p:nvSpPr>
-          <p:cNvPr id="24" name="Rectangle 23">
-            <a:extLst>
-              <a:ext uri="{FF2B5EF4-FFF2-40B4-BE49-F238E27FC236}">
-                <a16:creationId xmlns:a16="http://schemas.microsoft.com/office/drawing/2014/main" id="{14720853-E885-4BE5-BFE2-24004CEF6952}"/>
-              </a:ext>
-              <a:ext uri="{C183D7F6-B498-43B3-948B-1728B52AA6E4}">
-                <adec:decorative xmlns:adec="http://schemas.microsoft.com/office/drawing/2017/decorative" val="1"/>
-              </a:ext>
-            </a:extLst>
-          </p:cNvPr>
-          <p:cNvSpPr>
-            <a:spLocks noGrp="1" noRot="1" noChangeAspect="1" noMove="1" noResize="1" noEditPoints="1" noAdjustHandles="1" noChangeArrowheads="1" noChangeShapeType="1" noTextEdit="1"/>
-          </p:cNvSpPr>
-          <p:nvPr>
-            <p:extLst>
-              <p:ext uri="{386F3935-93C4-4BCD-93E2-E3B085C9AB24}">
-                <p16:designElem xmlns:p16="http://schemas.microsoft.com/office/powerpoint/2015/main" val="1"/>
-              </p:ext>
-            </p:extLst>
-          </p:nvPr>
-        </p:nvSpPr>
-        <p:spPr>
-          <a:xfrm>
-            <a:off x="1" y="6400800"/>
-            <a:ext cx="12192000" cy="457200"/>
-          </a:xfrm>
-          <a:prstGeom prst="rect">
-            <a:avLst/>
-          </a:prstGeom>
-          <a:solidFill>
-            <a:schemeClr val="accent2"/>
-          </a:solidFill>
-          <a:ln>
-            <a:noFill/>
-          </a:ln>
-        </p:spPr>
-        <p:style>
-          <a:lnRef idx="2">
-            <a:schemeClr val="accent1">
-              <a:shade val="50000"/>
-            </a:schemeClr>
-          </a:lnRef>
-          <a:fillRef idx="1">
-            <a:schemeClr val="accent1"/>
-          </a:fillRef>
-          <a:effectRef idx="0">
-            <a:schemeClr val="accent1"/>
-          </a:effectRef>
-          <a:fontRef idx="minor">
-            <a:schemeClr val="lt1"/>
-          </a:fontRef>
-        </p:style>
-      </p:sp>
-      <p:sp>
-        <p:nvSpPr>
-          <p:cNvPr id="2" name="スライド番号プレースホルダー 1">
-            <a:extLst>
-              <a:ext uri="{FF2B5EF4-FFF2-40B4-BE49-F238E27FC236}">
-                <a16:creationId xmlns:a16="http://schemas.microsoft.com/office/drawing/2014/main" id="{CAE8F245-FA4A-41BD-AF86-A144C301E1E3}"/>
-              </a:ext>
-            </a:extLst>
-          </p:cNvPr>
-          <p:cNvSpPr>
-            <a:spLocks noGrp="1"/>
-          </p:cNvSpPr>
-          <p:nvPr>
-            <p:ph type="sldNum" sz="quarter" idx="12"/>
-          </p:nvPr>
-        </p:nvSpPr>
-        <p:spPr>
-          <a:xfrm>
-            <a:off x="9900458" y="6459785"/>
-            <a:ext cx="1312025" cy="365125"/>
-          </a:xfrm>
-        </p:spPr>
-        <p:txBody>
-          <a:bodyPr vert="horz" lIns="91440" tIns="45720" rIns="91440" bIns="45720" rtlCol="0" anchor="ctr">
-            <a:normAutofit/>
-          </a:bodyPr>
-          <a:lstStyle/>
-          <a:p>
-            <a:pPr>
-              <a:spcAft>
-                <a:spcPts val="600"/>
-              </a:spcAft>
-            </a:pPr>
-            <a:fld id="{3C3988C9-8C6C-49D7-8D82-24DA391FB063}" type="slidenum">
-              <a:rPr kumimoji="1" lang="en-US" altLang="ja-JP" sz="1050" smtClean="0"/>
-              <a:pPr>
-                <a:spcAft>
-                  <a:spcPts val="600"/>
-                </a:spcAft>
-              </a:pPr>
-              <a:t>20</a:t>
-            </a:fld>
-            <a:endParaRPr kumimoji="1" lang="en-US" altLang="ja-JP" sz="1050"/>
-          </a:p>
-        </p:txBody>
-      </p:sp>
-      <p:sp>
-        <p:nvSpPr>
-          <p:cNvPr id="13" name="コンテンツ プレースホルダー 12"/>
-          <p:cNvSpPr txBox="1">
-            <a:spLocks noGrp="1"/>
-          </p:cNvSpPr>
-          <p:nvPr>
-            <p:ph sz="half" idx="2"/>
-          </p:nvPr>
-        </p:nvSpPr>
-        <p:spPr>
-          <a:xfrm>
-            <a:off x="6411913" y="2198688"/>
-            <a:ext cx="5346700" cy="3316805"/>
+            <a:off x="4808935" y="2506267"/>
+            <a:ext cx="4010025" cy="2542747"/>
           </a:xfrm>
           <a:prstGeom prst="rect">
             <a:avLst/>
@@ -15205,60 +14753,105 @@
           <a:lstStyle/>
           <a:p>
             <a:r>
-              <a:rPr lang="ja-JP" altLang="en-US" sz="2800" dirty="0"/>
+              <a:rPr lang="ja-JP" altLang="en-US" sz="2100" dirty="0"/>
               <a:t>・学習使用した</a:t>
             </a:r>
             <a:r>
-              <a:rPr lang="en-US" altLang="ja-JP" sz="2800" dirty="0"/>
+              <a:rPr lang="en-US" altLang="ja-JP" sz="2100" dirty="0"/>
               <a:t>GPU</a:t>
             </a:r>
           </a:p>
           <a:p>
             <a:r>
-              <a:rPr lang="en-US" altLang="ja-JP" sz="2800" dirty="0"/>
+              <a:rPr lang="en-US" altLang="ja-JP" sz="2100" dirty="0"/>
               <a:t>  GTX1050Ti 4GB</a:t>
             </a:r>
           </a:p>
           <a:p>
             <a:r>
-              <a:rPr lang="ja-JP" altLang="en-US" sz="2800" dirty="0"/>
+              <a:rPr lang="ja-JP" altLang="en-US" sz="2100" dirty="0"/>
               <a:t>・学習に使用した教師データ数</a:t>
             </a:r>
           </a:p>
           <a:p>
             <a:r>
-              <a:rPr lang="ja-JP" altLang="en-US" sz="2800" dirty="0"/>
+              <a:rPr lang="ja-JP" altLang="en-US" sz="2100" dirty="0"/>
               <a:t>  約</a:t>
             </a:r>
             <a:r>
-              <a:rPr lang="en-US" altLang="ja-JP" sz="2800" dirty="0"/>
+              <a:rPr lang="en-US" altLang="ja-JP" sz="2100" dirty="0"/>
               <a:t>2600</a:t>
             </a:r>
             <a:r>
-              <a:rPr lang="ja-JP" altLang="en-US" sz="2800" dirty="0"/>
+              <a:rPr lang="ja-JP" altLang="en-US" sz="2100" dirty="0"/>
               <a:t>枚</a:t>
             </a:r>
           </a:p>
           <a:p>
             <a:r>
-              <a:rPr lang="ja-JP" altLang="en-US" sz="2800" dirty="0"/>
+              <a:rPr lang="ja-JP" altLang="en-US" sz="2100" dirty="0"/>
               <a:t>・イテレーション回数</a:t>
             </a:r>
           </a:p>
           <a:p>
             <a:r>
-              <a:rPr lang="ja-JP" altLang="en-US" sz="2800" dirty="0"/>
+              <a:rPr lang="ja-JP" altLang="en-US" sz="2100" dirty="0"/>
               <a:t>  </a:t>
             </a:r>
             <a:r>
-              <a:rPr lang="en-US" altLang="ja-JP" sz="2800" dirty="0"/>
+              <a:rPr lang="en-US" altLang="ja-JP" sz="2100" dirty="0"/>
               <a:t>10000</a:t>
             </a:r>
             <a:r>
-              <a:rPr lang="ja-JP" altLang="en-US" sz="2800" dirty="0"/>
+              <a:rPr lang="ja-JP" altLang="en-US" sz="2100" dirty="0"/>
               <a:t>回</a:t>
             </a:r>
-            <a:endParaRPr kumimoji="1" lang="ja-JP" altLang="en-US" sz="2800" dirty="0"/>
+          </a:p>
+        </p:txBody>
+      </p:sp>
+      <p:sp>
+        <p:nvSpPr>
+          <p:cNvPr id="2" name="スライド番号プレースホルダー 1">
+            <a:extLst>
+              <a:ext uri="{FF2B5EF4-FFF2-40B4-BE49-F238E27FC236}">
+                <a16:creationId xmlns:a16="http://schemas.microsoft.com/office/drawing/2014/main" id="{CAE8F245-FA4A-41BD-AF86-A144C301E1E3}"/>
+              </a:ext>
+            </a:extLst>
+          </p:cNvPr>
+          <p:cNvSpPr>
+            <a:spLocks noGrp="1"/>
+          </p:cNvSpPr>
+          <p:nvPr>
+            <p:ph type="sldNum" sz="quarter" idx="12"/>
+          </p:nvPr>
+        </p:nvSpPr>
+        <p:spPr>
+          <a:xfrm>
+            <a:off x="7425344" y="5702089"/>
+            <a:ext cx="984019" cy="273844"/>
+          </a:xfrm>
+        </p:spPr>
+        <p:txBody>
+          <a:bodyPr vert="horz" lIns="68580" tIns="34290" rIns="68580" bIns="34290" rtlCol="0" anchor="ctr">
+            <a:normAutofit/>
+          </a:bodyPr>
+          <a:lstStyle/>
+          <a:p>
+            <a:pPr>
+              <a:spcAft>
+                <a:spcPts val="450"/>
+              </a:spcAft>
+            </a:pPr>
+            <a:fld id="{3C3988C9-8C6C-49D7-8D82-24DA391FB063}" type="slidenum">
+              <a:rPr lang="en-US" altLang="ja-JP" sz="788"/>
+              <a:pPr>
+                <a:spcAft>
+                  <a:spcPts val="450"/>
+                </a:spcAft>
+              </a:pPr>
+              <a:t>21</a:t>
+            </a:fld>
+            <a:endParaRPr lang="en-US" altLang="ja-JP" sz="788"/>
           </a:p>
         </p:txBody>
       </p:sp>
@@ -15294,6 +14887,28 @@
       </p:grpSpPr>
       <p:sp>
         <p:nvSpPr>
+          <p:cNvPr id="2" name="タイトル 1"/>
+          <p:cNvSpPr>
+            <a:spLocks noGrp="1"/>
+          </p:cNvSpPr>
+          <p:nvPr>
+            <p:ph type="title"/>
+          </p:nvPr>
+        </p:nvSpPr>
+        <p:spPr/>
+        <p:txBody>
+          <a:bodyPr/>
+          <a:lstStyle/>
+          <a:p>
+            <a:r>
+              <a:rPr kumimoji="1" lang="ja-JP" altLang="en-US" dirty="0"/>
+              <a:t>研究背景</a:t>
+            </a:r>
+          </a:p>
+        </p:txBody>
+      </p:sp>
+      <p:sp>
+        <p:nvSpPr>
           <p:cNvPr id="3" name="コンテンツ プレースホルダー 2"/>
           <p:cNvSpPr>
             <a:spLocks noGrp="1"/>
@@ -15304,8 +14919,8 @@
         </p:nvSpPr>
         <p:spPr>
           <a:xfrm>
-            <a:off x="1097280" y="1845734"/>
-            <a:ext cx="10581373" cy="4023360"/>
+            <a:off x="822960" y="2241551"/>
+            <a:ext cx="7936030" cy="3017520"/>
           </a:xfrm>
         </p:spPr>
         <p:txBody>
@@ -15315,48 +14930,51 @@
           <a:lstStyle/>
           <a:p>
             <a:r>
-              <a:rPr lang="ja-JP" altLang="en-US" sz="2800" dirty="0"/>
+              <a:rPr lang="ja-JP" altLang="en-US" sz="2100" dirty="0"/>
               <a:t>現在の日本では少子高齢化の進行による</a:t>
             </a:r>
             <a:r>
-              <a:rPr lang="ja-JP" altLang="en-US" sz="2800" dirty="0">
+              <a:rPr lang="ja-JP" altLang="en-US" sz="2100" dirty="0">
                 <a:solidFill>
                   <a:srgbClr val="FF0000"/>
                 </a:solidFill>
               </a:rPr>
               <a:t>人的資源が減少</a:t>
             </a:r>
-            <a:endParaRPr lang="en-US" altLang="ja-JP" sz="2800" dirty="0"/>
-          </a:p>
-          <a:p>
-            <a:r>
-              <a:rPr lang="ja-JP" altLang="en-US" sz="2800" dirty="0"/>
-              <a:t>サービス業者にも人手不足の問題が深刻化おり、セルフレジの導入が進んでいる。セルフレジは</a:t>
-            </a:r>
-            <a:r>
-              <a:rPr lang="ja-JP" altLang="en-US" sz="2800" dirty="0">
+            <a:endParaRPr lang="en-US" altLang="ja-JP" sz="2100" dirty="0"/>
+          </a:p>
+          <a:p>
+            <a:r>
+              <a:rPr lang="ja-JP" altLang="en-US" sz="2100" dirty="0"/>
+              <a:t>サービス業者にも人手不足の問題が深刻化おり、セルフレジの導入が進んでいる</a:t>
+            </a:r>
+            <a:endParaRPr lang="en-US" altLang="ja-JP" sz="2100" dirty="0"/>
+          </a:p>
+          <a:p>
+            <a:r>
+              <a:rPr lang="ja-JP" altLang="en-US" sz="2100" dirty="0"/>
+              <a:t>セルフレジは</a:t>
+            </a:r>
+            <a:r>
+              <a:rPr lang="ja-JP" altLang="en-US" sz="2100" dirty="0">
                 <a:solidFill>
                   <a:srgbClr val="FF0000"/>
                 </a:solidFill>
               </a:rPr>
               <a:t>導入コストが高い</a:t>
             </a:r>
-            <a:r>
-              <a:rPr lang="ja-JP" altLang="en-US" sz="2800" dirty="0"/>
-              <a:t>という問題</a:t>
-            </a:r>
-            <a:endParaRPr lang="en-US" altLang="ja-JP" sz="2800" dirty="0"/>
-          </a:p>
-        </p:txBody>
-      </p:sp>
-      <p:sp>
-        <p:nvSpPr>
-          <p:cNvPr id="2" name="タイトル 1"/>
-          <p:cNvSpPr>
-            <a:spLocks noGrp="1"/>
-          </p:cNvSpPr>
-          <p:nvPr>
-            <p:ph type="title"/>
+            <a:endParaRPr lang="en-US" altLang="ja-JP" sz="2100" dirty="0"/>
+          </a:p>
+        </p:txBody>
+      </p:sp>
+      <p:sp>
+        <p:nvSpPr>
+          <p:cNvPr id="4" name="スライド番号プレースホルダー 3"/>
+          <p:cNvSpPr>
+            <a:spLocks noGrp="1"/>
+          </p:cNvSpPr>
+          <p:nvPr>
+            <p:ph type="sldNum" sz="quarter" idx="12"/>
           </p:nvPr>
         </p:nvSpPr>
         <p:spPr/>
@@ -15364,10 +14982,11 @@
           <a:bodyPr/>
           <a:lstStyle/>
           <a:p>
-            <a:r>
-              <a:rPr kumimoji="1" lang="ja-JP" altLang="en-US" dirty="0"/>
-              <a:t>研究背景</a:t>
-            </a:r>
+            <a:fld id="{3C3988C9-8C6C-49D7-8D82-24DA391FB063}" type="slidenum">
+              <a:rPr kumimoji="1" lang="ja-JP" altLang="en-US" smtClean="0"/>
+              <a:t>2</a:t>
+            </a:fld>
+            <a:endParaRPr kumimoji="1" lang="ja-JP" altLang="en-US"/>
           </a:p>
         </p:txBody>
       </p:sp>
@@ -15399,8 +15018,8 @@
         </p:blipFill>
         <p:spPr>
           <a:xfrm>
-            <a:off x="8321701" y="3799260"/>
-            <a:ext cx="3157514" cy="2365179"/>
+            <a:off x="6241276" y="3706696"/>
+            <a:ext cx="2368136" cy="1773884"/>
           </a:xfrm>
           <a:prstGeom prst="rect">
             <a:avLst/>
@@ -15409,37 +15028,14 @@
       </p:pic>
       <p:sp>
         <p:nvSpPr>
-          <p:cNvPr id="4" name="スライド番号プレースホルダー 3"/>
-          <p:cNvSpPr>
-            <a:spLocks noGrp="1"/>
-          </p:cNvSpPr>
-          <p:nvPr>
-            <p:ph type="sldNum" sz="quarter" idx="12"/>
-          </p:nvPr>
-        </p:nvSpPr>
-        <p:spPr/>
-        <p:txBody>
-          <a:bodyPr/>
-          <a:lstStyle/>
-          <a:p>
-            <a:fld id="{3C3988C9-8C6C-49D7-8D82-24DA391FB063}" type="slidenum">
-              <a:rPr kumimoji="1" lang="ja-JP" altLang="en-US" smtClean="0"/>
-              <a:t>2</a:t>
-            </a:fld>
-            <a:endParaRPr kumimoji="1" lang="ja-JP" altLang="en-US"/>
-          </a:p>
-        </p:txBody>
-      </p:sp>
-      <p:sp>
-        <p:nvSpPr>
           <p:cNvPr id="5" name="正方形/長方形 4"/>
           <p:cNvSpPr/>
           <p:nvPr/>
         </p:nvSpPr>
         <p:spPr>
           <a:xfrm>
-            <a:off x="7816507" y="6135137"/>
-            <a:ext cx="4375493" cy="307777"/>
+            <a:off x="5862380" y="5458603"/>
+            <a:ext cx="3342582" cy="253916"/>
           </a:xfrm>
           <a:prstGeom prst="rect">
             <a:avLst/>
@@ -15452,10 +15048,10 @@
           <a:lstStyle/>
           <a:p>
             <a:r>
-              <a:rPr lang="en-US" altLang="ja-JP" sz="1400" dirty="0"/>
+              <a:rPr lang="en-US" altLang="ja-JP" sz="1050" dirty="0"/>
               <a:t>https://www.toshibatec.co.jp/release/20160208_01.html</a:t>
             </a:r>
-            <a:endParaRPr lang="ja-JP" altLang="en-US" sz="1400" dirty="0"/>
+            <a:endParaRPr lang="ja-JP" altLang="en-US" sz="1050" dirty="0"/>
           </a:p>
         </p:txBody>
       </p:sp>
@@ -15501,12 +15097,14 @@
         </p:nvSpPr>
         <p:spPr>
           <a:xfrm>
-            <a:off x="1208313" y="825446"/>
-            <a:ext cx="8995169" cy="807411"/>
+            <a:off x="858108" y="1073176"/>
+            <a:ext cx="6746377" cy="605558"/>
           </a:xfrm>
         </p:spPr>
         <p:txBody>
-          <a:bodyPr/>
+          <a:bodyPr>
+            <a:normAutofit fontScale="90000"/>
+          </a:bodyPr>
           <a:lstStyle/>
           <a:p>
             <a:r>
@@ -15533,8 +15131,8 @@
         </p:nvSpPr>
         <p:spPr>
           <a:xfrm>
-            <a:off x="583586" y="1794453"/>
-            <a:ext cx="10983687" cy="4277312"/>
+            <a:off x="290420" y="2122880"/>
+            <a:ext cx="8563160" cy="3661944"/>
           </a:xfrm>
         </p:spPr>
         <p:txBody>
@@ -15544,71 +15142,71 @@
           <a:lstStyle/>
           <a:p>
             <a:r>
-              <a:rPr lang="en-US" altLang="ja-JP" sz="2800" b="1" dirty="0"/>
+              <a:rPr lang="en-US" altLang="ja-JP" sz="2100" b="1" dirty="0"/>
               <a:t>&lt;</a:t>
             </a:r>
             <a:r>
-              <a:rPr lang="ja-JP" altLang="en-US" sz="2800" b="1" dirty="0"/>
+              <a:rPr lang="ja-JP" altLang="en-US" sz="2100" b="1" dirty="0"/>
               <a:t>目的</a:t>
             </a:r>
             <a:r>
-              <a:rPr lang="en-US" altLang="ja-JP" sz="2800" b="1" dirty="0"/>
+              <a:rPr lang="en-US" altLang="ja-JP" sz="2100" b="1" dirty="0"/>
               <a:t>&gt;</a:t>
             </a:r>
           </a:p>
           <a:p>
             <a:r>
-              <a:rPr lang="ja-JP" altLang="en-US" sz="2800" dirty="0"/>
+              <a:rPr lang="ja-JP" altLang="en-US" sz="2100" dirty="0"/>
               <a:t>資金力を持たない店舗でも導入しやすく、安価で人手のかからないスマートモビリティレジシステムの提案と開発</a:t>
             </a:r>
-            <a:endParaRPr lang="en-US" altLang="ja-JP" sz="2800" dirty="0"/>
-          </a:p>
-          <a:p>
-            <a:r>
-              <a:rPr lang="en-US" altLang="ja-JP" sz="2800" b="1" dirty="0"/>
+            <a:endParaRPr lang="en-US" altLang="ja-JP" sz="2100" dirty="0"/>
+          </a:p>
+          <a:p>
+            <a:r>
+              <a:rPr lang="en-US" altLang="ja-JP" sz="2100" b="1" dirty="0"/>
               <a:t>&lt;</a:t>
             </a:r>
             <a:r>
-              <a:rPr lang="ja-JP" altLang="en-US" sz="2800" b="1" dirty="0"/>
+              <a:rPr lang="ja-JP" altLang="en-US" sz="2100" b="1" dirty="0"/>
               <a:t>目標</a:t>
             </a:r>
             <a:r>
-              <a:rPr lang="en-US" altLang="ja-JP" sz="2800" b="1" dirty="0"/>
+              <a:rPr lang="en-US" altLang="ja-JP" sz="2100" b="1" dirty="0"/>
               <a:t>&gt;</a:t>
             </a:r>
           </a:p>
           <a:p>
             <a:r>
-              <a:rPr lang="ja-JP" altLang="en-US" sz="2800" dirty="0"/>
+              <a:rPr lang="ja-JP" altLang="en-US" sz="2100" dirty="0"/>
               <a:t>グループで</a:t>
             </a:r>
             <a:r>
-              <a:rPr lang="en-US" altLang="ja-JP" sz="2800" dirty="0"/>
+              <a:rPr lang="en-US" altLang="ja-JP" sz="2100" dirty="0"/>
               <a:t>V</a:t>
             </a:r>
             <a:r>
-              <a:rPr lang="ja-JP" altLang="en-US" sz="2800" dirty="0"/>
+              <a:rPr lang="ja-JP" altLang="en-US" sz="2100" dirty="0"/>
               <a:t>字開発モデルに基づいて開発</a:t>
             </a:r>
-            <a:endParaRPr lang="en-US" altLang="ja-JP" sz="2800" dirty="0"/>
-          </a:p>
-          <a:p>
-            <a:r>
-              <a:rPr lang="ja-JP" altLang="en-US" sz="2800" spc="0" dirty="0"/>
+            <a:endParaRPr lang="en-US" altLang="ja-JP" sz="2100" dirty="0"/>
+          </a:p>
+          <a:p>
+            <a:r>
+              <a:rPr lang="ja-JP" altLang="en-US" sz="2100" spc="0" dirty="0"/>
               <a:t>ラズベリーパイと</a:t>
             </a:r>
             <a:r>
-              <a:rPr lang="en-US" altLang="ja-JP" sz="2800" spc="0" dirty="0"/>
+              <a:rPr lang="en-US" altLang="ja-JP" sz="2100" spc="0" dirty="0"/>
               <a:t>Web</a:t>
             </a:r>
             <a:r>
-              <a:rPr lang="ja-JP" altLang="en-US" sz="2800" spc="0" dirty="0"/>
+              <a:rPr lang="ja-JP" altLang="en-US" sz="2100" spc="0" dirty="0"/>
               <a:t>カメラを使用し、商品をバーコードの番号で判断</a:t>
             </a:r>
           </a:p>
           <a:p>
             <a:r>
-              <a:rPr kumimoji="1" lang="ja-JP" altLang="en-US" sz="2800" spc="0" dirty="0"/>
+              <a:rPr lang="ja-JP" altLang="en-US" sz="2100" spc="0" dirty="0"/>
               <a:t>商品の取捨選択から決済に至るまでの一連の流れを行えるシステムの開発</a:t>
             </a:r>
           </a:p>
@@ -15702,8 +15300,8 @@
         </p:blipFill>
         <p:spPr bwMode="auto">
           <a:xfrm>
-            <a:off x="10153403" y="2791526"/>
-            <a:ext cx="1162050" cy="1905000"/>
+            <a:off x="7615052" y="2950895"/>
+            <a:ext cx="871538" cy="1428750"/>
           </a:xfrm>
           <a:prstGeom prst="rect">
             <a:avLst/>
@@ -15734,8 +15332,8 @@
         </p:blipFill>
         <p:spPr bwMode="auto">
           <a:xfrm flipH="1">
-            <a:off x="5152116" y="2123944"/>
-            <a:ext cx="2676103" cy="2816951"/>
+            <a:off x="3864088" y="2450209"/>
+            <a:ext cx="2007077" cy="2112713"/>
           </a:xfrm>
           <a:prstGeom prst="rect">
             <a:avLst/>
@@ -15797,6 +15395,29 @@
               </a:solidFill>
               <a:latin typeface="Bauhaus 93" panose="04030905020B02020C02" pitchFamily="82" charset="0"/>
             </a:endParaRPr>
+          </a:p>
+        </p:txBody>
+      </p:sp>
+      <p:sp>
+        <p:nvSpPr>
+          <p:cNvPr id="5" name="スライド番号プレースホルダー 4"/>
+          <p:cNvSpPr>
+            <a:spLocks noGrp="1"/>
+          </p:cNvSpPr>
+          <p:nvPr>
+            <p:ph type="sldNum" sz="quarter" idx="12"/>
+          </p:nvPr>
+        </p:nvSpPr>
+        <p:spPr/>
+        <p:txBody>
+          <a:bodyPr/>
+          <a:lstStyle/>
+          <a:p>
+            <a:fld id="{3C3988C9-8C6C-49D7-8D82-24DA391FB063}" type="slidenum">
+              <a:rPr kumimoji="1" lang="ja-JP" altLang="en-US" smtClean="0"/>
+              <a:t>4</a:t>
+            </a:fld>
+            <a:endParaRPr kumimoji="1" lang="ja-JP" altLang="en-US"/>
           </a:p>
         </p:txBody>
       </p:sp>
@@ -15823,8 +15444,8 @@
         </p:blipFill>
         <p:spPr bwMode="auto">
           <a:xfrm flipH="1">
-            <a:off x="1983741" y="2666953"/>
-            <a:ext cx="2261053" cy="2176264"/>
+            <a:off x="1487806" y="2857465"/>
+            <a:ext cx="1695790" cy="1632198"/>
           </a:xfrm>
           <a:prstGeom prst="rect">
             <a:avLst/>
@@ -15864,8 +15485,8 @@
         </p:blipFill>
         <p:spPr bwMode="auto">
           <a:xfrm flipH="1">
-            <a:off x="6410067" y="3414771"/>
-            <a:ext cx="409091" cy="409091"/>
+            <a:off x="4807551" y="3418329"/>
+            <a:ext cx="306818" cy="306818"/>
           </a:xfrm>
           <a:prstGeom prst="rect">
             <a:avLst/>
@@ -15905,8 +15526,8 @@
         </p:blipFill>
         <p:spPr bwMode="auto">
           <a:xfrm flipH="1">
-            <a:off x="8665337" y="2885282"/>
-            <a:ext cx="2261053" cy="2176264"/>
+            <a:off x="6499003" y="3021212"/>
+            <a:ext cx="1695790" cy="1632198"/>
           </a:xfrm>
           <a:prstGeom prst="rect">
             <a:avLst/>
@@ -15945,8 +15566,8 @@
         </p:blipFill>
         <p:spPr>
           <a:xfrm>
-            <a:off x="1097280" y="438751"/>
-            <a:ext cx="4754037" cy="1658783"/>
+            <a:off x="777240" y="721209"/>
+            <a:ext cx="3565528" cy="1244087"/>
           </a:xfrm>
           <a:prstGeom prst="rect">
             <a:avLst/>
@@ -15961,8 +15582,8 @@
         </p:nvSpPr>
         <p:spPr>
           <a:xfrm>
-            <a:off x="4513130" y="3532419"/>
-            <a:ext cx="638986" cy="333103"/>
+            <a:off x="3384847" y="3506565"/>
+            <a:ext cx="479240" cy="249827"/>
           </a:xfrm>
           <a:prstGeom prst="rightArrow">
             <a:avLst/>
@@ -15996,36 +15617,15 @@
           <a:bodyPr rtlCol="0" anchor="ctr"/>
           <a:lstStyle/>
           <a:p>
-            <a:pPr marL="0" marR="0" lvl="0" indent="0" algn="ctr" defTabSz="914400" rtl="0" eaLnBrk="1" fontAlgn="auto" latinLnBrk="0" hangingPunct="1">
-              <a:lnSpc>
-                <a:spcPct val="100000"/>
-              </a:lnSpc>
-              <a:spcBef>
-                <a:spcPts val="0"/>
-              </a:spcBef>
-              <a:spcAft>
-                <a:spcPts val="0"/>
-              </a:spcAft>
-              <a:buClrTx/>
-              <a:buSzTx/>
-              <a:buFontTx/>
-              <a:buNone/>
-              <a:tabLst/>
+            <a:pPr algn="ctr" defTabSz="685800">
               <a:defRPr/>
             </a:pPr>
-            <a:endParaRPr kumimoji="1" lang="ja-JP" altLang="en-US" sz="1800" b="0" i="0" u="none" strike="noStrike" kern="1200" cap="none" spc="0" normalizeH="0" baseline="0" noProof="0" dirty="0">
-              <a:ln>
-                <a:noFill/>
-              </a:ln>
+            <a:endParaRPr lang="ja-JP" altLang="en-US" sz="1350" dirty="0">
               <a:solidFill>
                 <a:prstClr val="white"/>
               </a:solidFill>
-              <a:effectLst/>
-              <a:uLnTx/>
-              <a:uFillTx/>
               <a:latin typeface="Calibri" panose="020F0502020204030204"/>
               <a:ea typeface="ＭＳ Ｐゴシック" panose="020B0600070205080204" pitchFamily="50" charset="-128"/>
-              <a:cs typeface="+mn-cs"/>
             </a:endParaRPr>
           </a:p>
         </p:txBody>
@@ -16038,8 +15638,8 @@
         </p:nvSpPr>
         <p:spPr>
           <a:xfrm>
-            <a:off x="8098300" y="3532419"/>
-            <a:ext cx="638986" cy="333103"/>
+            <a:off x="6073725" y="3506565"/>
+            <a:ext cx="479240" cy="249827"/>
           </a:xfrm>
           <a:prstGeom prst="rightArrow">
             <a:avLst/>
@@ -16073,36 +15673,15 @@
           <a:bodyPr rtlCol="0" anchor="ctr"/>
           <a:lstStyle/>
           <a:p>
-            <a:pPr marL="0" marR="0" lvl="0" indent="0" algn="ctr" defTabSz="914400" rtl="0" eaLnBrk="1" fontAlgn="auto" latinLnBrk="0" hangingPunct="1">
-              <a:lnSpc>
-                <a:spcPct val="100000"/>
-              </a:lnSpc>
-              <a:spcBef>
-                <a:spcPts val="0"/>
-              </a:spcBef>
-              <a:spcAft>
-                <a:spcPts val="0"/>
-              </a:spcAft>
-              <a:buClrTx/>
-              <a:buSzTx/>
-              <a:buFontTx/>
-              <a:buNone/>
-              <a:tabLst/>
+            <a:pPr algn="ctr" defTabSz="685800">
               <a:defRPr/>
             </a:pPr>
-            <a:endParaRPr kumimoji="1" lang="ja-JP" altLang="en-US" sz="1800" b="0" i="0" u="none" strike="noStrike" kern="1200" cap="none" spc="0" normalizeH="0" baseline="0" noProof="0" dirty="0">
-              <a:ln>
-                <a:noFill/>
-              </a:ln>
+            <a:endParaRPr lang="ja-JP" altLang="en-US" sz="1350" dirty="0">
               <a:solidFill>
                 <a:prstClr val="white"/>
               </a:solidFill>
-              <a:effectLst/>
-              <a:uLnTx/>
-              <a:uFillTx/>
               <a:latin typeface="Calibri" panose="020F0502020204030204"/>
               <a:ea typeface="ＭＳ Ｐゴシック" panose="020B0600070205080204" pitchFamily="50" charset="-128"/>
-              <a:cs typeface="+mn-cs"/>
             </a:endParaRPr>
           </a:p>
         </p:txBody>
@@ -16130,8 +15709,8 @@
         </p:blipFill>
         <p:spPr bwMode="auto">
           <a:xfrm flipH="1">
-            <a:off x="9172759" y="3235583"/>
-            <a:ext cx="409091" cy="409091"/>
+            <a:off x="6879570" y="3283938"/>
+            <a:ext cx="306818" cy="306818"/>
           </a:xfrm>
           <a:prstGeom prst="rect">
             <a:avLst/>
@@ -16157,7 +15736,7 @@
           <p:nvPr/>
         </p:nvPicPr>
         <p:blipFill>
-          <a:blip r:embed="rId9">
+          <a:blip r:embed="rId9" cstate="print">
             <a:extLst>
               <a:ext uri="{28A0092B-C50C-407E-A947-70E740481C1C}">
                 <a14:useLocalDpi xmlns:a14="http://schemas.microsoft.com/office/drawing/2010/main" val="0"/>
@@ -16171,8 +15750,8 @@
         </p:blipFill>
         <p:spPr bwMode="auto">
           <a:xfrm>
-            <a:off x="1156084" y="2396625"/>
-            <a:ext cx="1587685" cy="1716416"/>
+            <a:off x="867063" y="2654719"/>
+            <a:ext cx="1190764" cy="1287312"/>
           </a:xfrm>
           <a:prstGeom prst="rect">
             <a:avLst/>
@@ -16197,8 +15776,8 @@
         </p:nvSpPr>
         <p:spPr>
           <a:xfrm>
-            <a:off x="1769931" y="4076453"/>
-            <a:ext cx="922162" cy="1166422"/>
+            <a:off x="1327448" y="3914590"/>
+            <a:ext cx="691622" cy="874817"/>
           </a:xfrm>
           <a:prstGeom prst="flowChartProcess">
             <a:avLst/>
@@ -16230,36 +15809,15 @@
           <a:bodyPr rtlCol="0" anchor="ctr"/>
           <a:lstStyle/>
           <a:p>
-            <a:pPr marL="0" marR="0" lvl="0" indent="0" algn="ctr" defTabSz="914400" rtl="0" eaLnBrk="1" fontAlgn="auto" latinLnBrk="0" hangingPunct="1">
-              <a:lnSpc>
-                <a:spcPct val="100000"/>
-              </a:lnSpc>
-              <a:spcBef>
-                <a:spcPts val="0"/>
-              </a:spcBef>
-              <a:spcAft>
-                <a:spcPts val="0"/>
-              </a:spcAft>
-              <a:buClrTx/>
-              <a:buSzTx/>
-              <a:buFontTx/>
-              <a:buNone/>
-              <a:tabLst/>
+            <a:pPr algn="ctr" defTabSz="685800">
               <a:defRPr/>
             </a:pPr>
-            <a:endParaRPr kumimoji="1" lang="ja-JP" altLang="en-US" sz="1800" b="0" i="0" u="none" strike="noStrike" kern="1200" cap="none" spc="0" normalizeH="0" baseline="0" noProof="0" dirty="0">
-              <a:ln>
-                <a:noFill/>
-              </a:ln>
+            <a:endParaRPr lang="ja-JP" altLang="en-US" sz="1350" dirty="0">
               <a:solidFill>
                 <a:prstClr val="white"/>
               </a:solidFill>
-              <a:effectLst/>
-              <a:uLnTx/>
-              <a:uFillTx/>
               <a:latin typeface="Calibri" panose="020F0502020204030204"/>
               <a:ea typeface="ＭＳ Ｐゴシック" panose="020B0600070205080204" pitchFamily="50" charset="-128"/>
-              <a:cs typeface="+mn-cs"/>
             </a:endParaRPr>
           </a:p>
         </p:txBody>
@@ -16287,8 +15845,8 @@
         </p:blipFill>
         <p:spPr bwMode="auto">
           <a:xfrm flipH="1">
-            <a:off x="2552414" y="3041878"/>
-            <a:ext cx="409091" cy="409091"/>
+            <a:off x="1914311" y="3138659"/>
+            <a:ext cx="306818" cy="306818"/>
           </a:xfrm>
           <a:prstGeom prst="rect">
             <a:avLst/>
@@ -16313,8 +15871,8 @@
         </p:nvSpPr>
         <p:spPr>
           <a:xfrm>
-            <a:off x="6208294" y="2885282"/>
-            <a:ext cx="5004189" cy="2055613"/>
+            <a:off x="4656221" y="3021212"/>
+            <a:ext cx="3753142" cy="1541710"/>
           </a:xfrm>
           <a:prstGeom prst="rect">
             <a:avLst/>
@@ -16347,30 +15905,7 @@
           <a:lstStyle/>
           <a:p>
             <a:pPr algn="ctr"/>
-            <a:endParaRPr kumimoji="1" lang="ja-JP" altLang="en-US" dirty="0"/>
-          </a:p>
-        </p:txBody>
-      </p:sp>
-      <p:sp>
-        <p:nvSpPr>
-          <p:cNvPr id="5" name="スライド番号プレースホルダー 4"/>
-          <p:cNvSpPr>
-            <a:spLocks noGrp="1"/>
-          </p:cNvSpPr>
-          <p:nvPr>
-            <p:ph type="sldNum" sz="quarter" idx="12"/>
-          </p:nvPr>
-        </p:nvSpPr>
-        <p:spPr/>
-        <p:txBody>
-          <a:bodyPr/>
-          <a:lstStyle/>
-          <a:p>
-            <a:fld id="{3C3988C9-8C6C-49D7-8D82-24DA391FB063}" type="slidenum">
-              <a:rPr kumimoji="1" lang="ja-JP" altLang="en-US" smtClean="0"/>
-              <a:t>4</a:t>
-            </a:fld>
-            <a:endParaRPr kumimoji="1" lang="ja-JP" altLang="en-US"/>
+            <a:endParaRPr lang="ja-JP" altLang="en-US" sz="1350" dirty="0"/>
           </a:p>
         </p:txBody>
       </p:sp>
@@ -16382,8 +15917,8 @@
         </p:nvSpPr>
         <p:spPr>
           <a:xfrm>
-            <a:off x="985694" y="5406141"/>
-            <a:ext cx="3259100" cy="830997"/>
+            <a:off x="739271" y="4911856"/>
+            <a:ext cx="2444325" cy="646331"/>
           </a:xfrm>
           <a:prstGeom prst="rect">
             <a:avLst/>
@@ -16401,16 +15936,8 @@
           <a:lstStyle/>
           <a:p>
             <a:r>
-              <a:rPr kumimoji="1" lang="ja-JP" altLang="en-US" sz="2400"/>
-              <a:t>顧客情報と</a:t>
-            </a:r>
-            <a:r>
-              <a:rPr lang="ja-JP" altLang="en-US" sz="2400"/>
-              <a:t>カゴ</a:t>
-            </a:r>
-            <a:r>
-              <a:rPr kumimoji="1" lang="ja-JP" altLang="en-US" sz="2400"/>
-              <a:t>情報を結びつける</a:t>
+              <a:rPr lang="ja-JP" altLang="en-US"/>
+              <a:t>顧客情報とカゴ情報を結びつける</a:t>
             </a:r>
           </a:p>
         </p:txBody>
@@ -16423,8 +15950,8 @@
         </p:nvSpPr>
         <p:spPr>
           <a:xfrm>
-            <a:off x="9795864" y="5459237"/>
-            <a:ext cx="817708" cy="461665"/>
+            <a:off x="7346898" y="4951678"/>
+            <a:ext cx="847895" cy="369332"/>
           </a:xfrm>
           <a:prstGeom prst="rect">
             <a:avLst/>
@@ -16442,7 +15969,7 @@
           <a:lstStyle/>
           <a:p>
             <a:r>
-              <a:rPr kumimoji="1" lang="ja-JP" altLang="en-US" sz="2400"/>
+              <a:rPr lang="ja-JP" altLang="en-US" dirty="0"/>
               <a:t>決済</a:t>
             </a:r>
           </a:p>
@@ -16456,8 +15983,8 @@
         </p:nvSpPr>
         <p:spPr>
           <a:xfrm>
-            <a:off x="5219591" y="5459237"/>
-            <a:ext cx="3138346" cy="461665"/>
+            <a:off x="3914693" y="4951678"/>
+            <a:ext cx="2584310" cy="369332"/>
           </a:xfrm>
           <a:prstGeom prst="rect">
             <a:avLst/>
@@ -16475,7 +16002,7 @@
           <a:lstStyle/>
           <a:p>
             <a:r>
-              <a:rPr kumimoji="1" lang="ja-JP" altLang="en-US" sz="2400"/>
+              <a:rPr lang="ja-JP" altLang="en-US"/>
               <a:t>カゴ上で商品情報取得</a:t>
             </a:r>
           </a:p>
@@ -16495,8 +16022,8 @@
         </p:nvSpPr>
         <p:spPr>
           <a:xfrm>
-            <a:off x="7745660" y="2300104"/>
-            <a:ext cx="3672379" cy="523220"/>
+            <a:off x="5809246" y="2582328"/>
+            <a:ext cx="2754284" cy="415498"/>
           </a:xfrm>
           <a:prstGeom prst="rect">
             <a:avLst/>
@@ -16510,7 +16037,7 @@
           <a:lstStyle/>
           <a:p>
             <a:r>
-              <a:rPr kumimoji="1" lang="ja-JP" altLang="en-US" sz="2800" dirty="0">
+              <a:rPr lang="ja-JP" altLang="en-US" sz="2100" dirty="0">
                 <a:solidFill>
                   <a:srgbClr val="FF0000"/>
                 </a:solidFill>
@@ -16562,12 +16089,14 @@
         </p:nvSpPr>
         <p:spPr>
           <a:xfrm>
-            <a:off x="1097280" y="286604"/>
-            <a:ext cx="10058400" cy="811036"/>
+            <a:off x="822960" y="1072203"/>
+            <a:ext cx="7543800" cy="608277"/>
           </a:xfrm>
         </p:spPr>
         <p:txBody>
-          <a:bodyPr/>
+          <a:bodyPr>
+            <a:normAutofit fontScale="90000"/>
+          </a:bodyPr>
           <a:lstStyle/>
           <a:p>
             <a:r>
@@ -16592,70 +16121,22 @@
           <a:bodyPr/>
           <a:lstStyle/>
           <a:p>
-            <a:pPr marL="0" marR="0" lvl="0" indent="0" algn="r" defTabSz="914400" rtl="0" eaLnBrk="1" fontAlgn="auto" latinLnBrk="0" hangingPunct="1">
-              <a:lnSpc>
-                <a:spcPct val="100000"/>
-              </a:lnSpc>
-              <a:spcBef>
-                <a:spcPts val="0"/>
-              </a:spcBef>
-              <a:spcAft>
-                <a:spcPts val="0"/>
-              </a:spcAft>
-              <a:buClrTx/>
-              <a:buSzTx/>
-              <a:buFontTx/>
-              <a:buNone/>
-              <a:tabLst/>
+            <a:pPr defTabSz="685800">
               <a:defRPr/>
             </a:pPr>
             <a:fld id="{3C3988C9-8C6C-49D7-8D82-24DA391FB063}" type="slidenum">
-              <a:rPr kumimoji="1" lang="ja-JP" altLang="en-US" sz="1050" b="0" i="0" u="none" strike="noStrike" kern="1200" cap="none" spc="0" normalizeH="0" baseline="0" noProof="0" smtClean="0">
-                <a:ln>
-                  <a:noFill/>
-                </a:ln>
-                <a:solidFill>
-                  <a:srgbClr val="FFFFFF"/>
-                </a:solidFill>
-                <a:effectLst/>
-                <a:uLnTx/>
-                <a:uFillTx/>
+              <a:rPr lang="ja-JP" altLang="en-US">
                 <a:latin typeface="Calibri" panose="020F0502020204030204"/>
                 <a:ea typeface="ＭＳ Ｐゴシック" panose="020B0600070205080204" pitchFamily="50" charset="-128"/>
-                <a:cs typeface="+mn-cs"/>
               </a:rPr>
-              <a:pPr marL="0" marR="0" lvl="0" indent="0" algn="r" defTabSz="914400" rtl="0" eaLnBrk="1" fontAlgn="auto" latinLnBrk="0" hangingPunct="1">
-                <a:lnSpc>
-                  <a:spcPct val="100000"/>
-                </a:lnSpc>
-                <a:spcBef>
-                  <a:spcPts val="0"/>
-                </a:spcBef>
-                <a:spcAft>
-                  <a:spcPts val="0"/>
-                </a:spcAft>
-                <a:buClrTx/>
-                <a:buSzTx/>
-                <a:buFontTx/>
-                <a:buNone/>
-                <a:tabLst/>
+              <a:pPr defTabSz="685800">
                 <a:defRPr/>
               </a:pPr>
               <a:t>5</a:t>
             </a:fld>
-            <a:endParaRPr kumimoji="1" lang="ja-JP" altLang="en-US" sz="1050" b="0" i="0" u="none" strike="noStrike" kern="1200" cap="none" spc="0" normalizeH="0" baseline="0" noProof="0" dirty="0">
-              <a:ln>
-                <a:noFill/>
-              </a:ln>
-              <a:solidFill>
-                <a:srgbClr val="FFFFFF"/>
-              </a:solidFill>
-              <a:effectLst/>
-              <a:uLnTx/>
-              <a:uFillTx/>
+            <a:endParaRPr lang="ja-JP" altLang="en-US" dirty="0">
               <a:latin typeface="Calibri" panose="020F0502020204030204"/>
               <a:ea typeface="ＭＳ Ｐゴシック" panose="020B0600070205080204" pitchFamily="50" charset="-128"/>
-              <a:cs typeface="+mn-cs"/>
             </a:endParaRPr>
           </a:p>
         </p:txBody>
@@ -16668,8 +16149,8 @@
         </p:nvSpPr>
         <p:spPr>
           <a:xfrm>
-            <a:off x="7523009" y="1648196"/>
-            <a:ext cx="4520954" cy="4656350"/>
+            <a:off x="5642257" y="2093397"/>
+            <a:ext cx="3390716" cy="3492263"/>
           </a:xfrm>
           <a:prstGeom prst="rect">
             <a:avLst/>
@@ -16699,7 +16180,7 @@
           <a:lstStyle/>
           <a:p>
             <a:pPr algn="ctr"/>
-            <a:endParaRPr kumimoji="1" lang="ja-JP" altLang="en-US"/>
+            <a:endParaRPr lang="ja-JP" altLang="en-US" sz="1350"/>
           </a:p>
         </p:txBody>
       </p:sp>
@@ -16711,8 +16192,8 @@
         </p:nvGrpSpPr>
         <p:grpSpPr>
           <a:xfrm>
-            <a:off x="94824" y="1735867"/>
-            <a:ext cx="11643594" cy="4591483"/>
+            <a:off x="71118" y="2159151"/>
+            <a:ext cx="8732696" cy="3443612"/>
             <a:chOff x="94824" y="1735867"/>
             <a:chExt cx="11643594" cy="4591483"/>
           </a:xfrm>
@@ -16754,36 +16235,15 @@
             <a:bodyPr rtlCol="0" anchor="ctr"/>
             <a:lstStyle/>
             <a:p>
-              <a:pPr marL="0" marR="0" lvl="0" indent="0" algn="ctr" defTabSz="914400" rtl="0" eaLnBrk="1" fontAlgn="auto" latinLnBrk="0" hangingPunct="1">
-                <a:lnSpc>
-                  <a:spcPct val="100000"/>
-                </a:lnSpc>
-                <a:spcBef>
-                  <a:spcPts val="0"/>
-                </a:spcBef>
-                <a:spcAft>
-                  <a:spcPts val="0"/>
-                </a:spcAft>
-                <a:buClrTx/>
-                <a:buSzTx/>
-                <a:buFontTx/>
-                <a:buNone/>
-                <a:tabLst/>
+              <a:pPr algn="ctr" defTabSz="685800">
                 <a:defRPr/>
               </a:pPr>
-              <a:endParaRPr kumimoji="1" lang="ja-JP" altLang="en-US" sz="1800" b="0" i="0" u="none" strike="noStrike" kern="1200" cap="none" spc="0" normalizeH="0" baseline="0" noProof="0">
-                <a:ln>
-                  <a:noFill/>
-                </a:ln>
+              <a:endParaRPr lang="ja-JP" altLang="en-US" sz="1350">
                 <a:solidFill>
                   <a:prstClr val="white"/>
                 </a:solidFill>
-                <a:effectLst/>
-                <a:uLnTx/>
-                <a:uFillTx/>
                 <a:latin typeface="Calibri" panose="020F0502020204030204"/>
                 <a:ea typeface="ＭＳ Ｐゴシック" panose="020B0600070205080204" pitchFamily="50" charset="-128"/>
-                <a:cs typeface="+mn-cs"/>
               </a:endParaRPr>
             </a:p>
           </p:txBody>
@@ -16949,40 +16409,19 @@
             <a:bodyPr rtlCol="0" anchor="ctr"/>
             <a:lstStyle/>
             <a:p>
-              <a:pPr marL="0" marR="0" lvl="0" indent="0" algn="ctr" defTabSz="914400" rtl="0" eaLnBrk="1" fontAlgn="auto" latinLnBrk="0" hangingPunct="1">
-                <a:lnSpc>
-                  <a:spcPct val="100000"/>
-                </a:lnSpc>
-                <a:spcBef>
-                  <a:spcPts val="0"/>
-                </a:spcBef>
-                <a:spcAft>
-                  <a:spcPts val="0"/>
-                </a:spcAft>
-                <a:buClrTx/>
-                <a:buSzTx/>
-                <a:buFontTx/>
-                <a:buNone/>
-                <a:tabLst/>
+              <a:pPr algn="ctr" defTabSz="685800">
                 <a:defRPr/>
               </a:pPr>
               <a:r>
-                <a:rPr kumimoji="1" lang="ja-JP" altLang="en-US" sz="2800" b="0" i="0" u="none" strike="noStrike" kern="1200" cap="none" spc="0" normalizeH="0" baseline="0" noProof="0" dirty="0">
-                  <a:ln>
-                    <a:noFill/>
-                  </a:ln>
+                <a:rPr lang="ja-JP" altLang="en-US" sz="2100" dirty="0">
                   <a:solidFill>
                     <a:prstClr val="black">
                       <a:lumMod val="85000"/>
                       <a:lumOff val="15000"/>
                     </a:prstClr>
                   </a:solidFill>
-                  <a:effectLst/>
-                  <a:uLnTx/>
-                  <a:uFillTx/>
                   <a:latin typeface="Calibri" panose="020F0502020204030204"/>
                   <a:ea typeface="ＭＳ Ｐゴシック" panose="020B0600070205080204" pitchFamily="50" charset="-128"/>
-                  <a:cs typeface="+mn-cs"/>
                 </a:rPr>
                 <a:t>商品</a:t>
               </a:r>
@@ -16997,8 +16436,8 @@
           </p:nvSpPr>
           <p:spPr>
             <a:xfrm>
-              <a:off x="4770703" y="3558361"/>
-              <a:ext cx="2196256" cy="523220"/>
+              <a:off x="4770702" y="3558360"/>
+              <a:ext cx="2196256" cy="553997"/>
             </a:xfrm>
             <a:prstGeom prst="rect">
               <a:avLst/>
@@ -17011,37 +16450,16 @@
             </a:bodyPr>
             <a:lstStyle/>
             <a:p>
-              <a:pPr marL="0" marR="0" lvl="0" indent="0" algn="l" defTabSz="914400" rtl="0" eaLnBrk="1" fontAlgn="auto" latinLnBrk="0" hangingPunct="1">
-                <a:lnSpc>
-                  <a:spcPct val="100000"/>
-                </a:lnSpc>
-                <a:spcBef>
-                  <a:spcPts val="0"/>
-                </a:spcBef>
-                <a:spcAft>
-                  <a:spcPts val="0"/>
-                </a:spcAft>
-                <a:buClrTx/>
-                <a:buSzTx/>
-                <a:buFontTx/>
-                <a:buNone/>
-                <a:tabLst/>
+              <a:pPr defTabSz="685800">
                 <a:defRPr/>
               </a:pPr>
               <a:r>
-                <a:rPr kumimoji="1" lang="ja-JP" altLang="en-US" sz="2800" b="0" i="0" u="none" strike="noStrike" kern="1200" cap="none" spc="0" normalizeH="0" baseline="0" noProof="0" dirty="0">
-                  <a:ln>
-                    <a:noFill/>
-                  </a:ln>
+                <a:rPr lang="ja-JP" altLang="en-US" sz="2100" dirty="0">
                   <a:solidFill>
                     <a:prstClr val="black"/>
                   </a:solidFill>
-                  <a:effectLst/>
-                  <a:uLnTx/>
-                  <a:uFillTx/>
                   <a:latin typeface="Calibri" panose="020F0502020204030204"/>
                   <a:ea typeface="ＭＳ Ｐゴシック" panose="020B0600070205080204" pitchFamily="50" charset="-128"/>
-                  <a:cs typeface="+mn-cs"/>
                 </a:rPr>
                 <a:t>バーコード</a:t>
               </a:r>
@@ -17094,36 +16512,15 @@
             <a:bodyPr rtlCol="0" anchor="ctr"/>
             <a:lstStyle/>
             <a:p>
-              <a:pPr marL="0" marR="0" lvl="0" indent="0" algn="ctr" defTabSz="914400" rtl="0" eaLnBrk="1" fontAlgn="auto" latinLnBrk="0" hangingPunct="1">
-                <a:lnSpc>
-                  <a:spcPct val="100000"/>
-                </a:lnSpc>
-                <a:spcBef>
-                  <a:spcPts val="0"/>
-                </a:spcBef>
-                <a:spcAft>
-                  <a:spcPts val="0"/>
-                </a:spcAft>
-                <a:buClrTx/>
-                <a:buSzTx/>
-                <a:buFontTx/>
-                <a:buNone/>
-                <a:tabLst/>
+              <a:pPr algn="ctr" defTabSz="685800">
                 <a:defRPr/>
               </a:pPr>
-              <a:endParaRPr kumimoji="1" lang="ja-JP" altLang="en-US" sz="1800" b="0" i="0" u="none" strike="noStrike" kern="1200" cap="none" spc="0" normalizeH="0" baseline="0" noProof="0">
-                <a:ln>
-                  <a:noFill/>
-                </a:ln>
+              <a:endParaRPr lang="ja-JP" altLang="en-US" sz="1350">
                 <a:solidFill>
                   <a:prstClr val="white"/>
                 </a:solidFill>
-                <a:effectLst/>
-                <a:uLnTx/>
-                <a:uFillTx/>
                 <a:latin typeface="Calibri" panose="020F0502020204030204"/>
                 <a:ea typeface="ＭＳ Ｐゴシック" panose="020B0600070205080204" pitchFamily="50" charset="-128"/>
-                <a:cs typeface="+mn-cs"/>
               </a:endParaRPr>
             </a:p>
           </p:txBody>
@@ -17137,7 +16534,7 @@
           <p:spPr>
             <a:xfrm>
               <a:off x="533396" y="1908378"/>
-              <a:ext cx="2123996" cy="523220"/>
+              <a:ext cx="2123996" cy="553997"/>
             </a:xfrm>
             <a:prstGeom prst="rect">
               <a:avLst/>
@@ -17152,53 +16549,25 @@
             </a:bodyPr>
             <a:lstStyle/>
             <a:p>
-              <a:pPr marL="0" marR="0" lvl="0" indent="0" algn="l" defTabSz="914400" rtl="0" eaLnBrk="1" fontAlgn="auto" latinLnBrk="0" hangingPunct="1">
-                <a:lnSpc>
-                  <a:spcPct val="100000"/>
-                </a:lnSpc>
-                <a:spcBef>
-                  <a:spcPts val="0"/>
-                </a:spcBef>
-                <a:spcAft>
-                  <a:spcPts val="0"/>
-                </a:spcAft>
-                <a:buClrTx/>
-                <a:buSzTx/>
-                <a:buFontTx/>
-                <a:buNone/>
-                <a:tabLst/>
+              <a:pPr defTabSz="685800">
                 <a:defRPr/>
               </a:pPr>
               <a:r>
-                <a:rPr kumimoji="1" lang="en-US" altLang="ja-JP" sz="2800" b="0" i="0" u="none" strike="noStrike" kern="1200" cap="none" spc="0" normalizeH="0" baseline="0" noProof="0">
-                  <a:ln>
-                    <a:noFill/>
-                  </a:ln>
+                <a:rPr lang="en-US" altLang="ja-JP" sz="2100">
                   <a:solidFill>
                     <a:prstClr val="white"/>
                   </a:solidFill>
-                  <a:effectLst/>
-                  <a:uLnTx/>
-                  <a:uFillTx/>
                   <a:latin typeface="Calibri" panose="020F0502020204030204"/>
                   <a:ea typeface="ＭＳ Ｐゴシック" panose="020B0600070205080204" pitchFamily="50" charset="-128"/>
-                  <a:cs typeface="+mn-cs"/>
                 </a:rPr>
                 <a:t>Raspberry pi</a:t>
               </a:r>
-              <a:endParaRPr kumimoji="1" lang="ja-JP" altLang="en-US" sz="2800" b="0" i="0" u="none" strike="noStrike" kern="1200" cap="none" spc="0" normalizeH="0" baseline="0" noProof="0">
-                <a:ln>
-                  <a:noFill/>
-                </a:ln>
+              <a:endParaRPr lang="ja-JP" altLang="en-US" sz="2100">
                 <a:solidFill>
                   <a:prstClr val="white"/>
                 </a:solidFill>
-                <a:effectLst/>
-                <a:uLnTx/>
-                <a:uFillTx/>
                 <a:latin typeface="Calibri" panose="020F0502020204030204"/>
                 <a:ea typeface="ＭＳ Ｐゴシック" panose="020B0600070205080204" pitchFamily="50" charset="-128"/>
-                <a:cs typeface="+mn-cs"/>
               </a:endParaRPr>
             </a:p>
           </p:txBody>
@@ -17278,36 +16647,15 @@
             <a:bodyPr rtlCol="0" anchor="ctr"/>
             <a:lstStyle/>
             <a:p>
-              <a:pPr marL="0" marR="0" lvl="0" indent="0" algn="ctr" defTabSz="914400" rtl="0" eaLnBrk="1" fontAlgn="auto" latinLnBrk="0" hangingPunct="1">
-                <a:lnSpc>
-                  <a:spcPct val="100000"/>
-                </a:lnSpc>
-                <a:spcBef>
-                  <a:spcPts val="0"/>
-                </a:spcBef>
-                <a:spcAft>
-                  <a:spcPts val="0"/>
-                </a:spcAft>
-                <a:buClrTx/>
-                <a:buSzTx/>
-                <a:buFontTx/>
-                <a:buNone/>
-                <a:tabLst/>
+              <a:pPr algn="ctr" defTabSz="685800">
                 <a:defRPr/>
               </a:pPr>
-              <a:endParaRPr kumimoji="1" lang="ja-JP" altLang="en-US" sz="1800" b="0" i="0" u="none" strike="noStrike" kern="1200" cap="none" spc="0" normalizeH="0" baseline="0" noProof="0">
-                <a:ln>
-                  <a:noFill/>
-                </a:ln>
+              <a:endParaRPr lang="ja-JP" altLang="en-US" sz="1350">
                 <a:solidFill>
                   <a:prstClr val="black"/>
                 </a:solidFill>
-                <a:effectLst/>
-                <a:uLnTx/>
-                <a:uFillTx/>
                 <a:latin typeface="Calibri" panose="020F0502020204030204"/>
                 <a:ea typeface="ＭＳ Ｐゴシック" panose="020B0600070205080204" pitchFamily="50" charset="-128"/>
-                <a:cs typeface="+mn-cs"/>
               </a:endParaRPr>
             </a:p>
           </p:txBody>
@@ -17394,36 +16742,15 @@
             <a:bodyPr rtlCol="0" anchor="ctr"/>
             <a:lstStyle/>
             <a:p>
-              <a:pPr marL="0" marR="0" lvl="0" indent="0" algn="ctr" defTabSz="914400" rtl="0" eaLnBrk="1" fontAlgn="auto" latinLnBrk="0" hangingPunct="1">
-                <a:lnSpc>
-                  <a:spcPct val="100000"/>
-                </a:lnSpc>
-                <a:spcBef>
-                  <a:spcPts val="0"/>
-                </a:spcBef>
-                <a:spcAft>
-                  <a:spcPts val="0"/>
-                </a:spcAft>
-                <a:buClrTx/>
-                <a:buSzTx/>
-                <a:buFontTx/>
-                <a:buNone/>
-                <a:tabLst/>
+              <a:pPr algn="ctr" defTabSz="685800">
                 <a:defRPr/>
               </a:pPr>
-              <a:endParaRPr kumimoji="1" lang="ja-JP" altLang="en-US" sz="1800" b="0" i="0" u="none" strike="noStrike" kern="1200" cap="none" spc="0" normalizeH="0" baseline="0" noProof="0">
-                <a:ln>
-                  <a:noFill/>
-                </a:ln>
+              <a:endParaRPr lang="ja-JP" altLang="en-US" sz="1350">
                 <a:solidFill>
                   <a:prstClr val="white"/>
                 </a:solidFill>
-                <a:effectLst/>
-                <a:uLnTx/>
-                <a:uFillTx/>
                 <a:latin typeface="Calibri" panose="020F0502020204030204"/>
                 <a:ea typeface="ＭＳ Ｐゴシック" panose="020B0600070205080204" pitchFamily="50" charset="-128"/>
-                <a:cs typeface="+mn-cs"/>
               </a:endParaRPr>
             </a:p>
           </p:txBody>
@@ -17466,36 +16793,15 @@
             <a:bodyPr rtlCol="0" anchor="ctr"/>
             <a:lstStyle/>
             <a:p>
-              <a:pPr marL="0" marR="0" lvl="0" indent="0" algn="ctr" defTabSz="914400" rtl="0" eaLnBrk="1" fontAlgn="auto" latinLnBrk="0" hangingPunct="1">
-                <a:lnSpc>
-                  <a:spcPct val="100000"/>
-                </a:lnSpc>
-                <a:spcBef>
-                  <a:spcPts val="0"/>
-                </a:spcBef>
-                <a:spcAft>
-                  <a:spcPts val="0"/>
-                </a:spcAft>
-                <a:buClrTx/>
-                <a:buSzTx/>
-                <a:buFontTx/>
-                <a:buNone/>
-                <a:tabLst/>
+              <a:pPr algn="ctr" defTabSz="685800">
                 <a:defRPr/>
               </a:pPr>
-              <a:endParaRPr kumimoji="1" lang="ja-JP" altLang="en-US" sz="1800" b="0" i="0" u="none" strike="noStrike" kern="1200" cap="none" spc="0" normalizeH="0" baseline="0" noProof="0">
-                <a:ln>
-                  <a:noFill/>
-                </a:ln>
+              <a:endParaRPr lang="ja-JP" altLang="en-US" sz="1350">
                 <a:solidFill>
                   <a:prstClr val="white"/>
                 </a:solidFill>
-                <a:effectLst/>
-                <a:uLnTx/>
-                <a:uFillTx/>
                 <a:latin typeface="Calibri" panose="020F0502020204030204"/>
                 <a:ea typeface="ＭＳ Ｐゴシック" panose="020B0600070205080204" pitchFamily="50" charset="-128"/>
-                <a:cs typeface="+mn-cs"/>
               </a:endParaRPr>
             </a:p>
           </p:txBody>
@@ -17538,36 +16844,15 @@
             <a:bodyPr rtlCol="0" anchor="ctr"/>
             <a:lstStyle/>
             <a:p>
-              <a:pPr marL="0" marR="0" lvl="0" indent="0" algn="ctr" defTabSz="914400" rtl="0" eaLnBrk="1" fontAlgn="auto" latinLnBrk="0" hangingPunct="1">
-                <a:lnSpc>
-                  <a:spcPct val="100000"/>
-                </a:lnSpc>
-                <a:spcBef>
-                  <a:spcPts val="0"/>
-                </a:spcBef>
-                <a:spcAft>
-                  <a:spcPts val="0"/>
-                </a:spcAft>
-                <a:buClrTx/>
-                <a:buSzTx/>
-                <a:buFontTx/>
-                <a:buNone/>
-                <a:tabLst/>
+              <a:pPr algn="ctr" defTabSz="685800">
                 <a:defRPr/>
               </a:pPr>
-              <a:endParaRPr kumimoji="1" lang="ja-JP" altLang="en-US" sz="1800" b="0" i="0" u="none" strike="noStrike" kern="1200" cap="none" spc="0" normalizeH="0" baseline="0" noProof="0">
-                <a:ln>
-                  <a:noFill/>
-                </a:ln>
+              <a:endParaRPr lang="ja-JP" altLang="en-US" sz="1350">
                 <a:solidFill>
                   <a:prstClr val="white"/>
                 </a:solidFill>
-                <a:effectLst/>
-                <a:uLnTx/>
-                <a:uFillTx/>
                 <a:latin typeface="Calibri" panose="020F0502020204030204"/>
                 <a:ea typeface="ＭＳ Ｐゴシック" panose="020B0600070205080204" pitchFamily="50" charset="-128"/>
-                <a:cs typeface="+mn-cs"/>
               </a:endParaRPr>
             </a:p>
           </p:txBody>
@@ -17581,7 +16866,7 @@
           <p:spPr>
             <a:xfrm>
               <a:off x="8356860" y="1904430"/>
-              <a:ext cx="1341693" cy="523220"/>
+              <a:ext cx="1341693" cy="553997"/>
             </a:xfrm>
             <a:prstGeom prst="rect">
               <a:avLst/>
@@ -17596,37 +16881,16 @@
             </a:bodyPr>
             <a:lstStyle/>
             <a:p>
-              <a:pPr marL="0" marR="0" lvl="0" indent="0" algn="l" defTabSz="914400" rtl="0" eaLnBrk="1" fontAlgn="auto" latinLnBrk="0" hangingPunct="1">
-                <a:lnSpc>
-                  <a:spcPct val="100000"/>
-                </a:lnSpc>
-                <a:spcBef>
-                  <a:spcPts val="0"/>
-                </a:spcBef>
-                <a:spcAft>
-                  <a:spcPts val="0"/>
-                </a:spcAft>
-                <a:buClrTx/>
-                <a:buSzTx/>
-                <a:buFontTx/>
-                <a:buNone/>
-                <a:tabLst/>
+              <a:pPr defTabSz="685800">
                 <a:defRPr/>
               </a:pPr>
               <a:r>
-                <a:rPr kumimoji="1" lang="ja-JP" altLang="en-US" sz="2800" b="0" i="0" u="none" strike="noStrike" kern="1200" cap="none" spc="0" normalizeH="0" baseline="0" noProof="0" dirty="0">
-                  <a:ln>
-                    <a:noFill/>
-                  </a:ln>
+                <a:rPr lang="ja-JP" altLang="en-US" sz="2100" dirty="0">
                   <a:solidFill>
                     <a:prstClr val="white"/>
                   </a:solidFill>
-                  <a:effectLst/>
-                  <a:uLnTx/>
-                  <a:uFillTx/>
                   <a:latin typeface="Calibri" panose="020F0502020204030204"/>
                   <a:ea typeface="ＭＳ Ｐゴシック" panose="020B0600070205080204" pitchFamily="50" charset="-128"/>
-                  <a:cs typeface="+mn-cs"/>
                 </a:rPr>
                 <a:t>サーバ</a:t>
               </a:r>
@@ -17641,8 +16905,8 @@
           </p:nvSpPr>
           <p:spPr>
             <a:xfrm>
-              <a:off x="5110375" y="1880514"/>
-              <a:ext cx="3082428" cy="954107"/>
+              <a:off x="5110374" y="1880514"/>
+              <a:ext cx="3116096" cy="984885"/>
             </a:xfrm>
             <a:prstGeom prst="rect">
               <a:avLst/>
@@ -17659,215 +16923,124 @@
             </a:bodyPr>
             <a:lstStyle/>
             <a:p>
-              <a:pPr marL="0" marR="0" lvl="0" indent="0" algn="l" defTabSz="914400" rtl="0" eaLnBrk="1" fontAlgn="auto" latinLnBrk="0" hangingPunct="1">
-                <a:lnSpc>
-                  <a:spcPct val="100000"/>
-                </a:lnSpc>
-                <a:spcBef>
-                  <a:spcPts val="0"/>
-                </a:spcBef>
-                <a:spcAft>
-                  <a:spcPts val="0"/>
-                </a:spcAft>
-                <a:buClrTx/>
-                <a:buSzTx/>
-                <a:buFontTx/>
-                <a:buNone/>
-                <a:tabLst/>
+              <a:pPr defTabSz="685800">
                 <a:defRPr/>
               </a:pPr>
               <a:r>
-                <a:rPr kumimoji="1" lang="ja-JP" altLang="en-US" sz="2800" b="0" i="0" u="none" strike="noStrike" kern="1200" cap="none" spc="0" normalizeH="0" baseline="0" noProof="0" dirty="0">
-                  <a:ln>
-                    <a:noFill/>
-                  </a:ln>
+                <a:rPr lang="ja-JP" altLang="en-US" sz="2100" dirty="0">
                   <a:solidFill>
                     <a:prstClr val="black">
                       <a:lumMod val="85000"/>
                       <a:lumOff val="15000"/>
                     </a:prstClr>
                   </a:solidFill>
-                  <a:effectLst/>
-                  <a:uLnTx/>
-                  <a:uFillTx/>
                   <a:latin typeface="Calibri" panose="020F0502020204030204"/>
                   <a:ea typeface="ＭＳ Ｐゴシック" panose="020B0600070205080204" pitchFamily="50" charset="-128"/>
-                  <a:cs typeface="+mn-cs"/>
                 </a:rPr>
                 <a:t>画像データ</a:t>
               </a:r>
-              <a:endParaRPr kumimoji="1" lang="en-US" altLang="ja-JP" sz="2800" b="0" i="0" u="none" strike="noStrike" kern="1200" cap="none" spc="0" normalizeH="0" baseline="0" noProof="0" dirty="0">
-                <a:ln>
-                  <a:noFill/>
-                </a:ln>
+              <a:endParaRPr lang="en-US" altLang="ja-JP" sz="2100" dirty="0">
                 <a:solidFill>
                   <a:prstClr val="black">
                     <a:lumMod val="85000"/>
                     <a:lumOff val="15000"/>
                   </a:prstClr>
                 </a:solidFill>
-                <a:effectLst/>
-                <a:uLnTx/>
-                <a:uFillTx/>
                 <a:latin typeface="Calibri" panose="020F0502020204030204"/>
                 <a:ea typeface="ＭＳ Ｐゴシック" panose="020B0600070205080204" pitchFamily="50" charset="-128"/>
-                <a:cs typeface="+mn-cs"/>
               </a:endParaRPr>
             </a:p>
             <a:p>
-              <a:pPr marL="0" marR="0" lvl="0" indent="0" algn="l" defTabSz="914400" rtl="0" eaLnBrk="1" fontAlgn="auto" latinLnBrk="0" hangingPunct="1">
-                <a:lnSpc>
-                  <a:spcPct val="100000"/>
-                </a:lnSpc>
-                <a:spcBef>
-                  <a:spcPts val="0"/>
-                </a:spcBef>
-                <a:spcAft>
-                  <a:spcPts val="0"/>
-                </a:spcAft>
-                <a:buClrTx/>
-                <a:buSzTx/>
-                <a:buFontTx/>
-                <a:buNone/>
-                <a:tabLst/>
+              <a:pPr defTabSz="685800">
                 <a:defRPr/>
               </a:pPr>
               <a:r>
-                <a:rPr kumimoji="1" lang="ja-JP" altLang="en-US" sz="2800" b="0" i="0" u="none" strike="noStrike" kern="1200" cap="none" spc="0" normalizeH="0" baseline="0" noProof="0" dirty="0">
-                  <a:ln>
-                    <a:noFill/>
-                  </a:ln>
+                <a:rPr lang="ja-JP" altLang="en-US" sz="2100" dirty="0">
                   <a:solidFill>
                     <a:prstClr val="black">
                       <a:lumMod val="85000"/>
                       <a:lumOff val="15000"/>
                     </a:prstClr>
                   </a:solidFill>
-                  <a:effectLst/>
-                  <a:uLnTx/>
-                  <a:uFillTx/>
                   <a:latin typeface="Calibri" panose="020F0502020204030204"/>
                   <a:ea typeface="ＭＳ Ｐゴシック" panose="020B0600070205080204" pitchFamily="50" charset="-128"/>
-                  <a:cs typeface="+mn-cs"/>
                 </a:rPr>
                 <a:t>フラグ</a:t>
               </a:r>
               <a:r>
-                <a:rPr kumimoji="1" lang="en-US" altLang="ja-JP" sz="2800" b="0" i="0" u="none" strike="noStrike" kern="1200" cap="none" spc="0" normalizeH="0" baseline="0" noProof="0" dirty="0">
-                  <a:ln>
-                    <a:noFill/>
-                  </a:ln>
+                <a:rPr lang="en-US" altLang="ja-JP" sz="2100" dirty="0">
                   <a:solidFill>
                     <a:prstClr val="black">
                       <a:lumMod val="85000"/>
                       <a:lumOff val="15000"/>
                     </a:prstClr>
                   </a:solidFill>
-                  <a:effectLst/>
-                  <a:uLnTx/>
-                  <a:uFillTx/>
                   <a:latin typeface="Calibri" panose="020F0502020204030204"/>
                   <a:ea typeface="ＭＳ Ｐゴシック" panose="020B0600070205080204" pitchFamily="50" charset="-128"/>
-                  <a:cs typeface="+mn-cs"/>
                 </a:rPr>
                 <a:t>(</a:t>
               </a:r>
               <a:r>
-                <a:rPr kumimoji="1" lang="ja-JP" altLang="en-US" sz="2800" b="0" i="0" u="none" strike="noStrike" kern="1200" cap="none" spc="0" normalizeH="0" baseline="0" noProof="0" dirty="0">
-                  <a:ln>
-                    <a:noFill/>
-                  </a:ln>
+                <a:rPr lang="ja-JP" altLang="en-US" sz="2100" dirty="0">
                   <a:solidFill>
                     <a:prstClr val="black">
                       <a:lumMod val="85000"/>
                       <a:lumOff val="15000"/>
                     </a:prstClr>
                   </a:solidFill>
-                  <a:effectLst/>
-                  <a:uLnTx/>
-                  <a:uFillTx/>
                   <a:latin typeface="Calibri" panose="020F0502020204030204"/>
                   <a:ea typeface="ＭＳ Ｐゴシック" panose="020B0600070205080204" pitchFamily="50" charset="-128"/>
-                  <a:cs typeface="+mn-cs"/>
                 </a:rPr>
                 <a:t>追加</a:t>
               </a:r>
               <a:r>
-                <a:rPr kumimoji="1" lang="en-US" altLang="ja-JP" sz="2800" b="0" i="0" u="none" strike="noStrike" kern="1200" cap="none" spc="0" normalizeH="0" baseline="0" noProof="0" dirty="0">
-                  <a:ln>
-                    <a:noFill/>
-                  </a:ln>
+                <a:rPr lang="en-US" altLang="ja-JP" sz="2100" dirty="0">
                   <a:solidFill>
                     <a:prstClr val="black">
                       <a:lumMod val="85000"/>
                       <a:lumOff val="15000"/>
                     </a:prstClr>
                   </a:solidFill>
-                  <a:effectLst/>
-                  <a:uLnTx/>
-                  <a:uFillTx/>
                   <a:latin typeface="Calibri" panose="020F0502020204030204"/>
                   <a:ea typeface="ＭＳ Ｐゴシック" panose="020B0600070205080204" pitchFamily="50" charset="-128"/>
-                  <a:cs typeface="+mn-cs"/>
                 </a:rPr>
                 <a:t>or</a:t>
               </a:r>
               <a:r>
-                <a:rPr kumimoji="1" lang="ja-JP" altLang="en-US" sz="2800" b="0" i="0" u="none" strike="noStrike" kern="1200" cap="none" spc="0" normalizeH="0" baseline="0" noProof="0" dirty="0">
-                  <a:ln>
-                    <a:noFill/>
-                  </a:ln>
+                <a:rPr lang="ja-JP" altLang="en-US" sz="2100" dirty="0">
                   <a:solidFill>
                     <a:prstClr val="black">
                       <a:lumMod val="85000"/>
                       <a:lumOff val="15000"/>
                     </a:prstClr>
                   </a:solidFill>
-                  <a:effectLst/>
-                  <a:uLnTx/>
-                  <a:uFillTx/>
                   <a:latin typeface="Calibri" panose="020F0502020204030204"/>
                   <a:ea typeface="ＭＳ Ｐゴシック" panose="020B0600070205080204" pitchFamily="50" charset="-128"/>
-                  <a:cs typeface="+mn-cs"/>
                 </a:rPr>
                 <a:t>削除</a:t>
               </a:r>
               <a:r>
-                <a:rPr kumimoji="1" lang="en-US" altLang="ja-JP" sz="2800" b="0" i="0" u="none" strike="noStrike" kern="1200" cap="none" spc="0" normalizeH="0" baseline="0" noProof="0" dirty="0">
-                  <a:ln>
-                    <a:noFill/>
-                  </a:ln>
+                <a:rPr lang="en-US" altLang="ja-JP" sz="2100" dirty="0">
                   <a:solidFill>
                     <a:prstClr val="black">
                       <a:lumMod val="85000"/>
                       <a:lumOff val="15000"/>
                     </a:prstClr>
                   </a:solidFill>
-                  <a:effectLst/>
-                  <a:uLnTx/>
-                  <a:uFillTx/>
                   <a:latin typeface="Calibri" panose="020F0502020204030204"/>
                   <a:ea typeface="ＭＳ Ｐゴシック" panose="020B0600070205080204" pitchFamily="50" charset="-128"/>
-                  <a:cs typeface="+mn-cs"/>
                 </a:rPr>
                 <a:t>)</a:t>
               </a:r>
-              <a:endParaRPr kumimoji="1" lang="ja-JP" altLang="en-US" sz="2800" b="0" i="0" u="none" strike="noStrike" kern="1200" cap="none" spc="0" normalizeH="0" baseline="0" noProof="0" dirty="0">
-                <a:ln>
-                  <a:noFill/>
-                </a:ln>
+              <a:endParaRPr lang="ja-JP" altLang="en-US" sz="2100" dirty="0">
                 <a:solidFill>
                   <a:prstClr val="black">
                     <a:lumMod val="85000"/>
                     <a:lumOff val="15000"/>
                   </a:prstClr>
                 </a:solidFill>
-                <a:effectLst/>
-                <a:uLnTx/>
-                <a:uFillTx/>
                 <a:latin typeface="Calibri" panose="020F0502020204030204"/>
                 <a:ea typeface="ＭＳ Ｐゴシック" panose="020B0600070205080204" pitchFamily="50" charset="-128"/>
-                <a:cs typeface="+mn-cs"/>
               </a:endParaRPr>
             </a:p>
           </p:txBody>
@@ -17880,8 +17053,8 @@
           </p:nvSpPr>
           <p:spPr>
             <a:xfrm>
-              <a:off x="5848765" y="5428062"/>
-              <a:ext cx="1663387" cy="523220"/>
+              <a:off x="5848764" y="5428062"/>
+              <a:ext cx="1674244" cy="553997"/>
             </a:xfrm>
             <a:prstGeom prst="rect">
               <a:avLst/>
@@ -17898,40 +17071,19 @@
             </a:bodyPr>
             <a:lstStyle/>
             <a:p>
-              <a:pPr marL="0" marR="0" lvl="0" indent="0" algn="l" defTabSz="914400" rtl="0" eaLnBrk="1" fontAlgn="auto" latinLnBrk="0" hangingPunct="1">
-                <a:lnSpc>
-                  <a:spcPct val="100000"/>
-                </a:lnSpc>
-                <a:spcBef>
-                  <a:spcPts val="0"/>
-                </a:spcBef>
-                <a:spcAft>
-                  <a:spcPts val="0"/>
-                </a:spcAft>
-                <a:buClrTx/>
-                <a:buSzTx/>
-                <a:buFontTx/>
-                <a:buNone/>
-                <a:tabLst/>
+              <a:pPr defTabSz="685800">
                 <a:defRPr/>
               </a:pPr>
               <a:r>
-                <a:rPr kumimoji="1" lang="ja-JP" altLang="en-US" sz="2800" b="0" i="0" u="none" strike="noStrike" kern="1200" cap="none" spc="0" normalizeH="0" baseline="0" noProof="0" dirty="0">
-                  <a:ln>
-                    <a:noFill/>
-                  </a:ln>
+                <a:rPr lang="ja-JP" altLang="en-US" sz="2100" dirty="0">
                   <a:solidFill>
                     <a:prstClr val="black">
                       <a:lumMod val="85000"/>
                       <a:lumOff val="15000"/>
                     </a:prstClr>
                   </a:solidFill>
-                  <a:effectLst/>
-                  <a:uLnTx/>
-                  <a:uFillTx/>
                   <a:latin typeface="Calibri" panose="020F0502020204030204"/>
                   <a:ea typeface="ＭＳ Ｐゴシック" panose="020B0600070205080204" pitchFamily="50" charset="-128"/>
-                  <a:cs typeface="+mn-cs"/>
                 </a:rPr>
                 <a:t>識別結果</a:t>
               </a:r>
@@ -17971,87 +17123,38 @@
             <a:bodyPr rtlCol="0" anchor="ctr"/>
             <a:lstStyle/>
             <a:p>
-              <a:pPr marL="0" marR="0" lvl="0" indent="0" algn="ctr" defTabSz="914400" rtl="0" eaLnBrk="1" fontAlgn="auto" latinLnBrk="0" hangingPunct="1">
-                <a:lnSpc>
-                  <a:spcPct val="100000"/>
-                </a:lnSpc>
-                <a:spcBef>
-                  <a:spcPts val="0"/>
-                </a:spcBef>
-                <a:spcAft>
-                  <a:spcPts val="0"/>
-                </a:spcAft>
-                <a:buClrTx/>
-                <a:buSzTx/>
-                <a:buFontTx/>
-                <a:buNone/>
-                <a:tabLst/>
+              <a:pPr algn="ctr" defTabSz="685800">
                 <a:defRPr/>
               </a:pPr>
               <a:r>
-                <a:rPr kumimoji="1" lang="ja-JP" altLang="en-US" sz="2800" b="0" i="0" u="none" strike="noStrike" kern="1200" cap="none" spc="0" normalizeH="0" baseline="0" noProof="0" dirty="0">
-                  <a:ln>
-                    <a:noFill/>
-                  </a:ln>
+                <a:rPr lang="ja-JP" altLang="en-US" sz="2100" dirty="0">
                   <a:solidFill>
                     <a:prstClr val="black"/>
                   </a:solidFill>
-                  <a:effectLst/>
-                  <a:uLnTx/>
-                  <a:uFillTx/>
                   <a:latin typeface="Calibri" panose="020F0502020204030204"/>
                   <a:ea typeface="ＭＳ Ｐゴシック" panose="020B0600070205080204" pitchFamily="50" charset="-128"/>
-                  <a:cs typeface="+mn-cs"/>
                 </a:rPr>
                 <a:t>各種</a:t>
               </a:r>
-              <a:endParaRPr kumimoji="1" lang="en-US" altLang="ja-JP" sz="2800" b="0" i="0" u="none" strike="noStrike" kern="1200" cap="none" spc="0" normalizeH="0" baseline="0" noProof="0" dirty="0">
-                <a:ln>
-                  <a:noFill/>
-                </a:ln>
+              <a:endParaRPr lang="en-US" altLang="ja-JP" sz="2100" dirty="0">
                 <a:solidFill>
                   <a:prstClr val="black"/>
                 </a:solidFill>
-                <a:effectLst/>
-                <a:uLnTx/>
-                <a:uFillTx/>
                 <a:latin typeface="Calibri" panose="020F0502020204030204"/>
                 <a:ea typeface="ＭＳ Ｐゴシック" panose="020B0600070205080204" pitchFamily="50" charset="-128"/>
-                <a:cs typeface="+mn-cs"/>
               </a:endParaRPr>
             </a:p>
             <a:p>
-              <a:pPr marL="0" marR="0" lvl="0" indent="0" algn="ctr" defTabSz="914400" rtl="0" eaLnBrk="1" fontAlgn="auto" latinLnBrk="0" hangingPunct="1">
-                <a:lnSpc>
-                  <a:spcPct val="100000"/>
-                </a:lnSpc>
-                <a:spcBef>
-                  <a:spcPts val="0"/>
-                </a:spcBef>
-                <a:spcAft>
-                  <a:spcPts val="0"/>
-                </a:spcAft>
-                <a:buClrTx/>
-                <a:buSzTx/>
-                <a:buFontTx/>
-                <a:buNone/>
-                <a:tabLst/>
+              <a:pPr algn="ctr" defTabSz="685800">
                 <a:defRPr/>
               </a:pPr>
               <a:r>
-                <a:rPr kumimoji="1" lang="ja-JP" altLang="en-US" sz="2800" b="0" i="0" u="none" strike="noStrike" kern="1200" cap="none" spc="0" normalizeH="0" baseline="0" noProof="0" dirty="0">
-                  <a:ln>
-                    <a:noFill/>
-                  </a:ln>
+                <a:rPr lang="ja-JP" altLang="en-US" sz="2100" dirty="0">
                   <a:solidFill>
                     <a:prstClr val="black"/>
                   </a:solidFill>
-                  <a:effectLst/>
-                  <a:uLnTx/>
-                  <a:uFillTx/>
                   <a:latin typeface="Calibri" panose="020F0502020204030204"/>
                   <a:ea typeface="ＭＳ Ｐゴシック" panose="020B0600070205080204" pitchFamily="50" charset="-128"/>
-                  <a:cs typeface="+mn-cs"/>
                 </a:rPr>
                 <a:t>センサ</a:t>
               </a:r>
@@ -18072,8 +17175,8 @@
           </p:nvSpPr>
           <p:spPr>
             <a:xfrm>
-              <a:off x="9349225" y="2582889"/>
-              <a:ext cx="2389193" cy="954107"/>
+              <a:off x="9349225" y="2582890"/>
+              <a:ext cx="2389193" cy="984885"/>
             </a:xfrm>
             <a:prstGeom prst="rect">
               <a:avLst/>
@@ -18090,81 +17193,39 @@
             </a:bodyPr>
             <a:lstStyle/>
             <a:p>
-              <a:pPr marL="0" marR="0" lvl="0" indent="0" algn="l" defTabSz="914400" rtl="0" eaLnBrk="1" fontAlgn="auto" latinLnBrk="0" hangingPunct="1">
-                <a:lnSpc>
-                  <a:spcPct val="100000"/>
-                </a:lnSpc>
-                <a:spcBef>
-                  <a:spcPts val="0"/>
-                </a:spcBef>
-                <a:spcAft>
-                  <a:spcPts val="0"/>
-                </a:spcAft>
-                <a:buClrTx/>
-                <a:buSzTx/>
-                <a:buFontTx/>
-                <a:buNone/>
-                <a:tabLst/>
+              <a:pPr defTabSz="685800">
                 <a:defRPr/>
               </a:pPr>
               <a:r>
-                <a:rPr kumimoji="1" lang="ja-JP" altLang="en-US" sz="2800" b="0" i="0" u="none" strike="noStrike" kern="1200" cap="none" spc="0" normalizeH="0" baseline="0" noProof="0" dirty="0">
-                  <a:ln>
-                    <a:noFill/>
-                  </a:ln>
+                <a:rPr lang="ja-JP" altLang="en-US" sz="2100" dirty="0">
                   <a:solidFill>
                     <a:prstClr val="black">
                       <a:lumMod val="85000"/>
                       <a:lumOff val="15000"/>
                     </a:prstClr>
                   </a:solidFill>
-                  <a:effectLst/>
-                  <a:uLnTx/>
-                  <a:uFillTx/>
                   <a:latin typeface="Calibri" panose="020F0502020204030204"/>
                   <a:ea typeface="ＭＳ Ｐゴシック" panose="020B0600070205080204" pitchFamily="50" charset="-128"/>
-                  <a:cs typeface="+mn-cs"/>
                 </a:rPr>
                 <a:t>決済システム</a:t>
               </a:r>
-              <a:endParaRPr kumimoji="1" lang="en-US" altLang="ja-JP" sz="2800" b="0" i="0" u="none" strike="noStrike" kern="1200" cap="none" spc="0" normalizeH="0" baseline="0" noProof="0" dirty="0">
-                <a:ln>
-                  <a:noFill/>
-                </a:ln>
+              <a:endParaRPr lang="en-US" altLang="ja-JP" sz="2100" dirty="0">
                 <a:solidFill>
                   <a:prstClr val="black">
                     <a:lumMod val="85000"/>
                     <a:lumOff val="15000"/>
                   </a:prstClr>
                 </a:solidFill>
-                <a:effectLst/>
-                <a:uLnTx/>
-                <a:uFillTx/>
                 <a:latin typeface="Calibri" panose="020F0502020204030204"/>
                 <a:ea typeface="ＭＳ Ｐゴシック" panose="020B0600070205080204" pitchFamily="50" charset="-128"/>
-                <a:cs typeface="+mn-cs"/>
               </a:endParaRPr>
             </a:p>
             <a:p>
-              <a:pPr marL="0" marR="0" lvl="0" indent="0" algn="l" defTabSz="914400" rtl="0" eaLnBrk="1" fontAlgn="auto" latinLnBrk="0" hangingPunct="1">
-                <a:lnSpc>
-                  <a:spcPct val="100000"/>
-                </a:lnSpc>
-                <a:spcBef>
-                  <a:spcPts val="0"/>
-                </a:spcBef>
-                <a:spcAft>
-                  <a:spcPts val="0"/>
-                </a:spcAft>
-                <a:buClrTx/>
-                <a:buSzTx/>
-                <a:buFontTx/>
-                <a:buNone/>
-                <a:tabLst/>
+              <a:pPr defTabSz="685800">
                 <a:defRPr/>
               </a:pPr>
               <a:r>
-                <a:rPr lang="ja-JP" altLang="en-US" sz="2800" dirty="0">
+                <a:rPr lang="ja-JP" altLang="en-US" sz="2100" dirty="0">
                   <a:solidFill>
                     <a:prstClr val="black">
                       <a:lumMod val="85000"/>
@@ -18177,7 +17238,7 @@
                 <a:t>商品管理</a:t>
               </a:r>
               <a:r>
-                <a:rPr lang="en-US" altLang="ja-JP" sz="2800" dirty="0">
+                <a:rPr lang="en-US" altLang="ja-JP" sz="2100" dirty="0">
                   <a:solidFill>
                     <a:prstClr val="black">
                       <a:lumMod val="85000"/>
@@ -18189,22 +17250,15 @@
                 </a:rPr>
                 <a:t>DB</a:t>
               </a:r>
-              <a:endParaRPr kumimoji="1" lang="ja-JP" altLang="en-US" sz="2800" b="0" i="0" u="none" strike="noStrike" kern="1200" cap="none" spc="0" normalizeH="0" baseline="0" noProof="0" dirty="0">
-                <a:ln>
-                  <a:noFill/>
-                </a:ln>
+              <a:endParaRPr lang="ja-JP" altLang="en-US" sz="2100" dirty="0">
                 <a:solidFill>
                   <a:prstClr val="black">
                     <a:lumMod val="85000"/>
                     <a:lumOff val="15000"/>
                   </a:prstClr>
                 </a:solidFill>
-                <a:effectLst/>
-                <a:uLnTx/>
-                <a:uFillTx/>
                 <a:latin typeface="Calibri" panose="020F0502020204030204"/>
                 <a:ea typeface="ＭＳ Ｐゴシック" panose="020B0600070205080204" pitchFamily="50" charset="-128"/>
-                <a:cs typeface="+mn-cs"/>
               </a:endParaRPr>
             </a:p>
           </p:txBody>
@@ -18218,8 +17272,8 @@
         </p:nvSpPr>
         <p:spPr>
           <a:xfrm>
-            <a:off x="8957925" y="1081141"/>
-            <a:ext cx="1645911" cy="523220"/>
+            <a:off x="6757997" y="1687638"/>
+            <a:ext cx="1334693" cy="415498"/>
           </a:xfrm>
           <a:prstGeom prst="rect">
             <a:avLst/>
@@ -18233,7 +17287,7 @@
           <a:lstStyle/>
           <a:p>
             <a:r>
-              <a:rPr kumimoji="1" lang="ja-JP" altLang="en-US" sz="2800" dirty="0">
+              <a:rPr lang="ja-JP" altLang="en-US" sz="2100" b="1" dirty="0">
                 <a:solidFill>
                   <a:srgbClr val="FF0000"/>
                 </a:solidFill>
@@ -18337,8 +17391,8 @@
         </p:nvGrpSpPr>
         <p:grpSpPr>
           <a:xfrm>
-            <a:off x="389022" y="1907949"/>
-            <a:ext cx="5321968" cy="4381246"/>
+            <a:off x="291767" y="2288212"/>
+            <a:ext cx="3654591" cy="3285935"/>
             <a:chOff x="2009273" y="1857676"/>
             <a:chExt cx="8232007" cy="4381246"/>
           </a:xfrm>
@@ -18459,10 +17513,9 @@
             <a:p>
               <a:pPr algn="ctr"/>
               <a:r>
-                <a:rPr lang="ja-JP" altLang="en-US" dirty="0"/>
+                <a:rPr lang="ja-JP" altLang="en-US" sz="1350" dirty="0"/>
                 <a:t>要求分析</a:t>
               </a:r>
-              <a:endParaRPr kumimoji="1" lang="ja-JP" altLang="en-US" dirty="0"/>
             </a:p>
           </p:txBody>
         </p:sp>
@@ -18506,7 +17559,7 @@
             <a:p>
               <a:pPr algn="ctr"/>
               <a:r>
-                <a:rPr kumimoji="1" lang="ja-JP" altLang="en-US"/>
+                <a:rPr lang="ja-JP" altLang="en-US" sz="1350"/>
                 <a:t>基本設計</a:t>
               </a:r>
             </a:p>
@@ -18552,7 +17605,7 @@
             <a:p>
               <a:pPr algn="ctr"/>
               <a:r>
-                <a:rPr kumimoji="1" lang="ja-JP" altLang="en-US"/>
+                <a:rPr lang="ja-JP" altLang="en-US" sz="1350"/>
                 <a:t>実装</a:t>
               </a:r>
             </a:p>
@@ -18598,7 +17651,7 @@
             <a:p>
               <a:pPr algn="ctr"/>
               <a:r>
-                <a:rPr kumimoji="1" lang="ja-JP" altLang="en-US"/>
+                <a:rPr lang="ja-JP" altLang="en-US" sz="1350"/>
                 <a:t>単体テスト</a:t>
               </a:r>
             </a:p>
@@ -18644,7 +17697,7 @@
             <a:p>
               <a:pPr algn="ctr"/>
               <a:r>
-                <a:rPr kumimoji="1" lang="ja-JP" altLang="en-US"/>
+                <a:rPr lang="ja-JP" altLang="en-US" sz="1350"/>
                 <a:t>詳細設計</a:t>
               </a:r>
             </a:p>
@@ -18690,7 +17743,7 @@
             <a:p>
               <a:pPr algn="ctr"/>
               <a:r>
-                <a:rPr kumimoji="1" lang="ja-JP" altLang="en-US"/>
+                <a:rPr lang="ja-JP" altLang="en-US" sz="1350"/>
                 <a:t>結合テスト</a:t>
               </a:r>
             </a:p>
@@ -18736,7 +17789,7 @@
             <a:p>
               <a:pPr algn="ctr"/>
               <a:r>
-                <a:rPr kumimoji="1" lang="ja-JP" altLang="en-US"/>
+                <a:rPr lang="ja-JP" altLang="en-US" sz="1350"/>
                 <a:t>総合テスト</a:t>
               </a:r>
             </a:p>
@@ -18788,7 +17841,7 @@
             <a:p>
               <a:pPr algn="ctr"/>
               <a:r>
-                <a:rPr kumimoji="1" lang="ja-JP" altLang="en-US"/>
+                <a:rPr lang="ja-JP" altLang="en-US" sz="1350"/>
                 <a:t>検証</a:t>
               </a:r>
             </a:p>
@@ -18840,7 +17893,7 @@
             <a:p>
               <a:pPr algn="ctr"/>
               <a:r>
-                <a:rPr kumimoji="1" lang="ja-JP" altLang="en-US"/>
+                <a:rPr lang="ja-JP" altLang="en-US" sz="1350" dirty="0"/>
                 <a:t>検証</a:t>
               </a:r>
             </a:p>
@@ -18892,7 +17945,7 @@
             <a:p>
               <a:pPr algn="ctr"/>
               <a:r>
-                <a:rPr kumimoji="1" lang="ja-JP" altLang="en-US"/>
+                <a:rPr lang="ja-JP" altLang="en-US" sz="1350"/>
                 <a:t>検証</a:t>
               </a:r>
             </a:p>
@@ -18913,8 +17966,8 @@
         </p:nvSpPr>
         <p:spPr>
           <a:xfrm>
-            <a:off x="5796541" y="1752341"/>
-            <a:ext cx="6618938" cy="3539430"/>
+            <a:off x="4347406" y="2171506"/>
+            <a:ext cx="4964204" cy="2677656"/>
           </a:xfrm>
           <a:prstGeom prst="rect">
             <a:avLst/>
@@ -18928,101 +17981,99 @@
           <a:lstStyle/>
           <a:p>
             <a:r>
-              <a:rPr kumimoji="1" lang="en-US" altLang="ja-JP" sz="2800" b="1" dirty="0"/>
+              <a:rPr lang="en-US" altLang="ja-JP" sz="2100" b="1" dirty="0"/>
               <a:t>&lt;</a:t>
             </a:r>
             <a:r>
-              <a:rPr kumimoji="1" lang="ja-JP" altLang="en-US" sz="2800" b="1" dirty="0"/>
+              <a:rPr lang="ja-JP" altLang="en-US" sz="2100" b="1" dirty="0"/>
               <a:t>役割分担</a:t>
             </a:r>
             <a:r>
-              <a:rPr lang="en-US" altLang="ja-JP" sz="2800" b="1" dirty="0"/>
+              <a:rPr lang="en-US" altLang="ja-JP" sz="2100" b="1" dirty="0"/>
               <a:t>&gt;</a:t>
             </a:r>
-            <a:endParaRPr kumimoji="1" lang="en-US" altLang="ja-JP" sz="2800" b="1" dirty="0"/>
-          </a:p>
-          <a:p>
-            <a:r>
-              <a:rPr lang="ja-JP" altLang="en-US" sz="2800" dirty="0"/>
+          </a:p>
+          <a:p>
+            <a:r>
+              <a:rPr lang="ja-JP" altLang="en-US" sz="2100" dirty="0"/>
               <a:t>段原</a:t>
             </a:r>
             <a:r>
-              <a:rPr lang="en-US" altLang="ja-JP" sz="2800" dirty="0"/>
+              <a:rPr lang="en-US" altLang="ja-JP" sz="2100" dirty="0"/>
               <a:t>:</a:t>
             </a:r>
             <a:r>
-              <a:rPr lang="ja-JP" altLang="en-US" sz="2800" dirty="0"/>
+              <a:rPr lang="ja-JP" altLang="en-US" sz="2100" dirty="0"/>
               <a:t>サーバ側</a:t>
             </a:r>
-            <a:endParaRPr lang="en-US" altLang="ja-JP" sz="2800" dirty="0"/>
-          </a:p>
-          <a:p>
-            <a:r>
-              <a:rPr kumimoji="1" lang="ja-JP" altLang="en-US" sz="2800" dirty="0"/>
+            <a:endParaRPr lang="en-US" altLang="ja-JP" sz="2100" dirty="0"/>
+          </a:p>
+          <a:p>
+            <a:r>
+              <a:rPr lang="ja-JP" altLang="en-US" sz="2100" dirty="0"/>
               <a:t>真鍋</a:t>
             </a:r>
             <a:r>
-              <a:rPr kumimoji="1" lang="en-US" altLang="ja-JP" sz="2800" dirty="0"/>
+              <a:rPr lang="en-US" altLang="ja-JP" sz="2100" dirty="0"/>
               <a:t>:</a:t>
             </a:r>
             <a:r>
-              <a:rPr kumimoji="1" lang="ja-JP" altLang="en-US" sz="2800" dirty="0"/>
+              <a:rPr lang="ja-JP" altLang="en-US" sz="2100" dirty="0"/>
               <a:t>エッジ側</a:t>
             </a:r>
-            <a:endParaRPr kumimoji="1" lang="en-US" altLang="ja-JP" sz="2800" dirty="0"/>
-          </a:p>
-          <a:p>
-            <a:endParaRPr lang="en-US" altLang="ja-JP" sz="2800" dirty="0"/>
-          </a:p>
-          <a:p>
-            <a:r>
-              <a:rPr kumimoji="1" lang="en-US" altLang="ja-JP" sz="2800" b="1" dirty="0"/>
+            <a:endParaRPr lang="en-US" altLang="ja-JP" sz="2100" dirty="0"/>
+          </a:p>
+          <a:p>
+            <a:endParaRPr lang="en-US" altLang="ja-JP" sz="2100" dirty="0"/>
+          </a:p>
+          <a:p>
+            <a:r>
+              <a:rPr lang="en-US" altLang="ja-JP" sz="2100" b="1" dirty="0"/>
               <a:t>&lt;</a:t>
             </a:r>
             <a:r>
-              <a:rPr kumimoji="1" lang="ja-JP" altLang="en-US" sz="2800" b="1" dirty="0"/>
+              <a:rPr lang="ja-JP" altLang="en-US" sz="2100" b="1" dirty="0"/>
               <a:t>開発</a:t>
             </a:r>
             <a:r>
-              <a:rPr kumimoji="1" lang="en-US" altLang="ja-JP" sz="2800" b="1" dirty="0"/>
+              <a:rPr lang="en-US" altLang="ja-JP" sz="2100" b="1" dirty="0"/>
               <a:t>&gt;</a:t>
             </a:r>
           </a:p>
           <a:p>
             <a:r>
-              <a:rPr lang="en-US" altLang="ja-JP" sz="2800" dirty="0"/>
+              <a:rPr lang="en-US" altLang="ja-JP" sz="2100" dirty="0"/>
               <a:t>V</a:t>
             </a:r>
             <a:r>
-              <a:rPr lang="ja-JP" altLang="en-US" sz="2800" dirty="0"/>
+              <a:rPr lang="ja-JP" altLang="en-US" sz="2100" dirty="0"/>
               <a:t>字開発モデルに従って行う</a:t>
             </a:r>
-            <a:endParaRPr lang="en-US" altLang="ja-JP" sz="2800" dirty="0"/>
-          </a:p>
-          <a:p>
-            <a:r>
-              <a:rPr kumimoji="1" lang="ja-JP" altLang="en-US" sz="2800" dirty="0"/>
+            <a:endParaRPr lang="en-US" altLang="ja-JP" sz="2100" dirty="0"/>
+          </a:p>
+          <a:p>
+            <a:r>
+              <a:rPr lang="ja-JP" altLang="en-US" sz="2100" dirty="0"/>
               <a:t>開発の要求定義、設計</a:t>
             </a:r>
             <a:r>
-              <a:rPr kumimoji="1" lang="en-US" altLang="ja-JP" sz="2800" dirty="0"/>
+              <a:rPr lang="en-US" altLang="ja-JP" sz="2100" dirty="0"/>
               <a:t>(UML</a:t>
             </a:r>
             <a:r>
-              <a:rPr kumimoji="1" lang="ja-JP" altLang="en-US" sz="2800" dirty="0"/>
+              <a:rPr lang="ja-JP" altLang="en-US" sz="2100" dirty="0"/>
               <a:t>図を使用</a:t>
             </a:r>
             <a:r>
-              <a:rPr kumimoji="1" lang="en-US" altLang="ja-JP" sz="2800" dirty="0"/>
+              <a:rPr lang="en-US" altLang="ja-JP" sz="2100" dirty="0"/>
               <a:t>)</a:t>
             </a:r>
           </a:p>
           <a:p>
             <a:r>
-              <a:rPr lang="ja-JP" altLang="en-US" sz="2800" dirty="0"/>
+              <a:rPr lang="ja-JP" altLang="en-US" sz="2100" dirty="0"/>
               <a:t>実装したシステムのテストおよび検証</a:t>
             </a:r>
-            <a:endParaRPr kumimoji="1" lang="ja-JP" altLang="en-US" sz="2800" dirty="0"/>
           </a:p>
         </p:txBody>
       </p:sp>
@@ -19094,10 +18145,10 @@
           <a:lstStyle/>
           <a:p>
             <a:fld id="{3C3988C9-8C6C-49D7-8D82-24DA391FB063}" type="slidenum">
-              <a:rPr kumimoji="1" lang="ja-JP" altLang="en-US" sz="3200" smtClean="0"/>
+              <a:rPr lang="ja-JP" altLang="en-US" sz="2400"/>
               <a:t>7</a:t>
             </a:fld>
-            <a:endParaRPr kumimoji="1" lang="ja-JP" altLang="en-US" sz="3200"/>
+            <a:endParaRPr lang="ja-JP" altLang="en-US" sz="2400"/>
           </a:p>
         </p:txBody>
       </p:sp>
@@ -19123,8 +18174,8 @@
         </p:blipFill>
         <p:spPr>
           <a:xfrm>
-            <a:off x="0" y="2086693"/>
-            <a:ext cx="12192000" cy="2684613"/>
+            <a:off x="0" y="2422270"/>
+            <a:ext cx="9144000" cy="2013460"/>
           </a:xfrm>
           <a:prstGeom prst="rect">
             <a:avLst/>
